--- a/Youth_marijuana_use_analysis.pptx
+++ b/Youth_marijuana_use_analysis.pptx
@@ -5,7 +5,7 @@
     <p:sldMasterId id="2147483673" r:id="rId1"/>
   </p:sldMasterIdLst>
   <p:notesMasterIdLst>
-    <p:notesMasterId r:id="rId14"/>
+    <p:notesMasterId r:id="rId16"/>
   </p:notesMasterIdLst>
   <p:sldIdLst>
     <p:sldId id="256" r:id="rId2"/>
@@ -13,23 +13,30 @@
     <p:sldId id="296" r:id="rId4"/>
     <p:sldId id="297" r:id="rId5"/>
     <p:sldId id="303" r:id="rId6"/>
-    <p:sldId id="304" r:id="rId7"/>
-    <p:sldId id="305" r:id="rId8"/>
-    <p:sldId id="299" r:id="rId9"/>
-    <p:sldId id="306" r:id="rId10"/>
-    <p:sldId id="300" r:id="rId11"/>
-    <p:sldId id="301" r:id="rId12"/>
-    <p:sldId id="302" r:id="rId13"/>
+    <p:sldId id="308" r:id="rId7"/>
+    <p:sldId id="306" r:id="rId8"/>
+    <p:sldId id="304" r:id="rId9"/>
+    <p:sldId id="307" r:id="rId10"/>
+    <p:sldId id="305" r:id="rId11"/>
+    <p:sldId id="299" r:id="rId12"/>
+    <p:sldId id="300" r:id="rId13"/>
+    <p:sldId id="301" r:id="rId14"/>
+    <p:sldId id="302" r:id="rId15"/>
   </p:sldIdLst>
   <p:sldSz cx="9144000" cy="5143500" type="screen16x9"/>
   <p:notesSz cx="6858000" cy="9144000"/>
   <p:embeddedFontLst>
     <p:embeddedFont>
+      <p:font typeface="Grandview Display" panose="020B0502040204020203" pitchFamily="34" charset="0"/>
+      <p:regular r:id="rId17"/>
+      <p:italic r:id="rId18"/>
+    </p:embeddedFont>
+    <p:embeddedFont>
       <p:font typeface="Poppins" pitchFamily="2" charset="77"/>
-      <p:regular r:id="rId15"/>
-      <p:bold r:id="rId16"/>
-      <p:italic r:id="rId17"/>
-      <p:boldItalic r:id="rId18"/>
+      <p:regular r:id="rId19"/>
+      <p:bold r:id="rId20"/>
+      <p:italic r:id="rId21"/>
+      <p:boldItalic r:id="rId22"/>
     </p:embeddedFont>
   </p:embeddedFontLst>
   <p:defaultTextStyle>
@@ -5264,2216 +5271,6 @@
         <p:cNvPr id="1" name="Shape 213">
           <a:extLst>
             <a:ext uri="{FF2B5EF4-FFF2-40B4-BE49-F238E27FC236}">
-              <a16:creationId xmlns:a16="http://schemas.microsoft.com/office/drawing/2014/main" id="{FDA9438E-04AC-3886-D6E2-F6FE7C7795A2}"/>
-            </a:ext>
-          </a:extLst>
-        </p:cNvPr>
-        <p:cNvGrpSpPr/>
-        <p:nvPr/>
-      </p:nvGrpSpPr>
-      <p:grpSpPr>
-        <a:xfrm>
-          <a:off x="0" y="0"/>
-          <a:ext cx="0" cy="0"/>
-          <a:chOff x="0" y="0"/>
-          <a:chExt cx="0" cy="0"/>
-        </a:xfrm>
-      </p:grpSpPr>
-      <p:sp>
-        <p:nvSpPr>
-          <p:cNvPr id="214" name="Google Shape;214;p29">
-            <a:extLst>
-              <a:ext uri="{FF2B5EF4-FFF2-40B4-BE49-F238E27FC236}">
-                <a16:creationId xmlns:a16="http://schemas.microsoft.com/office/drawing/2014/main" id="{D01AC1E1-1FF2-3FE2-7B74-CB9A8C91B206}"/>
-              </a:ext>
-            </a:extLst>
-          </p:cNvPr>
-          <p:cNvSpPr txBox="1">
-            <a:spLocks noGrp="1"/>
-          </p:cNvSpPr>
-          <p:nvPr>
-            <p:ph type="title"/>
-          </p:nvPr>
-        </p:nvSpPr>
-        <p:spPr>
-          <a:xfrm>
-            <a:off x="720000" y="445025"/>
-            <a:ext cx="7086906" cy="572700"/>
-          </a:xfrm>
-          <a:prstGeom prst="rect">
-            <a:avLst/>
-          </a:prstGeom>
-        </p:spPr>
-        <p:txBody>
-          <a:bodyPr spcFirstLastPara="1" wrap="square" lIns="91425" tIns="91425" rIns="91425" bIns="91425" anchor="t" anchorCtr="0">
-            <a:noAutofit/>
-          </a:bodyPr>
-          <a:lstStyle/>
-          <a:p>
-            <a:pPr marL="0" lvl="0" indent="0" algn="l" rtl="0">
-              <a:spcBef>
-                <a:spcPts val="0"/>
-              </a:spcBef>
-              <a:spcAft>
-                <a:spcPts val="0"/>
-              </a:spcAft>
-              <a:buNone/>
-            </a:pPr>
-            <a:r>
-              <a:rPr lang="en-US" dirty="0"/>
-              <a:t>Conclusion</a:t>
-            </a:r>
-            <a:endParaRPr dirty="0"/>
-          </a:p>
-        </p:txBody>
-      </p:sp>
-      <p:sp>
-        <p:nvSpPr>
-          <p:cNvPr id="2" name="TextBox 1">
-            <a:extLst>
-              <a:ext uri="{FF2B5EF4-FFF2-40B4-BE49-F238E27FC236}">
-                <a16:creationId xmlns:a16="http://schemas.microsoft.com/office/drawing/2014/main" id="{A6D99876-4E50-6E41-0F23-2D5B6AB22D2E}"/>
-              </a:ext>
-            </a:extLst>
-          </p:cNvPr>
-          <p:cNvSpPr txBox="1"/>
-          <p:nvPr/>
-        </p:nvSpPr>
-        <p:spPr>
-          <a:xfrm>
-            <a:off x="470263" y="1017725"/>
-            <a:ext cx="7820297" cy="4185761"/>
-          </a:xfrm>
-          <a:prstGeom prst="rect">
-            <a:avLst/>
-          </a:prstGeom>
-          <a:noFill/>
-        </p:spPr>
-        <p:txBody>
-          <a:bodyPr wrap="square" rtlCol="0">
-            <a:spAutoFit/>
-          </a:bodyPr>
-          <a:lstStyle/>
-          <a:p>
-            <a:r>
-              <a:rPr lang="en-US" dirty="0"/>
-              <a:t>Binary Classification:</a:t>
-            </a:r>
-          </a:p>
-          <a:p>
-            <a:r>
-              <a:rPr lang="en-US" dirty="0"/>
-              <a:t>- The gradient boost and random forest achieved an accuracy of 88.04%.</a:t>
-            </a:r>
-          </a:p>
-          <a:p>
-            <a:pPr marL="285750" indent="-285750">
-              <a:buFontTx/>
-              <a:buChar char="-"/>
-            </a:pPr>
-            <a:r>
-              <a:rPr lang="en-US" dirty="0"/>
-              <a:t>Peer influence has greater impact on youth consuming marijuana.</a:t>
-            </a:r>
-          </a:p>
-          <a:p>
-            <a:endParaRPr lang="en-US" dirty="0"/>
-          </a:p>
-          <a:p>
-            <a:r>
-              <a:rPr lang="en-US" dirty="0"/>
-              <a:t>Multi-Class classification:</a:t>
-            </a:r>
-          </a:p>
-          <a:p>
-            <a:pPr marL="285750" indent="-285750">
-              <a:buFontTx/>
-              <a:buChar char="-"/>
-            </a:pPr>
-            <a:r>
-              <a:rPr lang="en-US" dirty="0"/>
-              <a:t>The model was only good at predicting if an individual has never used marijuana in the previous year.</a:t>
-            </a:r>
-          </a:p>
-          <a:p>
-            <a:pPr marL="285750" indent="-285750">
-              <a:buFontTx/>
-              <a:buChar char="-"/>
-            </a:pPr>
-            <a:r>
-              <a:rPr lang="en-US" dirty="0"/>
-              <a:t>Highest accuracy is achieved by pruned decision tree which is 87.47%</a:t>
-            </a:r>
-          </a:p>
-          <a:p>
-            <a:endParaRPr lang="en-US" dirty="0"/>
-          </a:p>
-          <a:p>
-            <a:r>
-              <a:rPr lang="en-US" dirty="0"/>
-              <a:t>Regression</a:t>
-            </a:r>
-          </a:p>
-          <a:p>
-            <a:r>
-              <a:rPr lang="en-US" dirty="0"/>
-              <a:t>-  The random forest model shows a decent performance with low MSE about 1.91.</a:t>
-            </a:r>
-          </a:p>
-          <a:p>
-            <a:pPr marL="285750" indent="-285750">
-              <a:buFontTx/>
-              <a:buChar char="-"/>
-            </a:pPr>
-            <a:r>
-              <a:rPr lang="en-US" dirty="0"/>
-              <a:t>From the plot the data points don’t cluster perfectly around the diagonal line. This suggests that the model is not making very good predictions.</a:t>
-            </a:r>
-          </a:p>
-          <a:p>
-            <a:endParaRPr lang="en-US" dirty="0"/>
-          </a:p>
-          <a:p>
-            <a:r>
-              <a:rPr lang="en-US" dirty="0"/>
-              <a:t>Future Scope:</a:t>
-            </a:r>
-          </a:p>
-          <a:p>
-            <a:r>
-              <a:rPr lang="en-US" dirty="0"/>
-              <a:t>- Addressing the </a:t>
-            </a:r>
-            <a:r>
-              <a:rPr lang="en-US" b="1" dirty="0"/>
-              <a:t>class imbalance</a:t>
-            </a:r>
-            <a:r>
-              <a:rPr lang="en-US" dirty="0"/>
-              <a:t> in the multiclass classification task using </a:t>
-            </a:r>
-            <a:r>
-              <a:rPr lang="en-US" b="1" dirty="0"/>
-              <a:t>resampling techniques like SMOTE</a:t>
-            </a:r>
-            <a:r>
-              <a:rPr lang="en-US" dirty="0"/>
-              <a:t> (Synthetic Minority Over-sampling Technique).</a:t>
-            </a:r>
-          </a:p>
-          <a:p>
-            <a:endParaRPr lang="en-US" dirty="0"/>
-          </a:p>
-          <a:p>
-            <a:pPr marL="285750" indent="-285750">
-              <a:buFontTx/>
-              <a:buChar char="-"/>
-            </a:pPr>
-            <a:endParaRPr lang="en-US" dirty="0"/>
-          </a:p>
-        </p:txBody>
-      </p:sp>
-    </p:spTree>
-    <p:extLst>
-      <p:ext uri="{BB962C8B-B14F-4D97-AF65-F5344CB8AC3E}">
-        <p14:creationId xmlns:p14="http://schemas.microsoft.com/office/powerpoint/2010/main" val="4152371043"/>
-      </p:ext>
-    </p:extLst>
-  </p:cSld>
-  <p:clrMapOvr>
-    <a:masterClrMapping/>
-  </p:clrMapOvr>
-</p:sld>
-</file>
-
-<file path=ppt/slides/slide11.xml><?xml version="1.0" encoding="utf-8"?>
-<p:sld xmlns:a="http://schemas.openxmlformats.org/drawingml/2006/main" xmlns:r="http://schemas.openxmlformats.org/officeDocument/2006/relationships" xmlns:p="http://schemas.openxmlformats.org/presentationml/2006/main">
-  <p:cSld>
-    <p:spTree>
-      <p:nvGrpSpPr>
-        <p:cNvPr id="1" name="Shape 213">
-          <a:extLst>
-            <a:ext uri="{FF2B5EF4-FFF2-40B4-BE49-F238E27FC236}">
-              <a16:creationId xmlns:a16="http://schemas.microsoft.com/office/drawing/2014/main" id="{7E5B80D4-4EBD-81D9-7358-303D11E11428}"/>
-            </a:ext>
-          </a:extLst>
-        </p:cNvPr>
-        <p:cNvGrpSpPr/>
-        <p:nvPr/>
-      </p:nvGrpSpPr>
-      <p:grpSpPr>
-        <a:xfrm>
-          <a:off x="0" y="0"/>
-          <a:ext cx="0" cy="0"/>
-          <a:chOff x="0" y="0"/>
-          <a:chExt cx="0" cy="0"/>
-        </a:xfrm>
-      </p:grpSpPr>
-      <p:sp>
-        <p:nvSpPr>
-          <p:cNvPr id="214" name="Google Shape;214;p29">
-            <a:extLst>
-              <a:ext uri="{FF2B5EF4-FFF2-40B4-BE49-F238E27FC236}">
-                <a16:creationId xmlns:a16="http://schemas.microsoft.com/office/drawing/2014/main" id="{0F8A1458-B436-FE02-727F-696F052B874F}"/>
-              </a:ext>
-            </a:extLst>
-          </p:cNvPr>
-          <p:cNvSpPr txBox="1">
-            <a:spLocks noGrp="1"/>
-          </p:cNvSpPr>
-          <p:nvPr>
-            <p:ph type="title"/>
-          </p:nvPr>
-        </p:nvSpPr>
-        <p:spPr>
-          <a:xfrm>
-            <a:off x="720000" y="445025"/>
-            <a:ext cx="7086906" cy="572700"/>
-          </a:xfrm>
-          <a:prstGeom prst="rect">
-            <a:avLst/>
-          </a:prstGeom>
-        </p:spPr>
-        <p:txBody>
-          <a:bodyPr spcFirstLastPara="1" wrap="square" lIns="91425" tIns="91425" rIns="91425" bIns="91425" anchor="t" anchorCtr="0">
-            <a:noAutofit/>
-          </a:bodyPr>
-          <a:lstStyle/>
-          <a:p>
-            <a:pPr marL="0" lvl="0" indent="0" algn="l" rtl="0">
-              <a:spcBef>
-                <a:spcPts val="0"/>
-              </a:spcBef>
-              <a:spcAft>
-                <a:spcPts val="0"/>
-              </a:spcAft>
-              <a:buNone/>
-            </a:pPr>
-            <a:r>
-              <a:rPr lang="en-US" dirty="0"/>
-              <a:t>References</a:t>
-            </a:r>
-            <a:endParaRPr dirty="0"/>
-          </a:p>
-        </p:txBody>
-      </p:sp>
-      <p:sp>
-        <p:nvSpPr>
-          <p:cNvPr id="2" name="TextBox 1">
-            <a:extLst>
-              <a:ext uri="{FF2B5EF4-FFF2-40B4-BE49-F238E27FC236}">
-                <a16:creationId xmlns:a16="http://schemas.microsoft.com/office/drawing/2014/main" id="{26CB7F51-CB67-625F-4FFE-41F5B085FA92}"/>
-              </a:ext>
-            </a:extLst>
-          </p:cNvPr>
-          <p:cNvSpPr txBox="1"/>
-          <p:nvPr/>
-        </p:nvSpPr>
-        <p:spPr>
-          <a:xfrm>
-            <a:off x="513744" y="1017725"/>
-            <a:ext cx="7021462" cy="1384995"/>
-          </a:xfrm>
-          <a:prstGeom prst="rect">
-            <a:avLst/>
-          </a:prstGeom>
-          <a:noFill/>
-        </p:spPr>
-        <p:txBody>
-          <a:bodyPr wrap="square" rtlCol="0">
-            <a:spAutoFit/>
-          </a:bodyPr>
-          <a:lstStyle/>
-          <a:p>
-            <a:r>
-              <a:rPr lang="en-US" dirty="0"/>
-              <a:t>[1] National Survey on Drug Use and Health (NSDUH) 2020. [Codebook].</a:t>
-            </a:r>
-          </a:p>
-          <a:p>
-            <a:r>
-              <a:rPr lang="en-US" dirty="0">
-                <a:hlinkClick r:id="rId3"/>
-              </a:rPr>
-              <a:t>https://www.samhsa.gov/data/data-we-collect/nsduh-national-survey-drug-use-and-health/datafiles/2020</a:t>
-            </a:r>
-            <a:endParaRPr lang="en-US" dirty="0"/>
-          </a:p>
-          <a:p>
-            <a:r>
-              <a:rPr lang="en-US" dirty="0"/>
-              <a:t>[2] </a:t>
-            </a:r>
-            <a:r>
-              <a:rPr lang="en-US" dirty="0">
-                <a:hlinkClick r:id="rId4"/>
-              </a:rPr>
-              <a:t>https://scikit-learn.org/stable/modules/ensemble.html</a:t>
-            </a:r>
-            <a:endParaRPr lang="en-US" dirty="0"/>
-          </a:p>
-          <a:p>
-            <a:r>
-              <a:rPr lang="en-US" dirty="0"/>
-              <a:t>[3] </a:t>
-            </a:r>
-            <a:r>
-              <a:rPr lang="en-US" dirty="0">
-                <a:hlinkClick r:id="rId5"/>
-              </a:rPr>
-              <a:t>https://hastie.su.domains/ISLP/ISLP_website.pdf.download.html</a:t>
-            </a:r>
-            <a:endParaRPr lang="en-US" dirty="0"/>
-          </a:p>
-          <a:p>
-            <a:r>
-              <a:rPr lang="en-US" dirty="0"/>
-              <a:t>[4] </a:t>
-            </a:r>
-            <a:r>
-              <a:rPr lang="en-US" dirty="0">
-                <a:hlinkClick r:id="rId6"/>
-              </a:rPr>
-              <a:t>https://scikit-learn.org/stable/modules/cross_validation.html</a:t>
-            </a:r>
-            <a:endParaRPr lang="en-US" dirty="0"/>
-          </a:p>
-        </p:txBody>
-      </p:sp>
-    </p:spTree>
-    <p:extLst>
-      <p:ext uri="{BB962C8B-B14F-4D97-AF65-F5344CB8AC3E}">
-        <p14:creationId xmlns:p14="http://schemas.microsoft.com/office/powerpoint/2010/main" val="3341020133"/>
-      </p:ext>
-    </p:extLst>
-  </p:cSld>
-  <p:clrMapOvr>
-    <a:masterClrMapping/>
-  </p:clrMapOvr>
-</p:sld>
-</file>
-
-<file path=ppt/slides/slide12.xml><?xml version="1.0" encoding="utf-8"?>
-<p:sld xmlns:a="http://schemas.openxmlformats.org/drawingml/2006/main" xmlns:r="http://schemas.openxmlformats.org/officeDocument/2006/relationships" xmlns:p="http://schemas.openxmlformats.org/presentationml/2006/main">
-  <p:cSld>
-    <p:spTree>
-      <p:nvGrpSpPr>
-        <p:cNvPr id="1" name="Shape 213">
-          <a:extLst>
-            <a:ext uri="{FF2B5EF4-FFF2-40B4-BE49-F238E27FC236}">
-              <a16:creationId xmlns:a16="http://schemas.microsoft.com/office/drawing/2014/main" id="{BE165A9F-8E8C-37C4-A3F6-B5DB8F7C35AE}"/>
-            </a:ext>
-          </a:extLst>
-        </p:cNvPr>
-        <p:cNvGrpSpPr/>
-        <p:nvPr/>
-      </p:nvGrpSpPr>
-      <p:grpSpPr>
-        <a:xfrm>
-          <a:off x="0" y="0"/>
-          <a:ext cx="0" cy="0"/>
-          <a:chOff x="0" y="0"/>
-          <a:chExt cx="0" cy="0"/>
-        </a:xfrm>
-      </p:grpSpPr>
-      <p:sp>
-        <p:nvSpPr>
-          <p:cNvPr id="214" name="Google Shape;214;p29">
-            <a:extLst>
-              <a:ext uri="{FF2B5EF4-FFF2-40B4-BE49-F238E27FC236}">
-                <a16:creationId xmlns:a16="http://schemas.microsoft.com/office/drawing/2014/main" id="{000FE0D3-76BC-9518-3E72-84370928FF78}"/>
-              </a:ext>
-            </a:extLst>
-          </p:cNvPr>
-          <p:cNvSpPr txBox="1">
-            <a:spLocks noGrp="1"/>
-          </p:cNvSpPr>
-          <p:nvPr>
-            <p:ph type="title"/>
-          </p:nvPr>
-        </p:nvSpPr>
-        <p:spPr>
-          <a:xfrm>
-            <a:off x="2199480" y="1873133"/>
-            <a:ext cx="7086906" cy="572700"/>
-          </a:xfrm>
-          <a:prstGeom prst="rect">
-            <a:avLst/>
-          </a:prstGeom>
-        </p:spPr>
-        <p:txBody>
-          <a:bodyPr spcFirstLastPara="1" wrap="square" lIns="91425" tIns="91425" rIns="91425" bIns="91425" anchor="t" anchorCtr="0">
-            <a:noAutofit/>
-          </a:bodyPr>
-          <a:lstStyle/>
-          <a:p>
-            <a:pPr marL="0" lvl="0" indent="0" algn="l" rtl="0">
-              <a:spcBef>
-                <a:spcPts val="0"/>
-              </a:spcBef>
-              <a:spcAft>
-                <a:spcPts val="0"/>
-              </a:spcAft>
-              <a:buNone/>
-            </a:pPr>
-            <a:r>
-              <a:rPr lang="en-US" sz="4800" dirty="0"/>
-              <a:t>Thank You</a:t>
-            </a:r>
-            <a:endParaRPr sz="4800" dirty="0"/>
-          </a:p>
-        </p:txBody>
-      </p:sp>
-    </p:spTree>
-    <p:extLst>
-      <p:ext uri="{BB962C8B-B14F-4D97-AF65-F5344CB8AC3E}">
-        <p14:creationId xmlns:p14="http://schemas.microsoft.com/office/powerpoint/2010/main" val="525962066"/>
-      </p:ext>
-    </p:extLst>
-  </p:cSld>
-  <p:clrMapOvr>
-    <a:masterClrMapping/>
-  </p:clrMapOvr>
-</p:sld>
-</file>
-
-<file path=ppt/slides/slide2.xml><?xml version="1.0" encoding="utf-8"?>
-<p:sld xmlns:a="http://schemas.openxmlformats.org/drawingml/2006/main" xmlns:r="http://schemas.openxmlformats.org/officeDocument/2006/relationships" xmlns:p="http://schemas.openxmlformats.org/presentationml/2006/main">
-  <p:cSld>
-    <p:spTree>
-      <p:nvGrpSpPr>
-        <p:cNvPr id="1" name="Shape 213"/>
-        <p:cNvGrpSpPr/>
-        <p:nvPr/>
-      </p:nvGrpSpPr>
-      <p:grpSpPr>
-        <a:xfrm>
-          <a:off x="0" y="0"/>
-          <a:ext cx="0" cy="0"/>
-          <a:chOff x="0" y="0"/>
-          <a:chExt cx="0" cy="0"/>
-        </a:xfrm>
-      </p:grpSpPr>
-      <p:sp>
-        <p:nvSpPr>
-          <p:cNvPr id="214" name="Google Shape;214;p29"/>
-          <p:cNvSpPr txBox="1">
-            <a:spLocks noGrp="1"/>
-          </p:cNvSpPr>
-          <p:nvPr>
-            <p:ph type="title"/>
-          </p:nvPr>
-        </p:nvSpPr>
-        <p:spPr>
-          <a:xfrm>
-            <a:off x="720000" y="445025"/>
-            <a:ext cx="7086906" cy="572700"/>
-          </a:xfrm>
-          <a:prstGeom prst="rect">
-            <a:avLst/>
-          </a:prstGeom>
-        </p:spPr>
-        <p:txBody>
-          <a:bodyPr spcFirstLastPara="1" wrap="square" lIns="91425" tIns="91425" rIns="91425" bIns="91425" anchor="t" anchorCtr="0">
-            <a:noAutofit/>
-          </a:bodyPr>
-          <a:lstStyle/>
-          <a:p>
-            <a:pPr marL="0" lvl="0" indent="0" algn="l" rtl="0">
-              <a:spcBef>
-                <a:spcPts val="0"/>
-              </a:spcBef>
-              <a:spcAft>
-                <a:spcPts val="0"/>
-              </a:spcAft>
-              <a:buNone/>
-            </a:pPr>
-            <a:r>
-              <a:rPr lang="en-US" sz="3200" dirty="0"/>
-              <a:t>Introduction</a:t>
-            </a:r>
-            <a:endParaRPr dirty="0"/>
-          </a:p>
-        </p:txBody>
-      </p:sp>
-      <p:sp>
-        <p:nvSpPr>
-          <p:cNvPr id="3" name="TextBox 2">
-            <a:extLst>
-              <a:ext uri="{FF2B5EF4-FFF2-40B4-BE49-F238E27FC236}">
-                <a16:creationId xmlns:a16="http://schemas.microsoft.com/office/drawing/2014/main" id="{96794EC9-9905-3D45-E135-6C2C57D843EC}"/>
-              </a:ext>
-            </a:extLst>
-          </p:cNvPr>
-          <p:cNvSpPr txBox="1"/>
-          <p:nvPr/>
-        </p:nvSpPr>
-        <p:spPr>
-          <a:xfrm>
-            <a:off x="554886" y="1017725"/>
-            <a:ext cx="7417133" cy="3939540"/>
-          </a:xfrm>
-          <a:prstGeom prst="rect">
-            <a:avLst/>
-          </a:prstGeom>
-          <a:noFill/>
-        </p:spPr>
-        <p:txBody>
-          <a:bodyPr wrap="square" rtlCol="0">
-            <a:spAutoFit/>
-          </a:bodyPr>
-          <a:lstStyle/>
-          <a:p>
-            <a:r>
-              <a:rPr lang="en-US" dirty="0"/>
-              <a:t>This project mainly focuses on analyzing the National Survey on Drug Usage and Health data and make predictions.</a:t>
-            </a:r>
-          </a:p>
-          <a:p>
-            <a:endParaRPr lang="en-US" dirty="0"/>
-          </a:p>
-          <a:p>
-            <a:r>
-              <a:rPr lang="en-US" dirty="0"/>
-              <a:t>Explored three different problems</a:t>
-            </a:r>
-          </a:p>
-          <a:p>
-            <a:pPr marL="285750" indent="-285750">
-              <a:buFont typeface="Arial" panose="020B0604020202020204" pitchFamily="34" charset="0"/>
-              <a:buChar char="•"/>
-            </a:pPr>
-            <a:r>
-              <a:rPr lang="en-US" dirty="0"/>
-              <a:t>Binary Classification – </a:t>
-            </a:r>
-            <a:r>
-              <a:rPr lang="en-US" sz="1100" dirty="0">
-                <a:latin typeface="+mn-lt"/>
-              </a:rPr>
-              <a:t>(</a:t>
-            </a:r>
-            <a:r>
-              <a:rPr lang="en-US" sz="1100" b="0" i="0" dirty="0">
-                <a:effectLst/>
-                <a:latin typeface="+mn-lt"/>
-              </a:rPr>
-              <a:t>This is to classify whether the youth use marijuana or not.) </a:t>
-            </a:r>
-            <a:endParaRPr lang="en-US" sz="1200" dirty="0">
-              <a:latin typeface="+mn-lt"/>
-            </a:endParaRPr>
-          </a:p>
-          <a:p>
-            <a:pPr marL="285750" indent="-285750">
-              <a:buFont typeface="Arial" panose="020B0604020202020204" pitchFamily="34" charset="0"/>
-              <a:buChar char="•"/>
-            </a:pPr>
-            <a:r>
-              <a:rPr lang="en-US" dirty="0"/>
-              <a:t>Multi Class Classification – </a:t>
-            </a:r>
-            <a:r>
-              <a:rPr lang="en-US" sz="1100" dirty="0">
-                <a:latin typeface="+mn-lt"/>
-              </a:rPr>
-              <a:t>(</a:t>
-            </a:r>
-            <a:r>
-              <a:rPr lang="en-US" sz="1100" b="0" i="0" dirty="0">
-                <a:effectLst/>
-                <a:latin typeface="+mn-lt"/>
-              </a:rPr>
-              <a:t>This involves estimating the frequency of marijuana use over the past year.</a:t>
-            </a:r>
-            <a:r>
-              <a:rPr lang="en-US" sz="1200" b="0" i="0" dirty="0">
-                <a:effectLst/>
-                <a:latin typeface="system-ui"/>
-              </a:rPr>
-              <a:t>)</a:t>
-            </a:r>
-            <a:endParaRPr lang="en-US" dirty="0"/>
-          </a:p>
-          <a:p>
-            <a:pPr marL="285750" indent="-285750">
-              <a:buFont typeface="Arial" panose="020B0604020202020204" pitchFamily="34" charset="0"/>
-              <a:buChar char="•"/>
-            </a:pPr>
-            <a:r>
-              <a:rPr lang="en-US" dirty="0"/>
-              <a:t>Regression – </a:t>
-            </a:r>
-            <a:r>
-              <a:rPr lang="en-US" sz="1200" dirty="0"/>
-              <a:t>(</a:t>
-            </a:r>
-            <a:r>
-              <a:rPr lang="en-US" sz="1200" b="0" i="0" dirty="0">
-                <a:effectLst/>
-                <a:latin typeface="system-ui"/>
-              </a:rPr>
-              <a:t>This involves predicting the age of first marijuana use.)</a:t>
-            </a:r>
-          </a:p>
-          <a:p>
-            <a:endParaRPr lang="en-US" sz="1200" dirty="0">
-              <a:latin typeface="system-ui"/>
-            </a:endParaRPr>
-          </a:p>
-          <a:p>
-            <a:r>
-              <a:rPr lang="en-US" dirty="0"/>
-              <a:t>Dataset</a:t>
-            </a:r>
-          </a:p>
-          <a:p>
-            <a:pPr marL="285750" indent="-285750">
-              <a:buFont typeface="Arial" panose="020B0604020202020204" pitchFamily="34" charset="0"/>
-              <a:buChar char="•"/>
-            </a:pPr>
-            <a:r>
-              <a:rPr lang="en-US" dirty="0"/>
-              <a:t>Includes data on Substance use, Age of first use of each substance use, parental monitoring, peer behavior, school engagement.</a:t>
-            </a:r>
-          </a:p>
-          <a:p>
-            <a:pPr marL="285750" indent="-285750">
-              <a:buFont typeface="Arial" panose="020B0604020202020204" pitchFamily="34" charset="0"/>
-              <a:buChar char="•"/>
-            </a:pPr>
-            <a:r>
-              <a:rPr lang="en-US" dirty="0"/>
-              <a:t>Demographic details</a:t>
-            </a:r>
-          </a:p>
-          <a:p>
-            <a:pPr marL="285750" indent="-285750">
-              <a:buFont typeface="Arial" panose="020B0604020202020204" pitchFamily="34" charset="0"/>
-              <a:buChar char="•"/>
-            </a:pPr>
-            <a:endParaRPr lang="en-US" dirty="0"/>
-          </a:p>
-          <a:p>
-            <a:r>
-              <a:rPr lang="en-US" dirty="0"/>
-              <a:t>Methods used to interpret model for the above problems:</a:t>
-            </a:r>
-          </a:p>
-          <a:p>
-            <a:pPr marL="285750" indent="-285750">
-              <a:buFont typeface="Arial" panose="020B0604020202020204" pitchFamily="34" charset="0"/>
-              <a:buChar char="•"/>
-            </a:pPr>
-            <a:r>
-              <a:rPr lang="en-US" dirty="0"/>
-              <a:t>Decision Trees</a:t>
-            </a:r>
-          </a:p>
-          <a:p>
-            <a:pPr marL="285750" indent="-285750">
-              <a:buFont typeface="Arial" panose="020B0604020202020204" pitchFamily="34" charset="0"/>
-              <a:buChar char="•"/>
-            </a:pPr>
-            <a:r>
-              <a:rPr lang="en-US" dirty="0"/>
-              <a:t>Ensemble methods (Bagging, Random Forest, Boosting)</a:t>
-            </a:r>
-          </a:p>
-          <a:p>
-            <a:endParaRPr lang="en-US" dirty="0"/>
-          </a:p>
-          <a:p>
-            <a:endParaRPr lang="en-US" dirty="0"/>
-          </a:p>
-        </p:txBody>
-      </p:sp>
-    </p:spTree>
-  </p:cSld>
-  <p:clrMapOvr>
-    <a:masterClrMapping/>
-  </p:clrMapOvr>
-</p:sld>
-</file>
-
-<file path=ppt/slides/slide3.xml><?xml version="1.0" encoding="utf-8"?>
-<p:sld xmlns:a="http://schemas.openxmlformats.org/drawingml/2006/main" xmlns:r="http://schemas.openxmlformats.org/officeDocument/2006/relationships" xmlns:p="http://schemas.openxmlformats.org/presentationml/2006/main">
-  <p:cSld>
-    <p:spTree>
-      <p:nvGrpSpPr>
-        <p:cNvPr id="1" name="Shape 213">
-          <a:extLst>
-            <a:ext uri="{FF2B5EF4-FFF2-40B4-BE49-F238E27FC236}">
-              <a16:creationId xmlns:a16="http://schemas.microsoft.com/office/drawing/2014/main" id="{D11B29A9-D7F0-AC1A-7C9E-68AC80001AED}"/>
-            </a:ext>
-          </a:extLst>
-        </p:cNvPr>
-        <p:cNvGrpSpPr/>
-        <p:nvPr/>
-      </p:nvGrpSpPr>
-      <p:grpSpPr>
-        <a:xfrm>
-          <a:off x="0" y="0"/>
-          <a:ext cx="0" cy="0"/>
-          <a:chOff x="0" y="0"/>
-          <a:chExt cx="0" cy="0"/>
-        </a:xfrm>
-      </p:grpSpPr>
-      <p:sp>
-        <p:nvSpPr>
-          <p:cNvPr id="214" name="Google Shape;214;p29">
-            <a:extLst>
-              <a:ext uri="{FF2B5EF4-FFF2-40B4-BE49-F238E27FC236}">
-                <a16:creationId xmlns:a16="http://schemas.microsoft.com/office/drawing/2014/main" id="{39ADB5BB-FB59-9B9A-57D4-EB32B141759F}"/>
-              </a:ext>
-            </a:extLst>
-          </p:cNvPr>
-          <p:cNvSpPr txBox="1">
-            <a:spLocks noGrp="1"/>
-          </p:cNvSpPr>
-          <p:nvPr>
-            <p:ph type="title"/>
-          </p:nvPr>
-        </p:nvSpPr>
-        <p:spPr>
-          <a:xfrm>
-            <a:off x="720000" y="445025"/>
-            <a:ext cx="7086906" cy="572700"/>
-          </a:xfrm>
-          <a:prstGeom prst="rect">
-            <a:avLst/>
-          </a:prstGeom>
-        </p:spPr>
-        <p:txBody>
-          <a:bodyPr spcFirstLastPara="1" wrap="square" lIns="91425" tIns="91425" rIns="91425" bIns="91425" anchor="t" anchorCtr="0">
-            <a:noAutofit/>
-          </a:bodyPr>
-          <a:lstStyle/>
-          <a:p>
-            <a:pPr marL="0" lvl="0" indent="0" algn="l" rtl="0">
-              <a:spcBef>
-                <a:spcPts val="0"/>
-              </a:spcBef>
-              <a:spcAft>
-                <a:spcPts val="0"/>
-              </a:spcAft>
-              <a:buNone/>
-            </a:pPr>
-            <a:r>
-              <a:rPr lang="en-US" sz="3200" dirty="0"/>
-              <a:t>Background</a:t>
-            </a:r>
-            <a:endParaRPr sz="3200" dirty="0"/>
-          </a:p>
-        </p:txBody>
-      </p:sp>
-      <p:sp>
-        <p:nvSpPr>
-          <p:cNvPr id="3" name="TextBox 2">
-            <a:extLst>
-              <a:ext uri="{FF2B5EF4-FFF2-40B4-BE49-F238E27FC236}">
-                <a16:creationId xmlns:a16="http://schemas.microsoft.com/office/drawing/2014/main" id="{BF0C06E4-BC90-3AF9-30B5-383E0A3D032D}"/>
-              </a:ext>
-            </a:extLst>
-          </p:cNvPr>
-          <p:cNvSpPr txBox="1"/>
-          <p:nvPr/>
-        </p:nvSpPr>
-        <p:spPr>
-          <a:xfrm>
-            <a:off x="470870" y="1105989"/>
-            <a:ext cx="7585165" cy="4247317"/>
-          </a:xfrm>
-          <a:prstGeom prst="rect">
-            <a:avLst/>
-          </a:prstGeom>
-          <a:noFill/>
-        </p:spPr>
-        <p:txBody>
-          <a:bodyPr wrap="square" rtlCol="0">
-            <a:spAutoFit/>
-          </a:bodyPr>
-          <a:lstStyle/>
-          <a:p>
-            <a:r>
-              <a:rPr lang="en-US" dirty="0"/>
-              <a:t>For the defined problems I have used decision trees including ensemble methods to make better predictions &amp; classifications.</a:t>
-            </a:r>
-          </a:p>
-          <a:p>
-            <a:r>
-              <a:rPr lang="en-US" b="1" dirty="0"/>
-              <a:t>Decision Tree</a:t>
-            </a:r>
-          </a:p>
-          <a:p>
-            <a:r>
-              <a:rPr lang="en-US" dirty="0"/>
-              <a:t> - Built using top-down greedy or recursive binary splitting approach.</a:t>
-            </a:r>
-          </a:p>
-          <a:p>
-            <a:r>
-              <a:rPr lang="en-US" dirty="0"/>
-              <a:t> - Measure of Goodness ( Classification error, Gini Index, Entropy).</a:t>
-            </a:r>
-          </a:p>
-          <a:p>
-            <a:r>
-              <a:rPr lang="en-US" dirty="0"/>
-              <a:t> - Stopping criteria is specified in terms of tree depth, optimal tree size.</a:t>
-            </a:r>
-          </a:p>
-          <a:p>
-            <a:r>
-              <a:rPr lang="en-US" dirty="0"/>
-              <a:t> - </a:t>
-            </a:r>
-            <a:r>
-              <a:rPr lang="en-US" b="1" dirty="0"/>
-              <a:t>PRUNING</a:t>
-            </a:r>
-            <a:r>
-              <a:rPr lang="en-US" dirty="0"/>
-              <a:t> is performed to reduce the complexity of the model and improve accuracy.</a:t>
-            </a:r>
-          </a:p>
-          <a:p>
-            <a:endParaRPr lang="en-US" dirty="0"/>
-          </a:p>
-          <a:p>
-            <a:r>
-              <a:rPr lang="en-US" dirty="0">
-                <a:latin typeface="+mn-lt"/>
-                <a:cs typeface="Times New Roman" panose="02020603050405020304" pitchFamily="18" charset="0"/>
-              </a:rPr>
-              <a:t>To reduce overfitting </a:t>
-            </a:r>
-            <a:r>
-              <a:rPr lang="en-US" b="1" dirty="0">
-                <a:latin typeface="+mn-lt"/>
-                <a:cs typeface="Times New Roman" panose="02020603050405020304" pitchFamily="18" charset="0"/>
-              </a:rPr>
-              <a:t>ensemble methods </a:t>
-            </a:r>
-            <a:r>
-              <a:rPr lang="en-US" dirty="0">
-                <a:latin typeface="+mn-lt"/>
-                <a:cs typeface="Times New Roman" panose="02020603050405020304" pitchFamily="18" charset="0"/>
-              </a:rPr>
-              <a:t>are used</a:t>
-            </a:r>
-          </a:p>
-          <a:p>
-            <a:r>
-              <a:rPr lang="en-US" b="1" dirty="0"/>
-              <a:t>Bagging: </a:t>
-            </a:r>
-            <a:r>
-              <a:rPr lang="en-US" sz="1200" dirty="0">
-                <a:latin typeface="+mn-lt"/>
-                <a:cs typeface="Times New Roman" panose="02020603050405020304" pitchFamily="18" charset="0"/>
-              </a:rPr>
-              <a:t>Bootstrapping the training data, build the model and combine the models.</a:t>
-            </a:r>
-          </a:p>
-          <a:p>
-            <a:pPr marL="171450" indent="-171450">
-              <a:buFontTx/>
-              <a:buChar char="-"/>
-            </a:pPr>
-            <a:r>
-              <a:rPr lang="en-US" sz="1200" dirty="0">
-                <a:latin typeface="+mn-lt"/>
-                <a:cs typeface="Times New Roman" panose="02020603050405020304" pitchFamily="18" charset="0"/>
-              </a:rPr>
-              <a:t>Classification (majority vote), Regression (Average).        Hyperparameters – Number of trees, maximum depth of tree.</a:t>
-            </a:r>
-          </a:p>
-          <a:p>
-            <a:r>
-              <a:rPr lang="en-US" b="1" dirty="0"/>
-              <a:t>Random Forest: </a:t>
-            </a:r>
-            <a:r>
-              <a:rPr lang="en-US" sz="1200" dirty="0">
-                <a:latin typeface="+mn-lt"/>
-                <a:cs typeface="Times New Roman" panose="02020603050405020304" pitchFamily="18" charset="0"/>
-              </a:rPr>
-              <a:t>Random set of variables are chosen along with random sample of data.</a:t>
-            </a:r>
-          </a:p>
-          <a:p>
-            <a:pPr marL="285750" indent="-285750">
-              <a:buFontTx/>
-              <a:buChar char="-"/>
-            </a:pPr>
-            <a:r>
-              <a:rPr lang="en-US" sz="1200" dirty="0">
-                <a:latin typeface="+mn-lt"/>
-                <a:cs typeface="Times New Roman" panose="02020603050405020304" pitchFamily="18" charset="0"/>
-              </a:rPr>
-              <a:t>Number of predictors at each split = sqrt(Total number of predictors)</a:t>
-            </a:r>
-          </a:p>
-          <a:p>
-            <a:pPr marL="285750" indent="-285750">
-              <a:buFontTx/>
-              <a:buChar char="-"/>
-            </a:pPr>
-            <a:r>
-              <a:rPr lang="en-US" sz="1200" dirty="0">
-                <a:latin typeface="+mn-lt"/>
-                <a:cs typeface="Times New Roman" panose="02020603050405020304" pitchFamily="18" charset="0"/>
-              </a:rPr>
-              <a:t>Hyperparameters – Number of trees, number of predictors, maximum depth of tree.</a:t>
-            </a:r>
-          </a:p>
-          <a:p>
-            <a:r>
-              <a:rPr lang="en-US" b="1" dirty="0"/>
-              <a:t>Boosting: </a:t>
-            </a:r>
-            <a:r>
-              <a:rPr lang="en-US" sz="1200" dirty="0">
-                <a:latin typeface="+mn-lt"/>
-                <a:cs typeface="Times New Roman" panose="02020603050405020304" pitchFamily="18" charset="0"/>
-              </a:rPr>
-              <a:t>This creates a strong learner by gradually adding weak learners.</a:t>
-            </a:r>
-          </a:p>
-          <a:p>
-            <a:pPr marL="285750" indent="-285750">
-              <a:buFontTx/>
-              <a:buChar char="-"/>
-            </a:pPr>
-            <a:r>
-              <a:rPr lang="en-US" sz="1200" dirty="0">
-                <a:latin typeface="+mn-lt"/>
-                <a:cs typeface="Times New Roman" panose="02020603050405020304" pitchFamily="18" charset="0"/>
-              </a:rPr>
-              <a:t>Hyperparameters – Shrinkage Values, Number of trees</a:t>
-            </a:r>
-          </a:p>
-          <a:p>
-            <a:endParaRPr lang="en-US" b="1" dirty="0"/>
-          </a:p>
-          <a:p>
-            <a:endParaRPr lang="en-US" b="1" dirty="0"/>
-          </a:p>
-          <a:p>
-            <a:endParaRPr lang="en-US" b="1" dirty="0"/>
-          </a:p>
-        </p:txBody>
-      </p:sp>
-    </p:spTree>
-    <p:extLst>
-      <p:ext uri="{BB962C8B-B14F-4D97-AF65-F5344CB8AC3E}">
-        <p14:creationId xmlns:p14="http://schemas.microsoft.com/office/powerpoint/2010/main" val="2760791839"/>
-      </p:ext>
-    </p:extLst>
-  </p:cSld>
-  <p:clrMapOvr>
-    <a:masterClrMapping/>
-  </p:clrMapOvr>
-</p:sld>
-</file>
-
-<file path=ppt/slides/slide4.xml><?xml version="1.0" encoding="utf-8"?>
-<p:sld xmlns:a="http://schemas.openxmlformats.org/drawingml/2006/main" xmlns:r="http://schemas.openxmlformats.org/officeDocument/2006/relationships" xmlns:p="http://schemas.openxmlformats.org/presentationml/2006/main">
-  <p:cSld>
-    <p:spTree>
-      <p:nvGrpSpPr>
-        <p:cNvPr id="1" name="Shape 213">
-          <a:extLst>
-            <a:ext uri="{FF2B5EF4-FFF2-40B4-BE49-F238E27FC236}">
-              <a16:creationId xmlns:a16="http://schemas.microsoft.com/office/drawing/2014/main" id="{EAAFB695-B4E2-A57A-F0E9-340EB6383E55}"/>
-            </a:ext>
-          </a:extLst>
-        </p:cNvPr>
-        <p:cNvGrpSpPr/>
-        <p:nvPr/>
-      </p:nvGrpSpPr>
-      <p:grpSpPr>
-        <a:xfrm>
-          <a:off x="0" y="0"/>
-          <a:ext cx="0" cy="0"/>
-          <a:chOff x="0" y="0"/>
-          <a:chExt cx="0" cy="0"/>
-        </a:xfrm>
-      </p:grpSpPr>
-      <p:sp>
-        <p:nvSpPr>
-          <p:cNvPr id="214" name="Google Shape;214;p29">
-            <a:extLst>
-              <a:ext uri="{FF2B5EF4-FFF2-40B4-BE49-F238E27FC236}">
-                <a16:creationId xmlns:a16="http://schemas.microsoft.com/office/drawing/2014/main" id="{FC2D735B-DF73-10FD-DAF9-C2BA427E673B}"/>
-              </a:ext>
-            </a:extLst>
-          </p:cNvPr>
-          <p:cNvSpPr txBox="1">
-            <a:spLocks noGrp="1"/>
-          </p:cNvSpPr>
-          <p:nvPr>
-            <p:ph type="title"/>
-          </p:nvPr>
-        </p:nvSpPr>
-        <p:spPr>
-          <a:xfrm>
-            <a:off x="720000" y="445025"/>
-            <a:ext cx="7086906" cy="572700"/>
-          </a:xfrm>
-          <a:prstGeom prst="rect">
-            <a:avLst/>
-          </a:prstGeom>
-        </p:spPr>
-        <p:txBody>
-          <a:bodyPr spcFirstLastPara="1" wrap="square" lIns="91425" tIns="91425" rIns="91425" bIns="91425" anchor="t" anchorCtr="0">
-            <a:noAutofit/>
-          </a:bodyPr>
-          <a:lstStyle/>
-          <a:p>
-            <a:pPr marL="0" lvl="0" indent="0" algn="l" rtl="0">
-              <a:spcBef>
-                <a:spcPts val="0"/>
-              </a:spcBef>
-              <a:spcAft>
-                <a:spcPts val="0"/>
-              </a:spcAft>
-              <a:buNone/>
-            </a:pPr>
-            <a:r>
-              <a:rPr lang="en-US" dirty="0"/>
-              <a:t>Methodology</a:t>
-            </a:r>
-            <a:endParaRPr dirty="0"/>
-          </a:p>
-        </p:txBody>
-      </p:sp>
-      <p:sp>
-        <p:nvSpPr>
-          <p:cNvPr id="2" name="TextBox 1">
-            <a:extLst>
-              <a:ext uri="{FF2B5EF4-FFF2-40B4-BE49-F238E27FC236}">
-                <a16:creationId xmlns:a16="http://schemas.microsoft.com/office/drawing/2014/main" id="{D960EDDD-EBCB-E56F-EEDD-EA377CD9F0C8}"/>
-              </a:ext>
-            </a:extLst>
-          </p:cNvPr>
-          <p:cNvSpPr txBox="1"/>
-          <p:nvPr/>
-        </p:nvSpPr>
-        <p:spPr>
-          <a:xfrm>
-            <a:off x="618309" y="1017725"/>
-            <a:ext cx="7559040" cy="4031873"/>
-          </a:xfrm>
-          <a:prstGeom prst="rect">
-            <a:avLst/>
-          </a:prstGeom>
-          <a:noFill/>
-        </p:spPr>
-        <p:txBody>
-          <a:bodyPr wrap="square" rtlCol="0">
-            <a:spAutoFit/>
-          </a:bodyPr>
-          <a:lstStyle/>
-          <a:p>
-            <a:r>
-              <a:rPr lang="en-US" b="1" dirty="0"/>
-              <a:t>National Survey on Drug Use and Health(NSDUH) dataset.</a:t>
-            </a:r>
-          </a:p>
-          <a:p>
-            <a:r>
-              <a:rPr lang="en-US" b="1" dirty="0"/>
-              <a:t>Data Cleaning</a:t>
-            </a:r>
-          </a:p>
-          <a:p>
-            <a:r>
-              <a:rPr lang="en-US" sz="1200" dirty="0"/>
-              <a:t>- Removed the data with missing values or the column where the response is not known.</a:t>
-            </a:r>
-          </a:p>
-          <a:p>
-            <a:r>
-              <a:rPr lang="en-US" sz="1200" dirty="0"/>
-              <a:t>- Renamed the columns</a:t>
-            </a:r>
-          </a:p>
-          <a:p>
-            <a:endParaRPr lang="en-US" sz="1200" dirty="0"/>
-          </a:p>
-          <a:p>
-            <a:r>
-              <a:rPr lang="en-US" b="1" dirty="0"/>
-              <a:t>Variable Selection</a:t>
-            </a:r>
-          </a:p>
-          <a:p>
-            <a:pPr marL="171450" indent="-171450">
-              <a:buFontTx/>
-              <a:buChar char="-"/>
-            </a:pPr>
-            <a:r>
-              <a:rPr lang="en-US" sz="1200" dirty="0"/>
-              <a:t>Features were chosen from peer influence, parental involvement, behavioral risks, school engagement, and religious orientation based on relevant features and correlation strength with the target variable.</a:t>
-            </a:r>
-          </a:p>
-          <a:p>
-            <a:endParaRPr lang="en-US" sz="1200" dirty="0"/>
-          </a:p>
-          <a:p>
-            <a:pPr marL="171450" indent="-171450">
-              <a:buFontTx/>
-              <a:buChar char="-"/>
-            </a:pPr>
-            <a:r>
-              <a:rPr lang="en-US" sz="1200" dirty="0"/>
-              <a:t>The dataset is split in which 20% is for testing and 80% for training.</a:t>
-            </a:r>
-            <a:endParaRPr lang="en-US" sz="1200" b="1" dirty="0"/>
-          </a:p>
-          <a:p>
-            <a:r>
-              <a:rPr lang="en-US" b="1" dirty="0"/>
-              <a:t>Classification:</a:t>
-            </a:r>
-          </a:p>
-          <a:p>
-            <a:r>
-              <a:rPr lang="en-US" b="1" dirty="0"/>
-              <a:t>- </a:t>
-            </a:r>
-            <a:r>
-              <a:rPr lang="en-US" sz="1200" dirty="0"/>
-              <a:t>The performance is evaluated using accuracy score. </a:t>
-            </a:r>
-          </a:p>
-          <a:p>
-            <a:r>
-              <a:rPr lang="en-US" sz="1200" dirty="0"/>
-              <a:t>- Performed cross validation and best model is chosen with highest accuracy and feature importance is plotted for the analysis.</a:t>
-            </a:r>
-          </a:p>
-          <a:p>
-            <a:endParaRPr lang="en-US" sz="1200" dirty="0"/>
-          </a:p>
-          <a:p>
-            <a:r>
-              <a:rPr lang="en-US" b="1" dirty="0"/>
-              <a:t>Regression:</a:t>
-            </a:r>
-          </a:p>
-          <a:p>
-            <a:r>
-              <a:rPr lang="en-US" sz="1200" dirty="0"/>
-              <a:t>- Each model is evaluated using cross validation and the best model is selected on the basis of mean squared error (MSE) values.</a:t>
-            </a:r>
-            <a:endParaRPr lang="en-US" dirty="0"/>
-          </a:p>
-          <a:p>
-            <a:endParaRPr lang="en-US" b="1" dirty="0"/>
-          </a:p>
-          <a:p>
-            <a:endParaRPr lang="en-US" b="1" dirty="0"/>
-          </a:p>
-        </p:txBody>
-      </p:sp>
-    </p:spTree>
-    <p:extLst>
-      <p:ext uri="{BB962C8B-B14F-4D97-AF65-F5344CB8AC3E}">
-        <p14:creationId xmlns:p14="http://schemas.microsoft.com/office/powerpoint/2010/main" val="1831030551"/>
-      </p:ext>
-    </p:extLst>
-  </p:cSld>
-  <p:clrMapOvr>
-    <a:masterClrMapping/>
-  </p:clrMapOvr>
-</p:sld>
-</file>
-
-<file path=ppt/slides/slide5.xml><?xml version="1.0" encoding="utf-8"?>
-<p:sld xmlns:a="http://schemas.openxmlformats.org/drawingml/2006/main" xmlns:r="http://schemas.openxmlformats.org/officeDocument/2006/relationships" xmlns:p="http://schemas.openxmlformats.org/presentationml/2006/main">
-  <p:cSld>
-    <p:spTree>
-      <p:nvGrpSpPr>
-        <p:cNvPr id="1" name="Shape 213">
-          <a:extLst>
-            <a:ext uri="{FF2B5EF4-FFF2-40B4-BE49-F238E27FC236}">
-              <a16:creationId xmlns:a16="http://schemas.microsoft.com/office/drawing/2014/main" id="{9E2DA775-1D31-69F0-D023-D8B587A10B9D}"/>
-            </a:ext>
-          </a:extLst>
-        </p:cNvPr>
-        <p:cNvGrpSpPr/>
-        <p:nvPr/>
-      </p:nvGrpSpPr>
-      <p:grpSpPr>
-        <a:xfrm>
-          <a:off x="0" y="0"/>
-          <a:ext cx="0" cy="0"/>
-          <a:chOff x="0" y="0"/>
-          <a:chExt cx="0" cy="0"/>
-        </a:xfrm>
-      </p:grpSpPr>
-      <p:sp>
-        <p:nvSpPr>
-          <p:cNvPr id="214" name="Google Shape;214;p29">
-            <a:extLst>
-              <a:ext uri="{FF2B5EF4-FFF2-40B4-BE49-F238E27FC236}">
-                <a16:creationId xmlns:a16="http://schemas.microsoft.com/office/drawing/2014/main" id="{C151B92B-F60E-14A5-DCF8-8C0FE667DDB9}"/>
-              </a:ext>
-            </a:extLst>
-          </p:cNvPr>
-          <p:cNvSpPr txBox="1">
-            <a:spLocks noGrp="1"/>
-          </p:cNvSpPr>
-          <p:nvPr>
-            <p:ph type="title"/>
-          </p:nvPr>
-        </p:nvSpPr>
-        <p:spPr>
-          <a:xfrm>
-            <a:off x="711291" y="346710"/>
-            <a:ext cx="7086906" cy="572700"/>
-          </a:xfrm>
-          <a:prstGeom prst="rect">
-            <a:avLst/>
-          </a:prstGeom>
-        </p:spPr>
-        <p:txBody>
-          <a:bodyPr spcFirstLastPara="1" wrap="square" lIns="91425" tIns="91425" rIns="91425" bIns="91425" anchor="t" anchorCtr="0">
-            <a:noAutofit/>
-          </a:bodyPr>
-          <a:lstStyle/>
-          <a:p>
-            <a:pPr marL="0" lvl="0" indent="0" algn="l" rtl="0">
-              <a:spcBef>
-                <a:spcPts val="0"/>
-              </a:spcBef>
-              <a:spcAft>
-                <a:spcPts val="0"/>
-              </a:spcAft>
-              <a:buNone/>
-            </a:pPr>
-            <a:r>
-              <a:rPr lang="en-US" dirty="0"/>
-              <a:t>Binary Classification</a:t>
-            </a:r>
-            <a:endParaRPr dirty="0"/>
-          </a:p>
-        </p:txBody>
-      </p:sp>
-      <p:sp>
-        <p:nvSpPr>
-          <p:cNvPr id="2" name="TextBox 1">
-            <a:extLst>
-              <a:ext uri="{FF2B5EF4-FFF2-40B4-BE49-F238E27FC236}">
-                <a16:creationId xmlns:a16="http://schemas.microsoft.com/office/drawing/2014/main" id="{FC7F3105-438E-8BF4-0424-F2801138F694}"/>
-              </a:ext>
-            </a:extLst>
-          </p:cNvPr>
-          <p:cNvSpPr txBox="1"/>
-          <p:nvPr/>
-        </p:nvSpPr>
-        <p:spPr>
-          <a:xfrm>
-            <a:off x="551390" y="884787"/>
-            <a:ext cx="7559040" cy="1631216"/>
-          </a:xfrm>
-          <a:prstGeom prst="rect">
-            <a:avLst/>
-          </a:prstGeom>
-          <a:noFill/>
-        </p:spPr>
-        <p:txBody>
-          <a:bodyPr wrap="square" rtlCol="0">
-            <a:spAutoFit/>
-          </a:bodyPr>
-          <a:lstStyle/>
-          <a:p>
-            <a:r>
-              <a:rPr lang="en-US" b="1" dirty="0"/>
-              <a:t>The model helps to find whether the youth use marijuana or not.</a:t>
-            </a:r>
-          </a:p>
-          <a:p>
-            <a:r>
-              <a:rPr lang="en-US" sz="1200" dirty="0"/>
-              <a:t>Target variable: ‘</a:t>
-            </a:r>
-            <a:r>
-              <a:rPr lang="en-US" sz="1200" dirty="0" err="1"/>
-              <a:t>mrjflag</a:t>
-            </a:r>
-            <a:r>
-              <a:rPr lang="en-US" sz="1200" dirty="0"/>
-              <a:t>’ which indicates marijuana ever used (0=never, 1=ever)</a:t>
-            </a:r>
-          </a:p>
-          <a:p>
-            <a:endParaRPr lang="en-US" sz="1200" dirty="0"/>
-          </a:p>
-          <a:p>
-            <a:r>
-              <a:rPr lang="en-US" b="1" dirty="0"/>
-              <a:t>Predictors: </a:t>
-            </a:r>
-            <a:r>
-              <a:rPr lang="en-US" sz="1200" dirty="0"/>
-              <a:t>Included basic demographic details(sex, </a:t>
-            </a:r>
-            <a:r>
-              <a:rPr lang="en-US" sz="1200" dirty="0" err="1"/>
-              <a:t>income,gender,etc</a:t>
-            </a:r>
-            <a:r>
-              <a:rPr lang="en-US" sz="1200" dirty="0"/>
-              <a:t>), youth specific demographic details(</a:t>
-            </a:r>
-            <a:r>
-              <a:rPr lang="en-US" sz="1200" i="0" dirty="0">
-                <a:solidFill>
-                  <a:srgbClr val="181E25"/>
-                </a:solidFill>
-                <a:effectLst/>
-                <a:latin typeface="LatoWeb"/>
-              </a:rPr>
-              <a:t>parental presence in the household and school attendance)</a:t>
-            </a:r>
-            <a:r>
-              <a:rPr lang="en-US" sz="1200" dirty="0"/>
-              <a:t> and the youth experiences.</a:t>
-            </a:r>
-          </a:p>
-          <a:p>
-            <a:endParaRPr lang="en-US" sz="1200" dirty="0"/>
-          </a:p>
-          <a:p>
-            <a:r>
-              <a:rPr lang="en-US" sz="1200" dirty="0"/>
-              <a:t>- Evaluated model performance based on accuracy score and performed cross validation to get for which shrinkage value the model has performed well based on accuracy.</a:t>
-            </a:r>
-          </a:p>
-        </p:txBody>
-      </p:sp>
-      <p:graphicFrame>
-        <p:nvGraphicFramePr>
-          <p:cNvPr id="3" name="Table 2">
-            <a:extLst>
-              <a:ext uri="{FF2B5EF4-FFF2-40B4-BE49-F238E27FC236}">
-                <a16:creationId xmlns:a16="http://schemas.microsoft.com/office/drawing/2014/main" id="{A1204B34-9D36-2462-BEF6-E331C7A345DA}"/>
-              </a:ext>
-            </a:extLst>
-          </p:cNvPr>
-          <p:cNvGraphicFramePr>
-            <a:graphicFrameLocks noGrp="1"/>
-          </p:cNvGraphicFramePr>
-          <p:nvPr>
-            <p:extLst>
-              <p:ext uri="{D42A27DB-BD31-4B8C-83A1-F6EECF244321}">
-                <p14:modId xmlns:p14="http://schemas.microsoft.com/office/powerpoint/2010/main" val="2805353895"/>
-              </p:ext>
-            </p:extLst>
-          </p:nvPr>
-        </p:nvGraphicFramePr>
-        <p:xfrm>
-          <a:off x="551390" y="2571750"/>
-          <a:ext cx="3553098" cy="2225040"/>
-        </p:xfrm>
-        <a:graphic>
-          <a:graphicData uri="http://schemas.openxmlformats.org/drawingml/2006/table">
-            <a:tbl>
-              <a:tblPr firstRow="1" bandRow="1">
-                <a:tableStyleId>{B73E3ED5-8C8D-4E3C-8D4B-FC8B8E9B9FBF}</a:tableStyleId>
-              </a:tblPr>
-              <a:tblGrid>
-                <a:gridCol w="1776549">
-                  <a:extLst>
-                    <a:ext uri="{9D8B030D-6E8A-4147-A177-3AD203B41FA5}">
-                      <a16:colId xmlns:a16="http://schemas.microsoft.com/office/drawing/2014/main" val="909936581"/>
-                    </a:ext>
-                  </a:extLst>
-                </a:gridCol>
-                <a:gridCol w="1776549">
-                  <a:extLst>
-                    <a:ext uri="{9D8B030D-6E8A-4147-A177-3AD203B41FA5}">
-                      <a16:colId xmlns:a16="http://schemas.microsoft.com/office/drawing/2014/main" val="3684929180"/>
-                    </a:ext>
-                  </a:extLst>
-                </a:gridCol>
-              </a:tblGrid>
-              <a:tr h="370840">
-                <a:tc>
-                  <a:txBody>
-                    <a:bodyPr/>
-                    <a:lstStyle/>
-                    <a:p>
-                      <a:r>
-                        <a:rPr lang="en-US" b="1" dirty="0"/>
-                        <a:t>Model</a:t>
-                      </a:r>
-                    </a:p>
-                  </a:txBody>
-                  <a:tcPr/>
-                </a:tc>
-                <a:tc>
-                  <a:txBody>
-                    <a:bodyPr/>
-                    <a:lstStyle/>
-                    <a:p>
-                      <a:r>
-                        <a:rPr lang="en-US" b="1" dirty="0"/>
-                        <a:t>Accuracy</a:t>
-                      </a:r>
-                    </a:p>
-                  </a:txBody>
-                  <a:tcPr/>
-                </a:tc>
-                <a:extLst>
-                  <a:ext uri="{0D108BD9-81ED-4DB2-BD59-A6C34878D82A}">
-                    <a16:rowId xmlns:a16="http://schemas.microsoft.com/office/drawing/2014/main" val="956420632"/>
-                  </a:ext>
-                </a:extLst>
-              </a:tr>
-              <a:tr h="370840">
-                <a:tc>
-                  <a:txBody>
-                    <a:bodyPr/>
-                    <a:lstStyle/>
-                    <a:p>
-                      <a:r>
-                        <a:rPr lang="en-US" dirty="0"/>
-                        <a:t>Decision Tree</a:t>
-                      </a:r>
-                    </a:p>
-                  </a:txBody>
-                  <a:tcPr/>
-                </a:tc>
-                <a:tc>
-                  <a:txBody>
-                    <a:bodyPr/>
-                    <a:lstStyle/>
-                    <a:p>
-                      <a:r>
-                        <a:rPr lang="en-US" dirty="0"/>
-                        <a:t>84.08%</a:t>
-                      </a:r>
-                    </a:p>
-                  </a:txBody>
-                  <a:tcPr/>
-                </a:tc>
-                <a:extLst>
-                  <a:ext uri="{0D108BD9-81ED-4DB2-BD59-A6C34878D82A}">
-                    <a16:rowId xmlns:a16="http://schemas.microsoft.com/office/drawing/2014/main" val="1361168703"/>
-                  </a:ext>
-                </a:extLst>
-              </a:tr>
-              <a:tr h="370840">
-                <a:tc>
-                  <a:txBody>
-                    <a:bodyPr/>
-                    <a:lstStyle/>
-                    <a:p>
-                      <a:r>
-                        <a:rPr lang="en-US" dirty="0"/>
-                        <a:t>Pruned Tree</a:t>
-                      </a:r>
-                    </a:p>
-                  </a:txBody>
-                  <a:tcPr/>
-                </a:tc>
-                <a:tc>
-                  <a:txBody>
-                    <a:bodyPr/>
-                    <a:lstStyle/>
-                    <a:p>
-                      <a:r>
-                        <a:rPr lang="en-US" dirty="0"/>
-                        <a:t>87.87%</a:t>
-                      </a:r>
-                    </a:p>
-                  </a:txBody>
-                  <a:tcPr/>
-                </a:tc>
-                <a:extLst>
-                  <a:ext uri="{0D108BD9-81ED-4DB2-BD59-A6C34878D82A}">
-                    <a16:rowId xmlns:a16="http://schemas.microsoft.com/office/drawing/2014/main" val="2566109504"/>
-                  </a:ext>
-                </a:extLst>
-              </a:tr>
-              <a:tr h="370840">
-                <a:tc>
-                  <a:txBody>
-                    <a:bodyPr/>
-                    <a:lstStyle/>
-                    <a:p>
-                      <a:r>
-                        <a:rPr lang="en-US" dirty="0"/>
-                        <a:t>Bagging</a:t>
-                      </a:r>
-                    </a:p>
-                  </a:txBody>
-                  <a:tcPr/>
-                </a:tc>
-                <a:tc>
-                  <a:txBody>
-                    <a:bodyPr/>
-                    <a:lstStyle/>
-                    <a:p>
-                      <a:r>
-                        <a:rPr lang="en-US" dirty="0"/>
-                        <a:t>87.28%</a:t>
-                      </a:r>
-                    </a:p>
-                  </a:txBody>
-                  <a:tcPr/>
-                </a:tc>
-                <a:extLst>
-                  <a:ext uri="{0D108BD9-81ED-4DB2-BD59-A6C34878D82A}">
-                    <a16:rowId xmlns:a16="http://schemas.microsoft.com/office/drawing/2014/main" val="3201662921"/>
-                  </a:ext>
-                </a:extLst>
-              </a:tr>
-              <a:tr h="370840">
-                <a:tc>
-                  <a:txBody>
-                    <a:bodyPr/>
-                    <a:lstStyle/>
-                    <a:p>
-                      <a:r>
-                        <a:rPr lang="en-US" dirty="0"/>
-                        <a:t>Random Forest</a:t>
-                      </a:r>
-                    </a:p>
-                  </a:txBody>
-                  <a:tcPr/>
-                </a:tc>
-                <a:tc>
-                  <a:txBody>
-                    <a:bodyPr/>
-                    <a:lstStyle/>
-                    <a:p>
-                      <a:r>
-                        <a:rPr lang="en-US" dirty="0"/>
-                        <a:t>88.04%</a:t>
-                      </a:r>
-                    </a:p>
-                  </a:txBody>
-                  <a:tcPr/>
-                </a:tc>
-                <a:extLst>
-                  <a:ext uri="{0D108BD9-81ED-4DB2-BD59-A6C34878D82A}">
-                    <a16:rowId xmlns:a16="http://schemas.microsoft.com/office/drawing/2014/main" val="3504250389"/>
-                  </a:ext>
-                </a:extLst>
-              </a:tr>
-              <a:tr h="370840">
-                <a:tc>
-                  <a:txBody>
-                    <a:bodyPr/>
-                    <a:lstStyle/>
-                    <a:p>
-                      <a:r>
-                        <a:rPr lang="en-US" dirty="0"/>
-                        <a:t>Boosting</a:t>
-                      </a:r>
-                    </a:p>
-                  </a:txBody>
-                  <a:tcPr/>
-                </a:tc>
-                <a:tc>
-                  <a:txBody>
-                    <a:bodyPr/>
-                    <a:lstStyle/>
-                    <a:p>
-                      <a:r>
-                        <a:rPr lang="en-US" dirty="0"/>
-                        <a:t>88.04%</a:t>
-                      </a:r>
-                    </a:p>
-                  </a:txBody>
-                  <a:tcPr/>
-                </a:tc>
-                <a:extLst>
-                  <a:ext uri="{0D108BD9-81ED-4DB2-BD59-A6C34878D82A}">
-                    <a16:rowId xmlns:a16="http://schemas.microsoft.com/office/drawing/2014/main" val="3271247045"/>
-                  </a:ext>
-                </a:extLst>
-              </a:tr>
-            </a:tbl>
-          </a:graphicData>
-        </a:graphic>
-      </p:graphicFrame>
-      <p:pic>
-        <p:nvPicPr>
-          <p:cNvPr id="12" name="Picture 11" descr="A graph with blue bars&#10;&#10;Description automatically generated">
-            <a:extLst>
-              <a:ext uri="{FF2B5EF4-FFF2-40B4-BE49-F238E27FC236}">
-                <a16:creationId xmlns:a16="http://schemas.microsoft.com/office/drawing/2014/main" id="{C15FB978-3E87-BEF1-1E6C-8697A1FACFD4}"/>
-              </a:ext>
-            </a:extLst>
-          </p:cNvPr>
-          <p:cNvPicPr>
-            <a:picLocks noChangeAspect="1"/>
-          </p:cNvPicPr>
-          <p:nvPr/>
-        </p:nvPicPr>
-        <p:blipFill>
-          <a:blip r:embed="rId3"/>
-          <a:stretch>
-            <a:fillRect/>
-          </a:stretch>
-        </p:blipFill>
-        <p:spPr>
-          <a:xfrm>
-            <a:off x="4151026" y="2517181"/>
-            <a:ext cx="4026323" cy="2279609"/>
-          </a:xfrm>
-          <a:prstGeom prst="rect">
-            <a:avLst/>
-          </a:prstGeom>
-        </p:spPr>
-      </p:pic>
-    </p:spTree>
-    <p:extLst>
-      <p:ext uri="{BB962C8B-B14F-4D97-AF65-F5344CB8AC3E}">
-        <p14:creationId xmlns:p14="http://schemas.microsoft.com/office/powerpoint/2010/main" val="2836955639"/>
-      </p:ext>
-    </p:extLst>
-  </p:cSld>
-  <p:clrMapOvr>
-    <a:masterClrMapping/>
-  </p:clrMapOvr>
-</p:sld>
-</file>
-
-<file path=ppt/slides/slide6.xml><?xml version="1.0" encoding="utf-8"?>
-<p:sld xmlns:a="http://schemas.openxmlformats.org/drawingml/2006/main" xmlns:r="http://schemas.openxmlformats.org/officeDocument/2006/relationships" xmlns:p="http://schemas.openxmlformats.org/presentationml/2006/main">
-  <p:cSld>
-    <p:spTree>
-      <p:nvGrpSpPr>
-        <p:cNvPr id="1" name="Shape 213">
-          <a:extLst>
-            <a:ext uri="{FF2B5EF4-FFF2-40B4-BE49-F238E27FC236}">
-              <a16:creationId xmlns:a16="http://schemas.microsoft.com/office/drawing/2014/main" id="{25378F9B-E7C8-4C0F-A9EF-BA85EB5C85F2}"/>
-            </a:ext>
-          </a:extLst>
-        </p:cNvPr>
-        <p:cNvGrpSpPr/>
-        <p:nvPr/>
-      </p:nvGrpSpPr>
-      <p:grpSpPr>
-        <a:xfrm>
-          <a:off x="0" y="0"/>
-          <a:ext cx="0" cy="0"/>
-          <a:chOff x="0" y="0"/>
-          <a:chExt cx="0" cy="0"/>
-        </a:xfrm>
-      </p:grpSpPr>
-      <p:sp>
-        <p:nvSpPr>
-          <p:cNvPr id="214" name="Google Shape;214;p29">
-            <a:extLst>
-              <a:ext uri="{FF2B5EF4-FFF2-40B4-BE49-F238E27FC236}">
-                <a16:creationId xmlns:a16="http://schemas.microsoft.com/office/drawing/2014/main" id="{F2418E79-069C-55D3-841B-E74413E6358A}"/>
-              </a:ext>
-            </a:extLst>
-          </p:cNvPr>
-          <p:cNvSpPr txBox="1">
-            <a:spLocks noGrp="1"/>
-          </p:cNvSpPr>
-          <p:nvPr>
-            <p:ph type="title"/>
-          </p:nvPr>
-        </p:nvSpPr>
-        <p:spPr>
-          <a:xfrm>
-            <a:off x="675620" y="318185"/>
-            <a:ext cx="7086906" cy="572700"/>
-          </a:xfrm>
-          <a:prstGeom prst="rect">
-            <a:avLst/>
-          </a:prstGeom>
-        </p:spPr>
-        <p:txBody>
-          <a:bodyPr spcFirstLastPara="1" wrap="square" lIns="91425" tIns="91425" rIns="91425" bIns="91425" anchor="t" anchorCtr="0">
-            <a:noAutofit/>
-          </a:bodyPr>
-          <a:lstStyle/>
-          <a:p>
-            <a:pPr marL="0" lvl="0" indent="0" algn="l" rtl="0">
-              <a:spcBef>
-                <a:spcPts val="0"/>
-              </a:spcBef>
-              <a:spcAft>
-                <a:spcPts val="0"/>
-              </a:spcAft>
-              <a:buNone/>
-            </a:pPr>
-            <a:r>
-              <a:rPr lang="en-US" dirty="0"/>
-              <a:t>Multi-Class Classification</a:t>
-            </a:r>
-            <a:endParaRPr dirty="0"/>
-          </a:p>
-        </p:txBody>
-      </p:sp>
-      <p:sp>
-        <p:nvSpPr>
-          <p:cNvPr id="2" name="TextBox 1">
-            <a:extLst>
-              <a:ext uri="{FF2B5EF4-FFF2-40B4-BE49-F238E27FC236}">
-                <a16:creationId xmlns:a16="http://schemas.microsoft.com/office/drawing/2014/main" id="{62A6415D-5019-D5C0-0DA3-AFF6DA40A5A9}"/>
-              </a:ext>
-            </a:extLst>
-          </p:cNvPr>
-          <p:cNvSpPr txBox="1"/>
-          <p:nvPr/>
-        </p:nvSpPr>
-        <p:spPr>
-          <a:xfrm>
-            <a:off x="487680" y="818531"/>
-            <a:ext cx="7559040" cy="830997"/>
-          </a:xfrm>
-          <a:prstGeom prst="rect">
-            <a:avLst/>
-          </a:prstGeom>
-          <a:noFill/>
-        </p:spPr>
-        <p:txBody>
-          <a:bodyPr wrap="square" rtlCol="0">
-            <a:spAutoFit/>
-          </a:bodyPr>
-          <a:lstStyle/>
-          <a:p>
-            <a:r>
-              <a:rPr lang="en-US" sz="1200" b="1" i="0" dirty="0">
-                <a:effectLst/>
-                <a:latin typeface="+mn-lt"/>
-              </a:rPr>
-              <a:t>This involves predicting number of days of marijuana use in the past year.</a:t>
-            </a:r>
-          </a:p>
-          <a:p>
-            <a:r>
-              <a:rPr lang="en-US" sz="1200" dirty="0">
-                <a:latin typeface="+mn-lt"/>
-              </a:rPr>
-              <a:t>Target variable: '</a:t>
-            </a:r>
-            <a:r>
-              <a:rPr lang="en-US" sz="1200" dirty="0" err="1">
-                <a:latin typeface="+mn-lt"/>
-              </a:rPr>
-              <a:t>mrjydays</a:t>
-            </a:r>
-            <a:r>
-              <a:rPr lang="en-US" sz="1200" dirty="0">
-                <a:latin typeface="+mn-lt"/>
-              </a:rPr>
-              <a:t>’ indicates number of days of marijuana in past year.</a:t>
-            </a:r>
-          </a:p>
-          <a:p>
-            <a:r>
-              <a:rPr lang="en-US" sz="1200" dirty="0"/>
-              <a:t>Based on number of days they’re classified into 6 categories.</a:t>
-            </a:r>
-          </a:p>
-          <a:p>
-            <a:r>
-              <a:rPr lang="en-US" sz="1200" dirty="0"/>
-              <a:t> (1.'Rarely’, 2: 'Occasionally’,  3: 'Sometimes’, 4: 'Frequently’, 5: 'Almost Daily’,  6: 'No Past Year Use’)</a:t>
-            </a:r>
-          </a:p>
-        </p:txBody>
-      </p:sp>
-      <p:graphicFrame>
-        <p:nvGraphicFramePr>
-          <p:cNvPr id="3" name="Table 2">
-            <a:extLst>
-              <a:ext uri="{FF2B5EF4-FFF2-40B4-BE49-F238E27FC236}">
-                <a16:creationId xmlns:a16="http://schemas.microsoft.com/office/drawing/2014/main" id="{230FFC01-4ED2-436F-93CD-C05B664B1E43}"/>
-              </a:ext>
-            </a:extLst>
-          </p:cNvPr>
-          <p:cNvGraphicFramePr>
-            <a:graphicFrameLocks noGrp="1"/>
-          </p:cNvGraphicFramePr>
-          <p:nvPr>
-            <p:extLst>
-              <p:ext uri="{D42A27DB-BD31-4B8C-83A1-F6EECF244321}">
-                <p14:modId xmlns:p14="http://schemas.microsoft.com/office/powerpoint/2010/main" val="2508546526"/>
-              </p:ext>
-            </p:extLst>
-          </p:nvPr>
-        </p:nvGraphicFramePr>
-        <p:xfrm>
-          <a:off x="487680" y="1730817"/>
-          <a:ext cx="2274062" cy="1850628"/>
-        </p:xfrm>
-        <a:graphic>
-          <a:graphicData uri="http://schemas.openxmlformats.org/drawingml/2006/table">
-            <a:tbl>
-              <a:tblPr firstRow="1" bandRow="1">
-                <a:tableStyleId>{B73E3ED5-8C8D-4E3C-8D4B-FC8B8E9B9FBF}</a:tableStyleId>
-              </a:tblPr>
-              <a:tblGrid>
-                <a:gridCol w="1273493">
-                  <a:extLst>
-                    <a:ext uri="{9D8B030D-6E8A-4147-A177-3AD203B41FA5}">
-                      <a16:colId xmlns:a16="http://schemas.microsoft.com/office/drawing/2014/main" val="909936581"/>
-                    </a:ext>
-                  </a:extLst>
-                </a:gridCol>
-                <a:gridCol w="1000569">
-                  <a:extLst>
-                    <a:ext uri="{9D8B030D-6E8A-4147-A177-3AD203B41FA5}">
-                      <a16:colId xmlns:a16="http://schemas.microsoft.com/office/drawing/2014/main" val="3684929180"/>
-                    </a:ext>
-                  </a:extLst>
-                </a:gridCol>
-              </a:tblGrid>
-              <a:tr h="245163">
-                <a:tc>
-                  <a:txBody>
-                    <a:bodyPr/>
-                    <a:lstStyle/>
-                    <a:p>
-                      <a:r>
-                        <a:rPr lang="en-US" sz="1200" b="1" dirty="0"/>
-                        <a:t>Model</a:t>
-                      </a:r>
-                    </a:p>
-                  </a:txBody>
-                  <a:tcPr/>
-                </a:tc>
-                <a:tc>
-                  <a:txBody>
-                    <a:bodyPr/>
-                    <a:lstStyle/>
-                    <a:p>
-                      <a:r>
-                        <a:rPr lang="en-US" sz="1200" b="1" dirty="0"/>
-                        <a:t>Accuracy</a:t>
-                      </a:r>
-                    </a:p>
-                  </a:txBody>
-                  <a:tcPr/>
-                </a:tc>
-                <a:extLst>
-                  <a:ext uri="{0D108BD9-81ED-4DB2-BD59-A6C34878D82A}">
-                    <a16:rowId xmlns:a16="http://schemas.microsoft.com/office/drawing/2014/main" val="956420632"/>
-                  </a:ext>
-                </a:extLst>
-              </a:tr>
-              <a:tr h="342556">
-                <a:tc>
-                  <a:txBody>
-                    <a:bodyPr/>
-                    <a:lstStyle/>
-                    <a:p>
-                      <a:r>
-                        <a:rPr lang="en-US" sz="1200" dirty="0"/>
-                        <a:t>Decision Tree</a:t>
-                      </a:r>
-                    </a:p>
-                  </a:txBody>
-                  <a:tcPr/>
-                </a:tc>
-                <a:tc>
-                  <a:txBody>
-                    <a:bodyPr/>
-                    <a:lstStyle/>
-                    <a:p>
-                      <a:r>
-                        <a:rPr lang="en-US" sz="1200" dirty="0"/>
-                        <a:t>80.90%</a:t>
-                      </a:r>
-                    </a:p>
-                  </a:txBody>
-                  <a:tcPr/>
-                </a:tc>
-                <a:extLst>
-                  <a:ext uri="{0D108BD9-81ED-4DB2-BD59-A6C34878D82A}">
-                    <a16:rowId xmlns:a16="http://schemas.microsoft.com/office/drawing/2014/main" val="1361168703"/>
-                  </a:ext>
-                </a:extLst>
-              </a:tr>
-              <a:tr h="342556">
-                <a:tc>
-                  <a:txBody>
-                    <a:bodyPr/>
-                    <a:lstStyle/>
-                    <a:p>
-                      <a:r>
-                        <a:rPr lang="en-US" sz="1200" dirty="0"/>
-                        <a:t>Pruned Tree</a:t>
-                      </a:r>
-                    </a:p>
-                  </a:txBody>
-                  <a:tcPr/>
-                </a:tc>
-                <a:tc>
-                  <a:txBody>
-                    <a:bodyPr/>
-                    <a:lstStyle/>
-                    <a:p>
-                      <a:r>
-                        <a:rPr lang="en-US" sz="1200" dirty="0"/>
-                        <a:t>87.47%</a:t>
-                      </a:r>
-                    </a:p>
-                  </a:txBody>
-                  <a:tcPr/>
-                </a:tc>
-                <a:extLst>
-                  <a:ext uri="{0D108BD9-81ED-4DB2-BD59-A6C34878D82A}">
-                    <a16:rowId xmlns:a16="http://schemas.microsoft.com/office/drawing/2014/main" val="2566109504"/>
-                  </a:ext>
-                </a:extLst>
-              </a:tr>
-              <a:tr h="245163">
-                <a:tc>
-                  <a:txBody>
-                    <a:bodyPr/>
-                    <a:lstStyle/>
-                    <a:p>
-                      <a:r>
-                        <a:rPr lang="en-US" sz="1200" dirty="0"/>
-                        <a:t>Bagging</a:t>
-                      </a:r>
-                    </a:p>
-                  </a:txBody>
-                  <a:tcPr/>
-                </a:tc>
-                <a:tc>
-                  <a:txBody>
-                    <a:bodyPr/>
-                    <a:lstStyle/>
-                    <a:p>
-                      <a:r>
-                        <a:rPr lang="en-US" sz="1200" dirty="0"/>
-                        <a:t>87.02%</a:t>
-                      </a:r>
-                    </a:p>
-                  </a:txBody>
-                  <a:tcPr/>
-                </a:tc>
-                <a:extLst>
-                  <a:ext uri="{0D108BD9-81ED-4DB2-BD59-A6C34878D82A}">
-                    <a16:rowId xmlns:a16="http://schemas.microsoft.com/office/drawing/2014/main" val="3201662921"/>
-                  </a:ext>
-                </a:extLst>
-              </a:tr>
-              <a:tr h="342556">
-                <a:tc>
-                  <a:txBody>
-                    <a:bodyPr/>
-                    <a:lstStyle/>
-                    <a:p>
-                      <a:r>
-                        <a:rPr lang="en-US" sz="1200" dirty="0"/>
-                        <a:t>Random Forest</a:t>
-                      </a:r>
-                    </a:p>
-                  </a:txBody>
-                  <a:tcPr/>
-                </a:tc>
-                <a:tc>
-                  <a:txBody>
-                    <a:bodyPr/>
-                    <a:lstStyle/>
-                    <a:p>
-                      <a:r>
-                        <a:rPr lang="en-US" sz="1200" dirty="0"/>
-                        <a:t>87.13%</a:t>
-                      </a:r>
-                    </a:p>
-                  </a:txBody>
-                  <a:tcPr/>
-                </a:tc>
-                <a:extLst>
-                  <a:ext uri="{0D108BD9-81ED-4DB2-BD59-A6C34878D82A}">
-                    <a16:rowId xmlns:a16="http://schemas.microsoft.com/office/drawing/2014/main" val="3504250389"/>
-                  </a:ext>
-                </a:extLst>
-              </a:tr>
-              <a:tr h="245163">
-                <a:tc>
-                  <a:txBody>
-                    <a:bodyPr/>
-                    <a:lstStyle/>
-                    <a:p>
-                      <a:r>
-                        <a:rPr lang="en-US" sz="1200" dirty="0"/>
-                        <a:t>Boosting</a:t>
-                      </a:r>
-                    </a:p>
-                  </a:txBody>
-                  <a:tcPr/>
-                </a:tc>
-                <a:tc>
-                  <a:txBody>
-                    <a:bodyPr/>
-                    <a:lstStyle/>
-                    <a:p>
-                      <a:r>
-                        <a:rPr lang="en-US" sz="1200" dirty="0"/>
-                        <a:t>87.35%</a:t>
-                      </a:r>
-                    </a:p>
-                  </a:txBody>
-                  <a:tcPr/>
-                </a:tc>
-                <a:extLst>
-                  <a:ext uri="{0D108BD9-81ED-4DB2-BD59-A6C34878D82A}">
-                    <a16:rowId xmlns:a16="http://schemas.microsoft.com/office/drawing/2014/main" val="3271247045"/>
-                  </a:ext>
-                </a:extLst>
-              </a:tr>
-            </a:tbl>
-          </a:graphicData>
-        </a:graphic>
-      </p:graphicFrame>
-      <p:pic>
-        <p:nvPicPr>
-          <p:cNvPr id="7" name="Picture 6" descr="A graph with blue and white text&#10;&#10;Description automatically generated">
-            <a:extLst>
-              <a:ext uri="{FF2B5EF4-FFF2-40B4-BE49-F238E27FC236}">
-                <a16:creationId xmlns:a16="http://schemas.microsoft.com/office/drawing/2014/main" id="{CFD5C0A6-D884-CA95-1319-35B91D13ADE9}"/>
-              </a:ext>
-            </a:extLst>
-          </p:cNvPr>
-          <p:cNvPicPr>
-            <a:picLocks noChangeAspect="1"/>
-          </p:cNvPicPr>
-          <p:nvPr/>
-        </p:nvPicPr>
-        <p:blipFill>
-          <a:blip r:embed="rId3"/>
-          <a:stretch>
-            <a:fillRect/>
-          </a:stretch>
-        </p:blipFill>
-        <p:spPr>
-          <a:xfrm>
-            <a:off x="5262370" y="1919629"/>
-            <a:ext cx="3162486" cy="1847974"/>
-          </a:xfrm>
-          <a:prstGeom prst="rect">
-            <a:avLst/>
-          </a:prstGeom>
-        </p:spPr>
-      </p:pic>
-      <p:sp>
-        <p:nvSpPr>
-          <p:cNvPr id="8" name="TextBox 7">
-            <a:extLst>
-              <a:ext uri="{FF2B5EF4-FFF2-40B4-BE49-F238E27FC236}">
-                <a16:creationId xmlns:a16="http://schemas.microsoft.com/office/drawing/2014/main" id="{56C80E83-D248-A00F-68BF-35BFB78EC789}"/>
-              </a:ext>
-            </a:extLst>
-          </p:cNvPr>
-          <p:cNvSpPr txBox="1"/>
-          <p:nvPr/>
-        </p:nvSpPr>
-        <p:spPr>
-          <a:xfrm>
-            <a:off x="487680" y="4037146"/>
-            <a:ext cx="7411911" cy="1046440"/>
-          </a:xfrm>
-          <a:prstGeom prst="rect">
-            <a:avLst/>
-          </a:prstGeom>
-          <a:noFill/>
-        </p:spPr>
-        <p:txBody>
-          <a:bodyPr wrap="square" rtlCol="0">
-            <a:spAutoFit/>
-          </a:bodyPr>
-          <a:lstStyle/>
-          <a:p>
-            <a:pPr marL="285750" indent="-285750">
-              <a:buFontTx/>
-              <a:buChar char="-"/>
-            </a:pPr>
-            <a:r>
-              <a:rPr lang="en-US" sz="1200" dirty="0"/>
-              <a:t>Though pruning gave best results, but the optimal tree size evaluated using cross validation is 2. This is likely due to the imbalance dataset.</a:t>
-            </a:r>
-          </a:p>
-          <a:p>
-            <a:pPr marL="285750" indent="-285750">
-              <a:buFontTx/>
-              <a:buChar char="-"/>
-            </a:pPr>
-            <a:r>
-              <a:rPr lang="en-US" sz="1200" dirty="0"/>
-              <a:t>The class 6 dominates ~87% of the data. Due to which the model by default predict the ‘No Past Year Use’ for boosting the accuracy.</a:t>
-            </a:r>
-          </a:p>
-          <a:p>
-            <a:pPr marL="285750" indent="-285750">
-              <a:buFontTx/>
-              <a:buChar char="-"/>
-            </a:pPr>
-            <a:endParaRPr lang="en-US" dirty="0"/>
-          </a:p>
-        </p:txBody>
-      </p:sp>
-      <p:pic>
-        <p:nvPicPr>
-          <p:cNvPr id="10" name="Picture 9" descr="A chart with numbers and a yellow square&#10;&#10;Description automatically generated">
-            <a:extLst>
-              <a:ext uri="{FF2B5EF4-FFF2-40B4-BE49-F238E27FC236}">
-                <a16:creationId xmlns:a16="http://schemas.microsoft.com/office/drawing/2014/main" id="{67BC3A9C-CDEF-321A-04F1-29CD8513059C}"/>
-              </a:ext>
-            </a:extLst>
-          </p:cNvPr>
-          <p:cNvPicPr>
-            <a:picLocks noChangeAspect="1"/>
-          </p:cNvPicPr>
-          <p:nvPr/>
-        </p:nvPicPr>
-        <p:blipFill>
-          <a:blip r:embed="rId4"/>
-          <a:stretch>
-            <a:fillRect/>
-          </a:stretch>
-        </p:blipFill>
-        <p:spPr>
-          <a:xfrm>
-            <a:off x="2557103" y="1730817"/>
-            <a:ext cx="2649056" cy="2194561"/>
-          </a:xfrm>
-          <a:prstGeom prst="rect">
-            <a:avLst/>
-          </a:prstGeom>
-        </p:spPr>
-      </p:pic>
-    </p:spTree>
-    <p:extLst>
-      <p:ext uri="{BB962C8B-B14F-4D97-AF65-F5344CB8AC3E}">
-        <p14:creationId xmlns:p14="http://schemas.microsoft.com/office/powerpoint/2010/main" val="599454852"/>
-      </p:ext>
-    </p:extLst>
-  </p:cSld>
-  <p:clrMapOvr>
-    <a:masterClrMapping/>
-  </p:clrMapOvr>
-</p:sld>
-</file>
-
-<file path=ppt/slides/slide7.xml><?xml version="1.0" encoding="utf-8"?>
-<p:sld xmlns:a="http://schemas.openxmlformats.org/drawingml/2006/main" xmlns:r="http://schemas.openxmlformats.org/officeDocument/2006/relationships" xmlns:p="http://schemas.openxmlformats.org/presentationml/2006/main">
-  <p:cSld>
-    <p:spTree>
-      <p:nvGrpSpPr>
-        <p:cNvPr id="1" name="Shape 213">
-          <a:extLst>
-            <a:ext uri="{FF2B5EF4-FFF2-40B4-BE49-F238E27FC236}">
               <a16:creationId xmlns:a16="http://schemas.microsoft.com/office/drawing/2014/main" id="{EA5F6C3C-AFF2-1FF0-D57D-62B048D9E53F}"/>
             </a:ext>
           </a:extLst>
@@ -7552,7 +5349,7 @@
         <p:spPr>
           <a:xfrm>
             <a:off x="618309" y="1017725"/>
-            <a:ext cx="7559040" cy="1015663"/>
+            <a:ext cx="7554847" cy="1384995"/>
           </a:xfrm>
           <a:prstGeom prst="rect">
             <a:avLst/>
@@ -7594,6 +5391,11 @@
             </a:r>
           </a:p>
           <a:p>
+            <a:endParaRPr lang="en-US" sz="1200" dirty="0">
+              <a:latin typeface="+mn-lt"/>
+            </a:endParaRPr>
+          </a:p>
+          <a:p>
             <a:pPr marL="171450" indent="-171450">
               <a:buFontTx/>
               <a:buChar char="-"/>
@@ -7604,10 +5406,21 @@
             </a:r>
           </a:p>
           <a:p>
+            <a:pPr marL="171450" indent="-171450">
+              <a:buFontTx/>
+              <a:buChar char="-"/>
+            </a:pPr>
             <a:r>
               <a:rPr lang="en-US" sz="1200" dirty="0"/>
-              <a:t>- Used Decision Tree Regressor, Random Forest Regressor.</a:t>
+              <a:t>Used Decision Tree Regressor, Random Forest Regressor.</a:t>
             </a:r>
+          </a:p>
+          <a:p>
+            <a:pPr marL="171450" indent="-171450">
+              <a:buFontTx/>
+              <a:buChar char="-"/>
+            </a:pPr>
+            <a:endParaRPr lang="en-US" sz="1200" dirty="0"/>
           </a:p>
           <a:p>
             <a:r>
@@ -7632,13 +5445,13 @@
           <p:nvPr>
             <p:extLst>
               <p:ext uri="{D42A27DB-BD31-4B8C-83A1-F6EECF244321}">
-                <p14:modId xmlns:p14="http://schemas.microsoft.com/office/powerpoint/2010/main" val="1284063503"/>
+                <p14:modId xmlns:p14="http://schemas.microsoft.com/office/powerpoint/2010/main" val="3304933455"/>
               </p:ext>
             </p:extLst>
           </p:nvPr>
         </p:nvGraphicFramePr>
         <p:xfrm>
-          <a:off x="618309" y="2151934"/>
+          <a:off x="527997" y="2503239"/>
           <a:ext cx="3171906" cy="2195236"/>
         </p:xfrm>
         <a:graphic>
@@ -7683,10 +5496,9 @@
                     <a:lstStyle/>
                     <a:p>
                       <a:r>
-                        <a:rPr lang="en-US" b="1"/>
+                        <a:rPr lang="en-US" b="1" dirty="0"/>
                         <a:t>MSE</a:t>
                       </a:r>
-                      <a:endParaRPr lang="en-US" b="1" dirty="0"/>
                     </a:p>
                   </a:txBody>
                   <a:tcPr/>
@@ -7888,7 +5700,7 @@
         </p:blipFill>
         <p:spPr>
           <a:xfrm>
-            <a:off x="4171408" y="1979926"/>
+            <a:off x="4572000" y="2372708"/>
             <a:ext cx="3363798" cy="2655019"/>
           </a:xfrm>
           <a:prstGeom prst="rect">
@@ -7896,41 +5708,6 @@
           </a:prstGeom>
         </p:spPr>
       </p:pic>
-      <p:sp>
-        <p:nvSpPr>
-          <p:cNvPr id="6" name="TextBox 5">
-            <a:extLst>
-              <a:ext uri="{FF2B5EF4-FFF2-40B4-BE49-F238E27FC236}">
-                <a16:creationId xmlns:a16="http://schemas.microsoft.com/office/drawing/2014/main" id="{70566E61-6D59-A076-B2C8-F5021794A228}"/>
-              </a:ext>
-            </a:extLst>
-          </p:cNvPr>
-          <p:cNvSpPr txBox="1"/>
-          <p:nvPr/>
-        </p:nvSpPr>
-        <p:spPr>
-          <a:xfrm>
-            <a:off x="450325" y="4467642"/>
-            <a:ext cx="7212072" cy="461665"/>
-          </a:xfrm>
-          <a:prstGeom prst="rect">
-            <a:avLst/>
-          </a:prstGeom>
-          <a:noFill/>
-        </p:spPr>
-        <p:txBody>
-          <a:bodyPr wrap="square" rtlCol="0">
-            <a:spAutoFit/>
-          </a:bodyPr>
-          <a:lstStyle/>
-          <a:p>
-            <a:r>
-              <a:rPr lang="en-US" sz="1200" dirty="0"/>
-              <a:t>- The graph shows the model is not predicting accurately as most of the data points are out of the decision boundary.</a:t>
-            </a:r>
-          </a:p>
-        </p:txBody>
-      </p:sp>
     </p:spTree>
     <p:extLst>
       <p:ext uri="{BB962C8B-B14F-4D97-AF65-F5344CB8AC3E}">
@@ -7944,7 +5721,7 @@
 </p:sld>
 </file>
 
-<file path=ppt/slides/slide8.xml><?xml version="1.0" encoding="utf-8"?>
+<file path=ppt/slides/slide11.xml><?xml version="1.0" encoding="utf-8"?>
 <p:sld xmlns:a="http://schemas.openxmlformats.org/drawingml/2006/main" xmlns:r="http://schemas.openxmlformats.org/officeDocument/2006/relationships" xmlns:p="http://schemas.openxmlformats.org/presentationml/2006/main">
   <p:cSld>
     <p:spTree>
@@ -8175,7 +5952,6647 @@
 </p:sld>
 </file>
 
-<file path=ppt/slides/slide9.xml><?xml version="1.0" encoding="utf-8"?>
+<file path=ppt/slides/slide12.xml><?xml version="1.0" encoding="utf-8"?>
+<p:sld xmlns:a="http://schemas.openxmlformats.org/drawingml/2006/main" xmlns:r="http://schemas.openxmlformats.org/officeDocument/2006/relationships" xmlns:p="http://schemas.openxmlformats.org/presentationml/2006/main">
+  <p:cSld>
+    <p:spTree>
+      <p:nvGrpSpPr>
+        <p:cNvPr id="1" name="Shape 213">
+          <a:extLst>
+            <a:ext uri="{FF2B5EF4-FFF2-40B4-BE49-F238E27FC236}">
+              <a16:creationId xmlns:a16="http://schemas.microsoft.com/office/drawing/2014/main" id="{FDA9438E-04AC-3886-D6E2-F6FE7C7795A2}"/>
+            </a:ext>
+          </a:extLst>
+        </p:cNvPr>
+        <p:cNvGrpSpPr/>
+        <p:nvPr/>
+      </p:nvGrpSpPr>
+      <p:grpSpPr>
+        <a:xfrm>
+          <a:off x="0" y="0"/>
+          <a:ext cx="0" cy="0"/>
+          <a:chOff x="0" y="0"/>
+          <a:chExt cx="0" cy="0"/>
+        </a:xfrm>
+      </p:grpSpPr>
+      <p:sp>
+        <p:nvSpPr>
+          <p:cNvPr id="214" name="Google Shape;214;p29">
+            <a:extLst>
+              <a:ext uri="{FF2B5EF4-FFF2-40B4-BE49-F238E27FC236}">
+                <a16:creationId xmlns:a16="http://schemas.microsoft.com/office/drawing/2014/main" id="{D01AC1E1-1FF2-3FE2-7B74-CB9A8C91B206}"/>
+              </a:ext>
+            </a:extLst>
+          </p:cNvPr>
+          <p:cNvSpPr txBox="1">
+            <a:spLocks noGrp="1"/>
+          </p:cNvSpPr>
+          <p:nvPr>
+            <p:ph type="title"/>
+          </p:nvPr>
+        </p:nvSpPr>
+        <p:spPr>
+          <a:xfrm>
+            <a:off x="447685" y="332136"/>
+            <a:ext cx="7086906" cy="572700"/>
+          </a:xfrm>
+          <a:prstGeom prst="rect">
+            <a:avLst/>
+          </a:prstGeom>
+        </p:spPr>
+        <p:txBody>
+          <a:bodyPr spcFirstLastPara="1" wrap="square" lIns="91425" tIns="91425" rIns="91425" bIns="91425" anchor="t" anchorCtr="0">
+            <a:noAutofit/>
+          </a:bodyPr>
+          <a:lstStyle/>
+          <a:p>
+            <a:pPr marL="0" lvl="0" indent="0" algn="l" rtl="0">
+              <a:spcBef>
+                <a:spcPts val="0"/>
+              </a:spcBef>
+              <a:spcAft>
+                <a:spcPts val="0"/>
+              </a:spcAft>
+              <a:buNone/>
+            </a:pPr>
+            <a:r>
+              <a:rPr lang="en-US" dirty="0"/>
+              <a:t>Conclusion</a:t>
+            </a:r>
+            <a:endParaRPr dirty="0"/>
+          </a:p>
+        </p:txBody>
+      </p:sp>
+      <p:sp>
+        <p:nvSpPr>
+          <p:cNvPr id="2" name="TextBox 1">
+            <a:extLst>
+              <a:ext uri="{FF2B5EF4-FFF2-40B4-BE49-F238E27FC236}">
+                <a16:creationId xmlns:a16="http://schemas.microsoft.com/office/drawing/2014/main" id="{A6D99876-4E50-6E41-0F23-2D5B6AB22D2E}"/>
+              </a:ext>
+            </a:extLst>
+          </p:cNvPr>
+          <p:cNvSpPr txBox="1"/>
+          <p:nvPr/>
+        </p:nvSpPr>
+        <p:spPr>
+          <a:xfrm>
+            <a:off x="447685" y="904836"/>
+            <a:ext cx="7820297" cy="1384995"/>
+          </a:xfrm>
+          <a:prstGeom prst="rect">
+            <a:avLst/>
+          </a:prstGeom>
+          <a:noFill/>
+        </p:spPr>
+        <p:txBody>
+          <a:bodyPr wrap="square" rtlCol="0">
+            <a:spAutoFit/>
+          </a:bodyPr>
+          <a:lstStyle/>
+          <a:p>
+            <a:endParaRPr lang="en-US" dirty="0"/>
+          </a:p>
+          <a:p>
+            <a:endParaRPr lang="en-US" dirty="0"/>
+          </a:p>
+          <a:p>
+            <a:endParaRPr lang="en-US" dirty="0"/>
+          </a:p>
+          <a:p>
+            <a:endParaRPr lang="en-US" dirty="0"/>
+          </a:p>
+          <a:p>
+            <a:endParaRPr lang="en-US" dirty="0"/>
+          </a:p>
+          <a:p>
+            <a:pPr marL="285750" indent="-285750">
+              <a:buFontTx/>
+              <a:buChar char="-"/>
+            </a:pPr>
+            <a:endParaRPr lang="en-US" dirty="0"/>
+          </a:p>
+        </p:txBody>
+      </p:sp>
+      <p:graphicFrame>
+        <p:nvGraphicFramePr>
+          <p:cNvPr id="4" name="Table 3">
+            <a:extLst>
+              <a:ext uri="{FF2B5EF4-FFF2-40B4-BE49-F238E27FC236}">
+                <a16:creationId xmlns:a16="http://schemas.microsoft.com/office/drawing/2014/main" id="{177096C3-7121-B2A0-37C1-5011B7D06D9C}"/>
+              </a:ext>
+            </a:extLst>
+          </p:cNvPr>
+          <p:cNvGraphicFramePr>
+            <a:graphicFrameLocks noGrp="1"/>
+          </p:cNvGraphicFramePr>
+          <p:nvPr>
+            <p:extLst>
+              <p:ext uri="{D42A27DB-BD31-4B8C-83A1-F6EECF244321}">
+                <p14:modId xmlns:p14="http://schemas.microsoft.com/office/powerpoint/2010/main" val="1517646591"/>
+              </p:ext>
+            </p:extLst>
+          </p:nvPr>
+        </p:nvGraphicFramePr>
+        <p:xfrm>
+          <a:off x="447684" y="904836"/>
+          <a:ext cx="7820298" cy="2032000"/>
+        </p:xfrm>
+        <a:graphic>
+          <a:graphicData uri="http://schemas.openxmlformats.org/drawingml/2006/table">
+            <a:tbl>
+              <a:tblPr firstRow="1" bandRow="1">
+                <a:tableStyleId>{073A0DAA-6AF3-43AB-8588-CEC1D06C72B9}</a:tableStyleId>
+              </a:tblPr>
+              <a:tblGrid>
+                <a:gridCol w="2750926">
+                  <a:extLst>
+                    <a:ext uri="{9D8B030D-6E8A-4147-A177-3AD203B41FA5}">
+                      <a16:colId xmlns:a16="http://schemas.microsoft.com/office/drawing/2014/main" val="2333828725"/>
+                    </a:ext>
+                  </a:extLst>
+                </a:gridCol>
+                <a:gridCol w="2534686">
+                  <a:extLst>
+                    <a:ext uri="{9D8B030D-6E8A-4147-A177-3AD203B41FA5}">
+                      <a16:colId xmlns:a16="http://schemas.microsoft.com/office/drawing/2014/main" val="1837731260"/>
+                    </a:ext>
+                  </a:extLst>
+                </a:gridCol>
+                <a:gridCol w="2534686">
+                  <a:extLst>
+                    <a:ext uri="{9D8B030D-6E8A-4147-A177-3AD203B41FA5}">
+                      <a16:colId xmlns:a16="http://schemas.microsoft.com/office/drawing/2014/main" val="3387819974"/>
+                    </a:ext>
+                  </a:extLst>
+                </a:gridCol>
+              </a:tblGrid>
+              <a:tr h="370840">
+                <a:tc>
+                  <a:txBody>
+                    <a:bodyPr/>
+                    <a:lstStyle/>
+                    <a:p>
+                      <a:r>
+                        <a:rPr lang="en-US" dirty="0"/>
+                        <a:t>Task</a:t>
+                      </a:r>
+                    </a:p>
+                  </a:txBody>
+                  <a:tcPr/>
+                </a:tc>
+                <a:tc>
+                  <a:txBody>
+                    <a:bodyPr/>
+                    <a:lstStyle/>
+                    <a:p>
+                      <a:r>
+                        <a:rPr lang="en-US" dirty="0"/>
+                        <a:t>Model Insights</a:t>
+                      </a:r>
+                    </a:p>
+                  </a:txBody>
+                  <a:tcPr/>
+                </a:tc>
+                <a:tc>
+                  <a:txBody>
+                    <a:bodyPr/>
+                    <a:lstStyle/>
+                    <a:p>
+                      <a:r>
+                        <a:rPr lang="en-US" dirty="0"/>
+                        <a:t>Model Performance</a:t>
+                      </a:r>
+                    </a:p>
+                  </a:txBody>
+                  <a:tcPr/>
+                </a:tc>
+                <a:extLst>
+                  <a:ext uri="{0D108BD9-81ED-4DB2-BD59-A6C34878D82A}">
+                    <a16:rowId xmlns:a16="http://schemas.microsoft.com/office/drawing/2014/main" val="1219911761"/>
+                  </a:ext>
+                </a:extLst>
+              </a:tr>
+              <a:tr h="370840">
+                <a:tc>
+                  <a:txBody>
+                    <a:bodyPr/>
+                    <a:lstStyle/>
+                    <a:p>
+                      <a:r>
+                        <a:rPr lang="en-US" sz="1300" dirty="0"/>
+                        <a:t>Binary Classification</a:t>
+                      </a:r>
+                      <a:endParaRPr lang="en-US" sz="1300" dirty="0">
+                        <a:latin typeface="Times New Roman" panose="02020603050405020304" pitchFamily="18" charset="0"/>
+                        <a:cs typeface="Times New Roman" panose="02020603050405020304" pitchFamily="18" charset="0"/>
+                      </a:endParaRPr>
+                    </a:p>
+                  </a:txBody>
+                  <a:tcPr/>
+                </a:tc>
+                <a:tc>
+                  <a:txBody>
+                    <a:bodyPr/>
+                    <a:lstStyle/>
+                    <a:p>
+                      <a:r>
+                        <a:rPr lang="en-US" sz="1300" dirty="0"/>
+                        <a:t>Peer pressure is a strong indicator of marijuana use</a:t>
+                      </a:r>
+                      <a:endParaRPr lang="en-US" sz="1300" dirty="0">
+                        <a:latin typeface="Times New Roman" panose="02020603050405020304" pitchFamily="18" charset="0"/>
+                        <a:cs typeface="Times New Roman" panose="02020603050405020304" pitchFamily="18" charset="0"/>
+                      </a:endParaRPr>
+                    </a:p>
+                  </a:txBody>
+                  <a:tcPr/>
+                </a:tc>
+                <a:tc>
+                  <a:txBody>
+                    <a:bodyPr/>
+                    <a:lstStyle/>
+                    <a:p>
+                      <a:r>
+                        <a:rPr lang="en-US" sz="1300" dirty="0"/>
+                        <a:t>Gradient Boosting: 88.29%</a:t>
+                      </a:r>
+                      <a:endParaRPr lang="en-US" sz="1300" dirty="0">
+                        <a:latin typeface="Times New Roman" panose="02020603050405020304" pitchFamily="18" charset="0"/>
+                        <a:cs typeface="Times New Roman" panose="02020603050405020304" pitchFamily="18" charset="0"/>
+                      </a:endParaRPr>
+                    </a:p>
+                  </a:txBody>
+                  <a:tcPr/>
+                </a:tc>
+                <a:extLst>
+                  <a:ext uri="{0D108BD9-81ED-4DB2-BD59-A6C34878D82A}">
+                    <a16:rowId xmlns:a16="http://schemas.microsoft.com/office/drawing/2014/main" val="3222057981"/>
+                  </a:ext>
+                </a:extLst>
+              </a:tr>
+              <a:tr h="370840">
+                <a:tc>
+                  <a:txBody>
+                    <a:bodyPr/>
+                    <a:lstStyle/>
+                    <a:p>
+                      <a:r>
+                        <a:rPr lang="en-US" sz="1300" dirty="0"/>
+                        <a:t>Multi-Class Classification</a:t>
+                      </a:r>
+                      <a:endParaRPr lang="en-US" sz="1300" dirty="0">
+                        <a:latin typeface="Times New Roman" panose="02020603050405020304" pitchFamily="18" charset="0"/>
+                        <a:cs typeface="Times New Roman" panose="02020603050405020304" pitchFamily="18" charset="0"/>
+                      </a:endParaRPr>
+                    </a:p>
+                  </a:txBody>
+                  <a:tcPr/>
+                </a:tc>
+                <a:tc>
+                  <a:txBody>
+                    <a:bodyPr/>
+                    <a:lstStyle/>
+                    <a:p>
+                      <a:r>
+                        <a:rPr lang="en-US" sz="1300" dirty="0"/>
+                        <a:t>Model best only at identifying "never used" individuals (</a:t>
+                      </a:r>
+                      <a:r>
+                        <a:rPr lang="en-US" sz="1300" b="1" dirty="0"/>
+                        <a:t>Class Imbalance</a:t>
+                      </a:r>
+                      <a:r>
+                        <a:rPr lang="en-US" sz="1300" dirty="0"/>
+                        <a:t>)</a:t>
+                      </a:r>
+                      <a:endParaRPr lang="en-US" sz="1300" dirty="0">
+                        <a:latin typeface="Times New Roman" panose="02020603050405020304" pitchFamily="18" charset="0"/>
+                        <a:cs typeface="Times New Roman" panose="02020603050405020304" pitchFamily="18" charset="0"/>
+                      </a:endParaRPr>
+                    </a:p>
+                  </a:txBody>
+                  <a:tcPr/>
+                </a:tc>
+                <a:tc>
+                  <a:txBody>
+                    <a:bodyPr/>
+                    <a:lstStyle/>
+                    <a:p>
+                      <a:r>
+                        <a:rPr lang="en-US" sz="1300" dirty="0"/>
+                        <a:t>Gradient Boosting: 87.69% accuracy</a:t>
+                      </a:r>
+                      <a:endParaRPr lang="en-US" sz="1300" dirty="0">
+                        <a:latin typeface="Times New Roman" panose="02020603050405020304" pitchFamily="18" charset="0"/>
+                        <a:cs typeface="Times New Roman" panose="02020603050405020304" pitchFamily="18" charset="0"/>
+                      </a:endParaRPr>
+                    </a:p>
+                  </a:txBody>
+                  <a:tcPr/>
+                </a:tc>
+                <a:extLst>
+                  <a:ext uri="{0D108BD9-81ED-4DB2-BD59-A6C34878D82A}">
+                    <a16:rowId xmlns:a16="http://schemas.microsoft.com/office/drawing/2014/main" val="3234579633"/>
+                  </a:ext>
+                </a:extLst>
+              </a:tr>
+              <a:tr h="370840">
+                <a:tc>
+                  <a:txBody>
+                    <a:bodyPr/>
+                    <a:lstStyle/>
+                    <a:p>
+                      <a:r>
+                        <a:rPr lang="en-US" sz="1300" dirty="0"/>
+                        <a:t>Regression</a:t>
+                      </a:r>
+                      <a:endParaRPr lang="en-US" sz="1300" dirty="0">
+                        <a:latin typeface="Times New Roman" panose="02020603050405020304" pitchFamily="18" charset="0"/>
+                        <a:cs typeface="Times New Roman" panose="02020603050405020304" pitchFamily="18" charset="0"/>
+                      </a:endParaRPr>
+                    </a:p>
+                  </a:txBody>
+                  <a:tcPr/>
+                </a:tc>
+                <a:tc>
+                  <a:txBody>
+                    <a:bodyPr/>
+                    <a:lstStyle/>
+                    <a:p>
+                      <a:r>
+                        <a:rPr lang="en-US" sz="1300" dirty="0"/>
+                        <a:t>Model struggles with precise prediction of usage days</a:t>
+                      </a:r>
+                      <a:endParaRPr lang="en-US" sz="1300" dirty="0">
+                        <a:latin typeface="Times New Roman" panose="02020603050405020304" pitchFamily="18" charset="0"/>
+                        <a:cs typeface="Times New Roman" panose="02020603050405020304" pitchFamily="18" charset="0"/>
+                      </a:endParaRPr>
+                    </a:p>
+                  </a:txBody>
+                  <a:tcPr/>
+                </a:tc>
+                <a:tc>
+                  <a:txBody>
+                    <a:bodyPr/>
+                    <a:lstStyle/>
+                    <a:p>
+                      <a:r>
+                        <a:rPr lang="en-US" sz="1300" dirty="0"/>
+                        <a:t>Random Forest: MSE ≈ 1.91</a:t>
+                      </a:r>
+                      <a:endParaRPr lang="en-US" sz="1300" dirty="0">
+                        <a:latin typeface="Times New Roman" panose="02020603050405020304" pitchFamily="18" charset="0"/>
+                        <a:cs typeface="Times New Roman" panose="02020603050405020304" pitchFamily="18" charset="0"/>
+                      </a:endParaRPr>
+                    </a:p>
+                  </a:txBody>
+                  <a:tcPr/>
+                </a:tc>
+                <a:extLst>
+                  <a:ext uri="{0D108BD9-81ED-4DB2-BD59-A6C34878D82A}">
+                    <a16:rowId xmlns:a16="http://schemas.microsoft.com/office/drawing/2014/main" val="3540712907"/>
+                  </a:ext>
+                </a:extLst>
+              </a:tr>
+            </a:tbl>
+          </a:graphicData>
+        </a:graphic>
+      </p:graphicFrame>
+      <p:sp>
+        <p:nvSpPr>
+          <p:cNvPr id="6" name="TextBox 5">
+            <a:extLst>
+              <a:ext uri="{FF2B5EF4-FFF2-40B4-BE49-F238E27FC236}">
+                <a16:creationId xmlns:a16="http://schemas.microsoft.com/office/drawing/2014/main" id="{C6B1F2C7-E408-4990-49A7-940CD0DDFA21}"/>
+              </a:ext>
+            </a:extLst>
+          </p:cNvPr>
+          <p:cNvSpPr txBox="1"/>
+          <p:nvPr/>
+        </p:nvSpPr>
+        <p:spPr>
+          <a:xfrm>
+            <a:off x="447684" y="3166871"/>
+            <a:ext cx="7820296" cy="1384995"/>
+          </a:xfrm>
+          <a:prstGeom prst="rect">
+            <a:avLst/>
+          </a:prstGeom>
+          <a:noFill/>
+        </p:spPr>
+        <p:txBody>
+          <a:bodyPr wrap="square">
+            <a:spAutoFit/>
+          </a:bodyPr>
+          <a:lstStyle/>
+          <a:p>
+            <a:r>
+              <a:rPr lang="en-US" dirty="0">
+                <a:latin typeface="Times New Roman" panose="02020603050405020304" pitchFamily="18" charset="0"/>
+                <a:cs typeface="Times New Roman" panose="02020603050405020304" pitchFamily="18" charset="0"/>
+              </a:rPr>
+              <a:t>By identifying key predictors such as peer influence, parental involvement, and socioeconomic status this work can inform public health strategies and early intervention programs.</a:t>
+            </a:r>
+          </a:p>
+          <a:p>
+            <a:endParaRPr lang="en-US" dirty="0">
+              <a:latin typeface="Times New Roman" panose="02020603050405020304" pitchFamily="18" charset="0"/>
+              <a:cs typeface="Times New Roman" panose="02020603050405020304" pitchFamily="18" charset="0"/>
+            </a:endParaRPr>
+          </a:p>
+          <a:p>
+            <a:r>
+              <a:rPr lang="en-US" b="1" dirty="0">
+                <a:latin typeface="Times New Roman" panose="02020603050405020304" pitchFamily="18" charset="0"/>
+                <a:cs typeface="Times New Roman" panose="02020603050405020304" pitchFamily="18" charset="0"/>
+              </a:rPr>
+              <a:t>Future Scope:</a:t>
+            </a:r>
+          </a:p>
+          <a:p>
+            <a:r>
+              <a:rPr lang="en-US" dirty="0">
+                <a:latin typeface="Times New Roman" panose="02020603050405020304" pitchFamily="18" charset="0"/>
+                <a:cs typeface="Times New Roman" panose="02020603050405020304" pitchFamily="18" charset="0"/>
+              </a:rPr>
+              <a:t>- Addressing the </a:t>
+            </a:r>
+            <a:r>
+              <a:rPr lang="en-US" b="1" dirty="0">
+                <a:latin typeface="Times New Roman" panose="02020603050405020304" pitchFamily="18" charset="0"/>
+                <a:cs typeface="Times New Roman" panose="02020603050405020304" pitchFamily="18" charset="0"/>
+              </a:rPr>
+              <a:t>class imbalance</a:t>
+            </a:r>
+            <a:r>
+              <a:rPr lang="en-US" dirty="0">
+                <a:latin typeface="Times New Roman" panose="02020603050405020304" pitchFamily="18" charset="0"/>
+                <a:cs typeface="Times New Roman" panose="02020603050405020304" pitchFamily="18" charset="0"/>
+              </a:rPr>
+              <a:t> in the multiclass classification task using </a:t>
+            </a:r>
+            <a:r>
+              <a:rPr lang="en-US" b="1" dirty="0">
+                <a:latin typeface="Times New Roman" panose="02020603050405020304" pitchFamily="18" charset="0"/>
+                <a:cs typeface="Times New Roman" panose="02020603050405020304" pitchFamily="18" charset="0"/>
+              </a:rPr>
+              <a:t>resampling techniques like SMOTE</a:t>
+            </a:r>
+            <a:r>
+              <a:rPr lang="en-US" dirty="0">
+                <a:latin typeface="Times New Roman" panose="02020603050405020304" pitchFamily="18" charset="0"/>
+                <a:cs typeface="Times New Roman" panose="02020603050405020304" pitchFamily="18" charset="0"/>
+              </a:rPr>
+              <a:t> (Synthetic Minority Over-sampling Technique).</a:t>
+            </a:r>
+          </a:p>
+        </p:txBody>
+      </p:sp>
+    </p:spTree>
+    <p:extLst>
+      <p:ext uri="{BB962C8B-B14F-4D97-AF65-F5344CB8AC3E}">
+        <p14:creationId xmlns:p14="http://schemas.microsoft.com/office/powerpoint/2010/main" val="4152371043"/>
+      </p:ext>
+    </p:extLst>
+  </p:cSld>
+  <p:clrMapOvr>
+    <a:masterClrMapping/>
+  </p:clrMapOvr>
+</p:sld>
+</file>
+
+<file path=ppt/slides/slide13.xml><?xml version="1.0" encoding="utf-8"?>
+<p:sld xmlns:a="http://schemas.openxmlformats.org/drawingml/2006/main" xmlns:r="http://schemas.openxmlformats.org/officeDocument/2006/relationships" xmlns:p="http://schemas.openxmlformats.org/presentationml/2006/main">
+  <p:cSld>
+    <p:spTree>
+      <p:nvGrpSpPr>
+        <p:cNvPr id="1" name="Shape 213">
+          <a:extLst>
+            <a:ext uri="{FF2B5EF4-FFF2-40B4-BE49-F238E27FC236}">
+              <a16:creationId xmlns:a16="http://schemas.microsoft.com/office/drawing/2014/main" id="{7E5B80D4-4EBD-81D9-7358-303D11E11428}"/>
+            </a:ext>
+          </a:extLst>
+        </p:cNvPr>
+        <p:cNvGrpSpPr/>
+        <p:nvPr/>
+      </p:nvGrpSpPr>
+      <p:grpSpPr>
+        <a:xfrm>
+          <a:off x="0" y="0"/>
+          <a:ext cx="0" cy="0"/>
+          <a:chOff x="0" y="0"/>
+          <a:chExt cx="0" cy="0"/>
+        </a:xfrm>
+      </p:grpSpPr>
+      <p:sp>
+        <p:nvSpPr>
+          <p:cNvPr id="214" name="Google Shape;214;p29">
+            <a:extLst>
+              <a:ext uri="{FF2B5EF4-FFF2-40B4-BE49-F238E27FC236}">
+                <a16:creationId xmlns:a16="http://schemas.microsoft.com/office/drawing/2014/main" id="{0F8A1458-B436-FE02-727F-696F052B874F}"/>
+              </a:ext>
+            </a:extLst>
+          </p:cNvPr>
+          <p:cNvSpPr txBox="1">
+            <a:spLocks noGrp="1"/>
+          </p:cNvSpPr>
+          <p:nvPr>
+            <p:ph type="title"/>
+          </p:nvPr>
+        </p:nvSpPr>
+        <p:spPr>
+          <a:xfrm>
+            <a:off x="720000" y="445025"/>
+            <a:ext cx="7086906" cy="572700"/>
+          </a:xfrm>
+          <a:prstGeom prst="rect">
+            <a:avLst/>
+          </a:prstGeom>
+        </p:spPr>
+        <p:txBody>
+          <a:bodyPr spcFirstLastPara="1" wrap="square" lIns="91425" tIns="91425" rIns="91425" bIns="91425" anchor="t" anchorCtr="0">
+            <a:noAutofit/>
+          </a:bodyPr>
+          <a:lstStyle/>
+          <a:p>
+            <a:pPr marL="0" lvl="0" indent="0" algn="l" rtl="0">
+              <a:spcBef>
+                <a:spcPts val="0"/>
+              </a:spcBef>
+              <a:spcAft>
+                <a:spcPts val="0"/>
+              </a:spcAft>
+              <a:buNone/>
+            </a:pPr>
+            <a:r>
+              <a:rPr lang="en-US" dirty="0"/>
+              <a:t>References</a:t>
+            </a:r>
+            <a:endParaRPr dirty="0"/>
+          </a:p>
+        </p:txBody>
+      </p:sp>
+      <p:sp>
+        <p:nvSpPr>
+          <p:cNvPr id="2" name="TextBox 1">
+            <a:extLst>
+              <a:ext uri="{FF2B5EF4-FFF2-40B4-BE49-F238E27FC236}">
+                <a16:creationId xmlns:a16="http://schemas.microsoft.com/office/drawing/2014/main" id="{26CB7F51-CB67-625F-4FFE-41F5B085FA92}"/>
+              </a:ext>
+            </a:extLst>
+          </p:cNvPr>
+          <p:cNvSpPr txBox="1"/>
+          <p:nvPr/>
+        </p:nvSpPr>
+        <p:spPr>
+          <a:xfrm>
+            <a:off x="513744" y="1017725"/>
+            <a:ext cx="7021462" cy="1384995"/>
+          </a:xfrm>
+          <a:prstGeom prst="rect">
+            <a:avLst/>
+          </a:prstGeom>
+          <a:noFill/>
+        </p:spPr>
+        <p:txBody>
+          <a:bodyPr wrap="square" rtlCol="0">
+            <a:spAutoFit/>
+          </a:bodyPr>
+          <a:lstStyle/>
+          <a:p>
+            <a:r>
+              <a:rPr lang="en-US" dirty="0"/>
+              <a:t>[1] National Survey on Drug Use and Health (NSDUH) 2020. [Codebook].</a:t>
+            </a:r>
+          </a:p>
+          <a:p>
+            <a:r>
+              <a:rPr lang="en-US" dirty="0">
+                <a:hlinkClick r:id="rId3"/>
+              </a:rPr>
+              <a:t>https://www.samhsa.gov/data/data-we-collect/nsduh-national-survey-drug-use-and-health/datafiles/2020</a:t>
+            </a:r>
+            <a:endParaRPr lang="en-US" dirty="0"/>
+          </a:p>
+          <a:p>
+            <a:r>
+              <a:rPr lang="en-US" dirty="0"/>
+              <a:t>[2] </a:t>
+            </a:r>
+            <a:r>
+              <a:rPr lang="en-US" dirty="0">
+                <a:hlinkClick r:id="rId4"/>
+              </a:rPr>
+              <a:t>https://scikit-learn.org/stable/modules/ensemble.html</a:t>
+            </a:r>
+            <a:endParaRPr lang="en-US" dirty="0"/>
+          </a:p>
+          <a:p>
+            <a:r>
+              <a:rPr lang="en-US" dirty="0"/>
+              <a:t>[3] </a:t>
+            </a:r>
+            <a:r>
+              <a:rPr lang="en-US" dirty="0">
+                <a:hlinkClick r:id="rId5"/>
+              </a:rPr>
+              <a:t>https://hastie.su.domains/ISLP/ISLP_website.pdf.download.html</a:t>
+            </a:r>
+            <a:endParaRPr lang="en-US" dirty="0"/>
+          </a:p>
+          <a:p>
+            <a:r>
+              <a:rPr lang="en-US" dirty="0"/>
+              <a:t>[4] </a:t>
+            </a:r>
+            <a:r>
+              <a:rPr lang="en-US" dirty="0">
+                <a:hlinkClick r:id="rId6"/>
+              </a:rPr>
+              <a:t>https://scikit-learn.org/stable/modules/cross_validation.html</a:t>
+            </a:r>
+            <a:endParaRPr lang="en-US" dirty="0"/>
+          </a:p>
+        </p:txBody>
+      </p:sp>
+    </p:spTree>
+    <p:extLst>
+      <p:ext uri="{BB962C8B-B14F-4D97-AF65-F5344CB8AC3E}">
+        <p14:creationId xmlns:p14="http://schemas.microsoft.com/office/powerpoint/2010/main" val="3341020133"/>
+      </p:ext>
+    </p:extLst>
+  </p:cSld>
+  <p:clrMapOvr>
+    <a:masterClrMapping/>
+  </p:clrMapOvr>
+</p:sld>
+</file>
+
+<file path=ppt/slides/slide14.xml><?xml version="1.0" encoding="utf-8"?>
+<p:sld xmlns:a="http://schemas.openxmlformats.org/drawingml/2006/main" xmlns:r="http://schemas.openxmlformats.org/officeDocument/2006/relationships" xmlns:p="http://schemas.openxmlformats.org/presentationml/2006/main">
+  <p:cSld>
+    <p:spTree>
+      <p:nvGrpSpPr>
+        <p:cNvPr id="1" name="Shape 213">
+          <a:extLst>
+            <a:ext uri="{FF2B5EF4-FFF2-40B4-BE49-F238E27FC236}">
+              <a16:creationId xmlns:a16="http://schemas.microsoft.com/office/drawing/2014/main" id="{BE165A9F-8E8C-37C4-A3F6-B5DB8F7C35AE}"/>
+            </a:ext>
+          </a:extLst>
+        </p:cNvPr>
+        <p:cNvGrpSpPr/>
+        <p:nvPr/>
+      </p:nvGrpSpPr>
+      <p:grpSpPr>
+        <a:xfrm>
+          <a:off x="0" y="0"/>
+          <a:ext cx="0" cy="0"/>
+          <a:chOff x="0" y="0"/>
+          <a:chExt cx="0" cy="0"/>
+        </a:xfrm>
+      </p:grpSpPr>
+      <p:sp>
+        <p:nvSpPr>
+          <p:cNvPr id="214" name="Google Shape;214;p29">
+            <a:extLst>
+              <a:ext uri="{FF2B5EF4-FFF2-40B4-BE49-F238E27FC236}">
+                <a16:creationId xmlns:a16="http://schemas.microsoft.com/office/drawing/2014/main" id="{000FE0D3-76BC-9518-3E72-84370928FF78}"/>
+              </a:ext>
+            </a:extLst>
+          </p:cNvPr>
+          <p:cNvSpPr txBox="1">
+            <a:spLocks noGrp="1"/>
+          </p:cNvSpPr>
+          <p:nvPr>
+            <p:ph type="title"/>
+          </p:nvPr>
+        </p:nvSpPr>
+        <p:spPr>
+          <a:xfrm>
+            <a:off x="2199480" y="1873133"/>
+            <a:ext cx="7086906" cy="572700"/>
+          </a:xfrm>
+          <a:prstGeom prst="rect">
+            <a:avLst/>
+          </a:prstGeom>
+        </p:spPr>
+        <p:txBody>
+          <a:bodyPr spcFirstLastPara="1" wrap="square" lIns="91425" tIns="91425" rIns="91425" bIns="91425" anchor="t" anchorCtr="0">
+            <a:noAutofit/>
+          </a:bodyPr>
+          <a:lstStyle/>
+          <a:p>
+            <a:pPr marL="0" lvl="0" indent="0" algn="l" rtl="0">
+              <a:spcBef>
+                <a:spcPts val="0"/>
+              </a:spcBef>
+              <a:spcAft>
+                <a:spcPts val="0"/>
+              </a:spcAft>
+              <a:buNone/>
+            </a:pPr>
+            <a:r>
+              <a:rPr lang="en-US" sz="4800" dirty="0"/>
+              <a:t>Thank You</a:t>
+            </a:r>
+            <a:endParaRPr sz="4800" dirty="0"/>
+          </a:p>
+        </p:txBody>
+      </p:sp>
+    </p:spTree>
+    <p:extLst>
+      <p:ext uri="{BB962C8B-B14F-4D97-AF65-F5344CB8AC3E}">
+        <p14:creationId xmlns:p14="http://schemas.microsoft.com/office/powerpoint/2010/main" val="525962066"/>
+      </p:ext>
+    </p:extLst>
+  </p:cSld>
+  <p:clrMapOvr>
+    <a:masterClrMapping/>
+  </p:clrMapOvr>
+</p:sld>
+</file>
+
+<file path=ppt/slides/slide2.xml><?xml version="1.0" encoding="utf-8"?>
+<p:sld xmlns:a="http://schemas.openxmlformats.org/drawingml/2006/main" xmlns:r="http://schemas.openxmlformats.org/officeDocument/2006/relationships" xmlns:p="http://schemas.openxmlformats.org/presentationml/2006/main">
+  <p:cSld>
+    <p:spTree>
+      <p:nvGrpSpPr>
+        <p:cNvPr id="1" name="Shape 213"/>
+        <p:cNvGrpSpPr/>
+        <p:nvPr/>
+      </p:nvGrpSpPr>
+      <p:grpSpPr>
+        <a:xfrm>
+          <a:off x="0" y="0"/>
+          <a:ext cx="0" cy="0"/>
+          <a:chOff x="0" y="0"/>
+          <a:chExt cx="0" cy="0"/>
+        </a:xfrm>
+      </p:grpSpPr>
+      <p:sp>
+        <p:nvSpPr>
+          <p:cNvPr id="214" name="Google Shape;214;p29"/>
+          <p:cNvSpPr txBox="1">
+            <a:spLocks noGrp="1"/>
+          </p:cNvSpPr>
+          <p:nvPr>
+            <p:ph type="title"/>
+          </p:nvPr>
+        </p:nvSpPr>
+        <p:spPr>
+          <a:xfrm>
+            <a:off x="720000" y="445025"/>
+            <a:ext cx="7086906" cy="572700"/>
+          </a:xfrm>
+          <a:prstGeom prst="rect">
+            <a:avLst/>
+          </a:prstGeom>
+        </p:spPr>
+        <p:txBody>
+          <a:bodyPr spcFirstLastPara="1" wrap="square" lIns="91425" tIns="91425" rIns="91425" bIns="91425" anchor="t" anchorCtr="0">
+            <a:noAutofit/>
+          </a:bodyPr>
+          <a:lstStyle/>
+          <a:p>
+            <a:pPr marL="0" lvl="0" indent="0" algn="l" rtl="0">
+              <a:spcBef>
+                <a:spcPts val="0"/>
+              </a:spcBef>
+              <a:spcAft>
+                <a:spcPts val="0"/>
+              </a:spcAft>
+              <a:buNone/>
+            </a:pPr>
+            <a:r>
+              <a:rPr lang="en-US" sz="3200" dirty="0"/>
+              <a:t>Introduction</a:t>
+            </a:r>
+            <a:endParaRPr dirty="0"/>
+          </a:p>
+        </p:txBody>
+      </p:sp>
+      <p:sp>
+        <p:nvSpPr>
+          <p:cNvPr id="3" name="TextBox 2">
+            <a:extLst>
+              <a:ext uri="{FF2B5EF4-FFF2-40B4-BE49-F238E27FC236}">
+                <a16:creationId xmlns:a16="http://schemas.microsoft.com/office/drawing/2014/main" id="{96794EC9-9905-3D45-E135-6C2C57D843EC}"/>
+              </a:ext>
+            </a:extLst>
+          </p:cNvPr>
+          <p:cNvSpPr txBox="1"/>
+          <p:nvPr/>
+        </p:nvSpPr>
+        <p:spPr>
+          <a:xfrm>
+            <a:off x="554886" y="1218417"/>
+            <a:ext cx="7417133" cy="3477875"/>
+          </a:xfrm>
+          <a:prstGeom prst="rect">
+            <a:avLst/>
+          </a:prstGeom>
+          <a:noFill/>
+        </p:spPr>
+        <p:txBody>
+          <a:bodyPr wrap="square" rtlCol="0">
+            <a:spAutoFit/>
+          </a:bodyPr>
+          <a:lstStyle/>
+          <a:p>
+            <a:r>
+              <a:rPr lang="en-US" dirty="0">
+                <a:latin typeface="Times New Roman" panose="02020603050405020304" pitchFamily="18" charset="0"/>
+                <a:cs typeface="Times New Roman" panose="02020603050405020304" pitchFamily="18" charset="0"/>
+              </a:rPr>
+              <a:t>This project mainly focuses on analyzing the National Survey on Drug Usage and Health data and make predictions.</a:t>
+            </a:r>
+          </a:p>
+          <a:p>
+            <a:endParaRPr lang="en-US" dirty="0">
+              <a:latin typeface="Times New Roman" panose="02020603050405020304" pitchFamily="18" charset="0"/>
+              <a:cs typeface="Times New Roman" panose="02020603050405020304" pitchFamily="18" charset="0"/>
+            </a:endParaRPr>
+          </a:p>
+          <a:p>
+            <a:endParaRPr lang="en-US" dirty="0">
+              <a:latin typeface="Times New Roman" panose="02020603050405020304" pitchFamily="18" charset="0"/>
+              <a:cs typeface="Times New Roman" panose="02020603050405020304" pitchFamily="18" charset="0"/>
+            </a:endParaRPr>
+          </a:p>
+          <a:p>
+            <a:r>
+              <a:rPr lang="en-US" dirty="0">
+                <a:latin typeface="Times New Roman" panose="02020603050405020304" pitchFamily="18" charset="0"/>
+                <a:cs typeface="Times New Roman" panose="02020603050405020304" pitchFamily="18" charset="0"/>
+              </a:rPr>
+              <a:t>Explored three different problems</a:t>
+            </a:r>
+          </a:p>
+          <a:p>
+            <a:pPr marL="285750" indent="-285750">
+              <a:buFont typeface="Arial" panose="020B0604020202020204" pitchFamily="34" charset="0"/>
+              <a:buChar char="•"/>
+            </a:pPr>
+            <a:r>
+              <a:rPr lang="en-US" dirty="0">
+                <a:latin typeface="Times New Roman" panose="02020603050405020304" pitchFamily="18" charset="0"/>
+                <a:cs typeface="Times New Roman" panose="02020603050405020304" pitchFamily="18" charset="0"/>
+              </a:rPr>
+              <a:t>Binary Classification – </a:t>
+            </a:r>
+            <a:r>
+              <a:rPr lang="en-US" sz="1100" dirty="0">
+                <a:latin typeface="Times New Roman" panose="02020603050405020304" pitchFamily="18" charset="0"/>
+                <a:cs typeface="Times New Roman" panose="02020603050405020304" pitchFamily="18" charset="0"/>
+              </a:rPr>
+              <a:t>(</a:t>
+            </a:r>
+            <a:r>
+              <a:rPr lang="en-US" sz="1100" b="0" i="0" dirty="0">
+                <a:effectLst/>
+                <a:latin typeface="Times New Roman" panose="02020603050405020304" pitchFamily="18" charset="0"/>
+                <a:cs typeface="Times New Roman" panose="02020603050405020304" pitchFamily="18" charset="0"/>
+              </a:rPr>
+              <a:t>This is to classify whether the youth use marijuana or not.) </a:t>
+            </a:r>
+            <a:endParaRPr lang="en-US" sz="1200" dirty="0">
+              <a:latin typeface="Times New Roman" panose="02020603050405020304" pitchFamily="18" charset="0"/>
+              <a:cs typeface="Times New Roman" panose="02020603050405020304" pitchFamily="18" charset="0"/>
+            </a:endParaRPr>
+          </a:p>
+          <a:p>
+            <a:pPr marL="285750" indent="-285750">
+              <a:buFont typeface="Arial" panose="020B0604020202020204" pitchFamily="34" charset="0"/>
+              <a:buChar char="•"/>
+            </a:pPr>
+            <a:r>
+              <a:rPr lang="en-US" dirty="0">
+                <a:latin typeface="Times New Roman" panose="02020603050405020304" pitchFamily="18" charset="0"/>
+                <a:cs typeface="Times New Roman" panose="02020603050405020304" pitchFamily="18" charset="0"/>
+              </a:rPr>
+              <a:t>Multi Class Classification – </a:t>
+            </a:r>
+            <a:r>
+              <a:rPr lang="en-US" sz="1100" dirty="0">
+                <a:latin typeface="Times New Roman" panose="02020603050405020304" pitchFamily="18" charset="0"/>
+                <a:cs typeface="Times New Roman" panose="02020603050405020304" pitchFamily="18" charset="0"/>
+              </a:rPr>
+              <a:t>(</a:t>
+            </a:r>
+            <a:r>
+              <a:rPr lang="en-US" sz="1100" b="0" i="0" dirty="0">
+                <a:effectLst/>
+                <a:latin typeface="Times New Roman" panose="02020603050405020304" pitchFamily="18" charset="0"/>
+                <a:cs typeface="Times New Roman" panose="02020603050405020304" pitchFamily="18" charset="0"/>
+              </a:rPr>
+              <a:t>This involves estimating the frequency of marijuana use over the past year.</a:t>
+            </a:r>
+            <a:r>
+              <a:rPr lang="en-US" sz="1200" b="0" i="0" dirty="0">
+                <a:effectLst/>
+                <a:latin typeface="Times New Roman" panose="02020603050405020304" pitchFamily="18" charset="0"/>
+                <a:cs typeface="Times New Roman" panose="02020603050405020304" pitchFamily="18" charset="0"/>
+              </a:rPr>
+              <a:t>)</a:t>
+            </a:r>
+            <a:endParaRPr lang="en-US" dirty="0">
+              <a:latin typeface="Times New Roman" panose="02020603050405020304" pitchFamily="18" charset="0"/>
+              <a:cs typeface="Times New Roman" panose="02020603050405020304" pitchFamily="18" charset="0"/>
+            </a:endParaRPr>
+          </a:p>
+          <a:p>
+            <a:pPr marL="285750" indent="-285750">
+              <a:buFont typeface="Arial" panose="020B0604020202020204" pitchFamily="34" charset="0"/>
+              <a:buChar char="•"/>
+            </a:pPr>
+            <a:r>
+              <a:rPr lang="en-US" dirty="0">
+                <a:latin typeface="Times New Roman" panose="02020603050405020304" pitchFamily="18" charset="0"/>
+                <a:cs typeface="Times New Roman" panose="02020603050405020304" pitchFamily="18" charset="0"/>
+              </a:rPr>
+              <a:t>Regression – </a:t>
+            </a:r>
+            <a:r>
+              <a:rPr lang="en-US" sz="1200" dirty="0">
+                <a:latin typeface="Times New Roman" panose="02020603050405020304" pitchFamily="18" charset="0"/>
+                <a:cs typeface="Times New Roman" panose="02020603050405020304" pitchFamily="18" charset="0"/>
+              </a:rPr>
+              <a:t>(</a:t>
+            </a:r>
+            <a:r>
+              <a:rPr lang="en-US" sz="1200" b="0" i="0" dirty="0">
+                <a:effectLst/>
+                <a:latin typeface="Times New Roman" panose="02020603050405020304" pitchFamily="18" charset="0"/>
+                <a:cs typeface="Times New Roman" panose="02020603050405020304" pitchFamily="18" charset="0"/>
+              </a:rPr>
+              <a:t>This involves predicting the age of first marijuana use.)</a:t>
+            </a:r>
+          </a:p>
+          <a:p>
+            <a:endParaRPr lang="en-US" sz="1200" dirty="0">
+              <a:latin typeface="Times New Roman" panose="02020603050405020304" pitchFamily="18" charset="0"/>
+              <a:cs typeface="Times New Roman" panose="02020603050405020304" pitchFamily="18" charset="0"/>
+            </a:endParaRPr>
+          </a:p>
+          <a:p>
+            <a:endParaRPr lang="en-US" sz="1200" dirty="0">
+              <a:latin typeface="Times New Roman" panose="02020603050405020304" pitchFamily="18" charset="0"/>
+              <a:cs typeface="Times New Roman" panose="02020603050405020304" pitchFamily="18" charset="0"/>
+            </a:endParaRPr>
+          </a:p>
+          <a:p>
+            <a:r>
+              <a:rPr lang="en-US" dirty="0">
+                <a:latin typeface="Times New Roman" panose="02020603050405020304" pitchFamily="18" charset="0"/>
+                <a:cs typeface="Times New Roman" panose="02020603050405020304" pitchFamily="18" charset="0"/>
+              </a:rPr>
+              <a:t>Dataset (</a:t>
+            </a:r>
+            <a:r>
+              <a:rPr lang="en-US" b="1" dirty="0">
+                <a:latin typeface="Times New Roman" panose="02020603050405020304" pitchFamily="18" charset="0"/>
+                <a:cs typeface="Times New Roman" panose="02020603050405020304" pitchFamily="18" charset="0"/>
+              </a:rPr>
+              <a:t>National Survey on Drug Use and Health(NSDUH))</a:t>
+            </a:r>
+            <a:endParaRPr lang="en-US" dirty="0">
+              <a:latin typeface="Times New Roman" panose="02020603050405020304" pitchFamily="18" charset="0"/>
+              <a:cs typeface="Times New Roman" panose="02020603050405020304" pitchFamily="18" charset="0"/>
+            </a:endParaRPr>
+          </a:p>
+          <a:p>
+            <a:pPr marL="285750" indent="-285750">
+              <a:buFont typeface="Arial" panose="020B0604020202020204" pitchFamily="34" charset="0"/>
+              <a:buChar char="•"/>
+            </a:pPr>
+            <a:r>
+              <a:rPr lang="en-US" dirty="0">
+                <a:latin typeface="Times New Roman" panose="02020603050405020304" pitchFamily="18" charset="0"/>
+                <a:cs typeface="Times New Roman" panose="02020603050405020304" pitchFamily="18" charset="0"/>
+              </a:rPr>
+              <a:t>Includes data on Substance use, Age of first use of each substance use, parental monitoring, peer behavior, school engagement.</a:t>
+            </a:r>
+          </a:p>
+          <a:p>
+            <a:pPr marL="285750" indent="-285750">
+              <a:buFont typeface="Arial" panose="020B0604020202020204" pitchFamily="34" charset="0"/>
+              <a:buChar char="•"/>
+            </a:pPr>
+            <a:r>
+              <a:rPr lang="en-US" dirty="0">
+                <a:latin typeface="Times New Roman" panose="02020603050405020304" pitchFamily="18" charset="0"/>
+                <a:cs typeface="Times New Roman" panose="02020603050405020304" pitchFamily="18" charset="0"/>
+              </a:rPr>
+              <a:t>Demographic details</a:t>
+            </a:r>
+          </a:p>
+          <a:p>
+            <a:endParaRPr lang="en-US" dirty="0">
+              <a:latin typeface="Times New Roman" panose="02020603050405020304" pitchFamily="18" charset="0"/>
+              <a:cs typeface="Times New Roman" panose="02020603050405020304" pitchFamily="18" charset="0"/>
+            </a:endParaRPr>
+          </a:p>
+          <a:p>
+            <a:endParaRPr lang="en-US" dirty="0">
+              <a:latin typeface="Times New Roman" panose="02020603050405020304" pitchFamily="18" charset="0"/>
+              <a:cs typeface="Times New Roman" panose="02020603050405020304" pitchFamily="18" charset="0"/>
+            </a:endParaRPr>
+          </a:p>
+        </p:txBody>
+      </p:sp>
+    </p:spTree>
+  </p:cSld>
+  <p:clrMapOvr>
+    <a:masterClrMapping/>
+  </p:clrMapOvr>
+</p:sld>
+</file>
+
+<file path=ppt/slides/slide3.xml><?xml version="1.0" encoding="utf-8"?>
+<p:sld xmlns:a="http://schemas.openxmlformats.org/drawingml/2006/main" xmlns:r="http://schemas.openxmlformats.org/officeDocument/2006/relationships" xmlns:p="http://schemas.openxmlformats.org/presentationml/2006/main">
+  <p:cSld>
+    <p:spTree>
+      <p:nvGrpSpPr>
+        <p:cNvPr id="1" name="Shape 213">
+          <a:extLst>
+            <a:ext uri="{FF2B5EF4-FFF2-40B4-BE49-F238E27FC236}">
+              <a16:creationId xmlns:a16="http://schemas.microsoft.com/office/drawing/2014/main" id="{D11B29A9-D7F0-AC1A-7C9E-68AC80001AED}"/>
+            </a:ext>
+          </a:extLst>
+        </p:cNvPr>
+        <p:cNvGrpSpPr/>
+        <p:nvPr/>
+      </p:nvGrpSpPr>
+      <p:grpSpPr>
+        <a:xfrm>
+          <a:off x="0" y="0"/>
+          <a:ext cx="0" cy="0"/>
+          <a:chOff x="0" y="0"/>
+          <a:chExt cx="0" cy="0"/>
+        </a:xfrm>
+      </p:grpSpPr>
+      <p:sp>
+        <p:nvSpPr>
+          <p:cNvPr id="214" name="Google Shape;214;p29">
+            <a:extLst>
+              <a:ext uri="{FF2B5EF4-FFF2-40B4-BE49-F238E27FC236}">
+                <a16:creationId xmlns:a16="http://schemas.microsoft.com/office/drawing/2014/main" id="{39ADB5BB-FB59-9B9A-57D4-EB32B141759F}"/>
+              </a:ext>
+            </a:extLst>
+          </p:cNvPr>
+          <p:cNvSpPr txBox="1">
+            <a:spLocks noGrp="1"/>
+          </p:cNvSpPr>
+          <p:nvPr>
+            <p:ph type="title"/>
+          </p:nvPr>
+        </p:nvSpPr>
+        <p:spPr>
+          <a:xfrm>
+            <a:off x="562696" y="483364"/>
+            <a:ext cx="7086906" cy="572700"/>
+          </a:xfrm>
+          <a:prstGeom prst="rect">
+            <a:avLst/>
+          </a:prstGeom>
+        </p:spPr>
+        <p:txBody>
+          <a:bodyPr spcFirstLastPara="1" wrap="square" lIns="91425" tIns="91425" rIns="91425" bIns="91425" anchor="t" anchorCtr="0">
+            <a:noAutofit/>
+          </a:bodyPr>
+          <a:lstStyle/>
+          <a:p>
+            <a:pPr marL="0" lvl="0" indent="0" algn="l" rtl="0">
+              <a:spcBef>
+                <a:spcPts val="0"/>
+              </a:spcBef>
+              <a:spcAft>
+                <a:spcPts val="0"/>
+              </a:spcAft>
+              <a:buNone/>
+            </a:pPr>
+            <a:r>
+              <a:rPr lang="en-US" sz="3200" dirty="0"/>
+              <a:t>Background</a:t>
+            </a:r>
+            <a:endParaRPr sz="3200" dirty="0"/>
+          </a:p>
+        </p:txBody>
+      </p:sp>
+      <p:graphicFrame>
+        <p:nvGraphicFramePr>
+          <p:cNvPr id="9" name="Content Placeholder 3">
+            <a:extLst>
+              <a:ext uri="{FF2B5EF4-FFF2-40B4-BE49-F238E27FC236}">
+                <a16:creationId xmlns:a16="http://schemas.microsoft.com/office/drawing/2014/main" id="{B1B0AD8B-B79D-6294-4D44-E7D214F777B9}"/>
+              </a:ext>
+            </a:extLst>
+          </p:cNvPr>
+          <p:cNvGraphicFramePr>
+            <a:graphicFrameLocks/>
+          </p:cNvGraphicFramePr>
+          <p:nvPr>
+            <p:extLst>
+              <p:ext uri="{D42A27DB-BD31-4B8C-83A1-F6EECF244321}">
+                <p14:modId xmlns:p14="http://schemas.microsoft.com/office/powerpoint/2010/main" val="3153039754"/>
+              </p:ext>
+            </p:extLst>
+          </p:nvPr>
+        </p:nvGraphicFramePr>
+        <p:xfrm>
+          <a:off x="562696" y="1189356"/>
+          <a:ext cx="7407260" cy="3337600"/>
+        </p:xfrm>
+        <a:graphic>
+          <a:graphicData uri="http://schemas.openxmlformats.org/drawingml/2006/table">
+            <a:tbl>
+              <a:tblPr firstRow="1" bandRow="1">
+                <a:tableStyleId>{073A0DAA-6AF3-43AB-8588-CEC1D06C72B9}</a:tableStyleId>
+              </a:tblPr>
+              <a:tblGrid>
+                <a:gridCol w="1325067">
+                  <a:extLst>
+                    <a:ext uri="{9D8B030D-6E8A-4147-A177-3AD203B41FA5}">
+                      <a16:colId xmlns:a16="http://schemas.microsoft.com/office/drawing/2014/main" val="917986727"/>
+                    </a:ext>
+                  </a:extLst>
+                </a:gridCol>
+                <a:gridCol w="2650892">
+                  <a:extLst>
+                    <a:ext uri="{9D8B030D-6E8A-4147-A177-3AD203B41FA5}">
+                      <a16:colId xmlns:a16="http://schemas.microsoft.com/office/drawing/2014/main" val="3354708957"/>
+                    </a:ext>
+                  </a:extLst>
+                </a:gridCol>
+                <a:gridCol w="1940377">
+                  <a:extLst>
+                    <a:ext uri="{9D8B030D-6E8A-4147-A177-3AD203B41FA5}">
+                      <a16:colId xmlns:a16="http://schemas.microsoft.com/office/drawing/2014/main" val="4000654148"/>
+                    </a:ext>
+                  </a:extLst>
+                </a:gridCol>
+                <a:gridCol w="1490924">
+                  <a:extLst>
+                    <a:ext uri="{9D8B030D-6E8A-4147-A177-3AD203B41FA5}">
+                      <a16:colId xmlns:a16="http://schemas.microsoft.com/office/drawing/2014/main" val="2051087524"/>
+                    </a:ext>
+                  </a:extLst>
+                </a:gridCol>
+              </a:tblGrid>
+              <a:tr h="265545">
+                <a:tc>
+                  <a:txBody>
+                    <a:bodyPr/>
+                    <a:lstStyle>
+                      <a:lvl1pPr marR="0" algn="l" rtl="0">
+                        <a:lnSpc>
+                          <a:spcPct val="100000"/>
+                        </a:lnSpc>
+                        <a:spcBef>
+                          <a:spcPts val="0"/>
+                        </a:spcBef>
+                        <a:spcAft>
+                          <a:spcPts val="0"/>
+                        </a:spcAft>
+                        <a:buClr>
+                          <a:srgbClr val="000000"/>
+                        </a:buClr>
+                        <a:buFont typeface="Arial"/>
+                        <a:defRPr sz="1400" b="1" i="0" u="none" strike="noStrike" cap="none">
+                          <a:solidFill>
+                            <a:schemeClr val="lt1"/>
+                          </a:solidFill>
+                          <a:latin typeface="Grandview Display"/>
+                          <a:sym typeface="Arial"/>
+                        </a:defRPr>
+                      </a:lvl1pPr>
+                      <a:lvl2pPr marR="0" algn="l" rtl="0">
+                        <a:lnSpc>
+                          <a:spcPct val="100000"/>
+                        </a:lnSpc>
+                        <a:spcBef>
+                          <a:spcPts val="0"/>
+                        </a:spcBef>
+                        <a:spcAft>
+                          <a:spcPts val="0"/>
+                        </a:spcAft>
+                        <a:buClr>
+                          <a:srgbClr val="000000"/>
+                        </a:buClr>
+                        <a:buFont typeface="Arial"/>
+                        <a:defRPr sz="1400" b="1" i="0" u="none" strike="noStrike" cap="none">
+                          <a:solidFill>
+                            <a:schemeClr val="lt1"/>
+                          </a:solidFill>
+                          <a:latin typeface="Grandview Display"/>
+                          <a:sym typeface="Arial"/>
+                        </a:defRPr>
+                      </a:lvl2pPr>
+                      <a:lvl3pPr marR="0" algn="l" rtl="0">
+                        <a:lnSpc>
+                          <a:spcPct val="100000"/>
+                        </a:lnSpc>
+                        <a:spcBef>
+                          <a:spcPts val="0"/>
+                        </a:spcBef>
+                        <a:spcAft>
+                          <a:spcPts val="0"/>
+                        </a:spcAft>
+                        <a:buClr>
+                          <a:srgbClr val="000000"/>
+                        </a:buClr>
+                        <a:buFont typeface="Arial"/>
+                        <a:defRPr sz="1400" b="1" i="0" u="none" strike="noStrike" cap="none">
+                          <a:solidFill>
+                            <a:schemeClr val="lt1"/>
+                          </a:solidFill>
+                          <a:latin typeface="Grandview Display"/>
+                          <a:sym typeface="Arial"/>
+                        </a:defRPr>
+                      </a:lvl3pPr>
+                      <a:lvl4pPr marR="0" algn="l" rtl="0">
+                        <a:lnSpc>
+                          <a:spcPct val="100000"/>
+                        </a:lnSpc>
+                        <a:spcBef>
+                          <a:spcPts val="0"/>
+                        </a:spcBef>
+                        <a:spcAft>
+                          <a:spcPts val="0"/>
+                        </a:spcAft>
+                        <a:buClr>
+                          <a:srgbClr val="000000"/>
+                        </a:buClr>
+                        <a:buFont typeface="Arial"/>
+                        <a:defRPr sz="1400" b="1" i="0" u="none" strike="noStrike" cap="none">
+                          <a:solidFill>
+                            <a:schemeClr val="lt1"/>
+                          </a:solidFill>
+                          <a:latin typeface="Grandview Display"/>
+                          <a:sym typeface="Arial"/>
+                        </a:defRPr>
+                      </a:lvl4pPr>
+                      <a:lvl5pPr marR="0" algn="l" rtl="0">
+                        <a:lnSpc>
+                          <a:spcPct val="100000"/>
+                        </a:lnSpc>
+                        <a:spcBef>
+                          <a:spcPts val="0"/>
+                        </a:spcBef>
+                        <a:spcAft>
+                          <a:spcPts val="0"/>
+                        </a:spcAft>
+                        <a:buClr>
+                          <a:srgbClr val="000000"/>
+                        </a:buClr>
+                        <a:buFont typeface="Arial"/>
+                        <a:defRPr sz="1400" b="1" i="0" u="none" strike="noStrike" cap="none">
+                          <a:solidFill>
+                            <a:schemeClr val="lt1"/>
+                          </a:solidFill>
+                          <a:latin typeface="Grandview Display"/>
+                          <a:sym typeface="Arial"/>
+                        </a:defRPr>
+                      </a:lvl5pPr>
+                      <a:lvl6pPr marR="0" algn="l" rtl="0">
+                        <a:lnSpc>
+                          <a:spcPct val="100000"/>
+                        </a:lnSpc>
+                        <a:spcBef>
+                          <a:spcPts val="0"/>
+                        </a:spcBef>
+                        <a:spcAft>
+                          <a:spcPts val="0"/>
+                        </a:spcAft>
+                        <a:buClr>
+                          <a:srgbClr val="000000"/>
+                        </a:buClr>
+                        <a:buFont typeface="Arial"/>
+                        <a:defRPr sz="1400" b="1" i="0" u="none" strike="noStrike" cap="none">
+                          <a:solidFill>
+                            <a:schemeClr val="lt1"/>
+                          </a:solidFill>
+                          <a:latin typeface="Grandview Display"/>
+                          <a:sym typeface="Arial"/>
+                        </a:defRPr>
+                      </a:lvl6pPr>
+                      <a:lvl7pPr marR="0" algn="l" rtl="0">
+                        <a:lnSpc>
+                          <a:spcPct val="100000"/>
+                        </a:lnSpc>
+                        <a:spcBef>
+                          <a:spcPts val="0"/>
+                        </a:spcBef>
+                        <a:spcAft>
+                          <a:spcPts val="0"/>
+                        </a:spcAft>
+                        <a:buClr>
+                          <a:srgbClr val="000000"/>
+                        </a:buClr>
+                        <a:buFont typeface="Arial"/>
+                        <a:defRPr sz="1400" b="1" i="0" u="none" strike="noStrike" cap="none">
+                          <a:solidFill>
+                            <a:schemeClr val="lt1"/>
+                          </a:solidFill>
+                          <a:latin typeface="Grandview Display"/>
+                          <a:sym typeface="Arial"/>
+                        </a:defRPr>
+                      </a:lvl7pPr>
+                      <a:lvl8pPr marR="0" algn="l" rtl="0">
+                        <a:lnSpc>
+                          <a:spcPct val="100000"/>
+                        </a:lnSpc>
+                        <a:spcBef>
+                          <a:spcPts val="0"/>
+                        </a:spcBef>
+                        <a:spcAft>
+                          <a:spcPts val="0"/>
+                        </a:spcAft>
+                        <a:buClr>
+                          <a:srgbClr val="000000"/>
+                        </a:buClr>
+                        <a:buFont typeface="Arial"/>
+                        <a:defRPr sz="1400" b="1" i="0" u="none" strike="noStrike" cap="none">
+                          <a:solidFill>
+                            <a:schemeClr val="lt1"/>
+                          </a:solidFill>
+                          <a:latin typeface="Grandview Display"/>
+                          <a:sym typeface="Arial"/>
+                        </a:defRPr>
+                      </a:lvl8pPr>
+                      <a:lvl9pPr marR="0" algn="l" rtl="0">
+                        <a:lnSpc>
+                          <a:spcPct val="100000"/>
+                        </a:lnSpc>
+                        <a:spcBef>
+                          <a:spcPts val="0"/>
+                        </a:spcBef>
+                        <a:spcAft>
+                          <a:spcPts val="0"/>
+                        </a:spcAft>
+                        <a:buClr>
+                          <a:srgbClr val="000000"/>
+                        </a:buClr>
+                        <a:buFont typeface="Arial"/>
+                        <a:defRPr sz="1400" b="1" i="0" u="none" strike="noStrike" cap="none">
+                          <a:solidFill>
+                            <a:schemeClr val="lt1"/>
+                          </a:solidFill>
+                          <a:latin typeface="Grandview Display"/>
+                          <a:sym typeface="Arial"/>
+                        </a:defRPr>
+                      </a:lvl9pPr>
+                    </a:lstStyle>
+                    <a:p>
+                      <a:r>
+                        <a:rPr lang="en-US" sz="1400" dirty="0">
+                          <a:latin typeface="Times New Roman" panose="02020603050405020304" pitchFamily="18" charset="0"/>
+                          <a:cs typeface="Times New Roman" panose="02020603050405020304" pitchFamily="18" charset="0"/>
+                        </a:rPr>
+                        <a:t>Model</a:t>
+                      </a:r>
+                    </a:p>
+                  </a:txBody>
+                  <a:tcPr marL="70113" marR="70113" marT="35056" marB="35056"/>
+                </a:tc>
+                <a:tc>
+                  <a:txBody>
+                    <a:bodyPr/>
+                    <a:lstStyle>
+                      <a:lvl1pPr marR="0" algn="l" rtl="0">
+                        <a:lnSpc>
+                          <a:spcPct val="100000"/>
+                        </a:lnSpc>
+                        <a:spcBef>
+                          <a:spcPts val="0"/>
+                        </a:spcBef>
+                        <a:spcAft>
+                          <a:spcPts val="0"/>
+                        </a:spcAft>
+                        <a:buClr>
+                          <a:srgbClr val="000000"/>
+                        </a:buClr>
+                        <a:buFont typeface="Arial"/>
+                        <a:defRPr sz="1400" b="1" i="0" u="none" strike="noStrike" cap="none">
+                          <a:solidFill>
+                            <a:schemeClr val="lt1"/>
+                          </a:solidFill>
+                          <a:latin typeface="Grandview Display"/>
+                          <a:sym typeface="Arial"/>
+                        </a:defRPr>
+                      </a:lvl1pPr>
+                      <a:lvl2pPr marR="0" algn="l" rtl="0">
+                        <a:lnSpc>
+                          <a:spcPct val="100000"/>
+                        </a:lnSpc>
+                        <a:spcBef>
+                          <a:spcPts val="0"/>
+                        </a:spcBef>
+                        <a:spcAft>
+                          <a:spcPts val="0"/>
+                        </a:spcAft>
+                        <a:buClr>
+                          <a:srgbClr val="000000"/>
+                        </a:buClr>
+                        <a:buFont typeface="Arial"/>
+                        <a:defRPr sz="1400" b="1" i="0" u="none" strike="noStrike" cap="none">
+                          <a:solidFill>
+                            <a:schemeClr val="lt1"/>
+                          </a:solidFill>
+                          <a:latin typeface="Grandview Display"/>
+                          <a:sym typeface="Arial"/>
+                        </a:defRPr>
+                      </a:lvl2pPr>
+                      <a:lvl3pPr marR="0" algn="l" rtl="0">
+                        <a:lnSpc>
+                          <a:spcPct val="100000"/>
+                        </a:lnSpc>
+                        <a:spcBef>
+                          <a:spcPts val="0"/>
+                        </a:spcBef>
+                        <a:spcAft>
+                          <a:spcPts val="0"/>
+                        </a:spcAft>
+                        <a:buClr>
+                          <a:srgbClr val="000000"/>
+                        </a:buClr>
+                        <a:buFont typeface="Arial"/>
+                        <a:defRPr sz="1400" b="1" i="0" u="none" strike="noStrike" cap="none">
+                          <a:solidFill>
+                            <a:schemeClr val="lt1"/>
+                          </a:solidFill>
+                          <a:latin typeface="Grandview Display"/>
+                          <a:sym typeface="Arial"/>
+                        </a:defRPr>
+                      </a:lvl3pPr>
+                      <a:lvl4pPr marR="0" algn="l" rtl="0">
+                        <a:lnSpc>
+                          <a:spcPct val="100000"/>
+                        </a:lnSpc>
+                        <a:spcBef>
+                          <a:spcPts val="0"/>
+                        </a:spcBef>
+                        <a:spcAft>
+                          <a:spcPts val="0"/>
+                        </a:spcAft>
+                        <a:buClr>
+                          <a:srgbClr val="000000"/>
+                        </a:buClr>
+                        <a:buFont typeface="Arial"/>
+                        <a:defRPr sz="1400" b="1" i="0" u="none" strike="noStrike" cap="none">
+                          <a:solidFill>
+                            <a:schemeClr val="lt1"/>
+                          </a:solidFill>
+                          <a:latin typeface="Grandview Display"/>
+                          <a:sym typeface="Arial"/>
+                        </a:defRPr>
+                      </a:lvl4pPr>
+                      <a:lvl5pPr marR="0" algn="l" rtl="0">
+                        <a:lnSpc>
+                          <a:spcPct val="100000"/>
+                        </a:lnSpc>
+                        <a:spcBef>
+                          <a:spcPts val="0"/>
+                        </a:spcBef>
+                        <a:spcAft>
+                          <a:spcPts val="0"/>
+                        </a:spcAft>
+                        <a:buClr>
+                          <a:srgbClr val="000000"/>
+                        </a:buClr>
+                        <a:buFont typeface="Arial"/>
+                        <a:defRPr sz="1400" b="1" i="0" u="none" strike="noStrike" cap="none">
+                          <a:solidFill>
+                            <a:schemeClr val="lt1"/>
+                          </a:solidFill>
+                          <a:latin typeface="Grandview Display"/>
+                          <a:sym typeface="Arial"/>
+                        </a:defRPr>
+                      </a:lvl5pPr>
+                      <a:lvl6pPr marR="0" algn="l" rtl="0">
+                        <a:lnSpc>
+                          <a:spcPct val="100000"/>
+                        </a:lnSpc>
+                        <a:spcBef>
+                          <a:spcPts val="0"/>
+                        </a:spcBef>
+                        <a:spcAft>
+                          <a:spcPts val="0"/>
+                        </a:spcAft>
+                        <a:buClr>
+                          <a:srgbClr val="000000"/>
+                        </a:buClr>
+                        <a:buFont typeface="Arial"/>
+                        <a:defRPr sz="1400" b="1" i="0" u="none" strike="noStrike" cap="none">
+                          <a:solidFill>
+                            <a:schemeClr val="lt1"/>
+                          </a:solidFill>
+                          <a:latin typeface="Grandview Display"/>
+                          <a:sym typeface="Arial"/>
+                        </a:defRPr>
+                      </a:lvl6pPr>
+                      <a:lvl7pPr marR="0" algn="l" rtl="0">
+                        <a:lnSpc>
+                          <a:spcPct val="100000"/>
+                        </a:lnSpc>
+                        <a:spcBef>
+                          <a:spcPts val="0"/>
+                        </a:spcBef>
+                        <a:spcAft>
+                          <a:spcPts val="0"/>
+                        </a:spcAft>
+                        <a:buClr>
+                          <a:srgbClr val="000000"/>
+                        </a:buClr>
+                        <a:buFont typeface="Arial"/>
+                        <a:defRPr sz="1400" b="1" i="0" u="none" strike="noStrike" cap="none">
+                          <a:solidFill>
+                            <a:schemeClr val="lt1"/>
+                          </a:solidFill>
+                          <a:latin typeface="Grandview Display"/>
+                          <a:sym typeface="Arial"/>
+                        </a:defRPr>
+                      </a:lvl7pPr>
+                      <a:lvl8pPr marR="0" algn="l" rtl="0">
+                        <a:lnSpc>
+                          <a:spcPct val="100000"/>
+                        </a:lnSpc>
+                        <a:spcBef>
+                          <a:spcPts val="0"/>
+                        </a:spcBef>
+                        <a:spcAft>
+                          <a:spcPts val="0"/>
+                        </a:spcAft>
+                        <a:buClr>
+                          <a:srgbClr val="000000"/>
+                        </a:buClr>
+                        <a:buFont typeface="Arial"/>
+                        <a:defRPr sz="1400" b="1" i="0" u="none" strike="noStrike" cap="none">
+                          <a:solidFill>
+                            <a:schemeClr val="lt1"/>
+                          </a:solidFill>
+                          <a:latin typeface="Grandview Display"/>
+                          <a:sym typeface="Arial"/>
+                        </a:defRPr>
+                      </a:lvl8pPr>
+                      <a:lvl9pPr marR="0" algn="l" rtl="0">
+                        <a:lnSpc>
+                          <a:spcPct val="100000"/>
+                        </a:lnSpc>
+                        <a:spcBef>
+                          <a:spcPts val="0"/>
+                        </a:spcBef>
+                        <a:spcAft>
+                          <a:spcPts val="0"/>
+                        </a:spcAft>
+                        <a:buClr>
+                          <a:srgbClr val="000000"/>
+                        </a:buClr>
+                        <a:buFont typeface="Arial"/>
+                        <a:defRPr sz="1400" b="1" i="0" u="none" strike="noStrike" cap="none">
+                          <a:solidFill>
+                            <a:schemeClr val="lt1"/>
+                          </a:solidFill>
+                          <a:latin typeface="Grandview Display"/>
+                          <a:sym typeface="Arial"/>
+                        </a:defRPr>
+                      </a:lvl9pPr>
+                    </a:lstStyle>
+                    <a:p>
+                      <a:r>
+                        <a:rPr lang="en-US" sz="1400" dirty="0">
+                          <a:latin typeface="Times New Roman" panose="02020603050405020304" pitchFamily="18" charset="0"/>
+                          <a:cs typeface="Times New Roman" panose="02020603050405020304" pitchFamily="18" charset="0"/>
+                        </a:rPr>
+                        <a:t>Working</a:t>
+                      </a:r>
+                    </a:p>
+                  </a:txBody>
+                  <a:tcPr marL="70113" marR="70113" marT="35056" marB="35056"/>
+                </a:tc>
+                <a:tc>
+                  <a:txBody>
+                    <a:bodyPr/>
+                    <a:lstStyle>
+                      <a:lvl1pPr marR="0" algn="l" rtl="0">
+                        <a:lnSpc>
+                          <a:spcPct val="100000"/>
+                        </a:lnSpc>
+                        <a:spcBef>
+                          <a:spcPts val="0"/>
+                        </a:spcBef>
+                        <a:spcAft>
+                          <a:spcPts val="0"/>
+                        </a:spcAft>
+                        <a:buClr>
+                          <a:srgbClr val="000000"/>
+                        </a:buClr>
+                        <a:buFont typeface="Arial"/>
+                        <a:defRPr sz="1400" b="1" i="0" u="none" strike="noStrike" cap="none">
+                          <a:solidFill>
+                            <a:schemeClr val="lt1"/>
+                          </a:solidFill>
+                          <a:latin typeface="Grandview Display"/>
+                          <a:sym typeface="Arial"/>
+                        </a:defRPr>
+                      </a:lvl1pPr>
+                      <a:lvl2pPr marR="0" algn="l" rtl="0">
+                        <a:lnSpc>
+                          <a:spcPct val="100000"/>
+                        </a:lnSpc>
+                        <a:spcBef>
+                          <a:spcPts val="0"/>
+                        </a:spcBef>
+                        <a:spcAft>
+                          <a:spcPts val="0"/>
+                        </a:spcAft>
+                        <a:buClr>
+                          <a:srgbClr val="000000"/>
+                        </a:buClr>
+                        <a:buFont typeface="Arial"/>
+                        <a:defRPr sz="1400" b="1" i="0" u="none" strike="noStrike" cap="none">
+                          <a:solidFill>
+                            <a:schemeClr val="lt1"/>
+                          </a:solidFill>
+                          <a:latin typeface="Grandview Display"/>
+                          <a:sym typeface="Arial"/>
+                        </a:defRPr>
+                      </a:lvl2pPr>
+                      <a:lvl3pPr marR="0" algn="l" rtl="0">
+                        <a:lnSpc>
+                          <a:spcPct val="100000"/>
+                        </a:lnSpc>
+                        <a:spcBef>
+                          <a:spcPts val="0"/>
+                        </a:spcBef>
+                        <a:spcAft>
+                          <a:spcPts val="0"/>
+                        </a:spcAft>
+                        <a:buClr>
+                          <a:srgbClr val="000000"/>
+                        </a:buClr>
+                        <a:buFont typeface="Arial"/>
+                        <a:defRPr sz="1400" b="1" i="0" u="none" strike="noStrike" cap="none">
+                          <a:solidFill>
+                            <a:schemeClr val="lt1"/>
+                          </a:solidFill>
+                          <a:latin typeface="Grandview Display"/>
+                          <a:sym typeface="Arial"/>
+                        </a:defRPr>
+                      </a:lvl3pPr>
+                      <a:lvl4pPr marR="0" algn="l" rtl="0">
+                        <a:lnSpc>
+                          <a:spcPct val="100000"/>
+                        </a:lnSpc>
+                        <a:spcBef>
+                          <a:spcPts val="0"/>
+                        </a:spcBef>
+                        <a:spcAft>
+                          <a:spcPts val="0"/>
+                        </a:spcAft>
+                        <a:buClr>
+                          <a:srgbClr val="000000"/>
+                        </a:buClr>
+                        <a:buFont typeface="Arial"/>
+                        <a:defRPr sz="1400" b="1" i="0" u="none" strike="noStrike" cap="none">
+                          <a:solidFill>
+                            <a:schemeClr val="lt1"/>
+                          </a:solidFill>
+                          <a:latin typeface="Grandview Display"/>
+                          <a:sym typeface="Arial"/>
+                        </a:defRPr>
+                      </a:lvl4pPr>
+                      <a:lvl5pPr marR="0" algn="l" rtl="0">
+                        <a:lnSpc>
+                          <a:spcPct val="100000"/>
+                        </a:lnSpc>
+                        <a:spcBef>
+                          <a:spcPts val="0"/>
+                        </a:spcBef>
+                        <a:spcAft>
+                          <a:spcPts val="0"/>
+                        </a:spcAft>
+                        <a:buClr>
+                          <a:srgbClr val="000000"/>
+                        </a:buClr>
+                        <a:buFont typeface="Arial"/>
+                        <a:defRPr sz="1400" b="1" i="0" u="none" strike="noStrike" cap="none">
+                          <a:solidFill>
+                            <a:schemeClr val="lt1"/>
+                          </a:solidFill>
+                          <a:latin typeface="Grandview Display"/>
+                          <a:sym typeface="Arial"/>
+                        </a:defRPr>
+                      </a:lvl5pPr>
+                      <a:lvl6pPr marR="0" algn="l" rtl="0">
+                        <a:lnSpc>
+                          <a:spcPct val="100000"/>
+                        </a:lnSpc>
+                        <a:spcBef>
+                          <a:spcPts val="0"/>
+                        </a:spcBef>
+                        <a:spcAft>
+                          <a:spcPts val="0"/>
+                        </a:spcAft>
+                        <a:buClr>
+                          <a:srgbClr val="000000"/>
+                        </a:buClr>
+                        <a:buFont typeface="Arial"/>
+                        <a:defRPr sz="1400" b="1" i="0" u="none" strike="noStrike" cap="none">
+                          <a:solidFill>
+                            <a:schemeClr val="lt1"/>
+                          </a:solidFill>
+                          <a:latin typeface="Grandview Display"/>
+                          <a:sym typeface="Arial"/>
+                        </a:defRPr>
+                      </a:lvl6pPr>
+                      <a:lvl7pPr marR="0" algn="l" rtl="0">
+                        <a:lnSpc>
+                          <a:spcPct val="100000"/>
+                        </a:lnSpc>
+                        <a:spcBef>
+                          <a:spcPts val="0"/>
+                        </a:spcBef>
+                        <a:spcAft>
+                          <a:spcPts val="0"/>
+                        </a:spcAft>
+                        <a:buClr>
+                          <a:srgbClr val="000000"/>
+                        </a:buClr>
+                        <a:buFont typeface="Arial"/>
+                        <a:defRPr sz="1400" b="1" i="0" u="none" strike="noStrike" cap="none">
+                          <a:solidFill>
+                            <a:schemeClr val="lt1"/>
+                          </a:solidFill>
+                          <a:latin typeface="Grandview Display"/>
+                          <a:sym typeface="Arial"/>
+                        </a:defRPr>
+                      </a:lvl7pPr>
+                      <a:lvl8pPr marR="0" algn="l" rtl="0">
+                        <a:lnSpc>
+                          <a:spcPct val="100000"/>
+                        </a:lnSpc>
+                        <a:spcBef>
+                          <a:spcPts val="0"/>
+                        </a:spcBef>
+                        <a:spcAft>
+                          <a:spcPts val="0"/>
+                        </a:spcAft>
+                        <a:buClr>
+                          <a:srgbClr val="000000"/>
+                        </a:buClr>
+                        <a:buFont typeface="Arial"/>
+                        <a:defRPr sz="1400" b="1" i="0" u="none" strike="noStrike" cap="none">
+                          <a:solidFill>
+                            <a:schemeClr val="lt1"/>
+                          </a:solidFill>
+                          <a:latin typeface="Grandview Display"/>
+                          <a:sym typeface="Arial"/>
+                        </a:defRPr>
+                      </a:lvl8pPr>
+                      <a:lvl9pPr marR="0" algn="l" rtl="0">
+                        <a:lnSpc>
+                          <a:spcPct val="100000"/>
+                        </a:lnSpc>
+                        <a:spcBef>
+                          <a:spcPts val="0"/>
+                        </a:spcBef>
+                        <a:spcAft>
+                          <a:spcPts val="0"/>
+                        </a:spcAft>
+                        <a:buClr>
+                          <a:srgbClr val="000000"/>
+                        </a:buClr>
+                        <a:buFont typeface="Arial"/>
+                        <a:defRPr sz="1400" b="1" i="0" u="none" strike="noStrike" cap="none">
+                          <a:solidFill>
+                            <a:schemeClr val="lt1"/>
+                          </a:solidFill>
+                          <a:latin typeface="Grandview Display"/>
+                          <a:sym typeface="Arial"/>
+                        </a:defRPr>
+                      </a:lvl9pPr>
+                    </a:lstStyle>
+                    <a:p>
+                      <a:r>
+                        <a:rPr lang="en-US" sz="1400" dirty="0">
+                          <a:latin typeface="Times New Roman" panose="02020603050405020304" pitchFamily="18" charset="0"/>
+                          <a:cs typeface="Times New Roman" panose="02020603050405020304" pitchFamily="18" charset="0"/>
+                        </a:rPr>
+                        <a:t>Advantages</a:t>
+                      </a:r>
+                    </a:p>
+                  </a:txBody>
+                  <a:tcPr marL="70113" marR="70113" marT="35056" marB="35056"/>
+                </a:tc>
+                <a:tc>
+                  <a:txBody>
+                    <a:bodyPr/>
+                    <a:lstStyle>
+                      <a:lvl1pPr marR="0" algn="l" rtl="0">
+                        <a:lnSpc>
+                          <a:spcPct val="100000"/>
+                        </a:lnSpc>
+                        <a:spcBef>
+                          <a:spcPts val="0"/>
+                        </a:spcBef>
+                        <a:spcAft>
+                          <a:spcPts val="0"/>
+                        </a:spcAft>
+                        <a:buClr>
+                          <a:srgbClr val="000000"/>
+                        </a:buClr>
+                        <a:buFont typeface="Arial"/>
+                        <a:defRPr sz="1400" b="1" i="0" u="none" strike="noStrike" cap="none">
+                          <a:solidFill>
+                            <a:schemeClr val="lt1"/>
+                          </a:solidFill>
+                          <a:latin typeface="Grandview Display"/>
+                          <a:sym typeface="Arial"/>
+                        </a:defRPr>
+                      </a:lvl1pPr>
+                      <a:lvl2pPr marR="0" algn="l" rtl="0">
+                        <a:lnSpc>
+                          <a:spcPct val="100000"/>
+                        </a:lnSpc>
+                        <a:spcBef>
+                          <a:spcPts val="0"/>
+                        </a:spcBef>
+                        <a:spcAft>
+                          <a:spcPts val="0"/>
+                        </a:spcAft>
+                        <a:buClr>
+                          <a:srgbClr val="000000"/>
+                        </a:buClr>
+                        <a:buFont typeface="Arial"/>
+                        <a:defRPr sz="1400" b="1" i="0" u="none" strike="noStrike" cap="none">
+                          <a:solidFill>
+                            <a:schemeClr val="lt1"/>
+                          </a:solidFill>
+                          <a:latin typeface="Grandview Display"/>
+                          <a:sym typeface="Arial"/>
+                        </a:defRPr>
+                      </a:lvl2pPr>
+                      <a:lvl3pPr marR="0" algn="l" rtl="0">
+                        <a:lnSpc>
+                          <a:spcPct val="100000"/>
+                        </a:lnSpc>
+                        <a:spcBef>
+                          <a:spcPts val="0"/>
+                        </a:spcBef>
+                        <a:spcAft>
+                          <a:spcPts val="0"/>
+                        </a:spcAft>
+                        <a:buClr>
+                          <a:srgbClr val="000000"/>
+                        </a:buClr>
+                        <a:buFont typeface="Arial"/>
+                        <a:defRPr sz="1400" b="1" i="0" u="none" strike="noStrike" cap="none">
+                          <a:solidFill>
+                            <a:schemeClr val="lt1"/>
+                          </a:solidFill>
+                          <a:latin typeface="Grandview Display"/>
+                          <a:sym typeface="Arial"/>
+                        </a:defRPr>
+                      </a:lvl3pPr>
+                      <a:lvl4pPr marR="0" algn="l" rtl="0">
+                        <a:lnSpc>
+                          <a:spcPct val="100000"/>
+                        </a:lnSpc>
+                        <a:spcBef>
+                          <a:spcPts val="0"/>
+                        </a:spcBef>
+                        <a:spcAft>
+                          <a:spcPts val="0"/>
+                        </a:spcAft>
+                        <a:buClr>
+                          <a:srgbClr val="000000"/>
+                        </a:buClr>
+                        <a:buFont typeface="Arial"/>
+                        <a:defRPr sz="1400" b="1" i="0" u="none" strike="noStrike" cap="none">
+                          <a:solidFill>
+                            <a:schemeClr val="lt1"/>
+                          </a:solidFill>
+                          <a:latin typeface="Grandview Display"/>
+                          <a:sym typeface="Arial"/>
+                        </a:defRPr>
+                      </a:lvl4pPr>
+                      <a:lvl5pPr marR="0" algn="l" rtl="0">
+                        <a:lnSpc>
+                          <a:spcPct val="100000"/>
+                        </a:lnSpc>
+                        <a:spcBef>
+                          <a:spcPts val="0"/>
+                        </a:spcBef>
+                        <a:spcAft>
+                          <a:spcPts val="0"/>
+                        </a:spcAft>
+                        <a:buClr>
+                          <a:srgbClr val="000000"/>
+                        </a:buClr>
+                        <a:buFont typeface="Arial"/>
+                        <a:defRPr sz="1400" b="1" i="0" u="none" strike="noStrike" cap="none">
+                          <a:solidFill>
+                            <a:schemeClr val="lt1"/>
+                          </a:solidFill>
+                          <a:latin typeface="Grandview Display"/>
+                          <a:sym typeface="Arial"/>
+                        </a:defRPr>
+                      </a:lvl5pPr>
+                      <a:lvl6pPr marR="0" algn="l" rtl="0">
+                        <a:lnSpc>
+                          <a:spcPct val="100000"/>
+                        </a:lnSpc>
+                        <a:spcBef>
+                          <a:spcPts val="0"/>
+                        </a:spcBef>
+                        <a:spcAft>
+                          <a:spcPts val="0"/>
+                        </a:spcAft>
+                        <a:buClr>
+                          <a:srgbClr val="000000"/>
+                        </a:buClr>
+                        <a:buFont typeface="Arial"/>
+                        <a:defRPr sz="1400" b="1" i="0" u="none" strike="noStrike" cap="none">
+                          <a:solidFill>
+                            <a:schemeClr val="lt1"/>
+                          </a:solidFill>
+                          <a:latin typeface="Grandview Display"/>
+                          <a:sym typeface="Arial"/>
+                        </a:defRPr>
+                      </a:lvl6pPr>
+                      <a:lvl7pPr marR="0" algn="l" rtl="0">
+                        <a:lnSpc>
+                          <a:spcPct val="100000"/>
+                        </a:lnSpc>
+                        <a:spcBef>
+                          <a:spcPts val="0"/>
+                        </a:spcBef>
+                        <a:spcAft>
+                          <a:spcPts val="0"/>
+                        </a:spcAft>
+                        <a:buClr>
+                          <a:srgbClr val="000000"/>
+                        </a:buClr>
+                        <a:buFont typeface="Arial"/>
+                        <a:defRPr sz="1400" b="1" i="0" u="none" strike="noStrike" cap="none">
+                          <a:solidFill>
+                            <a:schemeClr val="lt1"/>
+                          </a:solidFill>
+                          <a:latin typeface="Grandview Display"/>
+                          <a:sym typeface="Arial"/>
+                        </a:defRPr>
+                      </a:lvl7pPr>
+                      <a:lvl8pPr marR="0" algn="l" rtl="0">
+                        <a:lnSpc>
+                          <a:spcPct val="100000"/>
+                        </a:lnSpc>
+                        <a:spcBef>
+                          <a:spcPts val="0"/>
+                        </a:spcBef>
+                        <a:spcAft>
+                          <a:spcPts val="0"/>
+                        </a:spcAft>
+                        <a:buClr>
+                          <a:srgbClr val="000000"/>
+                        </a:buClr>
+                        <a:buFont typeface="Arial"/>
+                        <a:defRPr sz="1400" b="1" i="0" u="none" strike="noStrike" cap="none">
+                          <a:solidFill>
+                            <a:schemeClr val="lt1"/>
+                          </a:solidFill>
+                          <a:latin typeface="Grandview Display"/>
+                          <a:sym typeface="Arial"/>
+                        </a:defRPr>
+                      </a:lvl8pPr>
+                      <a:lvl9pPr marR="0" algn="l" rtl="0">
+                        <a:lnSpc>
+                          <a:spcPct val="100000"/>
+                        </a:lnSpc>
+                        <a:spcBef>
+                          <a:spcPts val="0"/>
+                        </a:spcBef>
+                        <a:spcAft>
+                          <a:spcPts val="0"/>
+                        </a:spcAft>
+                        <a:buClr>
+                          <a:srgbClr val="000000"/>
+                        </a:buClr>
+                        <a:buFont typeface="Arial"/>
+                        <a:defRPr sz="1400" b="1" i="0" u="none" strike="noStrike" cap="none">
+                          <a:solidFill>
+                            <a:schemeClr val="lt1"/>
+                          </a:solidFill>
+                          <a:latin typeface="Grandview Display"/>
+                          <a:sym typeface="Arial"/>
+                        </a:defRPr>
+                      </a:lvl9pPr>
+                    </a:lstStyle>
+                    <a:p>
+                      <a:r>
+                        <a:rPr lang="en-US" sz="1400" dirty="0">
+                          <a:latin typeface="Times New Roman" panose="02020603050405020304" pitchFamily="18" charset="0"/>
+                          <a:cs typeface="Times New Roman" panose="02020603050405020304" pitchFamily="18" charset="0"/>
+                        </a:rPr>
+                        <a:t>Dis-Advantages</a:t>
+                      </a:r>
+                    </a:p>
+                  </a:txBody>
+                  <a:tcPr marL="70113" marR="70113" marT="35056" marB="35056"/>
+                </a:tc>
+                <a:extLst>
+                  <a:ext uri="{0D108BD9-81ED-4DB2-BD59-A6C34878D82A}">
+                    <a16:rowId xmlns:a16="http://schemas.microsoft.com/office/drawing/2014/main" val="154667139"/>
+                  </a:ext>
+                </a:extLst>
+              </a:tr>
+              <a:tr h="622450">
+                <a:tc>
+                  <a:txBody>
+                    <a:bodyPr/>
+                    <a:lstStyle>
+                      <a:lvl1pPr marR="0" algn="l" rtl="0">
+                        <a:lnSpc>
+                          <a:spcPct val="100000"/>
+                        </a:lnSpc>
+                        <a:spcBef>
+                          <a:spcPts val="0"/>
+                        </a:spcBef>
+                        <a:spcAft>
+                          <a:spcPts val="0"/>
+                        </a:spcAft>
+                        <a:buClr>
+                          <a:srgbClr val="000000"/>
+                        </a:buClr>
+                        <a:buFont typeface="Arial"/>
+                        <a:defRPr sz="1400" b="0" i="0" u="none" strike="noStrike" cap="none">
+                          <a:solidFill>
+                            <a:schemeClr val="dk1"/>
+                          </a:solidFill>
+                          <a:latin typeface="Grandview Display"/>
+                          <a:sym typeface="Arial"/>
+                        </a:defRPr>
+                      </a:lvl1pPr>
+                      <a:lvl2pPr marR="0" algn="l" rtl="0">
+                        <a:lnSpc>
+                          <a:spcPct val="100000"/>
+                        </a:lnSpc>
+                        <a:spcBef>
+                          <a:spcPts val="0"/>
+                        </a:spcBef>
+                        <a:spcAft>
+                          <a:spcPts val="0"/>
+                        </a:spcAft>
+                        <a:buClr>
+                          <a:srgbClr val="000000"/>
+                        </a:buClr>
+                        <a:buFont typeface="Arial"/>
+                        <a:defRPr sz="1400" b="0" i="0" u="none" strike="noStrike" cap="none">
+                          <a:solidFill>
+                            <a:schemeClr val="dk1"/>
+                          </a:solidFill>
+                          <a:latin typeface="Grandview Display"/>
+                          <a:sym typeface="Arial"/>
+                        </a:defRPr>
+                      </a:lvl2pPr>
+                      <a:lvl3pPr marR="0" algn="l" rtl="0">
+                        <a:lnSpc>
+                          <a:spcPct val="100000"/>
+                        </a:lnSpc>
+                        <a:spcBef>
+                          <a:spcPts val="0"/>
+                        </a:spcBef>
+                        <a:spcAft>
+                          <a:spcPts val="0"/>
+                        </a:spcAft>
+                        <a:buClr>
+                          <a:srgbClr val="000000"/>
+                        </a:buClr>
+                        <a:buFont typeface="Arial"/>
+                        <a:defRPr sz="1400" b="0" i="0" u="none" strike="noStrike" cap="none">
+                          <a:solidFill>
+                            <a:schemeClr val="dk1"/>
+                          </a:solidFill>
+                          <a:latin typeface="Grandview Display"/>
+                          <a:sym typeface="Arial"/>
+                        </a:defRPr>
+                      </a:lvl3pPr>
+                      <a:lvl4pPr marR="0" algn="l" rtl="0">
+                        <a:lnSpc>
+                          <a:spcPct val="100000"/>
+                        </a:lnSpc>
+                        <a:spcBef>
+                          <a:spcPts val="0"/>
+                        </a:spcBef>
+                        <a:spcAft>
+                          <a:spcPts val="0"/>
+                        </a:spcAft>
+                        <a:buClr>
+                          <a:srgbClr val="000000"/>
+                        </a:buClr>
+                        <a:buFont typeface="Arial"/>
+                        <a:defRPr sz="1400" b="0" i="0" u="none" strike="noStrike" cap="none">
+                          <a:solidFill>
+                            <a:schemeClr val="dk1"/>
+                          </a:solidFill>
+                          <a:latin typeface="Grandview Display"/>
+                          <a:sym typeface="Arial"/>
+                        </a:defRPr>
+                      </a:lvl4pPr>
+                      <a:lvl5pPr marR="0" algn="l" rtl="0">
+                        <a:lnSpc>
+                          <a:spcPct val="100000"/>
+                        </a:lnSpc>
+                        <a:spcBef>
+                          <a:spcPts val="0"/>
+                        </a:spcBef>
+                        <a:spcAft>
+                          <a:spcPts val="0"/>
+                        </a:spcAft>
+                        <a:buClr>
+                          <a:srgbClr val="000000"/>
+                        </a:buClr>
+                        <a:buFont typeface="Arial"/>
+                        <a:defRPr sz="1400" b="0" i="0" u="none" strike="noStrike" cap="none">
+                          <a:solidFill>
+                            <a:schemeClr val="dk1"/>
+                          </a:solidFill>
+                          <a:latin typeface="Grandview Display"/>
+                          <a:sym typeface="Arial"/>
+                        </a:defRPr>
+                      </a:lvl5pPr>
+                      <a:lvl6pPr marR="0" algn="l" rtl="0">
+                        <a:lnSpc>
+                          <a:spcPct val="100000"/>
+                        </a:lnSpc>
+                        <a:spcBef>
+                          <a:spcPts val="0"/>
+                        </a:spcBef>
+                        <a:spcAft>
+                          <a:spcPts val="0"/>
+                        </a:spcAft>
+                        <a:buClr>
+                          <a:srgbClr val="000000"/>
+                        </a:buClr>
+                        <a:buFont typeface="Arial"/>
+                        <a:defRPr sz="1400" b="0" i="0" u="none" strike="noStrike" cap="none">
+                          <a:solidFill>
+                            <a:schemeClr val="dk1"/>
+                          </a:solidFill>
+                          <a:latin typeface="Grandview Display"/>
+                          <a:sym typeface="Arial"/>
+                        </a:defRPr>
+                      </a:lvl6pPr>
+                      <a:lvl7pPr marR="0" algn="l" rtl="0">
+                        <a:lnSpc>
+                          <a:spcPct val="100000"/>
+                        </a:lnSpc>
+                        <a:spcBef>
+                          <a:spcPts val="0"/>
+                        </a:spcBef>
+                        <a:spcAft>
+                          <a:spcPts val="0"/>
+                        </a:spcAft>
+                        <a:buClr>
+                          <a:srgbClr val="000000"/>
+                        </a:buClr>
+                        <a:buFont typeface="Arial"/>
+                        <a:defRPr sz="1400" b="0" i="0" u="none" strike="noStrike" cap="none">
+                          <a:solidFill>
+                            <a:schemeClr val="dk1"/>
+                          </a:solidFill>
+                          <a:latin typeface="Grandview Display"/>
+                          <a:sym typeface="Arial"/>
+                        </a:defRPr>
+                      </a:lvl7pPr>
+                      <a:lvl8pPr marR="0" algn="l" rtl="0">
+                        <a:lnSpc>
+                          <a:spcPct val="100000"/>
+                        </a:lnSpc>
+                        <a:spcBef>
+                          <a:spcPts val="0"/>
+                        </a:spcBef>
+                        <a:spcAft>
+                          <a:spcPts val="0"/>
+                        </a:spcAft>
+                        <a:buClr>
+                          <a:srgbClr val="000000"/>
+                        </a:buClr>
+                        <a:buFont typeface="Arial"/>
+                        <a:defRPr sz="1400" b="0" i="0" u="none" strike="noStrike" cap="none">
+                          <a:solidFill>
+                            <a:schemeClr val="dk1"/>
+                          </a:solidFill>
+                          <a:latin typeface="Grandview Display"/>
+                          <a:sym typeface="Arial"/>
+                        </a:defRPr>
+                      </a:lvl8pPr>
+                      <a:lvl9pPr marR="0" algn="l" rtl="0">
+                        <a:lnSpc>
+                          <a:spcPct val="100000"/>
+                        </a:lnSpc>
+                        <a:spcBef>
+                          <a:spcPts val="0"/>
+                        </a:spcBef>
+                        <a:spcAft>
+                          <a:spcPts val="0"/>
+                        </a:spcAft>
+                        <a:buClr>
+                          <a:srgbClr val="000000"/>
+                        </a:buClr>
+                        <a:buFont typeface="Arial"/>
+                        <a:defRPr sz="1400" b="0" i="0" u="none" strike="noStrike" cap="none">
+                          <a:solidFill>
+                            <a:schemeClr val="dk1"/>
+                          </a:solidFill>
+                          <a:latin typeface="Grandview Display"/>
+                          <a:sym typeface="Arial"/>
+                        </a:defRPr>
+                      </a:lvl9pPr>
+                    </a:lstStyle>
+                    <a:p>
+                      <a:r>
+                        <a:rPr lang="en-US" sz="1300" dirty="0">
+                          <a:latin typeface="Times New Roman" panose="02020603050405020304" pitchFamily="18" charset="0"/>
+                          <a:cs typeface="Times New Roman" panose="02020603050405020304" pitchFamily="18" charset="0"/>
+                        </a:rPr>
+                        <a:t>Decision Tree</a:t>
+                      </a:r>
+                    </a:p>
+                  </a:txBody>
+                  <a:tcPr marL="70113" marR="70113" marT="35056" marB="35056"/>
+                </a:tc>
+                <a:tc>
+                  <a:txBody>
+                    <a:bodyPr/>
+                    <a:lstStyle>
+                      <a:lvl1pPr marR="0" algn="l" rtl="0">
+                        <a:lnSpc>
+                          <a:spcPct val="100000"/>
+                        </a:lnSpc>
+                        <a:spcBef>
+                          <a:spcPts val="0"/>
+                        </a:spcBef>
+                        <a:spcAft>
+                          <a:spcPts val="0"/>
+                        </a:spcAft>
+                        <a:buClr>
+                          <a:srgbClr val="000000"/>
+                        </a:buClr>
+                        <a:buFont typeface="Arial"/>
+                        <a:defRPr sz="1400" b="0" i="0" u="none" strike="noStrike" cap="none">
+                          <a:solidFill>
+                            <a:schemeClr val="dk1"/>
+                          </a:solidFill>
+                          <a:latin typeface="Grandview Display"/>
+                          <a:sym typeface="Arial"/>
+                        </a:defRPr>
+                      </a:lvl1pPr>
+                      <a:lvl2pPr marR="0" algn="l" rtl="0">
+                        <a:lnSpc>
+                          <a:spcPct val="100000"/>
+                        </a:lnSpc>
+                        <a:spcBef>
+                          <a:spcPts val="0"/>
+                        </a:spcBef>
+                        <a:spcAft>
+                          <a:spcPts val="0"/>
+                        </a:spcAft>
+                        <a:buClr>
+                          <a:srgbClr val="000000"/>
+                        </a:buClr>
+                        <a:buFont typeface="Arial"/>
+                        <a:defRPr sz="1400" b="0" i="0" u="none" strike="noStrike" cap="none">
+                          <a:solidFill>
+                            <a:schemeClr val="dk1"/>
+                          </a:solidFill>
+                          <a:latin typeface="Grandview Display"/>
+                          <a:sym typeface="Arial"/>
+                        </a:defRPr>
+                      </a:lvl2pPr>
+                      <a:lvl3pPr marR="0" algn="l" rtl="0">
+                        <a:lnSpc>
+                          <a:spcPct val="100000"/>
+                        </a:lnSpc>
+                        <a:spcBef>
+                          <a:spcPts val="0"/>
+                        </a:spcBef>
+                        <a:spcAft>
+                          <a:spcPts val="0"/>
+                        </a:spcAft>
+                        <a:buClr>
+                          <a:srgbClr val="000000"/>
+                        </a:buClr>
+                        <a:buFont typeface="Arial"/>
+                        <a:defRPr sz="1400" b="0" i="0" u="none" strike="noStrike" cap="none">
+                          <a:solidFill>
+                            <a:schemeClr val="dk1"/>
+                          </a:solidFill>
+                          <a:latin typeface="Grandview Display"/>
+                          <a:sym typeface="Arial"/>
+                        </a:defRPr>
+                      </a:lvl3pPr>
+                      <a:lvl4pPr marR="0" algn="l" rtl="0">
+                        <a:lnSpc>
+                          <a:spcPct val="100000"/>
+                        </a:lnSpc>
+                        <a:spcBef>
+                          <a:spcPts val="0"/>
+                        </a:spcBef>
+                        <a:spcAft>
+                          <a:spcPts val="0"/>
+                        </a:spcAft>
+                        <a:buClr>
+                          <a:srgbClr val="000000"/>
+                        </a:buClr>
+                        <a:buFont typeface="Arial"/>
+                        <a:defRPr sz="1400" b="0" i="0" u="none" strike="noStrike" cap="none">
+                          <a:solidFill>
+                            <a:schemeClr val="dk1"/>
+                          </a:solidFill>
+                          <a:latin typeface="Grandview Display"/>
+                          <a:sym typeface="Arial"/>
+                        </a:defRPr>
+                      </a:lvl4pPr>
+                      <a:lvl5pPr marR="0" algn="l" rtl="0">
+                        <a:lnSpc>
+                          <a:spcPct val="100000"/>
+                        </a:lnSpc>
+                        <a:spcBef>
+                          <a:spcPts val="0"/>
+                        </a:spcBef>
+                        <a:spcAft>
+                          <a:spcPts val="0"/>
+                        </a:spcAft>
+                        <a:buClr>
+                          <a:srgbClr val="000000"/>
+                        </a:buClr>
+                        <a:buFont typeface="Arial"/>
+                        <a:defRPr sz="1400" b="0" i="0" u="none" strike="noStrike" cap="none">
+                          <a:solidFill>
+                            <a:schemeClr val="dk1"/>
+                          </a:solidFill>
+                          <a:latin typeface="Grandview Display"/>
+                          <a:sym typeface="Arial"/>
+                        </a:defRPr>
+                      </a:lvl5pPr>
+                      <a:lvl6pPr marR="0" algn="l" rtl="0">
+                        <a:lnSpc>
+                          <a:spcPct val="100000"/>
+                        </a:lnSpc>
+                        <a:spcBef>
+                          <a:spcPts val="0"/>
+                        </a:spcBef>
+                        <a:spcAft>
+                          <a:spcPts val="0"/>
+                        </a:spcAft>
+                        <a:buClr>
+                          <a:srgbClr val="000000"/>
+                        </a:buClr>
+                        <a:buFont typeface="Arial"/>
+                        <a:defRPr sz="1400" b="0" i="0" u="none" strike="noStrike" cap="none">
+                          <a:solidFill>
+                            <a:schemeClr val="dk1"/>
+                          </a:solidFill>
+                          <a:latin typeface="Grandview Display"/>
+                          <a:sym typeface="Arial"/>
+                        </a:defRPr>
+                      </a:lvl6pPr>
+                      <a:lvl7pPr marR="0" algn="l" rtl="0">
+                        <a:lnSpc>
+                          <a:spcPct val="100000"/>
+                        </a:lnSpc>
+                        <a:spcBef>
+                          <a:spcPts val="0"/>
+                        </a:spcBef>
+                        <a:spcAft>
+                          <a:spcPts val="0"/>
+                        </a:spcAft>
+                        <a:buClr>
+                          <a:srgbClr val="000000"/>
+                        </a:buClr>
+                        <a:buFont typeface="Arial"/>
+                        <a:defRPr sz="1400" b="0" i="0" u="none" strike="noStrike" cap="none">
+                          <a:solidFill>
+                            <a:schemeClr val="dk1"/>
+                          </a:solidFill>
+                          <a:latin typeface="Grandview Display"/>
+                          <a:sym typeface="Arial"/>
+                        </a:defRPr>
+                      </a:lvl7pPr>
+                      <a:lvl8pPr marR="0" algn="l" rtl="0">
+                        <a:lnSpc>
+                          <a:spcPct val="100000"/>
+                        </a:lnSpc>
+                        <a:spcBef>
+                          <a:spcPts val="0"/>
+                        </a:spcBef>
+                        <a:spcAft>
+                          <a:spcPts val="0"/>
+                        </a:spcAft>
+                        <a:buClr>
+                          <a:srgbClr val="000000"/>
+                        </a:buClr>
+                        <a:buFont typeface="Arial"/>
+                        <a:defRPr sz="1400" b="0" i="0" u="none" strike="noStrike" cap="none">
+                          <a:solidFill>
+                            <a:schemeClr val="dk1"/>
+                          </a:solidFill>
+                          <a:latin typeface="Grandview Display"/>
+                          <a:sym typeface="Arial"/>
+                        </a:defRPr>
+                      </a:lvl8pPr>
+                      <a:lvl9pPr marR="0" algn="l" rtl="0">
+                        <a:lnSpc>
+                          <a:spcPct val="100000"/>
+                        </a:lnSpc>
+                        <a:spcBef>
+                          <a:spcPts val="0"/>
+                        </a:spcBef>
+                        <a:spcAft>
+                          <a:spcPts val="0"/>
+                        </a:spcAft>
+                        <a:buClr>
+                          <a:srgbClr val="000000"/>
+                        </a:buClr>
+                        <a:buFont typeface="Arial"/>
+                        <a:defRPr sz="1400" b="0" i="0" u="none" strike="noStrike" cap="none">
+                          <a:solidFill>
+                            <a:schemeClr val="dk1"/>
+                          </a:solidFill>
+                          <a:latin typeface="Grandview Display"/>
+                          <a:sym typeface="Arial"/>
+                        </a:defRPr>
+                      </a:lvl9pPr>
+                    </a:lstStyle>
+                    <a:p>
+                      <a:r>
+                        <a:rPr lang="en-US" sz="1300" dirty="0">
+                          <a:latin typeface="Times New Roman" panose="02020603050405020304" pitchFamily="18" charset="0"/>
+                          <a:cs typeface="Times New Roman" panose="02020603050405020304" pitchFamily="18" charset="0"/>
+                        </a:rPr>
+                        <a:t>Recursively partitions data using rules that reduces impurity (Gini Index or Entropy)</a:t>
+                      </a:r>
+                    </a:p>
+                  </a:txBody>
+                  <a:tcPr marL="70113" marR="70113" marT="35056" marB="35056"/>
+                </a:tc>
+                <a:tc>
+                  <a:txBody>
+                    <a:bodyPr/>
+                    <a:lstStyle>
+                      <a:lvl1pPr marR="0" algn="l" rtl="0">
+                        <a:lnSpc>
+                          <a:spcPct val="100000"/>
+                        </a:lnSpc>
+                        <a:spcBef>
+                          <a:spcPts val="0"/>
+                        </a:spcBef>
+                        <a:spcAft>
+                          <a:spcPts val="0"/>
+                        </a:spcAft>
+                        <a:buClr>
+                          <a:srgbClr val="000000"/>
+                        </a:buClr>
+                        <a:buFont typeface="Arial"/>
+                        <a:defRPr sz="1400" b="0" i="0" u="none" strike="noStrike" cap="none">
+                          <a:solidFill>
+                            <a:schemeClr val="dk1"/>
+                          </a:solidFill>
+                          <a:latin typeface="Grandview Display"/>
+                          <a:sym typeface="Arial"/>
+                        </a:defRPr>
+                      </a:lvl1pPr>
+                      <a:lvl2pPr marR="0" algn="l" rtl="0">
+                        <a:lnSpc>
+                          <a:spcPct val="100000"/>
+                        </a:lnSpc>
+                        <a:spcBef>
+                          <a:spcPts val="0"/>
+                        </a:spcBef>
+                        <a:spcAft>
+                          <a:spcPts val="0"/>
+                        </a:spcAft>
+                        <a:buClr>
+                          <a:srgbClr val="000000"/>
+                        </a:buClr>
+                        <a:buFont typeface="Arial"/>
+                        <a:defRPr sz="1400" b="0" i="0" u="none" strike="noStrike" cap="none">
+                          <a:solidFill>
+                            <a:schemeClr val="dk1"/>
+                          </a:solidFill>
+                          <a:latin typeface="Grandview Display"/>
+                          <a:sym typeface="Arial"/>
+                        </a:defRPr>
+                      </a:lvl2pPr>
+                      <a:lvl3pPr marR="0" algn="l" rtl="0">
+                        <a:lnSpc>
+                          <a:spcPct val="100000"/>
+                        </a:lnSpc>
+                        <a:spcBef>
+                          <a:spcPts val="0"/>
+                        </a:spcBef>
+                        <a:spcAft>
+                          <a:spcPts val="0"/>
+                        </a:spcAft>
+                        <a:buClr>
+                          <a:srgbClr val="000000"/>
+                        </a:buClr>
+                        <a:buFont typeface="Arial"/>
+                        <a:defRPr sz="1400" b="0" i="0" u="none" strike="noStrike" cap="none">
+                          <a:solidFill>
+                            <a:schemeClr val="dk1"/>
+                          </a:solidFill>
+                          <a:latin typeface="Grandview Display"/>
+                          <a:sym typeface="Arial"/>
+                        </a:defRPr>
+                      </a:lvl3pPr>
+                      <a:lvl4pPr marR="0" algn="l" rtl="0">
+                        <a:lnSpc>
+                          <a:spcPct val="100000"/>
+                        </a:lnSpc>
+                        <a:spcBef>
+                          <a:spcPts val="0"/>
+                        </a:spcBef>
+                        <a:spcAft>
+                          <a:spcPts val="0"/>
+                        </a:spcAft>
+                        <a:buClr>
+                          <a:srgbClr val="000000"/>
+                        </a:buClr>
+                        <a:buFont typeface="Arial"/>
+                        <a:defRPr sz="1400" b="0" i="0" u="none" strike="noStrike" cap="none">
+                          <a:solidFill>
+                            <a:schemeClr val="dk1"/>
+                          </a:solidFill>
+                          <a:latin typeface="Grandview Display"/>
+                          <a:sym typeface="Arial"/>
+                        </a:defRPr>
+                      </a:lvl4pPr>
+                      <a:lvl5pPr marR="0" algn="l" rtl="0">
+                        <a:lnSpc>
+                          <a:spcPct val="100000"/>
+                        </a:lnSpc>
+                        <a:spcBef>
+                          <a:spcPts val="0"/>
+                        </a:spcBef>
+                        <a:spcAft>
+                          <a:spcPts val="0"/>
+                        </a:spcAft>
+                        <a:buClr>
+                          <a:srgbClr val="000000"/>
+                        </a:buClr>
+                        <a:buFont typeface="Arial"/>
+                        <a:defRPr sz="1400" b="0" i="0" u="none" strike="noStrike" cap="none">
+                          <a:solidFill>
+                            <a:schemeClr val="dk1"/>
+                          </a:solidFill>
+                          <a:latin typeface="Grandview Display"/>
+                          <a:sym typeface="Arial"/>
+                        </a:defRPr>
+                      </a:lvl5pPr>
+                      <a:lvl6pPr marR="0" algn="l" rtl="0">
+                        <a:lnSpc>
+                          <a:spcPct val="100000"/>
+                        </a:lnSpc>
+                        <a:spcBef>
+                          <a:spcPts val="0"/>
+                        </a:spcBef>
+                        <a:spcAft>
+                          <a:spcPts val="0"/>
+                        </a:spcAft>
+                        <a:buClr>
+                          <a:srgbClr val="000000"/>
+                        </a:buClr>
+                        <a:buFont typeface="Arial"/>
+                        <a:defRPr sz="1400" b="0" i="0" u="none" strike="noStrike" cap="none">
+                          <a:solidFill>
+                            <a:schemeClr val="dk1"/>
+                          </a:solidFill>
+                          <a:latin typeface="Grandview Display"/>
+                          <a:sym typeface="Arial"/>
+                        </a:defRPr>
+                      </a:lvl6pPr>
+                      <a:lvl7pPr marR="0" algn="l" rtl="0">
+                        <a:lnSpc>
+                          <a:spcPct val="100000"/>
+                        </a:lnSpc>
+                        <a:spcBef>
+                          <a:spcPts val="0"/>
+                        </a:spcBef>
+                        <a:spcAft>
+                          <a:spcPts val="0"/>
+                        </a:spcAft>
+                        <a:buClr>
+                          <a:srgbClr val="000000"/>
+                        </a:buClr>
+                        <a:buFont typeface="Arial"/>
+                        <a:defRPr sz="1400" b="0" i="0" u="none" strike="noStrike" cap="none">
+                          <a:solidFill>
+                            <a:schemeClr val="dk1"/>
+                          </a:solidFill>
+                          <a:latin typeface="Grandview Display"/>
+                          <a:sym typeface="Arial"/>
+                        </a:defRPr>
+                      </a:lvl7pPr>
+                      <a:lvl8pPr marR="0" algn="l" rtl="0">
+                        <a:lnSpc>
+                          <a:spcPct val="100000"/>
+                        </a:lnSpc>
+                        <a:spcBef>
+                          <a:spcPts val="0"/>
+                        </a:spcBef>
+                        <a:spcAft>
+                          <a:spcPts val="0"/>
+                        </a:spcAft>
+                        <a:buClr>
+                          <a:srgbClr val="000000"/>
+                        </a:buClr>
+                        <a:buFont typeface="Arial"/>
+                        <a:defRPr sz="1400" b="0" i="0" u="none" strike="noStrike" cap="none">
+                          <a:solidFill>
+                            <a:schemeClr val="dk1"/>
+                          </a:solidFill>
+                          <a:latin typeface="Grandview Display"/>
+                          <a:sym typeface="Arial"/>
+                        </a:defRPr>
+                      </a:lvl8pPr>
+                      <a:lvl9pPr marR="0" algn="l" rtl="0">
+                        <a:lnSpc>
+                          <a:spcPct val="100000"/>
+                        </a:lnSpc>
+                        <a:spcBef>
+                          <a:spcPts val="0"/>
+                        </a:spcBef>
+                        <a:spcAft>
+                          <a:spcPts val="0"/>
+                        </a:spcAft>
+                        <a:buClr>
+                          <a:srgbClr val="000000"/>
+                        </a:buClr>
+                        <a:buFont typeface="Arial"/>
+                        <a:defRPr sz="1400" b="0" i="0" u="none" strike="noStrike" cap="none">
+                          <a:solidFill>
+                            <a:schemeClr val="dk1"/>
+                          </a:solidFill>
+                          <a:latin typeface="Grandview Display"/>
+                          <a:sym typeface="Arial"/>
+                        </a:defRPr>
+                      </a:lvl9pPr>
+                    </a:lstStyle>
+                    <a:p>
+                      <a:r>
+                        <a:rPr lang="en-US" sz="1300">
+                          <a:latin typeface="Times New Roman" panose="02020603050405020304" pitchFamily="18" charset="0"/>
+                          <a:cs typeface="Times New Roman" panose="02020603050405020304" pitchFamily="18" charset="0"/>
+                        </a:rPr>
+                        <a:t>Easy to train and interpret</a:t>
+                      </a:r>
+                    </a:p>
+                  </a:txBody>
+                  <a:tcPr marL="70113" marR="70113" marT="35056" marB="35056"/>
+                </a:tc>
+                <a:tc>
+                  <a:txBody>
+                    <a:bodyPr/>
+                    <a:lstStyle>
+                      <a:lvl1pPr marR="0" algn="l" rtl="0">
+                        <a:lnSpc>
+                          <a:spcPct val="100000"/>
+                        </a:lnSpc>
+                        <a:spcBef>
+                          <a:spcPts val="0"/>
+                        </a:spcBef>
+                        <a:spcAft>
+                          <a:spcPts val="0"/>
+                        </a:spcAft>
+                        <a:buClr>
+                          <a:srgbClr val="000000"/>
+                        </a:buClr>
+                        <a:buFont typeface="Arial"/>
+                        <a:defRPr sz="1400" b="0" i="0" u="none" strike="noStrike" cap="none">
+                          <a:solidFill>
+                            <a:schemeClr val="dk1"/>
+                          </a:solidFill>
+                          <a:latin typeface="Grandview Display"/>
+                          <a:sym typeface="Arial"/>
+                        </a:defRPr>
+                      </a:lvl1pPr>
+                      <a:lvl2pPr marR="0" algn="l" rtl="0">
+                        <a:lnSpc>
+                          <a:spcPct val="100000"/>
+                        </a:lnSpc>
+                        <a:spcBef>
+                          <a:spcPts val="0"/>
+                        </a:spcBef>
+                        <a:spcAft>
+                          <a:spcPts val="0"/>
+                        </a:spcAft>
+                        <a:buClr>
+                          <a:srgbClr val="000000"/>
+                        </a:buClr>
+                        <a:buFont typeface="Arial"/>
+                        <a:defRPr sz="1400" b="0" i="0" u="none" strike="noStrike" cap="none">
+                          <a:solidFill>
+                            <a:schemeClr val="dk1"/>
+                          </a:solidFill>
+                          <a:latin typeface="Grandview Display"/>
+                          <a:sym typeface="Arial"/>
+                        </a:defRPr>
+                      </a:lvl2pPr>
+                      <a:lvl3pPr marR="0" algn="l" rtl="0">
+                        <a:lnSpc>
+                          <a:spcPct val="100000"/>
+                        </a:lnSpc>
+                        <a:spcBef>
+                          <a:spcPts val="0"/>
+                        </a:spcBef>
+                        <a:spcAft>
+                          <a:spcPts val="0"/>
+                        </a:spcAft>
+                        <a:buClr>
+                          <a:srgbClr val="000000"/>
+                        </a:buClr>
+                        <a:buFont typeface="Arial"/>
+                        <a:defRPr sz="1400" b="0" i="0" u="none" strike="noStrike" cap="none">
+                          <a:solidFill>
+                            <a:schemeClr val="dk1"/>
+                          </a:solidFill>
+                          <a:latin typeface="Grandview Display"/>
+                          <a:sym typeface="Arial"/>
+                        </a:defRPr>
+                      </a:lvl3pPr>
+                      <a:lvl4pPr marR="0" algn="l" rtl="0">
+                        <a:lnSpc>
+                          <a:spcPct val="100000"/>
+                        </a:lnSpc>
+                        <a:spcBef>
+                          <a:spcPts val="0"/>
+                        </a:spcBef>
+                        <a:spcAft>
+                          <a:spcPts val="0"/>
+                        </a:spcAft>
+                        <a:buClr>
+                          <a:srgbClr val="000000"/>
+                        </a:buClr>
+                        <a:buFont typeface="Arial"/>
+                        <a:defRPr sz="1400" b="0" i="0" u="none" strike="noStrike" cap="none">
+                          <a:solidFill>
+                            <a:schemeClr val="dk1"/>
+                          </a:solidFill>
+                          <a:latin typeface="Grandview Display"/>
+                          <a:sym typeface="Arial"/>
+                        </a:defRPr>
+                      </a:lvl4pPr>
+                      <a:lvl5pPr marR="0" algn="l" rtl="0">
+                        <a:lnSpc>
+                          <a:spcPct val="100000"/>
+                        </a:lnSpc>
+                        <a:spcBef>
+                          <a:spcPts val="0"/>
+                        </a:spcBef>
+                        <a:spcAft>
+                          <a:spcPts val="0"/>
+                        </a:spcAft>
+                        <a:buClr>
+                          <a:srgbClr val="000000"/>
+                        </a:buClr>
+                        <a:buFont typeface="Arial"/>
+                        <a:defRPr sz="1400" b="0" i="0" u="none" strike="noStrike" cap="none">
+                          <a:solidFill>
+                            <a:schemeClr val="dk1"/>
+                          </a:solidFill>
+                          <a:latin typeface="Grandview Display"/>
+                          <a:sym typeface="Arial"/>
+                        </a:defRPr>
+                      </a:lvl5pPr>
+                      <a:lvl6pPr marR="0" algn="l" rtl="0">
+                        <a:lnSpc>
+                          <a:spcPct val="100000"/>
+                        </a:lnSpc>
+                        <a:spcBef>
+                          <a:spcPts val="0"/>
+                        </a:spcBef>
+                        <a:spcAft>
+                          <a:spcPts val="0"/>
+                        </a:spcAft>
+                        <a:buClr>
+                          <a:srgbClr val="000000"/>
+                        </a:buClr>
+                        <a:buFont typeface="Arial"/>
+                        <a:defRPr sz="1400" b="0" i="0" u="none" strike="noStrike" cap="none">
+                          <a:solidFill>
+                            <a:schemeClr val="dk1"/>
+                          </a:solidFill>
+                          <a:latin typeface="Grandview Display"/>
+                          <a:sym typeface="Arial"/>
+                        </a:defRPr>
+                      </a:lvl6pPr>
+                      <a:lvl7pPr marR="0" algn="l" rtl="0">
+                        <a:lnSpc>
+                          <a:spcPct val="100000"/>
+                        </a:lnSpc>
+                        <a:spcBef>
+                          <a:spcPts val="0"/>
+                        </a:spcBef>
+                        <a:spcAft>
+                          <a:spcPts val="0"/>
+                        </a:spcAft>
+                        <a:buClr>
+                          <a:srgbClr val="000000"/>
+                        </a:buClr>
+                        <a:buFont typeface="Arial"/>
+                        <a:defRPr sz="1400" b="0" i="0" u="none" strike="noStrike" cap="none">
+                          <a:solidFill>
+                            <a:schemeClr val="dk1"/>
+                          </a:solidFill>
+                          <a:latin typeface="Grandview Display"/>
+                          <a:sym typeface="Arial"/>
+                        </a:defRPr>
+                      </a:lvl7pPr>
+                      <a:lvl8pPr marR="0" algn="l" rtl="0">
+                        <a:lnSpc>
+                          <a:spcPct val="100000"/>
+                        </a:lnSpc>
+                        <a:spcBef>
+                          <a:spcPts val="0"/>
+                        </a:spcBef>
+                        <a:spcAft>
+                          <a:spcPts val="0"/>
+                        </a:spcAft>
+                        <a:buClr>
+                          <a:srgbClr val="000000"/>
+                        </a:buClr>
+                        <a:buFont typeface="Arial"/>
+                        <a:defRPr sz="1400" b="0" i="0" u="none" strike="noStrike" cap="none">
+                          <a:solidFill>
+                            <a:schemeClr val="dk1"/>
+                          </a:solidFill>
+                          <a:latin typeface="Grandview Display"/>
+                          <a:sym typeface="Arial"/>
+                        </a:defRPr>
+                      </a:lvl8pPr>
+                      <a:lvl9pPr marR="0" algn="l" rtl="0">
+                        <a:lnSpc>
+                          <a:spcPct val="100000"/>
+                        </a:lnSpc>
+                        <a:spcBef>
+                          <a:spcPts val="0"/>
+                        </a:spcBef>
+                        <a:spcAft>
+                          <a:spcPts val="0"/>
+                        </a:spcAft>
+                        <a:buClr>
+                          <a:srgbClr val="000000"/>
+                        </a:buClr>
+                        <a:buFont typeface="Arial"/>
+                        <a:defRPr sz="1400" b="0" i="0" u="none" strike="noStrike" cap="none">
+                          <a:solidFill>
+                            <a:schemeClr val="dk1"/>
+                          </a:solidFill>
+                          <a:latin typeface="Grandview Display"/>
+                          <a:sym typeface="Arial"/>
+                        </a:defRPr>
+                      </a:lvl9pPr>
+                    </a:lstStyle>
+                    <a:p>
+                      <a:r>
+                        <a:rPr lang="en-US" sz="1300" dirty="0">
+                          <a:latin typeface="Times New Roman" panose="02020603050405020304" pitchFamily="18" charset="0"/>
+                          <a:cs typeface="Times New Roman" panose="02020603050405020304" pitchFamily="18" charset="0"/>
+                        </a:rPr>
+                        <a:t>Can easily be overfit without </a:t>
+                      </a:r>
+                      <a:r>
+                        <a:rPr lang="en-US" sz="1300" b="1" dirty="0">
+                          <a:latin typeface="Times New Roman" panose="02020603050405020304" pitchFamily="18" charset="0"/>
+                          <a:cs typeface="Times New Roman" panose="02020603050405020304" pitchFamily="18" charset="0"/>
+                        </a:rPr>
+                        <a:t>pruning</a:t>
+                      </a:r>
+                    </a:p>
+                  </a:txBody>
+                  <a:tcPr marL="70113" marR="70113" marT="35056" marB="35056"/>
+                </a:tc>
+                <a:extLst>
+                  <a:ext uri="{0D108BD9-81ED-4DB2-BD59-A6C34878D82A}">
+                    <a16:rowId xmlns:a16="http://schemas.microsoft.com/office/drawing/2014/main" val="1013052607"/>
+                  </a:ext>
+                </a:extLst>
+              </a:tr>
+              <a:tr h="622450">
+                <a:tc>
+                  <a:txBody>
+                    <a:bodyPr/>
+                    <a:lstStyle>
+                      <a:lvl1pPr marR="0" algn="l" rtl="0">
+                        <a:lnSpc>
+                          <a:spcPct val="100000"/>
+                        </a:lnSpc>
+                        <a:spcBef>
+                          <a:spcPts val="0"/>
+                        </a:spcBef>
+                        <a:spcAft>
+                          <a:spcPts val="0"/>
+                        </a:spcAft>
+                        <a:buClr>
+                          <a:srgbClr val="000000"/>
+                        </a:buClr>
+                        <a:buFont typeface="Arial"/>
+                        <a:defRPr sz="1400" b="0" i="0" u="none" strike="noStrike" cap="none">
+                          <a:solidFill>
+                            <a:schemeClr val="dk1"/>
+                          </a:solidFill>
+                          <a:latin typeface="Grandview Display"/>
+                          <a:sym typeface="Arial"/>
+                        </a:defRPr>
+                      </a:lvl1pPr>
+                      <a:lvl2pPr marR="0" algn="l" rtl="0">
+                        <a:lnSpc>
+                          <a:spcPct val="100000"/>
+                        </a:lnSpc>
+                        <a:spcBef>
+                          <a:spcPts val="0"/>
+                        </a:spcBef>
+                        <a:spcAft>
+                          <a:spcPts val="0"/>
+                        </a:spcAft>
+                        <a:buClr>
+                          <a:srgbClr val="000000"/>
+                        </a:buClr>
+                        <a:buFont typeface="Arial"/>
+                        <a:defRPr sz="1400" b="0" i="0" u="none" strike="noStrike" cap="none">
+                          <a:solidFill>
+                            <a:schemeClr val="dk1"/>
+                          </a:solidFill>
+                          <a:latin typeface="Grandview Display"/>
+                          <a:sym typeface="Arial"/>
+                        </a:defRPr>
+                      </a:lvl2pPr>
+                      <a:lvl3pPr marR="0" algn="l" rtl="0">
+                        <a:lnSpc>
+                          <a:spcPct val="100000"/>
+                        </a:lnSpc>
+                        <a:spcBef>
+                          <a:spcPts val="0"/>
+                        </a:spcBef>
+                        <a:spcAft>
+                          <a:spcPts val="0"/>
+                        </a:spcAft>
+                        <a:buClr>
+                          <a:srgbClr val="000000"/>
+                        </a:buClr>
+                        <a:buFont typeface="Arial"/>
+                        <a:defRPr sz="1400" b="0" i="0" u="none" strike="noStrike" cap="none">
+                          <a:solidFill>
+                            <a:schemeClr val="dk1"/>
+                          </a:solidFill>
+                          <a:latin typeface="Grandview Display"/>
+                          <a:sym typeface="Arial"/>
+                        </a:defRPr>
+                      </a:lvl3pPr>
+                      <a:lvl4pPr marR="0" algn="l" rtl="0">
+                        <a:lnSpc>
+                          <a:spcPct val="100000"/>
+                        </a:lnSpc>
+                        <a:spcBef>
+                          <a:spcPts val="0"/>
+                        </a:spcBef>
+                        <a:spcAft>
+                          <a:spcPts val="0"/>
+                        </a:spcAft>
+                        <a:buClr>
+                          <a:srgbClr val="000000"/>
+                        </a:buClr>
+                        <a:buFont typeface="Arial"/>
+                        <a:defRPr sz="1400" b="0" i="0" u="none" strike="noStrike" cap="none">
+                          <a:solidFill>
+                            <a:schemeClr val="dk1"/>
+                          </a:solidFill>
+                          <a:latin typeface="Grandview Display"/>
+                          <a:sym typeface="Arial"/>
+                        </a:defRPr>
+                      </a:lvl4pPr>
+                      <a:lvl5pPr marR="0" algn="l" rtl="0">
+                        <a:lnSpc>
+                          <a:spcPct val="100000"/>
+                        </a:lnSpc>
+                        <a:spcBef>
+                          <a:spcPts val="0"/>
+                        </a:spcBef>
+                        <a:spcAft>
+                          <a:spcPts val="0"/>
+                        </a:spcAft>
+                        <a:buClr>
+                          <a:srgbClr val="000000"/>
+                        </a:buClr>
+                        <a:buFont typeface="Arial"/>
+                        <a:defRPr sz="1400" b="0" i="0" u="none" strike="noStrike" cap="none">
+                          <a:solidFill>
+                            <a:schemeClr val="dk1"/>
+                          </a:solidFill>
+                          <a:latin typeface="Grandview Display"/>
+                          <a:sym typeface="Arial"/>
+                        </a:defRPr>
+                      </a:lvl5pPr>
+                      <a:lvl6pPr marR="0" algn="l" rtl="0">
+                        <a:lnSpc>
+                          <a:spcPct val="100000"/>
+                        </a:lnSpc>
+                        <a:spcBef>
+                          <a:spcPts val="0"/>
+                        </a:spcBef>
+                        <a:spcAft>
+                          <a:spcPts val="0"/>
+                        </a:spcAft>
+                        <a:buClr>
+                          <a:srgbClr val="000000"/>
+                        </a:buClr>
+                        <a:buFont typeface="Arial"/>
+                        <a:defRPr sz="1400" b="0" i="0" u="none" strike="noStrike" cap="none">
+                          <a:solidFill>
+                            <a:schemeClr val="dk1"/>
+                          </a:solidFill>
+                          <a:latin typeface="Grandview Display"/>
+                          <a:sym typeface="Arial"/>
+                        </a:defRPr>
+                      </a:lvl6pPr>
+                      <a:lvl7pPr marR="0" algn="l" rtl="0">
+                        <a:lnSpc>
+                          <a:spcPct val="100000"/>
+                        </a:lnSpc>
+                        <a:spcBef>
+                          <a:spcPts val="0"/>
+                        </a:spcBef>
+                        <a:spcAft>
+                          <a:spcPts val="0"/>
+                        </a:spcAft>
+                        <a:buClr>
+                          <a:srgbClr val="000000"/>
+                        </a:buClr>
+                        <a:buFont typeface="Arial"/>
+                        <a:defRPr sz="1400" b="0" i="0" u="none" strike="noStrike" cap="none">
+                          <a:solidFill>
+                            <a:schemeClr val="dk1"/>
+                          </a:solidFill>
+                          <a:latin typeface="Grandview Display"/>
+                          <a:sym typeface="Arial"/>
+                        </a:defRPr>
+                      </a:lvl7pPr>
+                      <a:lvl8pPr marR="0" algn="l" rtl="0">
+                        <a:lnSpc>
+                          <a:spcPct val="100000"/>
+                        </a:lnSpc>
+                        <a:spcBef>
+                          <a:spcPts val="0"/>
+                        </a:spcBef>
+                        <a:spcAft>
+                          <a:spcPts val="0"/>
+                        </a:spcAft>
+                        <a:buClr>
+                          <a:srgbClr val="000000"/>
+                        </a:buClr>
+                        <a:buFont typeface="Arial"/>
+                        <a:defRPr sz="1400" b="0" i="0" u="none" strike="noStrike" cap="none">
+                          <a:solidFill>
+                            <a:schemeClr val="dk1"/>
+                          </a:solidFill>
+                          <a:latin typeface="Grandview Display"/>
+                          <a:sym typeface="Arial"/>
+                        </a:defRPr>
+                      </a:lvl8pPr>
+                      <a:lvl9pPr marR="0" algn="l" rtl="0">
+                        <a:lnSpc>
+                          <a:spcPct val="100000"/>
+                        </a:lnSpc>
+                        <a:spcBef>
+                          <a:spcPts val="0"/>
+                        </a:spcBef>
+                        <a:spcAft>
+                          <a:spcPts val="0"/>
+                        </a:spcAft>
+                        <a:buClr>
+                          <a:srgbClr val="000000"/>
+                        </a:buClr>
+                        <a:buFont typeface="Arial"/>
+                        <a:defRPr sz="1400" b="0" i="0" u="none" strike="noStrike" cap="none">
+                          <a:solidFill>
+                            <a:schemeClr val="dk1"/>
+                          </a:solidFill>
+                          <a:latin typeface="Grandview Display"/>
+                          <a:sym typeface="Arial"/>
+                        </a:defRPr>
+                      </a:lvl9pPr>
+                    </a:lstStyle>
+                    <a:p>
+                      <a:r>
+                        <a:rPr lang="en-US" sz="1300" dirty="0">
+                          <a:latin typeface="Times New Roman" panose="02020603050405020304" pitchFamily="18" charset="0"/>
+                          <a:cs typeface="Times New Roman" panose="02020603050405020304" pitchFamily="18" charset="0"/>
+                        </a:rPr>
+                        <a:t>Bagging Classifier</a:t>
+                      </a:r>
+                    </a:p>
+                  </a:txBody>
+                  <a:tcPr marL="70113" marR="70113" marT="35056" marB="35056"/>
+                </a:tc>
+                <a:tc>
+                  <a:txBody>
+                    <a:bodyPr/>
+                    <a:lstStyle>
+                      <a:lvl1pPr marR="0" algn="l" rtl="0">
+                        <a:lnSpc>
+                          <a:spcPct val="100000"/>
+                        </a:lnSpc>
+                        <a:spcBef>
+                          <a:spcPts val="0"/>
+                        </a:spcBef>
+                        <a:spcAft>
+                          <a:spcPts val="0"/>
+                        </a:spcAft>
+                        <a:buClr>
+                          <a:srgbClr val="000000"/>
+                        </a:buClr>
+                        <a:buFont typeface="Arial"/>
+                        <a:defRPr sz="1400" b="0" i="0" u="none" strike="noStrike" cap="none">
+                          <a:solidFill>
+                            <a:schemeClr val="dk1"/>
+                          </a:solidFill>
+                          <a:latin typeface="Grandview Display"/>
+                          <a:sym typeface="Arial"/>
+                        </a:defRPr>
+                      </a:lvl1pPr>
+                      <a:lvl2pPr marR="0" algn="l" rtl="0">
+                        <a:lnSpc>
+                          <a:spcPct val="100000"/>
+                        </a:lnSpc>
+                        <a:spcBef>
+                          <a:spcPts val="0"/>
+                        </a:spcBef>
+                        <a:spcAft>
+                          <a:spcPts val="0"/>
+                        </a:spcAft>
+                        <a:buClr>
+                          <a:srgbClr val="000000"/>
+                        </a:buClr>
+                        <a:buFont typeface="Arial"/>
+                        <a:defRPr sz="1400" b="0" i="0" u="none" strike="noStrike" cap="none">
+                          <a:solidFill>
+                            <a:schemeClr val="dk1"/>
+                          </a:solidFill>
+                          <a:latin typeface="Grandview Display"/>
+                          <a:sym typeface="Arial"/>
+                        </a:defRPr>
+                      </a:lvl2pPr>
+                      <a:lvl3pPr marR="0" algn="l" rtl="0">
+                        <a:lnSpc>
+                          <a:spcPct val="100000"/>
+                        </a:lnSpc>
+                        <a:spcBef>
+                          <a:spcPts val="0"/>
+                        </a:spcBef>
+                        <a:spcAft>
+                          <a:spcPts val="0"/>
+                        </a:spcAft>
+                        <a:buClr>
+                          <a:srgbClr val="000000"/>
+                        </a:buClr>
+                        <a:buFont typeface="Arial"/>
+                        <a:defRPr sz="1400" b="0" i="0" u="none" strike="noStrike" cap="none">
+                          <a:solidFill>
+                            <a:schemeClr val="dk1"/>
+                          </a:solidFill>
+                          <a:latin typeface="Grandview Display"/>
+                          <a:sym typeface="Arial"/>
+                        </a:defRPr>
+                      </a:lvl3pPr>
+                      <a:lvl4pPr marR="0" algn="l" rtl="0">
+                        <a:lnSpc>
+                          <a:spcPct val="100000"/>
+                        </a:lnSpc>
+                        <a:spcBef>
+                          <a:spcPts val="0"/>
+                        </a:spcBef>
+                        <a:spcAft>
+                          <a:spcPts val="0"/>
+                        </a:spcAft>
+                        <a:buClr>
+                          <a:srgbClr val="000000"/>
+                        </a:buClr>
+                        <a:buFont typeface="Arial"/>
+                        <a:defRPr sz="1400" b="0" i="0" u="none" strike="noStrike" cap="none">
+                          <a:solidFill>
+                            <a:schemeClr val="dk1"/>
+                          </a:solidFill>
+                          <a:latin typeface="Grandview Display"/>
+                          <a:sym typeface="Arial"/>
+                        </a:defRPr>
+                      </a:lvl4pPr>
+                      <a:lvl5pPr marR="0" algn="l" rtl="0">
+                        <a:lnSpc>
+                          <a:spcPct val="100000"/>
+                        </a:lnSpc>
+                        <a:spcBef>
+                          <a:spcPts val="0"/>
+                        </a:spcBef>
+                        <a:spcAft>
+                          <a:spcPts val="0"/>
+                        </a:spcAft>
+                        <a:buClr>
+                          <a:srgbClr val="000000"/>
+                        </a:buClr>
+                        <a:buFont typeface="Arial"/>
+                        <a:defRPr sz="1400" b="0" i="0" u="none" strike="noStrike" cap="none">
+                          <a:solidFill>
+                            <a:schemeClr val="dk1"/>
+                          </a:solidFill>
+                          <a:latin typeface="Grandview Display"/>
+                          <a:sym typeface="Arial"/>
+                        </a:defRPr>
+                      </a:lvl5pPr>
+                      <a:lvl6pPr marR="0" algn="l" rtl="0">
+                        <a:lnSpc>
+                          <a:spcPct val="100000"/>
+                        </a:lnSpc>
+                        <a:spcBef>
+                          <a:spcPts val="0"/>
+                        </a:spcBef>
+                        <a:spcAft>
+                          <a:spcPts val="0"/>
+                        </a:spcAft>
+                        <a:buClr>
+                          <a:srgbClr val="000000"/>
+                        </a:buClr>
+                        <a:buFont typeface="Arial"/>
+                        <a:defRPr sz="1400" b="0" i="0" u="none" strike="noStrike" cap="none">
+                          <a:solidFill>
+                            <a:schemeClr val="dk1"/>
+                          </a:solidFill>
+                          <a:latin typeface="Grandview Display"/>
+                          <a:sym typeface="Arial"/>
+                        </a:defRPr>
+                      </a:lvl6pPr>
+                      <a:lvl7pPr marR="0" algn="l" rtl="0">
+                        <a:lnSpc>
+                          <a:spcPct val="100000"/>
+                        </a:lnSpc>
+                        <a:spcBef>
+                          <a:spcPts val="0"/>
+                        </a:spcBef>
+                        <a:spcAft>
+                          <a:spcPts val="0"/>
+                        </a:spcAft>
+                        <a:buClr>
+                          <a:srgbClr val="000000"/>
+                        </a:buClr>
+                        <a:buFont typeface="Arial"/>
+                        <a:defRPr sz="1400" b="0" i="0" u="none" strike="noStrike" cap="none">
+                          <a:solidFill>
+                            <a:schemeClr val="dk1"/>
+                          </a:solidFill>
+                          <a:latin typeface="Grandview Display"/>
+                          <a:sym typeface="Arial"/>
+                        </a:defRPr>
+                      </a:lvl7pPr>
+                      <a:lvl8pPr marR="0" algn="l" rtl="0">
+                        <a:lnSpc>
+                          <a:spcPct val="100000"/>
+                        </a:lnSpc>
+                        <a:spcBef>
+                          <a:spcPts val="0"/>
+                        </a:spcBef>
+                        <a:spcAft>
+                          <a:spcPts val="0"/>
+                        </a:spcAft>
+                        <a:buClr>
+                          <a:srgbClr val="000000"/>
+                        </a:buClr>
+                        <a:buFont typeface="Arial"/>
+                        <a:defRPr sz="1400" b="0" i="0" u="none" strike="noStrike" cap="none">
+                          <a:solidFill>
+                            <a:schemeClr val="dk1"/>
+                          </a:solidFill>
+                          <a:latin typeface="Grandview Display"/>
+                          <a:sym typeface="Arial"/>
+                        </a:defRPr>
+                      </a:lvl8pPr>
+                      <a:lvl9pPr marR="0" algn="l" rtl="0">
+                        <a:lnSpc>
+                          <a:spcPct val="100000"/>
+                        </a:lnSpc>
+                        <a:spcBef>
+                          <a:spcPts val="0"/>
+                        </a:spcBef>
+                        <a:spcAft>
+                          <a:spcPts val="0"/>
+                        </a:spcAft>
+                        <a:buClr>
+                          <a:srgbClr val="000000"/>
+                        </a:buClr>
+                        <a:buFont typeface="Arial"/>
+                        <a:defRPr sz="1400" b="0" i="0" u="none" strike="noStrike" cap="none">
+                          <a:solidFill>
+                            <a:schemeClr val="dk1"/>
+                          </a:solidFill>
+                          <a:latin typeface="Grandview Display"/>
+                          <a:sym typeface="Arial"/>
+                        </a:defRPr>
+                      </a:lvl9pPr>
+                    </a:lstStyle>
+                    <a:p>
+                      <a:pPr marL="0" marR="0" lvl="0" indent="0" algn="l" defTabSz="914400" rtl="0" eaLnBrk="1" fontAlgn="auto" latinLnBrk="0" hangingPunct="1">
+                        <a:lnSpc>
+                          <a:spcPct val="100000"/>
+                        </a:lnSpc>
+                        <a:spcBef>
+                          <a:spcPts val="0"/>
+                        </a:spcBef>
+                        <a:spcAft>
+                          <a:spcPts val="0"/>
+                        </a:spcAft>
+                        <a:buClrTx/>
+                        <a:buSzTx/>
+                        <a:buFontTx/>
+                        <a:buNone/>
+                        <a:tabLst/>
+                        <a:defRPr/>
+                      </a:pPr>
+                      <a:r>
+                        <a:rPr lang="en-US" sz="1300" dirty="0">
+                          <a:latin typeface="Times New Roman" panose="02020603050405020304" pitchFamily="18" charset="0"/>
+                          <a:cs typeface="Times New Roman" panose="02020603050405020304" pitchFamily="18" charset="0"/>
+                        </a:rPr>
+                        <a:t>Builds multiple trees from random data subsets and combines results by majority vote or average</a:t>
+                      </a:r>
+                    </a:p>
+                  </a:txBody>
+                  <a:tcPr marL="70113" marR="70113" marT="35056" marB="35056"/>
+                </a:tc>
+                <a:tc>
+                  <a:txBody>
+                    <a:bodyPr/>
+                    <a:lstStyle>
+                      <a:lvl1pPr marR="0" algn="l" rtl="0">
+                        <a:lnSpc>
+                          <a:spcPct val="100000"/>
+                        </a:lnSpc>
+                        <a:spcBef>
+                          <a:spcPts val="0"/>
+                        </a:spcBef>
+                        <a:spcAft>
+                          <a:spcPts val="0"/>
+                        </a:spcAft>
+                        <a:buClr>
+                          <a:srgbClr val="000000"/>
+                        </a:buClr>
+                        <a:buFont typeface="Arial"/>
+                        <a:defRPr sz="1400" b="0" i="0" u="none" strike="noStrike" cap="none">
+                          <a:solidFill>
+                            <a:schemeClr val="dk1"/>
+                          </a:solidFill>
+                          <a:latin typeface="Grandview Display"/>
+                          <a:sym typeface="Arial"/>
+                        </a:defRPr>
+                      </a:lvl1pPr>
+                      <a:lvl2pPr marR="0" algn="l" rtl="0">
+                        <a:lnSpc>
+                          <a:spcPct val="100000"/>
+                        </a:lnSpc>
+                        <a:spcBef>
+                          <a:spcPts val="0"/>
+                        </a:spcBef>
+                        <a:spcAft>
+                          <a:spcPts val="0"/>
+                        </a:spcAft>
+                        <a:buClr>
+                          <a:srgbClr val="000000"/>
+                        </a:buClr>
+                        <a:buFont typeface="Arial"/>
+                        <a:defRPr sz="1400" b="0" i="0" u="none" strike="noStrike" cap="none">
+                          <a:solidFill>
+                            <a:schemeClr val="dk1"/>
+                          </a:solidFill>
+                          <a:latin typeface="Grandview Display"/>
+                          <a:sym typeface="Arial"/>
+                        </a:defRPr>
+                      </a:lvl2pPr>
+                      <a:lvl3pPr marR="0" algn="l" rtl="0">
+                        <a:lnSpc>
+                          <a:spcPct val="100000"/>
+                        </a:lnSpc>
+                        <a:spcBef>
+                          <a:spcPts val="0"/>
+                        </a:spcBef>
+                        <a:spcAft>
+                          <a:spcPts val="0"/>
+                        </a:spcAft>
+                        <a:buClr>
+                          <a:srgbClr val="000000"/>
+                        </a:buClr>
+                        <a:buFont typeface="Arial"/>
+                        <a:defRPr sz="1400" b="0" i="0" u="none" strike="noStrike" cap="none">
+                          <a:solidFill>
+                            <a:schemeClr val="dk1"/>
+                          </a:solidFill>
+                          <a:latin typeface="Grandview Display"/>
+                          <a:sym typeface="Arial"/>
+                        </a:defRPr>
+                      </a:lvl3pPr>
+                      <a:lvl4pPr marR="0" algn="l" rtl="0">
+                        <a:lnSpc>
+                          <a:spcPct val="100000"/>
+                        </a:lnSpc>
+                        <a:spcBef>
+                          <a:spcPts val="0"/>
+                        </a:spcBef>
+                        <a:spcAft>
+                          <a:spcPts val="0"/>
+                        </a:spcAft>
+                        <a:buClr>
+                          <a:srgbClr val="000000"/>
+                        </a:buClr>
+                        <a:buFont typeface="Arial"/>
+                        <a:defRPr sz="1400" b="0" i="0" u="none" strike="noStrike" cap="none">
+                          <a:solidFill>
+                            <a:schemeClr val="dk1"/>
+                          </a:solidFill>
+                          <a:latin typeface="Grandview Display"/>
+                          <a:sym typeface="Arial"/>
+                        </a:defRPr>
+                      </a:lvl4pPr>
+                      <a:lvl5pPr marR="0" algn="l" rtl="0">
+                        <a:lnSpc>
+                          <a:spcPct val="100000"/>
+                        </a:lnSpc>
+                        <a:spcBef>
+                          <a:spcPts val="0"/>
+                        </a:spcBef>
+                        <a:spcAft>
+                          <a:spcPts val="0"/>
+                        </a:spcAft>
+                        <a:buClr>
+                          <a:srgbClr val="000000"/>
+                        </a:buClr>
+                        <a:buFont typeface="Arial"/>
+                        <a:defRPr sz="1400" b="0" i="0" u="none" strike="noStrike" cap="none">
+                          <a:solidFill>
+                            <a:schemeClr val="dk1"/>
+                          </a:solidFill>
+                          <a:latin typeface="Grandview Display"/>
+                          <a:sym typeface="Arial"/>
+                        </a:defRPr>
+                      </a:lvl5pPr>
+                      <a:lvl6pPr marR="0" algn="l" rtl="0">
+                        <a:lnSpc>
+                          <a:spcPct val="100000"/>
+                        </a:lnSpc>
+                        <a:spcBef>
+                          <a:spcPts val="0"/>
+                        </a:spcBef>
+                        <a:spcAft>
+                          <a:spcPts val="0"/>
+                        </a:spcAft>
+                        <a:buClr>
+                          <a:srgbClr val="000000"/>
+                        </a:buClr>
+                        <a:buFont typeface="Arial"/>
+                        <a:defRPr sz="1400" b="0" i="0" u="none" strike="noStrike" cap="none">
+                          <a:solidFill>
+                            <a:schemeClr val="dk1"/>
+                          </a:solidFill>
+                          <a:latin typeface="Grandview Display"/>
+                          <a:sym typeface="Arial"/>
+                        </a:defRPr>
+                      </a:lvl6pPr>
+                      <a:lvl7pPr marR="0" algn="l" rtl="0">
+                        <a:lnSpc>
+                          <a:spcPct val="100000"/>
+                        </a:lnSpc>
+                        <a:spcBef>
+                          <a:spcPts val="0"/>
+                        </a:spcBef>
+                        <a:spcAft>
+                          <a:spcPts val="0"/>
+                        </a:spcAft>
+                        <a:buClr>
+                          <a:srgbClr val="000000"/>
+                        </a:buClr>
+                        <a:buFont typeface="Arial"/>
+                        <a:defRPr sz="1400" b="0" i="0" u="none" strike="noStrike" cap="none">
+                          <a:solidFill>
+                            <a:schemeClr val="dk1"/>
+                          </a:solidFill>
+                          <a:latin typeface="Grandview Display"/>
+                          <a:sym typeface="Arial"/>
+                        </a:defRPr>
+                      </a:lvl7pPr>
+                      <a:lvl8pPr marR="0" algn="l" rtl="0">
+                        <a:lnSpc>
+                          <a:spcPct val="100000"/>
+                        </a:lnSpc>
+                        <a:spcBef>
+                          <a:spcPts val="0"/>
+                        </a:spcBef>
+                        <a:spcAft>
+                          <a:spcPts val="0"/>
+                        </a:spcAft>
+                        <a:buClr>
+                          <a:srgbClr val="000000"/>
+                        </a:buClr>
+                        <a:buFont typeface="Arial"/>
+                        <a:defRPr sz="1400" b="0" i="0" u="none" strike="noStrike" cap="none">
+                          <a:solidFill>
+                            <a:schemeClr val="dk1"/>
+                          </a:solidFill>
+                          <a:latin typeface="Grandview Display"/>
+                          <a:sym typeface="Arial"/>
+                        </a:defRPr>
+                      </a:lvl8pPr>
+                      <a:lvl9pPr marR="0" algn="l" rtl="0">
+                        <a:lnSpc>
+                          <a:spcPct val="100000"/>
+                        </a:lnSpc>
+                        <a:spcBef>
+                          <a:spcPts val="0"/>
+                        </a:spcBef>
+                        <a:spcAft>
+                          <a:spcPts val="0"/>
+                        </a:spcAft>
+                        <a:buClr>
+                          <a:srgbClr val="000000"/>
+                        </a:buClr>
+                        <a:buFont typeface="Arial"/>
+                        <a:defRPr sz="1400" b="0" i="0" u="none" strike="noStrike" cap="none">
+                          <a:solidFill>
+                            <a:schemeClr val="dk1"/>
+                          </a:solidFill>
+                          <a:latin typeface="Grandview Display"/>
+                          <a:sym typeface="Arial"/>
+                        </a:defRPr>
+                      </a:lvl9pPr>
+                    </a:lstStyle>
+                    <a:p>
+                      <a:r>
+                        <a:rPr lang="en-US" sz="1300" dirty="0">
+                          <a:latin typeface="Times New Roman" panose="02020603050405020304" pitchFamily="18" charset="0"/>
+                          <a:cs typeface="Times New Roman" panose="02020603050405020304" pitchFamily="18" charset="0"/>
+                        </a:rPr>
+                        <a:t>Improves model stability. Cannot overfit</a:t>
+                      </a:r>
+                    </a:p>
+                  </a:txBody>
+                  <a:tcPr marL="70113" marR="70113" marT="35056" marB="35056"/>
+                </a:tc>
+                <a:tc>
+                  <a:txBody>
+                    <a:bodyPr/>
+                    <a:lstStyle>
+                      <a:lvl1pPr marR="0" algn="l" rtl="0">
+                        <a:lnSpc>
+                          <a:spcPct val="100000"/>
+                        </a:lnSpc>
+                        <a:spcBef>
+                          <a:spcPts val="0"/>
+                        </a:spcBef>
+                        <a:spcAft>
+                          <a:spcPts val="0"/>
+                        </a:spcAft>
+                        <a:buClr>
+                          <a:srgbClr val="000000"/>
+                        </a:buClr>
+                        <a:buFont typeface="Arial"/>
+                        <a:defRPr sz="1400" b="0" i="0" u="none" strike="noStrike" cap="none">
+                          <a:solidFill>
+                            <a:schemeClr val="dk1"/>
+                          </a:solidFill>
+                          <a:latin typeface="Grandview Display"/>
+                          <a:sym typeface="Arial"/>
+                        </a:defRPr>
+                      </a:lvl1pPr>
+                      <a:lvl2pPr marR="0" algn="l" rtl="0">
+                        <a:lnSpc>
+                          <a:spcPct val="100000"/>
+                        </a:lnSpc>
+                        <a:spcBef>
+                          <a:spcPts val="0"/>
+                        </a:spcBef>
+                        <a:spcAft>
+                          <a:spcPts val="0"/>
+                        </a:spcAft>
+                        <a:buClr>
+                          <a:srgbClr val="000000"/>
+                        </a:buClr>
+                        <a:buFont typeface="Arial"/>
+                        <a:defRPr sz="1400" b="0" i="0" u="none" strike="noStrike" cap="none">
+                          <a:solidFill>
+                            <a:schemeClr val="dk1"/>
+                          </a:solidFill>
+                          <a:latin typeface="Grandview Display"/>
+                          <a:sym typeface="Arial"/>
+                        </a:defRPr>
+                      </a:lvl2pPr>
+                      <a:lvl3pPr marR="0" algn="l" rtl="0">
+                        <a:lnSpc>
+                          <a:spcPct val="100000"/>
+                        </a:lnSpc>
+                        <a:spcBef>
+                          <a:spcPts val="0"/>
+                        </a:spcBef>
+                        <a:spcAft>
+                          <a:spcPts val="0"/>
+                        </a:spcAft>
+                        <a:buClr>
+                          <a:srgbClr val="000000"/>
+                        </a:buClr>
+                        <a:buFont typeface="Arial"/>
+                        <a:defRPr sz="1400" b="0" i="0" u="none" strike="noStrike" cap="none">
+                          <a:solidFill>
+                            <a:schemeClr val="dk1"/>
+                          </a:solidFill>
+                          <a:latin typeface="Grandview Display"/>
+                          <a:sym typeface="Arial"/>
+                        </a:defRPr>
+                      </a:lvl3pPr>
+                      <a:lvl4pPr marR="0" algn="l" rtl="0">
+                        <a:lnSpc>
+                          <a:spcPct val="100000"/>
+                        </a:lnSpc>
+                        <a:spcBef>
+                          <a:spcPts val="0"/>
+                        </a:spcBef>
+                        <a:spcAft>
+                          <a:spcPts val="0"/>
+                        </a:spcAft>
+                        <a:buClr>
+                          <a:srgbClr val="000000"/>
+                        </a:buClr>
+                        <a:buFont typeface="Arial"/>
+                        <a:defRPr sz="1400" b="0" i="0" u="none" strike="noStrike" cap="none">
+                          <a:solidFill>
+                            <a:schemeClr val="dk1"/>
+                          </a:solidFill>
+                          <a:latin typeface="Grandview Display"/>
+                          <a:sym typeface="Arial"/>
+                        </a:defRPr>
+                      </a:lvl4pPr>
+                      <a:lvl5pPr marR="0" algn="l" rtl="0">
+                        <a:lnSpc>
+                          <a:spcPct val="100000"/>
+                        </a:lnSpc>
+                        <a:spcBef>
+                          <a:spcPts val="0"/>
+                        </a:spcBef>
+                        <a:spcAft>
+                          <a:spcPts val="0"/>
+                        </a:spcAft>
+                        <a:buClr>
+                          <a:srgbClr val="000000"/>
+                        </a:buClr>
+                        <a:buFont typeface="Arial"/>
+                        <a:defRPr sz="1400" b="0" i="0" u="none" strike="noStrike" cap="none">
+                          <a:solidFill>
+                            <a:schemeClr val="dk1"/>
+                          </a:solidFill>
+                          <a:latin typeface="Grandview Display"/>
+                          <a:sym typeface="Arial"/>
+                        </a:defRPr>
+                      </a:lvl5pPr>
+                      <a:lvl6pPr marR="0" algn="l" rtl="0">
+                        <a:lnSpc>
+                          <a:spcPct val="100000"/>
+                        </a:lnSpc>
+                        <a:spcBef>
+                          <a:spcPts val="0"/>
+                        </a:spcBef>
+                        <a:spcAft>
+                          <a:spcPts val="0"/>
+                        </a:spcAft>
+                        <a:buClr>
+                          <a:srgbClr val="000000"/>
+                        </a:buClr>
+                        <a:buFont typeface="Arial"/>
+                        <a:defRPr sz="1400" b="0" i="0" u="none" strike="noStrike" cap="none">
+                          <a:solidFill>
+                            <a:schemeClr val="dk1"/>
+                          </a:solidFill>
+                          <a:latin typeface="Grandview Display"/>
+                          <a:sym typeface="Arial"/>
+                        </a:defRPr>
+                      </a:lvl6pPr>
+                      <a:lvl7pPr marR="0" algn="l" rtl="0">
+                        <a:lnSpc>
+                          <a:spcPct val="100000"/>
+                        </a:lnSpc>
+                        <a:spcBef>
+                          <a:spcPts val="0"/>
+                        </a:spcBef>
+                        <a:spcAft>
+                          <a:spcPts val="0"/>
+                        </a:spcAft>
+                        <a:buClr>
+                          <a:srgbClr val="000000"/>
+                        </a:buClr>
+                        <a:buFont typeface="Arial"/>
+                        <a:defRPr sz="1400" b="0" i="0" u="none" strike="noStrike" cap="none">
+                          <a:solidFill>
+                            <a:schemeClr val="dk1"/>
+                          </a:solidFill>
+                          <a:latin typeface="Grandview Display"/>
+                          <a:sym typeface="Arial"/>
+                        </a:defRPr>
+                      </a:lvl7pPr>
+                      <a:lvl8pPr marR="0" algn="l" rtl="0">
+                        <a:lnSpc>
+                          <a:spcPct val="100000"/>
+                        </a:lnSpc>
+                        <a:spcBef>
+                          <a:spcPts val="0"/>
+                        </a:spcBef>
+                        <a:spcAft>
+                          <a:spcPts val="0"/>
+                        </a:spcAft>
+                        <a:buClr>
+                          <a:srgbClr val="000000"/>
+                        </a:buClr>
+                        <a:buFont typeface="Arial"/>
+                        <a:defRPr sz="1400" b="0" i="0" u="none" strike="noStrike" cap="none">
+                          <a:solidFill>
+                            <a:schemeClr val="dk1"/>
+                          </a:solidFill>
+                          <a:latin typeface="Grandview Display"/>
+                          <a:sym typeface="Arial"/>
+                        </a:defRPr>
+                      </a:lvl8pPr>
+                      <a:lvl9pPr marR="0" algn="l" rtl="0">
+                        <a:lnSpc>
+                          <a:spcPct val="100000"/>
+                        </a:lnSpc>
+                        <a:spcBef>
+                          <a:spcPts val="0"/>
+                        </a:spcBef>
+                        <a:spcAft>
+                          <a:spcPts val="0"/>
+                        </a:spcAft>
+                        <a:buClr>
+                          <a:srgbClr val="000000"/>
+                        </a:buClr>
+                        <a:buFont typeface="Arial"/>
+                        <a:defRPr sz="1400" b="0" i="0" u="none" strike="noStrike" cap="none">
+                          <a:solidFill>
+                            <a:schemeClr val="dk1"/>
+                          </a:solidFill>
+                          <a:latin typeface="Grandview Display"/>
+                          <a:sym typeface="Arial"/>
+                        </a:defRPr>
+                      </a:lvl9pPr>
+                    </a:lstStyle>
+                    <a:p>
+                      <a:r>
+                        <a:rPr lang="en-US" sz="1300" dirty="0">
+                          <a:latin typeface="Times New Roman" panose="02020603050405020304" pitchFamily="18" charset="0"/>
+                          <a:cs typeface="Times New Roman" panose="02020603050405020304" pitchFamily="18" charset="0"/>
+                        </a:rPr>
+                        <a:t>Dominant features might overshadow others</a:t>
+                      </a:r>
+                    </a:p>
+                  </a:txBody>
+                  <a:tcPr marL="70113" marR="70113" marT="35056" marB="35056"/>
+                </a:tc>
+                <a:extLst>
+                  <a:ext uri="{0D108BD9-81ED-4DB2-BD59-A6C34878D82A}">
+                    <a16:rowId xmlns:a16="http://schemas.microsoft.com/office/drawing/2014/main" val="2298897335"/>
+                  </a:ext>
+                </a:extLst>
+              </a:tr>
+              <a:tr h="622450">
+                <a:tc>
+                  <a:txBody>
+                    <a:bodyPr/>
+                    <a:lstStyle>
+                      <a:lvl1pPr marR="0" algn="l" rtl="0">
+                        <a:lnSpc>
+                          <a:spcPct val="100000"/>
+                        </a:lnSpc>
+                        <a:spcBef>
+                          <a:spcPts val="0"/>
+                        </a:spcBef>
+                        <a:spcAft>
+                          <a:spcPts val="0"/>
+                        </a:spcAft>
+                        <a:buClr>
+                          <a:srgbClr val="000000"/>
+                        </a:buClr>
+                        <a:buFont typeface="Arial"/>
+                        <a:defRPr sz="1400" b="0" i="0" u="none" strike="noStrike" cap="none">
+                          <a:solidFill>
+                            <a:schemeClr val="dk1"/>
+                          </a:solidFill>
+                          <a:latin typeface="Grandview Display"/>
+                          <a:sym typeface="Arial"/>
+                        </a:defRPr>
+                      </a:lvl1pPr>
+                      <a:lvl2pPr marR="0" algn="l" rtl="0">
+                        <a:lnSpc>
+                          <a:spcPct val="100000"/>
+                        </a:lnSpc>
+                        <a:spcBef>
+                          <a:spcPts val="0"/>
+                        </a:spcBef>
+                        <a:spcAft>
+                          <a:spcPts val="0"/>
+                        </a:spcAft>
+                        <a:buClr>
+                          <a:srgbClr val="000000"/>
+                        </a:buClr>
+                        <a:buFont typeface="Arial"/>
+                        <a:defRPr sz="1400" b="0" i="0" u="none" strike="noStrike" cap="none">
+                          <a:solidFill>
+                            <a:schemeClr val="dk1"/>
+                          </a:solidFill>
+                          <a:latin typeface="Grandview Display"/>
+                          <a:sym typeface="Arial"/>
+                        </a:defRPr>
+                      </a:lvl2pPr>
+                      <a:lvl3pPr marR="0" algn="l" rtl="0">
+                        <a:lnSpc>
+                          <a:spcPct val="100000"/>
+                        </a:lnSpc>
+                        <a:spcBef>
+                          <a:spcPts val="0"/>
+                        </a:spcBef>
+                        <a:spcAft>
+                          <a:spcPts val="0"/>
+                        </a:spcAft>
+                        <a:buClr>
+                          <a:srgbClr val="000000"/>
+                        </a:buClr>
+                        <a:buFont typeface="Arial"/>
+                        <a:defRPr sz="1400" b="0" i="0" u="none" strike="noStrike" cap="none">
+                          <a:solidFill>
+                            <a:schemeClr val="dk1"/>
+                          </a:solidFill>
+                          <a:latin typeface="Grandview Display"/>
+                          <a:sym typeface="Arial"/>
+                        </a:defRPr>
+                      </a:lvl3pPr>
+                      <a:lvl4pPr marR="0" algn="l" rtl="0">
+                        <a:lnSpc>
+                          <a:spcPct val="100000"/>
+                        </a:lnSpc>
+                        <a:spcBef>
+                          <a:spcPts val="0"/>
+                        </a:spcBef>
+                        <a:spcAft>
+                          <a:spcPts val="0"/>
+                        </a:spcAft>
+                        <a:buClr>
+                          <a:srgbClr val="000000"/>
+                        </a:buClr>
+                        <a:buFont typeface="Arial"/>
+                        <a:defRPr sz="1400" b="0" i="0" u="none" strike="noStrike" cap="none">
+                          <a:solidFill>
+                            <a:schemeClr val="dk1"/>
+                          </a:solidFill>
+                          <a:latin typeface="Grandview Display"/>
+                          <a:sym typeface="Arial"/>
+                        </a:defRPr>
+                      </a:lvl4pPr>
+                      <a:lvl5pPr marR="0" algn="l" rtl="0">
+                        <a:lnSpc>
+                          <a:spcPct val="100000"/>
+                        </a:lnSpc>
+                        <a:spcBef>
+                          <a:spcPts val="0"/>
+                        </a:spcBef>
+                        <a:spcAft>
+                          <a:spcPts val="0"/>
+                        </a:spcAft>
+                        <a:buClr>
+                          <a:srgbClr val="000000"/>
+                        </a:buClr>
+                        <a:buFont typeface="Arial"/>
+                        <a:defRPr sz="1400" b="0" i="0" u="none" strike="noStrike" cap="none">
+                          <a:solidFill>
+                            <a:schemeClr val="dk1"/>
+                          </a:solidFill>
+                          <a:latin typeface="Grandview Display"/>
+                          <a:sym typeface="Arial"/>
+                        </a:defRPr>
+                      </a:lvl5pPr>
+                      <a:lvl6pPr marR="0" algn="l" rtl="0">
+                        <a:lnSpc>
+                          <a:spcPct val="100000"/>
+                        </a:lnSpc>
+                        <a:spcBef>
+                          <a:spcPts val="0"/>
+                        </a:spcBef>
+                        <a:spcAft>
+                          <a:spcPts val="0"/>
+                        </a:spcAft>
+                        <a:buClr>
+                          <a:srgbClr val="000000"/>
+                        </a:buClr>
+                        <a:buFont typeface="Arial"/>
+                        <a:defRPr sz="1400" b="0" i="0" u="none" strike="noStrike" cap="none">
+                          <a:solidFill>
+                            <a:schemeClr val="dk1"/>
+                          </a:solidFill>
+                          <a:latin typeface="Grandview Display"/>
+                          <a:sym typeface="Arial"/>
+                        </a:defRPr>
+                      </a:lvl6pPr>
+                      <a:lvl7pPr marR="0" algn="l" rtl="0">
+                        <a:lnSpc>
+                          <a:spcPct val="100000"/>
+                        </a:lnSpc>
+                        <a:spcBef>
+                          <a:spcPts val="0"/>
+                        </a:spcBef>
+                        <a:spcAft>
+                          <a:spcPts val="0"/>
+                        </a:spcAft>
+                        <a:buClr>
+                          <a:srgbClr val="000000"/>
+                        </a:buClr>
+                        <a:buFont typeface="Arial"/>
+                        <a:defRPr sz="1400" b="0" i="0" u="none" strike="noStrike" cap="none">
+                          <a:solidFill>
+                            <a:schemeClr val="dk1"/>
+                          </a:solidFill>
+                          <a:latin typeface="Grandview Display"/>
+                          <a:sym typeface="Arial"/>
+                        </a:defRPr>
+                      </a:lvl7pPr>
+                      <a:lvl8pPr marR="0" algn="l" rtl="0">
+                        <a:lnSpc>
+                          <a:spcPct val="100000"/>
+                        </a:lnSpc>
+                        <a:spcBef>
+                          <a:spcPts val="0"/>
+                        </a:spcBef>
+                        <a:spcAft>
+                          <a:spcPts val="0"/>
+                        </a:spcAft>
+                        <a:buClr>
+                          <a:srgbClr val="000000"/>
+                        </a:buClr>
+                        <a:buFont typeface="Arial"/>
+                        <a:defRPr sz="1400" b="0" i="0" u="none" strike="noStrike" cap="none">
+                          <a:solidFill>
+                            <a:schemeClr val="dk1"/>
+                          </a:solidFill>
+                          <a:latin typeface="Grandview Display"/>
+                          <a:sym typeface="Arial"/>
+                        </a:defRPr>
+                      </a:lvl8pPr>
+                      <a:lvl9pPr marR="0" algn="l" rtl="0">
+                        <a:lnSpc>
+                          <a:spcPct val="100000"/>
+                        </a:lnSpc>
+                        <a:spcBef>
+                          <a:spcPts val="0"/>
+                        </a:spcBef>
+                        <a:spcAft>
+                          <a:spcPts val="0"/>
+                        </a:spcAft>
+                        <a:buClr>
+                          <a:srgbClr val="000000"/>
+                        </a:buClr>
+                        <a:buFont typeface="Arial"/>
+                        <a:defRPr sz="1400" b="0" i="0" u="none" strike="noStrike" cap="none">
+                          <a:solidFill>
+                            <a:schemeClr val="dk1"/>
+                          </a:solidFill>
+                          <a:latin typeface="Grandview Display"/>
+                          <a:sym typeface="Arial"/>
+                        </a:defRPr>
+                      </a:lvl9pPr>
+                    </a:lstStyle>
+                    <a:p>
+                      <a:r>
+                        <a:rPr lang="en-US" sz="1300">
+                          <a:latin typeface="Times New Roman" panose="02020603050405020304" pitchFamily="18" charset="0"/>
+                          <a:cs typeface="Times New Roman" panose="02020603050405020304" pitchFamily="18" charset="0"/>
+                        </a:rPr>
+                        <a:t>Random Forest</a:t>
+                      </a:r>
+                    </a:p>
+                  </a:txBody>
+                  <a:tcPr marL="70113" marR="70113" marT="35056" marB="35056"/>
+                </a:tc>
+                <a:tc>
+                  <a:txBody>
+                    <a:bodyPr/>
+                    <a:lstStyle>
+                      <a:lvl1pPr marR="0" algn="l" rtl="0">
+                        <a:lnSpc>
+                          <a:spcPct val="100000"/>
+                        </a:lnSpc>
+                        <a:spcBef>
+                          <a:spcPts val="0"/>
+                        </a:spcBef>
+                        <a:spcAft>
+                          <a:spcPts val="0"/>
+                        </a:spcAft>
+                        <a:buClr>
+                          <a:srgbClr val="000000"/>
+                        </a:buClr>
+                        <a:buFont typeface="Arial"/>
+                        <a:defRPr sz="1400" b="0" i="0" u="none" strike="noStrike" cap="none">
+                          <a:solidFill>
+                            <a:schemeClr val="dk1"/>
+                          </a:solidFill>
+                          <a:latin typeface="Grandview Display"/>
+                          <a:sym typeface="Arial"/>
+                        </a:defRPr>
+                      </a:lvl1pPr>
+                      <a:lvl2pPr marR="0" algn="l" rtl="0">
+                        <a:lnSpc>
+                          <a:spcPct val="100000"/>
+                        </a:lnSpc>
+                        <a:spcBef>
+                          <a:spcPts val="0"/>
+                        </a:spcBef>
+                        <a:spcAft>
+                          <a:spcPts val="0"/>
+                        </a:spcAft>
+                        <a:buClr>
+                          <a:srgbClr val="000000"/>
+                        </a:buClr>
+                        <a:buFont typeface="Arial"/>
+                        <a:defRPr sz="1400" b="0" i="0" u="none" strike="noStrike" cap="none">
+                          <a:solidFill>
+                            <a:schemeClr val="dk1"/>
+                          </a:solidFill>
+                          <a:latin typeface="Grandview Display"/>
+                          <a:sym typeface="Arial"/>
+                        </a:defRPr>
+                      </a:lvl2pPr>
+                      <a:lvl3pPr marR="0" algn="l" rtl="0">
+                        <a:lnSpc>
+                          <a:spcPct val="100000"/>
+                        </a:lnSpc>
+                        <a:spcBef>
+                          <a:spcPts val="0"/>
+                        </a:spcBef>
+                        <a:spcAft>
+                          <a:spcPts val="0"/>
+                        </a:spcAft>
+                        <a:buClr>
+                          <a:srgbClr val="000000"/>
+                        </a:buClr>
+                        <a:buFont typeface="Arial"/>
+                        <a:defRPr sz="1400" b="0" i="0" u="none" strike="noStrike" cap="none">
+                          <a:solidFill>
+                            <a:schemeClr val="dk1"/>
+                          </a:solidFill>
+                          <a:latin typeface="Grandview Display"/>
+                          <a:sym typeface="Arial"/>
+                        </a:defRPr>
+                      </a:lvl3pPr>
+                      <a:lvl4pPr marR="0" algn="l" rtl="0">
+                        <a:lnSpc>
+                          <a:spcPct val="100000"/>
+                        </a:lnSpc>
+                        <a:spcBef>
+                          <a:spcPts val="0"/>
+                        </a:spcBef>
+                        <a:spcAft>
+                          <a:spcPts val="0"/>
+                        </a:spcAft>
+                        <a:buClr>
+                          <a:srgbClr val="000000"/>
+                        </a:buClr>
+                        <a:buFont typeface="Arial"/>
+                        <a:defRPr sz="1400" b="0" i="0" u="none" strike="noStrike" cap="none">
+                          <a:solidFill>
+                            <a:schemeClr val="dk1"/>
+                          </a:solidFill>
+                          <a:latin typeface="Grandview Display"/>
+                          <a:sym typeface="Arial"/>
+                        </a:defRPr>
+                      </a:lvl4pPr>
+                      <a:lvl5pPr marR="0" algn="l" rtl="0">
+                        <a:lnSpc>
+                          <a:spcPct val="100000"/>
+                        </a:lnSpc>
+                        <a:spcBef>
+                          <a:spcPts val="0"/>
+                        </a:spcBef>
+                        <a:spcAft>
+                          <a:spcPts val="0"/>
+                        </a:spcAft>
+                        <a:buClr>
+                          <a:srgbClr val="000000"/>
+                        </a:buClr>
+                        <a:buFont typeface="Arial"/>
+                        <a:defRPr sz="1400" b="0" i="0" u="none" strike="noStrike" cap="none">
+                          <a:solidFill>
+                            <a:schemeClr val="dk1"/>
+                          </a:solidFill>
+                          <a:latin typeface="Grandview Display"/>
+                          <a:sym typeface="Arial"/>
+                        </a:defRPr>
+                      </a:lvl5pPr>
+                      <a:lvl6pPr marR="0" algn="l" rtl="0">
+                        <a:lnSpc>
+                          <a:spcPct val="100000"/>
+                        </a:lnSpc>
+                        <a:spcBef>
+                          <a:spcPts val="0"/>
+                        </a:spcBef>
+                        <a:spcAft>
+                          <a:spcPts val="0"/>
+                        </a:spcAft>
+                        <a:buClr>
+                          <a:srgbClr val="000000"/>
+                        </a:buClr>
+                        <a:buFont typeface="Arial"/>
+                        <a:defRPr sz="1400" b="0" i="0" u="none" strike="noStrike" cap="none">
+                          <a:solidFill>
+                            <a:schemeClr val="dk1"/>
+                          </a:solidFill>
+                          <a:latin typeface="Grandview Display"/>
+                          <a:sym typeface="Arial"/>
+                        </a:defRPr>
+                      </a:lvl6pPr>
+                      <a:lvl7pPr marR="0" algn="l" rtl="0">
+                        <a:lnSpc>
+                          <a:spcPct val="100000"/>
+                        </a:lnSpc>
+                        <a:spcBef>
+                          <a:spcPts val="0"/>
+                        </a:spcBef>
+                        <a:spcAft>
+                          <a:spcPts val="0"/>
+                        </a:spcAft>
+                        <a:buClr>
+                          <a:srgbClr val="000000"/>
+                        </a:buClr>
+                        <a:buFont typeface="Arial"/>
+                        <a:defRPr sz="1400" b="0" i="0" u="none" strike="noStrike" cap="none">
+                          <a:solidFill>
+                            <a:schemeClr val="dk1"/>
+                          </a:solidFill>
+                          <a:latin typeface="Grandview Display"/>
+                          <a:sym typeface="Arial"/>
+                        </a:defRPr>
+                      </a:lvl7pPr>
+                      <a:lvl8pPr marR="0" algn="l" rtl="0">
+                        <a:lnSpc>
+                          <a:spcPct val="100000"/>
+                        </a:lnSpc>
+                        <a:spcBef>
+                          <a:spcPts val="0"/>
+                        </a:spcBef>
+                        <a:spcAft>
+                          <a:spcPts val="0"/>
+                        </a:spcAft>
+                        <a:buClr>
+                          <a:srgbClr val="000000"/>
+                        </a:buClr>
+                        <a:buFont typeface="Arial"/>
+                        <a:defRPr sz="1400" b="0" i="0" u="none" strike="noStrike" cap="none">
+                          <a:solidFill>
+                            <a:schemeClr val="dk1"/>
+                          </a:solidFill>
+                          <a:latin typeface="Grandview Display"/>
+                          <a:sym typeface="Arial"/>
+                        </a:defRPr>
+                      </a:lvl8pPr>
+                      <a:lvl9pPr marR="0" algn="l" rtl="0">
+                        <a:lnSpc>
+                          <a:spcPct val="100000"/>
+                        </a:lnSpc>
+                        <a:spcBef>
+                          <a:spcPts val="0"/>
+                        </a:spcBef>
+                        <a:spcAft>
+                          <a:spcPts val="0"/>
+                        </a:spcAft>
+                        <a:buClr>
+                          <a:srgbClr val="000000"/>
+                        </a:buClr>
+                        <a:buFont typeface="Arial"/>
+                        <a:defRPr sz="1400" b="0" i="0" u="none" strike="noStrike" cap="none">
+                          <a:solidFill>
+                            <a:schemeClr val="dk1"/>
+                          </a:solidFill>
+                          <a:latin typeface="Grandview Display"/>
+                          <a:sym typeface="Arial"/>
+                        </a:defRPr>
+                      </a:lvl9pPr>
+                    </a:lstStyle>
+                    <a:p>
+                      <a:pPr marL="0" marR="0" indent="0" algn="l" defTabSz="914400" rtl="0" eaLnBrk="1" fontAlgn="auto" latinLnBrk="0" hangingPunct="1">
+                        <a:lnSpc>
+                          <a:spcPct val="100000"/>
+                        </a:lnSpc>
+                        <a:spcBef>
+                          <a:spcPts val="0"/>
+                        </a:spcBef>
+                        <a:spcAft>
+                          <a:spcPts val="0"/>
+                        </a:spcAft>
+                        <a:buClr>
+                          <a:srgbClr val="000000"/>
+                        </a:buClr>
+                        <a:buSzTx/>
+                        <a:buFont typeface="Arial"/>
+                        <a:buNone/>
+                        <a:tabLst/>
+                        <a:defRPr/>
+                      </a:pPr>
+                      <a:r>
+                        <a:rPr lang="en-US" sz="1300" dirty="0">
+                          <a:latin typeface="Times New Roman" panose="02020603050405020304" pitchFamily="18" charset="0"/>
+                          <a:cs typeface="Times New Roman" panose="02020603050405020304" pitchFamily="18" charset="0"/>
+                        </a:rPr>
+                        <a:t>Extends bagging by injecting randomness into feature selection at each tree split.</a:t>
+                      </a:r>
+                    </a:p>
+                  </a:txBody>
+                  <a:tcPr marL="70113" marR="70113" marT="35056" marB="35056"/>
+                </a:tc>
+                <a:tc>
+                  <a:txBody>
+                    <a:bodyPr/>
+                    <a:lstStyle>
+                      <a:lvl1pPr marR="0" algn="l" rtl="0">
+                        <a:lnSpc>
+                          <a:spcPct val="100000"/>
+                        </a:lnSpc>
+                        <a:spcBef>
+                          <a:spcPts val="0"/>
+                        </a:spcBef>
+                        <a:spcAft>
+                          <a:spcPts val="0"/>
+                        </a:spcAft>
+                        <a:buClr>
+                          <a:srgbClr val="000000"/>
+                        </a:buClr>
+                        <a:buFont typeface="Arial"/>
+                        <a:defRPr sz="1400" b="0" i="0" u="none" strike="noStrike" cap="none">
+                          <a:solidFill>
+                            <a:schemeClr val="dk1"/>
+                          </a:solidFill>
+                          <a:latin typeface="Grandview Display"/>
+                          <a:sym typeface="Arial"/>
+                        </a:defRPr>
+                      </a:lvl1pPr>
+                      <a:lvl2pPr marR="0" algn="l" rtl="0">
+                        <a:lnSpc>
+                          <a:spcPct val="100000"/>
+                        </a:lnSpc>
+                        <a:spcBef>
+                          <a:spcPts val="0"/>
+                        </a:spcBef>
+                        <a:spcAft>
+                          <a:spcPts val="0"/>
+                        </a:spcAft>
+                        <a:buClr>
+                          <a:srgbClr val="000000"/>
+                        </a:buClr>
+                        <a:buFont typeface="Arial"/>
+                        <a:defRPr sz="1400" b="0" i="0" u="none" strike="noStrike" cap="none">
+                          <a:solidFill>
+                            <a:schemeClr val="dk1"/>
+                          </a:solidFill>
+                          <a:latin typeface="Grandview Display"/>
+                          <a:sym typeface="Arial"/>
+                        </a:defRPr>
+                      </a:lvl2pPr>
+                      <a:lvl3pPr marR="0" algn="l" rtl="0">
+                        <a:lnSpc>
+                          <a:spcPct val="100000"/>
+                        </a:lnSpc>
+                        <a:spcBef>
+                          <a:spcPts val="0"/>
+                        </a:spcBef>
+                        <a:spcAft>
+                          <a:spcPts val="0"/>
+                        </a:spcAft>
+                        <a:buClr>
+                          <a:srgbClr val="000000"/>
+                        </a:buClr>
+                        <a:buFont typeface="Arial"/>
+                        <a:defRPr sz="1400" b="0" i="0" u="none" strike="noStrike" cap="none">
+                          <a:solidFill>
+                            <a:schemeClr val="dk1"/>
+                          </a:solidFill>
+                          <a:latin typeface="Grandview Display"/>
+                          <a:sym typeface="Arial"/>
+                        </a:defRPr>
+                      </a:lvl3pPr>
+                      <a:lvl4pPr marR="0" algn="l" rtl="0">
+                        <a:lnSpc>
+                          <a:spcPct val="100000"/>
+                        </a:lnSpc>
+                        <a:spcBef>
+                          <a:spcPts val="0"/>
+                        </a:spcBef>
+                        <a:spcAft>
+                          <a:spcPts val="0"/>
+                        </a:spcAft>
+                        <a:buClr>
+                          <a:srgbClr val="000000"/>
+                        </a:buClr>
+                        <a:buFont typeface="Arial"/>
+                        <a:defRPr sz="1400" b="0" i="0" u="none" strike="noStrike" cap="none">
+                          <a:solidFill>
+                            <a:schemeClr val="dk1"/>
+                          </a:solidFill>
+                          <a:latin typeface="Grandview Display"/>
+                          <a:sym typeface="Arial"/>
+                        </a:defRPr>
+                      </a:lvl4pPr>
+                      <a:lvl5pPr marR="0" algn="l" rtl="0">
+                        <a:lnSpc>
+                          <a:spcPct val="100000"/>
+                        </a:lnSpc>
+                        <a:spcBef>
+                          <a:spcPts val="0"/>
+                        </a:spcBef>
+                        <a:spcAft>
+                          <a:spcPts val="0"/>
+                        </a:spcAft>
+                        <a:buClr>
+                          <a:srgbClr val="000000"/>
+                        </a:buClr>
+                        <a:buFont typeface="Arial"/>
+                        <a:defRPr sz="1400" b="0" i="0" u="none" strike="noStrike" cap="none">
+                          <a:solidFill>
+                            <a:schemeClr val="dk1"/>
+                          </a:solidFill>
+                          <a:latin typeface="Grandview Display"/>
+                          <a:sym typeface="Arial"/>
+                        </a:defRPr>
+                      </a:lvl5pPr>
+                      <a:lvl6pPr marR="0" algn="l" rtl="0">
+                        <a:lnSpc>
+                          <a:spcPct val="100000"/>
+                        </a:lnSpc>
+                        <a:spcBef>
+                          <a:spcPts val="0"/>
+                        </a:spcBef>
+                        <a:spcAft>
+                          <a:spcPts val="0"/>
+                        </a:spcAft>
+                        <a:buClr>
+                          <a:srgbClr val="000000"/>
+                        </a:buClr>
+                        <a:buFont typeface="Arial"/>
+                        <a:defRPr sz="1400" b="0" i="0" u="none" strike="noStrike" cap="none">
+                          <a:solidFill>
+                            <a:schemeClr val="dk1"/>
+                          </a:solidFill>
+                          <a:latin typeface="Grandview Display"/>
+                          <a:sym typeface="Arial"/>
+                        </a:defRPr>
+                      </a:lvl6pPr>
+                      <a:lvl7pPr marR="0" algn="l" rtl="0">
+                        <a:lnSpc>
+                          <a:spcPct val="100000"/>
+                        </a:lnSpc>
+                        <a:spcBef>
+                          <a:spcPts val="0"/>
+                        </a:spcBef>
+                        <a:spcAft>
+                          <a:spcPts val="0"/>
+                        </a:spcAft>
+                        <a:buClr>
+                          <a:srgbClr val="000000"/>
+                        </a:buClr>
+                        <a:buFont typeface="Arial"/>
+                        <a:defRPr sz="1400" b="0" i="0" u="none" strike="noStrike" cap="none">
+                          <a:solidFill>
+                            <a:schemeClr val="dk1"/>
+                          </a:solidFill>
+                          <a:latin typeface="Grandview Display"/>
+                          <a:sym typeface="Arial"/>
+                        </a:defRPr>
+                      </a:lvl7pPr>
+                      <a:lvl8pPr marR="0" algn="l" rtl="0">
+                        <a:lnSpc>
+                          <a:spcPct val="100000"/>
+                        </a:lnSpc>
+                        <a:spcBef>
+                          <a:spcPts val="0"/>
+                        </a:spcBef>
+                        <a:spcAft>
+                          <a:spcPts val="0"/>
+                        </a:spcAft>
+                        <a:buClr>
+                          <a:srgbClr val="000000"/>
+                        </a:buClr>
+                        <a:buFont typeface="Arial"/>
+                        <a:defRPr sz="1400" b="0" i="0" u="none" strike="noStrike" cap="none">
+                          <a:solidFill>
+                            <a:schemeClr val="dk1"/>
+                          </a:solidFill>
+                          <a:latin typeface="Grandview Display"/>
+                          <a:sym typeface="Arial"/>
+                        </a:defRPr>
+                      </a:lvl8pPr>
+                      <a:lvl9pPr marR="0" algn="l" rtl="0">
+                        <a:lnSpc>
+                          <a:spcPct val="100000"/>
+                        </a:lnSpc>
+                        <a:spcBef>
+                          <a:spcPts val="0"/>
+                        </a:spcBef>
+                        <a:spcAft>
+                          <a:spcPts val="0"/>
+                        </a:spcAft>
+                        <a:buClr>
+                          <a:srgbClr val="000000"/>
+                        </a:buClr>
+                        <a:buFont typeface="Arial"/>
+                        <a:defRPr sz="1400" b="0" i="0" u="none" strike="noStrike" cap="none">
+                          <a:solidFill>
+                            <a:schemeClr val="dk1"/>
+                          </a:solidFill>
+                          <a:latin typeface="Grandview Display"/>
+                          <a:sym typeface="Arial"/>
+                        </a:defRPr>
+                      </a:lvl9pPr>
+                    </a:lstStyle>
+                    <a:p>
+                      <a:r>
+                        <a:rPr lang="en-US" sz="1300" dirty="0">
+                          <a:latin typeface="Times New Roman" panose="02020603050405020304" pitchFamily="18" charset="0"/>
+                          <a:cs typeface="Times New Roman" panose="02020603050405020304" pitchFamily="18" charset="0"/>
+                        </a:rPr>
+                        <a:t>Enhances robustness and accuracy, especially on noisy data.</a:t>
+                      </a:r>
+                    </a:p>
+                  </a:txBody>
+                  <a:tcPr marL="70113" marR="70113" marT="35056" marB="35056"/>
+                </a:tc>
+                <a:tc>
+                  <a:txBody>
+                    <a:bodyPr/>
+                    <a:lstStyle>
+                      <a:lvl1pPr marR="0" algn="l" rtl="0">
+                        <a:lnSpc>
+                          <a:spcPct val="100000"/>
+                        </a:lnSpc>
+                        <a:spcBef>
+                          <a:spcPts val="0"/>
+                        </a:spcBef>
+                        <a:spcAft>
+                          <a:spcPts val="0"/>
+                        </a:spcAft>
+                        <a:buClr>
+                          <a:srgbClr val="000000"/>
+                        </a:buClr>
+                        <a:buFont typeface="Arial"/>
+                        <a:defRPr sz="1400" b="0" i="0" u="none" strike="noStrike" cap="none">
+                          <a:solidFill>
+                            <a:schemeClr val="dk1"/>
+                          </a:solidFill>
+                          <a:latin typeface="Grandview Display"/>
+                          <a:sym typeface="Arial"/>
+                        </a:defRPr>
+                      </a:lvl1pPr>
+                      <a:lvl2pPr marR="0" algn="l" rtl="0">
+                        <a:lnSpc>
+                          <a:spcPct val="100000"/>
+                        </a:lnSpc>
+                        <a:spcBef>
+                          <a:spcPts val="0"/>
+                        </a:spcBef>
+                        <a:spcAft>
+                          <a:spcPts val="0"/>
+                        </a:spcAft>
+                        <a:buClr>
+                          <a:srgbClr val="000000"/>
+                        </a:buClr>
+                        <a:buFont typeface="Arial"/>
+                        <a:defRPr sz="1400" b="0" i="0" u="none" strike="noStrike" cap="none">
+                          <a:solidFill>
+                            <a:schemeClr val="dk1"/>
+                          </a:solidFill>
+                          <a:latin typeface="Grandview Display"/>
+                          <a:sym typeface="Arial"/>
+                        </a:defRPr>
+                      </a:lvl2pPr>
+                      <a:lvl3pPr marR="0" algn="l" rtl="0">
+                        <a:lnSpc>
+                          <a:spcPct val="100000"/>
+                        </a:lnSpc>
+                        <a:spcBef>
+                          <a:spcPts val="0"/>
+                        </a:spcBef>
+                        <a:spcAft>
+                          <a:spcPts val="0"/>
+                        </a:spcAft>
+                        <a:buClr>
+                          <a:srgbClr val="000000"/>
+                        </a:buClr>
+                        <a:buFont typeface="Arial"/>
+                        <a:defRPr sz="1400" b="0" i="0" u="none" strike="noStrike" cap="none">
+                          <a:solidFill>
+                            <a:schemeClr val="dk1"/>
+                          </a:solidFill>
+                          <a:latin typeface="Grandview Display"/>
+                          <a:sym typeface="Arial"/>
+                        </a:defRPr>
+                      </a:lvl3pPr>
+                      <a:lvl4pPr marR="0" algn="l" rtl="0">
+                        <a:lnSpc>
+                          <a:spcPct val="100000"/>
+                        </a:lnSpc>
+                        <a:spcBef>
+                          <a:spcPts val="0"/>
+                        </a:spcBef>
+                        <a:spcAft>
+                          <a:spcPts val="0"/>
+                        </a:spcAft>
+                        <a:buClr>
+                          <a:srgbClr val="000000"/>
+                        </a:buClr>
+                        <a:buFont typeface="Arial"/>
+                        <a:defRPr sz="1400" b="0" i="0" u="none" strike="noStrike" cap="none">
+                          <a:solidFill>
+                            <a:schemeClr val="dk1"/>
+                          </a:solidFill>
+                          <a:latin typeface="Grandview Display"/>
+                          <a:sym typeface="Arial"/>
+                        </a:defRPr>
+                      </a:lvl4pPr>
+                      <a:lvl5pPr marR="0" algn="l" rtl="0">
+                        <a:lnSpc>
+                          <a:spcPct val="100000"/>
+                        </a:lnSpc>
+                        <a:spcBef>
+                          <a:spcPts val="0"/>
+                        </a:spcBef>
+                        <a:spcAft>
+                          <a:spcPts val="0"/>
+                        </a:spcAft>
+                        <a:buClr>
+                          <a:srgbClr val="000000"/>
+                        </a:buClr>
+                        <a:buFont typeface="Arial"/>
+                        <a:defRPr sz="1400" b="0" i="0" u="none" strike="noStrike" cap="none">
+                          <a:solidFill>
+                            <a:schemeClr val="dk1"/>
+                          </a:solidFill>
+                          <a:latin typeface="Grandview Display"/>
+                          <a:sym typeface="Arial"/>
+                        </a:defRPr>
+                      </a:lvl5pPr>
+                      <a:lvl6pPr marR="0" algn="l" rtl="0">
+                        <a:lnSpc>
+                          <a:spcPct val="100000"/>
+                        </a:lnSpc>
+                        <a:spcBef>
+                          <a:spcPts val="0"/>
+                        </a:spcBef>
+                        <a:spcAft>
+                          <a:spcPts val="0"/>
+                        </a:spcAft>
+                        <a:buClr>
+                          <a:srgbClr val="000000"/>
+                        </a:buClr>
+                        <a:buFont typeface="Arial"/>
+                        <a:defRPr sz="1400" b="0" i="0" u="none" strike="noStrike" cap="none">
+                          <a:solidFill>
+                            <a:schemeClr val="dk1"/>
+                          </a:solidFill>
+                          <a:latin typeface="Grandview Display"/>
+                          <a:sym typeface="Arial"/>
+                        </a:defRPr>
+                      </a:lvl6pPr>
+                      <a:lvl7pPr marR="0" algn="l" rtl="0">
+                        <a:lnSpc>
+                          <a:spcPct val="100000"/>
+                        </a:lnSpc>
+                        <a:spcBef>
+                          <a:spcPts val="0"/>
+                        </a:spcBef>
+                        <a:spcAft>
+                          <a:spcPts val="0"/>
+                        </a:spcAft>
+                        <a:buClr>
+                          <a:srgbClr val="000000"/>
+                        </a:buClr>
+                        <a:buFont typeface="Arial"/>
+                        <a:defRPr sz="1400" b="0" i="0" u="none" strike="noStrike" cap="none">
+                          <a:solidFill>
+                            <a:schemeClr val="dk1"/>
+                          </a:solidFill>
+                          <a:latin typeface="Grandview Display"/>
+                          <a:sym typeface="Arial"/>
+                        </a:defRPr>
+                      </a:lvl7pPr>
+                      <a:lvl8pPr marR="0" algn="l" rtl="0">
+                        <a:lnSpc>
+                          <a:spcPct val="100000"/>
+                        </a:lnSpc>
+                        <a:spcBef>
+                          <a:spcPts val="0"/>
+                        </a:spcBef>
+                        <a:spcAft>
+                          <a:spcPts val="0"/>
+                        </a:spcAft>
+                        <a:buClr>
+                          <a:srgbClr val="000000"/>
+                        </a:buClr>
+                        <a:buFont typeface="Arial"/>
+                        <a:defRPr sz="1400" b="0" i="0" u="none" strike="noStrike" cap="none">
+                          <a:solidFill>
+                            <a:schemeClr val="dk1"/>
+                          </a:solidFill>
+                          <a:latin typeface="Grandview Display"/>
+                          <a:sym typeface="Arial"/>
+                        </a:defRPr>
+                      </a:lvl8pPr>
+                      <a:lvl9pPr marR="0" algn="l" rtl="0">
+                        <a:lnSpc>
+                          <a:spcPct val="100000"/>
+                        </a:lnSpc>
+                        <a:spcBef>
+                          <a:spcPts val="0"/>
+                        </a:spcBef>
+                        <a:spcAft>
+                          <a:spcPts val="0"/>
+                        </a:spcAft>
+                        <a:buClr>
+                          <a:srgbClr val="000000"/>
+                        </a:buClr>
+                        <a:buFont typeface="Arial"/>
+                        <a:defRPr sz="1400" b="0" i="0" u="none" strike="noStrike" cap="none">
+                          <a:solidFill>
+                            <a:schemeClr val="dk1"/>
+                          </a:solidFill>
+                          <a:latin typeface="Grandview Display"/>
+                          <a:sym typeface="Arial"/>
+                        </a:defRPr>
+                      </a:lvl9pPr>
+                    </a:lstStyle>
+                    <a:p>
+                      <a:r>
+                        <a:rPr lang="en-US" sz="1300" dirty="0">
+                          <a:latin typeface="Times New Roman" panose="02020603050405020304" pitchFamily="18" charset="0"/>
+                          <a:cs typeface="Times New Roman" panose="02020603050405020304" pitchFamily="18" charset="0"/>
+                        </a:rPr>
+                        <a:t>Less interpretable due to many trees</a:t>
+                      </a:r>
+                    </a:p>
+                  </a:txBody>
+                  <a:tcPr marL="70113" marR="70113" marT="35056" marB="35056"/>
+                </a:tc>
+                <a:extLst>
+                  <a:ext uri="{0D108BD9-81ED-4DB2-BD59-A6C34878D82A}">
+                    <a16:rowId xmlns:a16="http://schemas.microsoft.com/office/drawing/2014/main" val="2460295462"/>
+                  </a:ext>
+                </a:extLst>
+              </a:tr>
+              <a:tr h="1060600">
+                <a:tc>
+                  <a:txBody>
+                    <a:bodyPr/>
+                    <a:lstStyle>
+                      <a:lvl1pPr marR="0" algn="l" rtl="0">
+                        <a:lnSpc>
+                          <a:spcPct val="100000"/>
+                        </a:lnSpc>
+                        <a:spcBef>
+                          <a:spcPts val="0"/>
+                        </a:spcBef>
+                        <a:spcAft>
+                          <a:spcPts val="0"/>
+                        </a:spcAft>
+                        <a:buClr>
+                          <a:srgbClr val="000000"/>
+                        </a:buClr>
+                        <a:buFont typeface="Arial"/>
+                        <a:defRPr sz="1400" b="0" i="0" u="none" strike="noStrike" cap="none">
+                          <a:solidFill>
+                            <a:schemeClr val="dk1"/>
+                          </a:solidFill>
+                          <a:latin typeface="Grandview Display"/>
+                          <a:sym typeface="Arial"/>
+                        </a:defRPr>
+                      </a:lvl1pPr>
+                      <a:lvl2pPr marR="0" algn="l" rtl="0">
+                        <a:lnSpc>
+                          <a:spcPct val="100000"/>
+                        </a:lnSpc>
+                        <a:spcBef>
+                          <a:spcPts val="0"/>
+                        </a:spcBef>
+                        <a:spcAft>
+                          <a:spcPts val="0"/>
+                        </a:spcAft>
+                        <a:buClr>
+                          <a:srgbClr val="000000"/>
+                        </a:buClr>
+                        <a:buFont typeface="Arial"/>
+                        <a:defRPr sz="1400" b="0" i="0" u="none" strike="noStrike" cap="none">
+                          <a:solidFill>
+                            <a:schemeClr val="dk1"/>
+                          </a:solidFill>
+                          <a:latin typeface="Grandview Display"/>
+                          <a:sym typeface="Arial"/>
+                        </a:defRPr>
+                      </a:lvl2pPr>
+                      <a:lvl3pPr marR="0" algn="l" rtl="0">
+                        <a:lnSpc>
+                          <a:spcPct val="100000"/>
+                        </a:lnSpc>
+                        <a:spcBef>
+                          <a:spcPts val="0"/>
+                        </a:spcBef>
+                        <a:spcAft>
+                          <a:spcPts val="0"/>
+                        </a:spcAft>
+                        <a:buClr>
+                          <a:srgbClr val="000000"/>
+                        </a:buClr>
+                        <a:buFont typeface="Arial"/>
+                        <a:defRPr sz="1400" b="0" i="0" u="none" strike="noStrike" cap="none">
+                          <a:solidFill>
+                            <a:schemeClr val="dk1"/>
+                          </a:solidFill>
+                          <a:latin typeface="Grandview Display"/>
+                          <a:sym typeface="Arial"/>
+                        </a:defRPr>
+                      </a:lvl3pPr>
+                      <a:lvl4pPr marR="0" algn="l" rtl="0">
+                        <a:lnSpc>
+                          <a:spcPct val="100000"/>
+                        </a:lnSpc>
+                        <a:spcBef>
+                          <a:spcPts val="0"/>
+                        </a:spcBef>
+                        <a:spcAft>
+                          <a:spcPts val="0"/>
+                        </a:spcAft>
+                        <a:buClr>
+                          <a:srgbClr val="000000"/>
+                        </a:buClr>
+                        <a:buFont typeface="Arial"/>
+                        <a:defRPr sz="1400" b="0" i="0" u="none" strike="noStrike" cap="none">
+                          <a:solidFill>
+                            <a:schemeClr val="dk1"/>
+                          </a:solidFill>
+                          <a:latin typeface="Grandview Display"/>
+                          <a:sym typeface="Arial"/>
+                        </a:defRPr>
+                      </a:lvl4pPr>
+                      <a:lvl5pPr marR="0" algn="l" rtl="0">
+                        <a:lnSpc>
+                          <a:spcPct val="100000"/>
+                        </a:lnSpc>
+                        <a:spcBef>
+                          <a:spcPts val="0"/>
+                        </a:spcBef>
+                        <a:spcAft>
+                          <a:spcPts val="0"/>
+                        </a:spcAft>
+                        <a:buClr>
+                          <a:srgbClr val="000000"/>
+                        </a:buClr>
+                        <a:buFont typeface="Arial"/>
+                        <a:defRPr sz="1400" b="0" i="0" u="none" strike="noStrike" cap="none">
+                          <a:solidFill>
+                            <a:schemeClr val="dk1"/>
+                          </a:solidFill>
+                          <a:latin typeface="Grandview Display"/>
+                          <a:sym typeface="Arial"/>
+                        </a:defRPr>
+                      </a:lvl5pPr>
+                      <a:lvl6pPr marR="0" algn="l" rtl="0">
+                        <a:lnSpc>
+                          <a:spcPct val="100000"/>
+                        </a:lnSpc>
+                        <a:spcBef>
+                          <a:spcPts val="0"/>
+                        </a:spcBef>
+                        <a:spcAft>
+                          <a:spcPts val="0"/>
+                        </a:spcAft>
+                        <a:buClr>
+                          <a:srgbClr val="000000"/>
+                        </a:buClr>
+                        <a:buFont typeface="Arial"/>
+                        <a:defRPr sz="1400" b="0" i="0" u="none" strike="noStrike" cap="none">
+                          <a:solidFill>
+                            <a:schemeClr val="dk1"/>
+                          </a:solidFill>
+                          <a:latin typeface="Grandview Display"/>
+                          <a:sym typeface="Arial"/>
+                        </a:defRPr>
+                      </a:lvl6pPr>
+                      <a:lvl7pPr marR="0" algn="l" rtl="0">
+                        <a:lnSpc>
+                          <a:spcPct val="100000"/>
+                        </a:lnSpc>
+                        <a:spcBef>
+                          <a:spcPts val="0"/>
+                        </a:spcBef>
+                        <a:spcAft>
+                          <a:spcPts val="0"/>
+                        </a:spcAft>
+                        <a:buClr>
+                          <a:srgbClr val="000000"/>
+                        </a:buClr>
+                        <a:buFont typeface="Arial"/>
+                        <a:defRPr sz="1400" b="0" i="0" u="none" strike="noStrike" cap="none">
+                          <a:solidFill>
+                            <a:schemeClr val="dk1"/>
+                          </a:solidFill>
+                          <a:latin typeface="Grandview Display"/>
+                          <a:sym typeface="Arial"/>
+                        </a:defRPr>
+                      </a:lvl7pPr>
+                      <a:lvl8pPr marR="0" algn="l" rtl="0">
+                        <a:lnSpc>
+                          <a:spcPct val="100000"/>
+                        </a:lnSpc>
+                        <a:spcBef>
+                          <a:spcPts val="0"/>
+                        </a:spcBef>
+                        <a:spcAft>
+                          <a:spcPts val="0"/>
+                        </a:spcAft>
+                        <a:buClr>
+                          <a:srgbClr val="000000"/>
+                        </a:buClr>
+                        <a:buFont typeface="Arial"/>
+                        <a:defRPr sz="1400" b="0" i="0" u="none" strike="noStrike" cap="none">
+                          <a:solidFill>
+                            <a:schemeClr val="dk1"/>
+                          </a:solidFill>
+                          <a:latin typeface="Grandview Display"/>
+                          <a:sym typeface="Arial"/>
+                        </a:defRPr>
+                      </a:lvl8pPr>
+                      <a:lvl9pPr marR="0" algn="l" rtl="0">
+                        <a:lnSpc>
+                          <a:spcPct val="100000"/>
+                        </a:lnSpc>
+                        <a:spcBef>
+                          <a:spcPts val="0"/>
+                        </a:spcBef>
+                        <a:spcAft>
+                          <a:spcPts val="0"/>
+                        </a:spcAft>
+                        <a:buClr>
+                          <a:srgbClr val="000000"/>
+                        </a:buClr>
+                        <a:buFont typeface="Arial"/>
+                        <a:defRPr sz="1400" b="0" i="0" u="none" strike="noStrike" cap="none">
+                          <a:solidFill>
+                            <a:schemeClr val="dk1"/>
+                          </a:solidFill>
+                          <a:latin typeface="Grandview Display"/>
+                          <a:sym typeface="Arial"/>
+                        </a:defRPr>
+                      </a:lvl9pPr>
+                    </a:lstStyle>
+                    <a:p>
+                      <a:r>
+                        <a:rPr lang="en-US" sz="1300">
+                          <a:latin typeface="Times New Roman" panose="02020603050405020304" pitchFamily="18" charset="0"/>
+                          <a:cs typeface="Times New Roman" panose="02020603050405020304" pitchFamily="18" charset="0"/>
+                        </a:rPr>
+                        <a:t>Gradient Boosting</a:t>
+                      </a:r>
+                    </a:p>
+                  </a:txBody>
+                  <a:tcPr marL="70113" marR="70113" marT="35056" marB="35056"/>
+                </a:tc>
+                <a:tc>
+                  <a:txBody>
+                    <a:bodyPr/>
+                    <a:lstStyle>
+                      <a:lvl1pPr marR="0" algn="l" rtl="0">
+                        <a:lnSpc>
+                          <a:spcPct val="100000"/>
+                        </a:lnSpc>
+                        <a:spcBef>
+                          <a:spcPts val="0"/>
+                        </a:spcBef>
+                        <a:spcAft>
+                          <a:spcPts val="0"/>
+                        </a:spcAft>
+                        <a:buClr>
+                          <a:srgbClr val="000000"/>
+                        </a:buClr>
+                        <a:buFont typeface="Arial"/>
+                        <a:defRPr sz="1400" b="0" i="0" u="none" strike="noStrike" cap="none">
+                          <a:solidFill>
+                            <a:schemeClr val="dk1"/>
+                          </a:solidFill>
+                          <a:latin typeface="Grandview Display"/>
+                          <a:sym typeface="Arial"/>
+                        </a:defRPr>
+                      </a:lvl1pPr>
+                      <a:lvl2pPr marR="0" algn="l" rtl="0">
+                        <a:lnSpc>
+                          <a:spcPct val="100000"/>
+                        </a:lnSpc>
+                        <a:spcBef>
+                          <a:spcPts val="0"/>
+                        </a:spcBef>
+                        <a:spcAft>
+                          <a:spcPts val="0"/>
+                        </a:spcAft>
+                        <a:buClr>
+                          <a:srgbClr val="000000"/>
+                        </a:buClr>
+                        <a:buFont typeface="Arial"/>
+                        <a:defRPr sz="1400" b="0" i="0" u="none" strike="noStrike" cap="none">
+                          <a:solidFill>
+                            <a:schemeClr val="dk1"/>
+                          </a:solidFill>
+                          <a:latin typeface="Grandview Display"/>
+                          <a:sym typeface="Arial"/>
+                        </a:defRPr>
+                      </a:lvl2pPr>
+                      <a:lvl3pPr marR="0" algn="l" rtl="0">
+                        <a:lnSpc>
+                          <a:spcPct val="100000"/>
+                        </a:lnSpc>
+                        <a:spcBef>
+                          <a:spcPts val="0"/>
+                        </a:spcBef>
+                        <a:spcAft>
+                          <a:spcPts val="0"/>
+                        </a:spcAft>
+                        <a:buClr>
+                          <a:srgbClr val="000000"/>
+                        </a:buClr>
+                        <a:buFont typeface="Arial"/>
+                        <a:defRPr sz="1400" b="0" i="0" u="none" strike="noStrike" cap="none">
+                          <a:solidFill>
+                            <a:schemeClr val="dk1"/>
+                          </a:solidFill>
+                          <a:latin typeface="Grandview Display"/>
+                          <a:sym typeface="Arial"/>
+                        </a:defRPr>
+                      </a:lvl3pPr>
+                      <a:lvl4pPr marR="0" algn="l" rtl="0">
+                        <a:lnSpc>
+                          <a:spcPct val="100000"/>
+                        </a:lnSpc>
+                        <a:spcBef>
+                          <a:spcPts val="0"/>
+                        </a:spcBef>
+                        <a:spcAft>
+                          <a:spcPts val="0"/>
+                        </a:spcAft>
+                        <a:buClr>
+                          <a:srgbClr val="000000"/>
+                        </a:buClr>
+                        <a:buFont typeface="Arial"/>
+                        <a:defRPr sz="1400" b="0" i="0" u="none" strike="noStrike" cap="none">
+                          <a:solidFill>
+                            <a:schemeClr val="dk1"/>
+                          </a:solidFill>
+                          <a:latin typeface="Grandview Display"/>
+                          <a:sym typeface="Arial"/>
+                        </a:defRPr>
+                      </a:lvl4pPr>
+                      <a:lvl5pPr marR="0" algn="l" rtl="0">
+                        <a:lnSpc>
+                          <a:spcPct val="100000"/>
+                        </a:lnSpc>
+                        <a:spcBef>
+                          <a:spcPts val="0"/>
+                        </a:spcBef>
+                        <a:spcAft>
+                          <a:spcPts val="0"/>
+                        </a:spcAft>
+                        <a:buClr>
+                          <a:srgbClr val="000000"/>
+                        </a:buClr>
+                        <a:buFont typeface="Arial"/>
+                        <a:defRPr sz="1400" b="0" i="0" u="none" strike="noStrike" cap="none">
+                          <a:solidFill>
+                            <a:schemeClr val="dk1"/>
+                          </a:solidFill>
+                          <a:latin typeface="Grandview Display"/>
+                          <a:sym typeface="Arial"/>
+                        </a:defRPr>
+                      </a:lvl5pPr>
+                      <a:lvl6pPr marR="0" algn="l" rtl="0">
+                        <a:lnSpc>
+                          <a:spcPct val="100000"/>
+                        </a:lnSpc>
+                        <a:spcBef>
+                          <a:spcPts val="0"/>
+                        </a:spcBef>
+                        <a:spcAft>
+                          <a:spcPts val="0"/>
+                        </a:spcAft>
+                        <a:buClr>
+                          <a:srgbClr val="000000"/>
+                        </a:buClr>
+                        <a:buFont typeface="Arial"/>
+                        <a:defRPr sz="1400" b="0" i="0" u="none" strike="noStrike" cap="none">
+                          <a:solidFill>
+                            <a:schemeClr val="dk1"/>
+                          </a:solidFill>
+                          <a:latin typeface="Grandview Display"/>
+                          <a:sym typeface="Arial"/>
+                        </a:defRPr>
+                      </a:lvl6pPr>
+                      <a:lvl7pPr marR="0" algn="l" rtl="0">
+                        <a:lnSpc>
+                          <a:spcPct val="100000"/>
+                        </a:lnSpc>
+                        <a:spcBef>
+                          <a:spcPts val="0"/>
+                        </a:spcBef>
+                        <a:spcAft>
+                          <a:spcPts val="0"/>
+                        </a:spcAft>
+                        <a:buClr>
+                          <a:srgbClr val="000000"/>
+                        </a:buClr>
+                        <a:buFont typeface="Arial"/>
+                        <a:defRPr sz="1400" b="0" i="0" u="none" strike="noStrike" cap="none">
+                          <a:solidFill>
+                            <a:schemeClr val="dk1"/>
+                          </a:solidFill>
+                          <a:latin typeface="Grandview Display"/>
+                          <a:sym typeface="Arial"/>
+                        </a:defRPr>
+                      </a:lvl7pPr>
+                      <a:lvl8pPr marR="0" algn="l" rtl="0">
+                        <a:lnSpc>
+                          <a:spcPct val="100000"/>
+                        </a:lnSpc>
+                        <a:spcBef>
+                          <a:spcPts val="0"/>
+                        </a:spcBef>
+                        <a:spcAft>
+                          <a:spcPts val="0"/>
+                        </a:spcAft>
+                        <a:buClr>
+                          <a:srgbClr val="000000"/>
+                        </a:buClr>
+                        <a:buFont typeface="Arial"/>
+                        <a:defRPr sz="1400" b="0" i="0" u="none" strike="noStrike" cap="none">
+                          <a:solidFill>
+                            <a:schemeClr val="dk1"/>
+                          </a:solidFill>
+                          <a:latin typeface="Grandview Display"/>
+                          <a:sym typeface="Arial"/>
+                        </a:defRPr>
+                      </a:lvl8pPr>
+                      <a:lvl9pPr marR="0" algn="l" rtl="0">
+                        <a:lnSpc>
+                          <a:spcPct val="100000"/>
+                        </a:lnSpc>
+                        <a:spcBef>
+                          <a:spcPts val="0"/>
+                        </a:spcBef>
+                        <a:spcAft>
+                          <a:spcPts val="0"/>
+                        </a:spcAft>
+                        <a:buClr>
+                          <a:srgbClr val="000000"/>
+                        </a:buClr>
+                        <a:buFont typeface="Arial"/>
+                        <a:defRPr sz="1400" b="0" i="0" u="none" strike="noStrike" cap="none">
+                          <a:solidFill>
+                            <a:schemeClr val="dk1"/>
+                          </a:solidFill>
+                          <a:latin typeface="Grandview Display"/>
+                          <a:sym typeface="Arial"/>
+                        </a:defRPr>
+                      </a:lvl9pPr>
+                    </a:lstStyle>
+                    <a:p>
+                      <a:pPr marL="0" marR="0" lvl="0" indent="0" algn="l" defTabSz="914400" rtl="0" eaLnBrk="1" fontAlgn="auto" latinLnBrk="0" hangingPunct="1">
+                        <a:lnSpc>
+                          <a:spcPct val="100000"/>
+                        </a:lnSpc>
+                        <a:spcBef>
+                          <a:spcPts val="0"/>
+                        </a:spcBef>
+                        <a:spcAft>
+                          <a:spcPts val="0"/>
+                        </a:spcAft>
+                        <a:buClr>
+                          <a:srgbClr val="000000"/>
+                        </a:buClr>
+                        <a:buSzTx/>
+                        <a:buFont typeface="Arial"/>
+                        <a:buNone/>
+                        <a:tabLst/>
+                        <a:defRPr/>
+                      </a:pPr>
+                      <a:r>
+                        <a:rPr lang="en-US" sz="1300" dirty="0">
+                          <a:latin typeface="Times New Roman" panose="02020603050405020304" pitchFamily="18" charset="0"/>
+                          <a:cs typeface="Times New Roman" panose="02020603050405020304" pitchFamily="18" charset="0"/>
+                        </a:rPr>
+                        <a:t>Sequentially trains trees where each tree learns to fix the mistakes of the previous.</a:t>
+                      </a:r>
+                      <a:r>
+                        <a:rPr lang="en-US" sz="1200" b="0" i="0" u="none" strike="noStrike" cap="none" dirty="0">
+                          <a:solidFill>
+                            <a:schemeClr val="dk1"/>
+                          </a:solidFill>
+                          <a:latin typeface="Grandview Display"/>
+                          <a:ea typeface="+mn-ea"/>
+                          <a:cs typeface="Times New Roman" panose="02020603050405020304" pitchFamily="18" charset="0"/>
+                          <a:sym typeface="Arial"/>
+                        </a:rPr>
+                        <a:t> </a:t>
+                      </a:r>
+                    </a:p>
+                    <a:p>
+                      <a:pPr marL="0" marR="0" lvl="0" indent="0" algn="l" defTabSz="914400" rtl="0" eaLnBrk="1" fontAlgn="auto" latinLnBrk="0" hangingPunct="1">
+                        <a:lnSpc>
+                          <a:spcPct val="100000"/>
+                        </a:lnSpc>
+                        <a:spcBef>
+                          <a:spcPts val="0"/>
+                        </a:spcBef>
+                        <a:spcAft>
+                          <a:spcPts val="0"/>
+                        </a:spcAft>
+                        <a:buClr>
+                          <a:srgbClr val="000000"/>
+                        </a:buClr>
+                        <a:buSzTx/>
+                        <a:buFont typeface="Arial"/>
+                        <a:buNone/>
+                        <a:tabLst/>
+                        <a:defRPr/>
+                      </a:pPr>
+                      <a:r>
+                        <a:rPr lang="en-US" sz="1300" b="1" i="0" u="none" strike="noStrike" cap="none" dirty="0">
+                          <a:solidFill>
+                            <a:schemeClr val="dk1"/>
+                          </a:solidFill>
+                          <a:latin typeface="Times New Roman" panose="02020603050405020304" pitchFamily="18" charset="0"/>
+                          <a:ea typeface="+mn-ea"/>
+                          <a:cs typeface="Times New Roman" panose="02020603050405020304" pitchFamily="18" charset="0"/>
+                          <a:sym typeface="Arial"/>
+                        </a:rPr>
+                        <a:t>Hyperparameters – Shrinkage Values, Number of trees.</a:t>
+                      </a:r>
+                    </a:p>
+                  </a:txBody>
+                  <a:tcPr marL="70113" marR="70113" marT="35056" marB="35056"/>
+                </a:tc>
+                <a:tc>
+                  <a:txBody>
+                    <a:bodyPr/>
+                    <a:lstStyle>
+                      <a:lvl1pPr marR="0" algn="l" rtl="0">
+                        <a:lnSpc>
+                          <a:spcPct val="100000"/>
+                        </a:lnSpc>
+                        <a:spcBef>
+                          <a:spcPts val="0"/>
+                        </a:spcBef>
+                        <a:spcAft>
+                          <a:spcPts val="0"/>
+                        </a:spcAft>
+                        <a:buClr>
+                          <a:srgbClr val="000000"/>
+                        </a:buClr>
+                        <a:buFont typeface="Arial"/>
+                        <a:defRPr sz="1400" b="0" i="0" u="none" strike="noStrike" cap="none">
+                          <a:solidFill>
+                            <a:schemeClr val="dk1"/>
+                          </a:solidFill>
+                          <a:latin typeface="Grandview Display"/>
+                          <a:sym typeface="Arial"/>
+                        </a:defRPr>
+                      </a:lvl1pPr>
+                      <a:lvl2pPr marR="0" algn="l" rtl="0">
+                        <a:lnSpc>
+                          <a:spcPct val="100000"/>
+                        </a:lnSpc>
+                        <a:spcBef>
+                          <a:spcPts val="0"/>
+                        </a:spcBef>
+                        <a:spcAft>
+                          <a:spcPts val="0"/>
+                        </a:spcAft>
+                        <a:buClr>
+                          <a:srgbClr val="000000"/>
+                        </a:buClr>
+                        <a:buFont typeface="Arial"/>
+                        <a:defRPr sz="1400" b="0" i="0" u="none" strike="noStrike" cap="none">
+                          <a:solidFill>
+                            <a:schemeClr val="dk1"/>
+                          </a:solidFill>
+                          <a:latin typeface="Grandview Display"/>
+                          <a:sym typeface="Arial"/>
+                        </a:defRPr>
+                      </a:lvl2pPr>
+                      <a:lvl3pPr marR="0" algn="l" rtl="0">
+                        <a:lnSpc>
+                          <a:spcPct val="100000"/>
+                        </a:lnSpc>
+                        <a:spcBef>
+                          <a:spcPts val="0"/>
+                        </a:spcBef>
+                        <a:spcAft>
+                          <a:spcPts val="0"/>
+                        </a:spcAft>
+                        <a:buClr>
+                          <a:srgbClr val="000000"/>
+                        </a:buClr>
+                        <a:buFont typeface="Arial"/>
+                        <a:defRPr sz="1400" b="0" i="0" u="none" strike="noStrike" cap="none">
+                          <a:solidFill>
+                            <a:schemeClr val="dk1"/>
+                          </a:solidFill>
+                          <a:latin typeface="Grandview Display"/>
+                          <a:sym typeface="Arial"/>
+                        </a:defRPr>
+                      </a:lvl3pPr>
+                      <a:lvl4pPr marR="0" algn="l" rtl="0">
+                        <a:lnSpc>
+                          <a:spcPct val="100000"/>
+                        </a:lnSpc>
+                        <a:spcBef>
+                          <a:spcPts val="0"/>
+                        </a:spcBef>
+                        <a:spcAft>
+                          <a:spcPts val="0"/>
+                        </a:spcAft>
+                        <a:buClr>
+                          <a:srgbClr val="000000"/>
+                        </a:buClr>
+                        <a:buFont typeface="Arial"/>
+                        <a:defRPr sz="1400" b="0" i="0" u="none" strike="noStrike" cap="none">
+                          <a:solidFill>
+                            <a:schemeClr val="dk1"/>
+                          </a:solidFill>
+                          <a:latin typeface="Grandview Display"/>
+                          <a:sym typeface="Arial"/>
+                        </a:defRPr>
+                      </a:lvl4pPr>
+                      <a:lvl5pPr marR="0" algn="l" rtl="0">
+                        <a:lnSpc>
+                          <a:spcPct val="100000"/>
+                        </a:lnSpc>
+                        <a:spcBef>
+                          <a:spcPts val="0"/>
+                        </a:spcBef>
+                        <a:spcAft>
+                          <a:spcPts val="0"/>
+                        </a:spcAft>
+                        <a:buClr>
+                          <a:srgbClr val="000000"/>
+                        </a:buClr>
+                        <a:buFont typeface="Arial"/>
+                        <a:defRPr sz="1400" b="0" i="0" u="none" strike="noStrike" cap="none">
+                          <a:solidFill>
+                            <a:schemeClr val="dk1"/>
+                          </a:solidFill>
+                          <a:latin typeface="Grandview Display"/>
+                          <a:sym typeface="Arial"/>
+                        </a:defRPr>
+                      </a:lvl5pPr>
+                      <a:lvl6pPr marR="0" algn="l" rtl="0">
+                        <a:lnSpc>
+                          <a:spcPct val="100000"/>
+                        </a:lnSpc>
+                        <a:spcBef>
+                          <a:spcPts val="0"/>
+                        </a:spcBef>
+                        <a:spcAft>
+                          <a:spcPts val="0"/>
+                        </a:spcAft>
+                        <a:buClr>
+                          <a:srgbClr val="000000"/>
+                        </a:buClr>
+                        <a:buFont typeface="Arial"/>
+                        <a:defRPr sz="1400" b="0" i="0" u="none" strike="noStrike" cap="none">
+                          <a:solidFill>
+                            <a:schemeClr val="dk1"/>
+                          </a:solidFill>
+                          <a:latin typeface="Grandview Display"/>
+                          <a:sym typeface="Arial"/>
+                        </a:defRPr>
+                      </a:lvl6pPr>
+                      <a:lvl7pPr marR="0" algn="l" rtl="0">
+                        <a:lnSpc>
+                          <a:spcPct val="100000"/>
+                        </a:lnSpc>
+                        <a:spcBef>
+                          <a:spcPts val="0"/>
+                        </a:spcBef>
+                        <a:spcAft>
+                          <a:spcPts val="0"/>
+                        </a:spcAft>
+                        <a:buClr>
+                          <a:srgbClr val="000000"/>
+                        </a:buClr>
+                        <a:buFont typeface="Arial"/>
+                        <a:defRPr sz="1400" b="0" i="0" u="none" strike="noStrike" cap="none">
+                          <a:solidFill>
+                            <a:schemeClr val="dk1"/>
+                          </a:solidFill>
+                          <a:latin typeface="Grandview Display"/>
+                          <a:sym typeface="Arial"/>
+                        </a:defRPr>
+                      </a:lvl7pPr>
+                      <a:lvl8pPr marR="0" algn="l" rtl="0">
+                        <a:lnSpc>
+                          <a:spcPct val="100000"/>
+                        </a:lnSpc>
+                        <a:spcBef>
+                          <a:spcPts val="0"/>
+                        </a:spcBef>
+                        <a:spcAft>
+                          <a:spcPts val="0"/>
+                        </a:spcAft>
+                        <a:buClr>
+                          <a:srgbClr val="000000"/>
+                        </a:buClr>
+                        <a:buFont typeface="Arial"/>
+                        <a:defRPr sz="1400" b="0" i="0" u="none" strike="noStrike" cap="none">
+                          <a:solidFill>
+                            <a:schemeClr val="dk1"/>
+                          </a:solidFill>
+                          <a:latin typeface="Grandview Display"/>
+                          <a:sym typeface="Arial"/>
+                        </a:defRPr>
+                      </a:lvl8pPr>
+                      <a:lvl9pPr marR="0" algn="l" rtl="0">
+                        <a:lnSpc>
+                          <a:spcPct val="100000"/>
+                        </a:lnSpc>
+                        <a:spcBef>
+                          <a:spcPts val="0"/>
+                        </a:spcBef>
+                        <a:spcAft>
+                          <a:spcPts val="0"/>
+                        </a:spcAft>
+                        <a:buClr>
+                          <a:srgbClr val="000000"/>
+                        </a:buClr>
+                        <a:buFont typeface="Arial"/>
+                        <a:defRPr sz="1400" b="0" i="0" u="none" strike="noStrike" cap="none">
+                          <a:solidFill>
+                            <a:schemeClr val="dk1"/>
+                          </a:solidFill>
+                          <a:latin typeface="Grandview Display"/>
+                          <a:sym typeface="Arial"/>
+                        </a:defRPr>
+                      </a:lvl9pPr>
+                    </a:lstStyle>
+                    <a:p>
+                      <a:r>
+                        <a:rPr lang="en-US" sz="1300" dirty="0">
+                          <a:latin typeface="Times New Roman" panose="02020603050405020304" pitchFamily="18" charset="0"/>
+                          <a:cs typeface="Times New Roman" panose="02020603050405020304" pitchFamily="18" charset="0"/>
+                        </a:rPr>
+                        <a:t>Reduces bias through sequential learning.</a:t>
+                      </a:r>
+                    </a:p>
+                  </a:txBody>
+                  <a:tcPr marL="70113" marR="70113" marT="35056" marB="35056"/>
+                </a:tc>
+                <a:tc>
+                  <a:txBody>
+                    <a:bodyPr/>
+                    <a:lstStyle>
+                      <a:lvl1pPr marR="0" algn="l" rtl="0">
+                        <a:lnSpc>
+                          <a:spcPct val="100000"/>
+                        </a:lnSpc>
+                        <a:spcBef>
+                          <a:spcPts val="0"/>
+                        </a:spcBef>
+                        <a:spcAft>
+                          <a:spcPts val="0"/>
+                        </a:spcAft>
+                        <a:buClr>
+                          <a:srgbClr val="000000"/>
+                        </a:buClr>
+                        <a:buFont typeface="Arial"/>
+                        <a:defRPr sz="1400" b="0" i="0" u="none" strike="noStrike" cap="none">
+                          <a:solidFill>
+                            <a:schemeClr val="dk1"/>
+                          </a:solidFill>
+                          <a:latin typeface="Grandview Display"/>
+                          <a:sym typeface="Arial"/>
+                        </a:defRPr>
+                      </a:lvl1pPr>
+                      <a:lvl2pPr marR="0" algn="l" rtl="0">
+                        <a:lnSpc>
+                          <a:spcPct val="100000"/>
+                        </a:lnSpc>
+                        <a:spcBef>
+                          <a:spcPts val="0"/>
+                        </a:spcBef>
+                        <a:spcAft>
+                          <a:spcPts val="0"/>
+                        </a:spcAft>
+                        <a:buClr>
+                          <a:srgbClr val="000000"/>
+                        </a:buClr>
+                        <a:buFont typeface="Arial"/>
+                        <a:defRPr sz="1400" b="0" i="0" u="none" strike="noStrike" cap="none">
+                          <a:solidFill>
+                            <a:schemeClr val="dk1"/>
+                          </a:solidFill>
+                          <a:latin typeface="Grandview Display"/>
+                          <a:sym typeface="Arial"/>
+                        </a:defRPr>
+                      </a:lvl2pPr>
+                      <a:lvl3pPr marR="0" algn="l" rtl="0">
+                        <a:lnSpc>
+                          <a:spcPct val="100000"/>
+                        </a:lnSpc>
+                        <a:spcBef>
+                          <a:spcPts val="0"/>
+                        </a:spcBef>
+                        <a:spcAft>
+                          <a:spcPts val="0"/>
+                        </a:spcAft>
+                        <a:buClr>
+                          <a:srgbClr val="000000"/>
+                        </a:buClr>
+                        <a:buFont typeface="Arial"/>
+                        <a:defRPr sz="1400" b="0" i="0" u="none" strike="noStrike" cap="none">
+                          <a:solidFill>
+                            <a:schemeClr val="dk1"/>
+                          </a:solidFill>
+                          <a:latin typeface="Grandview Display"/>
+                          <a:sym typeface="Arial"/>
+                        </a:defRPr>
+                      </a:lvl3pPr>
+                      <a:lvl4pPr marR="0" algn="l" rtl="0">
+                        <a:lnSpc>
+                          <a:spcPct val="100000"/>
+                        </a:lnSpc>
+                        <a:spcBef>
+                          <a:spcPts val="0"/>
+                        </a:spcBef>
+                        <a:spcAft>
+                          <a:spcPts val="0"/>
+                        </a:spcAft>
+                        <a:buClr>
+                          <a:srgbClr val="000000"/>
+                        </a:buClr>
+                        <a:buFont typeface="Arial"/>
+                        <a:defRPr sz="1400" b="0" i="0" u="none" strike="noStrike" cap="none">
+                          <a:solidFill>
+                            <a:schemeClr val="dk1"/>
+                          </a:solidFill>
+                          <a:latin typeface="Grandview Display"/>
+                          <a:sym typeface="Arial"/>
+                        </a:defRPr>
+                      </a:lvl4pPr>
+                      <a:lvl5pPr marR="0" algn="l" rtl="0">
+                        <a:lnSpc>
+                          <a:spcPct val="100000"/>
+                        </a:lnSpc>
+                        <a:spcBef>
+                          <a:spcPts val="0"/>
+                        </a:spcBef>
+                        <a:spcAft>
+                          <a:spcPts val="0"/>
+                        </a:spcAft>
+                        <a:buClr>
+                          <a:srgbClr val="000000"/>
+                        </a:buClr>
+                        <a:buFont typeface="Arial"/>
+                        <a:defRPr sz="1400" b="0" i="0" u="none" strike="noStrike" cap="none">
+                          <a:solidFill>
+                            <a:schemeClr val="dk1"/>
+                          </a:solidFill>
+                          <a:latin typeface="Grandview Display"/>
+                          <a:sym typeface="Arial"/>
+                        </a:defRPr>
+                      </a:lvl5pPr>
+                      <a:lvl6pPr marR="0" algn="l" rtl="0">
+                        <a:lnSpc>
+                          <a:spcPct val="100000"/>
+                        </a:lnSpc>
+                        <a:spcBef>
+                          <a:spcPts val="0"/>
+                        </a:spcBef>
+                        <a:spcAft>
+                          <a:spcPts val="0"/>
+                        </a:spcAft>
+                        <a:buClr>
+                          <a:srgbClr val="000000"/>
+                        </a:buClr>
+                        <a:buFont typeface="Arial"/>
+                        <a:defRPr sz="1400" b="0" i="0" u="none" strike="noStrike" cap="none">
+                          <a:solidFill>
+                            <a:schemeClr val="dk1"/>
+                          </a:solidFill>
+                          <a:latin typeface="Grandview Display"/>
+                          <a:sym typeface="Arial"/>
+                        </a:defRPr>
+                      </a:lvl6pPr>
+                      <a:lvl7pPr marR="0" algn="l" rtl="0">
+                        <a:lnSpc>
+                          <a:spcPct val="100000"/>
+                        </a:lnSpc>
+                        <a:spcBef>
+                          <a:spcPts val="0"/>
+                        </a:spcBef>
+                        <a:spcAft>
+                          <a:spcPts val="0"/>
+                        </a:spcAft>
+                        <a:buClr>
+                          <a:srgbClr val="000000"/>
+                        </a:buClr>
+                        <a:buFont typeface="Arial"/>
+                        <a:defRPr sz="1400" b="0" i="0" u="none" strike="noStrike" cap="none">
+                          <a:solidFill>
+                            <a:schemeClr val="dk1"/>
+                          </a:solidFill>
+                          <a:latin typeface="Grandview Display"/>
+                          <a:sym typeface="Arial"/>
+                        </a:defRPr>
+                      </a:lvl7pPr>
+                      <a:lvl8pPr marR="0" algn="l" rtl="0">
+                        <a:lnSpc>
+                          <a:spcPct val="100000"/>
+                        </a:lnSpc>
+                        <a:spcBef>
+                          <a:spcPts val="0"/>
+                        </a:spcBef>
+                        <a:spcAft>
+                          <a:spcPts val="0"/>
+                        </a:spcAft>
+                        <a:buClr>
+                          <a:srgbClr val="000000"/>
+                        </a:buClr>
+                        <a:buFont typeface="Arial"/>
+                        <a:defRPr sz="1400" b="0" i="0" u="none" strike="noStrike" cap="none">
+                          <a:solidFill>
+                            <a:schemeClr val="dk1"/>
+                          </a:solidFill>
+                          <a:latin typeface="Grandview Display"/>
+                          <a:sym typeface="Arial"/>
+                        </a:defRPr>
+                      </a:lvl8pPr>
+                      <a:lvl9pPr marR="0" algn="l" rtl="0">
+                        <a:lnSpc>
+                          <a:spcPct val="100000"/>
+                        </a:lnSpc>
+                        <a:spcBef>
+                          <a:spcPts val="0"/>
+                        </a:spcBef>
+                        <a:spcAft>
+                          <a:spcPts val="0"/>
+                        </a:spcAft>
+                        <a:buClr>
+                          <a:srgbClr val="000000"/>
+                        </a:buClr>
+                        <a:buFont typeface="Arial"/>
+                        <a:defRPr sz="1400" b="0" i="0" u="none" strike="noStrike" cap="none">
+                          <a:solidFill>
+                            <a:schemeClr val="dk1"/>
+                          </a:solidFill>
+                          <a:latin typeface="Grandview Display"/>
+                          <a:sym typeface="Arial"/>
+                        </a:defRPr>
+                      </a:lvl9pPr>
+                    </a:lstStyle>
+                    <a:p>
+                      <a:r>
+                        <a:rPr lang="en-US" sz="1300" dirty="0">
+                          <a:latin typeface="Times New Roman" panose="02020603050405020304" pitchFamily="18" charset="0"/>
+                          <a:cs typeface="Times New Roman" panose="02020603050405020304" pitchFamily="18" charset="0"/>
+                        </a:rPr>
+                        <a:t>Sensitive to noise and overfitting if learning rate is too high</a:t>
+                      </a:r>
+                    </a:p>
+                  </a:txBody>
+                  <a:tcPr marL="70113" marR="70113" marT="35056" marB="35056"/>
+                </a:tc>
+                <a:extLst>
+                  <a:ext uri="{0D108BD9-81ED-4DB2-BD59-A6C34878D82A}">
+                    <a16:rowId xmlns:a16="http://schemas.microsoft.com/office/drawing/2014/main" val="2546598553"/>
+                  </a:ext>
+                </a:extLst>
+              </a:tr>
+            </a:tbl>
+          </a:graphicData>
+        </a:graphic>
+      </p:graphicFrame>
+    </p:spTree>
+    <p:extLst>
+      <p:ext uri="{BB962C8B-B14F-4D97-AF65-F5344CB8AC3E}">
+        <p14:creationId xmlns:p14="http://schemas.microsoft.com/office/powerpoint/2010/main" val="2760791839"/>
+      </p:ext>
+    </p:extLst>
+  </p:cSld>
+  <p:clrMapOvr>
+    <a:masterClrMapping/>
+  </p:clrMapOvr>
+</p:sld>
+</file>
+
+<file path=ppt/slides/slide4.xml><?xml version="1.0" encoding="utf-8"?>
+<p:sld xmlns:a="http://schemas.openxmlformats.org/drawingml/2006/main" xmlns:r="http://schemas.openxmlformats.org/officeDocument/2006/relationships" xmlns:p="http://schemas.openxmlformats.org/presentationml/2006/main">
+  <p:cSld>
+    <p:spTree>
+      <p:nvGrpSpPr>
+        <p:cNvPr id="1" name="Shape 213">
+          <a:extLst>
+            <a:ext uri="{FF2B5EF4-FFF2-40B4-BE49-F238E27FC236}">
+              <a16:creationId xmlns:a16="http://schemas.microsoft.com/office/drawing/2014/main" id="{EAAFB695-B4E2-A57A-F0E9-340EB6383E55}"/>
+            </a:ext>
+          </a:extLst>
+        </p:cNvPr>
+        <p:cNvGrpSpPr/>
+        <p:nvPr/>
+      </p:nvGrpSpPr>
+      <p:grpSpPr>
+        <a:xfrm>
+          <a:off x="0" y="0"/>
+          <a:ext cx="0" cy="0"/>
+          <a:chOff x="0" y="0"/>
+          <a:chExt cx="0" cy="0"/>
+        </a:xfrm>
+      </p:grpSpPr>
+      <p:sp>
+        <p:nvSpPr>
+          <p:cNvPr id="214" name="Google Shape;214;p29">
+            <a:extLst>
+              <a:ext uri="{FF2B5EF4-FFF2-40B4-BE49-F238E27FC236}">
+                <a16:creationId xmlns:a16="http://schemas.microsoft.com/office/drawing/2014/main" id="{FC2D735B-DF73-10FD-DAF9-C2BA427E673B}"/>
+              </a:ext>
+            </a:extLst>
+          </p:cNvPr>
+          <p:cNvSpPr txBox="1">
+            <a:spLocks noGrp="1"/>
+          </p:cNvSpPr>
+          <p:nvPr>
+            <p:ph type="title"/>
+          </p:nvPr>
+        </p:nvSpPr>
+        <p:spPr>
+          <a:xfrm>
+            <a:off x="720000" y="445025"/>
+            <a:ext cx="7086906" cy="572700"/>
+          </a:xfrm>
+          <a:prstGeom prst="rect">
+            <a:avLst/>
+          </a:prstGeom>
+        </p:spPr>
+        <p:txBody>
+          <a:bodyPr spcFirstLastPara="1" wrap="square" lIns="91425" tIns="91425" rIns="91425" bIns="91425" anchor="t" anchorCtr="0">
+            <a:noAutofit/>
+          </a:bodyPr>
+          <a:lstStyle/>
+          <a:p>
+            <a:pPr marL="0" lvl="0" indent="0" algn="l" rtl="0">
+              <a:spcBef>
+                <a:spcPts val="0"/>
+              </a:spcBef>
+              <a:spcAft>
+                <a:spcPts val="0"/>
+              </a:spcAft>
+              <a:buNone/>
+            </a:pPr>
+            <a:r>
+              <a:rPr lang="en-US" dirty="0"/>
+              <a:t>Methodology</a:t>
+            </a:r>
+            <a:endParaRPr dirty="0"/>
+          </a:p>
+        </p:txBody>
+      </p:sp>
+      <p:sp>
+        <p:nvSpPr>
+          <p:cNvPr id="2" name="TextBox 1">
+            <a:extLst>
+              <a:ext uri="{FF2B5EF4-FFF2-40B4-BE49-F238E27FC236}">
+                <a16:creationId xmlns:a16="http://schemas.microsoft.com/office/drawing/2014/main" id="{D960EDDD-EBCB-E56F-EEDD-EA377CD9F0C8}"/>
+              </a:ext>
+            </a:extLst>
+          </p:cNvPr>
+          <p:cNvSpPr txBox="1"/>
+          <p:nvPr/>
+        </p:nvSpPr>
+        <p:spPr>
+          <a:xfrm>
+            <a:off x="595731" y="1017725"/>
+            <a:ext cx="7559040" cy="3924151"/>
+          </a:xfrm>
+          <a:prstGeom prst="rect">
+            <a:avLst/>
+          </a:prstGeom>
+          <a:noFill/>
+        </p:spPr>
+        <p:txBody>
+          <a:bodyPr wrap="square" rtlCol="0">
+            <a:spAutoFit/>
+          </a:bodyPr>
+          <a:lstStyle/>
+          <a:p>
+            <a:r>
+              <a:rPr lang="en-US" b="1" dirty="0">
+                <a:latin typeface="Times New Roman" panose="02020603050405020304" pitchFamily="18" charset="0"/>
+                <a:cs typeface="Times New Roman" panose="02020603050405020304" pitchFamily="18" charset="0"/>
+              </a:rPr>
+              <a:t>Data Cleaning</a:t>
+            </a:r>
+          </a:p>
+          <a:p>
+            <a:r>
+              <a:rPr lang="en-US" sz="1200" dirty="0">
+                <a:latin typeface="Times New Roman" panose="02020603050405020304" pitchFamily="18" charset="0"/>
+                <a:cs typeface="Times New Roman" panose="02020603050405020304" pitchFamily="18" charset="0"/>
+              </a:rPr>
+              <a:t>- </a:t>
+            </a:r>
+            <a:r>
+              <a:rPr lang="en-US" sz="1300" dirty="0">
+                <a:latin typeface="Times New Roman" panose="02020603050405020304" pitchFamily="18" charset="0"/>
+                <a:cs typeface="Times New Roman" panose="02020603050405020304" pitchFamily="18" charset="0"/>
+              </a:rPr>
+              <a:t>Removed the data with missing values or the column where the response is not known.</a:t>
+            </a:r>
+          </a:p>
+          <a:p>
+            <a:pPr marL="171450" indent="-171450">
+              <a:buFontTx/>
+              <a:buChar char="-"/>
+            </a:pPr>
+            <a:r>
+              <a:rPr lang="en-US" sz="1300" dirty="0">
+                <a:latin typeface="Times New Roman" panose="02020603050405020304" pitchFamily="18" charset="0"/>
+                <a:cs typeface="Times New Roman" panose="02020603050405020304" pitchFamily="18" charset="0"/>
+              </a:rPr>
+              <a:t>Renamed the columns</a:t>
+            </a:r>
+          </a:p>
+          <a:p>
+            <a:pPr marL="171450" indent="-171450">
+              <a:buFontTx/>
+              <a:buChar char="-"/>
+            </a:pPr>
+            <a:r>
+              <a:rPr lang="en-US" sz="1300" dirty="0">
+                <a:latin typeface="Times New Roman" panose="02020603050405020304" pitchFamily="18" charset="0"/>
+                <a:cs typeface="Times New Roman" panose="02020603050405020304" pitchFamily="18" charset="0"/>
+              </a:rPr>
+              <a:t>One hot encoding for categorical variables</a:t>
+            </a:r>
+          </a:p>
+          <a:p>
+            <a:pPr marL="171450" indent="-171450">
+              <a:buFontTx/>
+              <a:buChar char="-"/>
+            </a:pPr>
+            <a:r>
+              <a:rPr lang="en-US" sz="1300" dirty="0">
+                <a:latin typeface="Times New Roman" panose="02020603050405020304" pitchFamily="18" charset="0"/>
+                <a:cs typeface="Times New Roman" panose="02020603050405020304" pitchFamily="18" charset="0"/>
+              </a:rPr>
+              <a:t>Mapped ordinal labels to suitable class names</a:t>
+            </a:r>
+          </a:p>
+          <a:p>
+            <a:endParaRPr lang="en-US" sz="1200" dirty="0">
+              <a:latin typeface="Times New Roman" panose="02020603050405020304" pitchFamily="18" charset="0"/>
+              <a:cs typeface="Times New Roman" panose="02020603050405020304" pitchFamily="18" charset="0"/>
+            </a:endParaRPr>
+          </a:p>
+          <a:p>
+            <a:r>
+              <a:rPr lang="en-US" b="1" dirty="0">
+                <a:latin typeface="Times New Roman" panose="02020603050405020304" pitchFamily="18" charset="0"/>
+                <a:cs typeface="Times New Roman" panose="02020603050405020304" pitchFamily="18" charset="0"/>
+              </a:rPr>
+              <a:t>Variable Selection</a:t>
+            </a:r>
+          </a:p>
+          <a:p>
+            <a:pPr marL="171450" indent="-171450">
+              <a:buFontTx/>
+              <a:buChar char="-"/>
+            </a:pPr>
+            <a:r>
+              <a:rPr lang="en-US" sz="1300" dirty="0">
+                <a:latin typeface="Times New Roman" panose="02020603050405020304" pitchFamily="18" charset="0"/>
+                <a:cs typeface="Times New Roman" panose="02020603050405020304" pitchFamily="18" charset="0"/>
+              </a:rPr>
+              <a:t>Features were chosen from peer influence, parental involvement, behavioral risks, school engagement, and religious orientation based on relevant features and correlation strength with the target variable.</a:t>
+            </a:r>
+          </a:p>
+          <a:p>
+            <a:endParaRPr lang="en-US" sz="1200" dirty="0">
+              <a:latin typeface="Times New Roman" panose="02020603050405020304" pitchFamily="18" charset="0"/>
+              <a:cs typeface="Times New Roman" panose="02020603050405020304" pitchFamily="18" charset="0"/>
+            </a:endParaRPr>
+          </a:p>
+          <a:p>
+            <a:pPr marL="171450" indent="-171450">
+              <a:buFontTx/>
+              <a:buChar char="-"/>
+            </a:pPr>
+            <a:r>
+              <a:rPr lang="en-US" sz="1300" dirty="0">
+                <a:latin typeface="Times New Roman" panose="02020603050405020304" pitchFamily="18" charset="0"/>
+                <a:cs typeface="Times New Roman" panose="02020603050405020304" pitchFamily="18" charset="0"/>
+              </a:rPr>
+              <a:t>The dataset is split in which 20% is for testing and 80% for training.</a:t>
+            </a:r>
+          </a:p>
+          <a:p>
+            <a:pPr marL="171450" indent="-171450">
+              <a:buFontTx/>
+              <a:buChar char="-"/>
+            </a:pPr>
+            <a:endParaRPr lang="en-US" sz="1300" b="1" dirty="0">
+              <a:latin typeface="Times New Roman" panose="02020603050405020304" pitchFamily="18" charset="0"/>
+              <a:cs typeface="Times New Roman" panose="02020603050405020304" pitchFamily="18" charset="0"/>
+            </a:endParaRPr>
+          </a:p>
+          <a:p>
+            <a:r>
+              <a:rPr lang="en-US" b="1" dirty="0">
+                <a:latin typeface="Times New Roman" panose="02020603050405020304" pitchFamily="18" charset="0"/>
+                <a:cs typeface="Times New Roman" panose="02020603050405020304" pitchFamily="18" charset="0"/>
+              </a:rPr>
+              <a:t>Classification:</a:t>
+            </a:r>
+          </a:p>
+          <a:p>
+            <a:r>
+              <a:rPr lang="en-US" sz="1300" b="1" dirty="0">
+                <a:latin typeface="Times New Roman" panose="02020603050405020304" pitchFamily="18" charset="0"/>
+                <a:cs typeface="Times New Roman" panose="02020603050405020304" pitchFamily="18" charset="0"/>
+              </a:rPr>
+              <a:t>- </a:t>
+            </a:r>
+            <a:r>
+              <a:rPr lang="en-US" sz="1300" dirty="0">
+                <a:latin typeface="Times New Roman" panose="02020603050405020304" pitchFamily="18" charset="0"/>
+                <a:cs typeface="Times New Roman" panose="02020603050405020304" pitchFamily="18" charset="0"/>
+              </a:rPr>
+              <a:t>The performance is evaluated using accuracy score. </a:t>
+            </a:r>
+          </a:p>
+          <a:p>
+            <a:r>
+              <a:rPr lang="en-US" sz="1300" dirty="0">
+                <a:latin typeface="Times New Roman" panose="02020603050405020304" pitchFamily="18" charset="0"/>
+                <a:cs typeface="Times New Roman" panose="02020603050405020304" pitchFamily="18" charset="0"/>
+              </a:rPr>
+              <a:t>- Performed cross validation and best model is chosen with highest accuracy. </a:t>
+            </a:r>
+          </a:p>
+          <a:p>
+            <a:pPr marL="171450" indent="-171450">
+              <a:buFontTx/>
+              <a:buChar char="-"/>
+            </a:pPr>
+            <a:endParaRPr lang="en-US" sz="1200" dirty="0">
+              <a:latin typeface="Times New Roman" panose="02020603050405020304" pitchFamily="18" charset="0"/>
+              <a:cs typeface="Times New Roman" panose="02020603050405020304" pitchFamily="18" charset="0"/>
+            </a:endParaRPr>
+          </a:p>
+          <a:p>
+            <a:r>
+              <a:rPr lang="en-US" b="1" dirty="0">
+                <a:latin typeface="Times New Roman" panose="02020603050405020304" pitchFamily="18" charset="0"/>
+                <a:cs typeface="Times New Roman" panose="02020603050405020304" pitchFamily="18" charset="0"/>
+              </a:rPr>
+              <a:t>Regression:</a:t>
+            </a:r>
+          </a:p>
+          <a:p>
+            <a:r>
+              <a:rPr lang="en-US" sz="1300" dirty="0">
+                <a:latin typeface="Times New Roman" panose="02020603050405020304" pitchFamily="18" charset="0"/>
+                <a:cs typeface="Times New Roman" panose="02020603050405020304" pitchFamily="18" charset="0"/>
+              </a:rPr>
+              <a:t>- Evaluated using cross validation and the best model is selected on the basis of mean squared error (MSE).</a:t>
+            </a:r>
+            <a:endParaRPr lang="en-US" b="1" dirty="0">
+              <a:latin typeface="Times New Roman" panose="02020603050405020304" pitchFamily="18" charset="0"/>
+              <a:cs typeface="Times New Roman" panose="02020603050405020304" pitchFamily="18" charset="0"/>
+            </a:endParaRPr>
+          </a:p>
+          <a:p>
+            <a:endParaRPr lang="en-US" b="1" dirty="0">
+              <a:latin typeface="Times New Roman" panose="02020603050405020304" pitchFamily="18" charset="0"/>
+              <a:cs typeface="Times New Roman" panose="02020603050405020304" pitchFamily="18" charset="0"/>
+            </a:endParaRPr>
+          </a:p>
+        </p:txBody>
+      </p:sp>
+    </p:spTree>
+    <p:extLst>
+      <p:ext uri="{BB962C8B-B14F-4D97-AF65-F5344CB8AC3E}">
+        <p14:creationId xmlns:p14="http://schemas.microsoft.com/office/powerpoint/2010/main" val="1831030551"/>
+      </p:ext>
+    </p:extLst>
+  </p:cSld>
+  <p:clrMapOvr>
+    <a:masterClrMapping/>
+  </p:clrMapOvr>
+</p:sld>
+</file>
+
+<file path=ppt/slides/slide5.xml><?xml version="1.0" encoding="utf-8"?>
+<p:sld xmlns:a="http://schemas.openxmlformats.org/drawingml/2006/main" xmlns:r="http://schemas.openxmlformats.org/officeDocument/2006/relationships" xmlns:p="http://schemas.openxmlformats.org/presentationml/2006/main">
+  <p:cSld>
+    <p:spTree>
+      <p:nvGrpSpPr>
+        <p:cNvPr id="1" name="Shape 213">
+          <a:extLst>
+            <a:ext uri="{FF2B5EF4-FFF2-40B4-BE49-F238E27FC236}">
+              <a16:creationId xmlns:a16="http://schemas.microsoft.com/office/drawing/2014/main" id="{9E2DA775-1D31-69F0-D023-D8B587A10B9D}"/>
+            </a:ext>
+          </a:extLst>
+        </p:cNvPr>
+        <p:cNvGrpSpPr/>
+        <p:nvPr/>
+      </p:nvGrpSpPr>
+      <p:grpSpPr>
+        <a:xfrm>
+          <a:off x="0" y="0"/>
+          <a:ext cx="0" cy="0"/>
+          <a:chOff x="0" y="0"/>
+          <a:chExt cx="0" cy="0"/>
+        </a:xfrm>
+      </p:grpSpPr>
+      <p:sp>
+        <p:nvSpPr>
+          <p:cNvPr id="214" name="Google Shape;214;p29">
+            <a:extLst>
+              <a:ext uri="{FF2B5EF4-FFF2-40B4-BE49-F238E27FC236}">
+                <a16:creationId xmlns:a16="http://schemas.microsoft.com/office/drawing/2014/main" id="{C151B92B-F60E-14A5-DCF8-8C0FE667DDB9}"/>
+              </a:ext>
+            </a:extLst>
+          </p:cNvPr>
+          <p:cNvSpPr txBox="1">
+            <a:spLocks noGrp="1"/>
+          </p:cNvSpPr>
+          <p:nvPr>
+            <p:ph type="title"/>
+          </p:nvPr>
+        </p:nvSpPr>
+        <p:spPr>
+          <a:xfrm>
+            <a:off x="711291" y="346710"/>
+            <a:ext cx="7086906" cy="572700"/>
+          </a:xfrm>
+          <a:prstGeom prst="rect">
+            <a:avLst/>
+          </a:prstGeom>
+        </p:spPr>
+        <p:txBody>
+          <a:bodyPr spcFirstLastPara="1" wrap="square" lIns="91425" tIns="91425" rIns="91425" bIns="91425" anchor="t" anchorCtr="0">
+            <a:noAutofit/>
+          </a:bodyPr>
+          <a:lstStyle/>
+          <a:p>
+            <a:pPr marL="0" lvl="0" indent="0" algn="l" rtl="0">
+              <a:spcBef>
+                <a:spcPts val="0"/>
+              </a:spcBef>
+              <a:spcAft>
+                <a:spcPts val="0"/>
+              </a:spcAft>
+              <a:buNone/>
+            </a:pPr>
+            <a:r>
+              <a:rPr lang="en-US" dirty="0"/>
+              <a:t>Binary Classification</a:t>
+            </a:r>
+            <a:endParaRPr dirty="0"/>
+          </a:p>
+        </p:txBody>
+      </p:sp>
+      <p:sp>
+        <p:nvSpPr>
+          <p:cNvPr id="2" name="TextBox 1">
+            <a:extLst>
+              <a:ext uri="{FF2B5EF4-FFF2-40B4-BE49-F238E27FC236}">
+                <a16:creationId xmlns:a16="http://schemas.microsoft.com/office/drawing/2014/main" id="{FC7F3105-438E-8BF4-0424-F2801138F694}"/>
+              </a:ext>
+            </a:extLst>
+          </p:cNvPr>
+          <p:cNvSpPr txBox="1"/>
+          <p:nvPr/>
+        </p:nvSpPr>
+        <p:spPr>
+          <a:xfrm>
+            <a:off x="551390" y="884787"/>
+            <a:ext cx="7559040" cy="1631216"/>
+          </a:xfrm>
+          <a:prstGeom prst="rect">
+            <a:avLst/>
+          </a:prstGeom>
+          <a:noFill/>
+        </p:spPr>
+        <p:txBody>
+          <a:bodyPr wrap="square" rtlCol="0">
+            <a:spAutoFit/>
+          </a:bodyPr>
+          <a:lstStyle/>
+          <a:p>
+            <a:r>
+              <a:rPr lang="en-US" b="1" dirty="0"/>
+              <a:t>The model helps to find whether the youth use marijuana or not.</a:t>
+            </a:r>
+          </a:p>
+          <a:p>
+            <a:r>
+              <a:rPr lang="en-US" sz="1200" dirty="0"/>
+              <a:t>Target variable: ‘</a:t>
+            </a:r>
+            <a:r>
+              <a:rPr lang="en-US" sz="1200" dirty="0" err="1"/>
+              <a:t>mrjflag</a:t>
+            </a:r>
+            <a:r>
+              <a:rPr lang="en-US" sz="1200" dirty="0"/>
+              <a:t>’ which indicates marijuana ever used (0=never, 1=ever)</a:t>
+            </a:r>
+          </a:p>
+          <a:p>
+            <a:endParaRPr lang="en-US" sz="1200" dirty="0"/>
+          </a:p>
+          <a:p>
+            <a:r>
+              <a:rPr lang="en-US" b="1" dirty="0"/>
+              <a:t>Predictors: </a:t>
+            </a:r>
+            <a:r>
+              <a:rPr lang="en-US" sz="1200" b="1" dirty="0"/>
+              <a:t>D</a:t>
+            </a:r>
+            <a:r>
+              <a:rPr lang="en-US" sz="1200" dirty="0"/>
+              <a:t>emographic details(sex, </a:t>
+            </a:r>
+            <a:r>
+              <a:rPr lang="en-US" sz="1200" dirty="0" err="1"/>
+              <a:t>income,gender,etc</a:t>
+            </a:r>
+            <a:r>
+              <a:rPr lang="en-US" sz="1200" dirty="0"/>
+              <a:t>), youth specific demographic details(</a:t>
+            </a:r>
+            <a:r>
+              <a:rPr lang="en-US" sz="1200" i="0" dirty="0">
+                <a:solidFill>
+                  <a:srgbClr val="181E25"/>
+                </a:solidFill>
+                <a:effectLst/>
+                <a:latin typeface="LatoWeb"/>
+              </a:rPr>
+              <a:t>parental presence in the household and school attendance)</a:t>
+            </a:r>
+            <a:r>
+              <a:rPr lang="en-US" sz="1200" dirty="0"/>
+              <a:t> and the youth experiences.</a:t>
+            </a:r>
+          </a:p>
+          <a:p>
+            <a:endParaRPr lang="en-US" sz="1200" dirty="0"/>
+          </a:p>
+          <a:p>
+            <a:r>
+              <a:rPr lang="en-US" sz="1200" dirty="0"/>
+              <a:t>- Evaluated model performance based on accuracy score and performed cross validation to get for which shrinkage value the model has performed well based on accuracy.</a:t>
+            </a:r>
+          </a:p>
+        </p:txBody>
+      </p:sp>
+      <p:graphicFrame>
+        <p:nvGraphicFramePr>
+          <p:cNvPr id="3" name="Table 2">
+            <a:extLst>
+              <a:ext uri="{FF2B5EF4-FFF2-40B4-BE49-F238E27FC236}">
+                <a16:creationId xmlns:a16="http://schemas.microsoft.com/office/drawing/2014/main" id="{A1204B34-9D36-2462-BEF6-E331C7A345DA}"/>
+              </a:ext>
+            </a:extLst>
+          </p:cNvPr>
+          <p:cNvGraphicFramePr>
+            <a:graphicFrameLocks noGrp="1"/>
+          </p:cNvGraphicFramePr>
+          <p:nvPr>
+            <p:extLst>
+              <p:ext uri="{D42A27DB-BD31-4B8C-83A1-F6EECF244321}">
+                <p14:modId xmlns:p14="http://schemas.microsoft.com/office/powerpoint/2010/main" val="1231495675"/>
+              </p:ext>
+            </p:extLst>
+          </p:nvPr>
+        </p:nvGraphicFramePr>
+        <p:xfrm>
+          <a:off x="551390" y="2571750"/>
+          <a:ext cx="7346516" cy="2225040"/>
+        </p:xfrm>
+        <a:graphic>
+          <a:graphicData uri="http://schemas.openxmlformats.org/drawingml/2006/table">
+            <a:tbl>
+              <a:tblPr firstRow="1" bandRow="1">
+                <a:tableStyleId>{B73E3ED5-8C8D-4E3C-8D4B-FC8B8E9B9FBF}</a:tableStyleId>
+              </a:tblPr>
+              <a:tblGrid>
+                <a:gridCol w="1836629">
+                  <a:extLst>
+                    <a:ext uri="{9D8B030D-6E8A-4147-A177-3AD203B41FA5}">
+                      <a16:colId xmlns:a16="http://schemas.microsoft.com/office/drawing/2014/main" val="909936581"/>
+                    </a:ext>
+                  </a:extLst>
+                </a:gridCol>
+                <a:gridCol w="1836629">
+                  <a:extLst>
+                    <a:ext uri="{9D8B030D-6E8A-4147-A177-3AD203B41FA5}">
+                      <a16:colId xmlns:a16="http://schemas.microsoft.com/office/drawing/2014/main" val="3684929180"/>
+                    </a:ext>
+                  </a:extLst>
+                </a:gridCol>
+                <a:gridCol w="1836629">
+                  <a:extLst>
+                    <a:ext uri="{9D8B030D-6E8A-4147-A177-3AD203B41FA5}">
+                      <a16:colId xmlns:a16="http://schemas.microsoft.com/office/drawing/2014/main" val="1996251308"/>
+                    </a:ext>
+                  </a:extLst>
+                </a:gridCol>
+                <a:gridCol w="1836629">
+                  <a:extLst>
+                    <a:ext uri="{9D8B030D-6E8A-4147-A177-3AD203B41FA5}">
+                      <a16:colId xmlns:a16="http://schemas.microsoft.com/office/drawing/2014/main" val="2082393775"/>
+                    </a:ext>
+                  </a:extLst>
+                </a:gridCol>
+              </a:tblGrid>
+              <a:tr h="370840">
+                <a:tc>
+                  <a:txBody>
+                    <a:bodyPr/>
+                    <a:lstStyle/>
+                    <a:p>
+                      <a:r>
+                        <a:rPr lang="en-US" b="1" dirty="0"/>
+                        <a:t>Model</a:t>
+                      </a:r>
+                    </a:p>
+                  </a:txBody>
+                  <a:tcPr/>
+                </a:tc>
+                <a:tc>
+                  <a:txBody>
+                    <a:bodyPr/>
+                    <a:lstStyle/>
+                    <a:p>
+                      <a:r>
+                        <a:rPr lang="en-US" b="1" dirty="0"/>
+                        <a:t>Accuracy</a:t>
+                      </a:r>
+                    </a:p>
+                  </a:txBody>
+                  <a:tcPr/>
+                </a:tc>
+                <a:tc>
+                  <a:txBody>
+                    <a:bodyPr/>
+                    <a:lstStyle/>
+                    <a:p>
+                      <a:r>
+                        <a:rPr lang="en-US" b="1" dirty="0"/>
+                        <a:t>Precision Score</a:t>
+                      </a:r>
+                    </a:p>
+                  </a:txBody>
+                  <a:tcPr/>
+                </a:tc>
+                <a:tc>
+                  <a:txBody>
+                    <a:bodyPr/>
+                    <a:lstStyle/>
+                    <a:p>
+                      <a:r>
+                        <a:rPr lang="en-US" b="1" dirty="0"/>
+                        <a:t>Recall</a:t>
+                      </a:r>
+                    </a:p>
+                  </a:txBody>
+                  <a:tcPr/>
+                </a:tc>
+                <a:extLst>
+                  <a:ext uri="{0D108BD9-81ED-4DB2-BD59-A6C34878D82A}">
+                    <a16:rowId xmlns:a16="http://schemas.microsoft.com/office/drawing/2014/main" val="956420632"/>
+                  </a:ext>
+                </a:extLst>
+              </a:tr>
+              <a:tr h="370840">
+                <a:tc>
+                  <a:txBody>
+                    <a:bodyPr/>
+                    <a:lstStyle/>
+                    <a:p>
+                      <a:r>
+                        <a:rPr lang="en-US" dirty="0"/>
+                        <a:t>Decision Tree</a:t>
+                      </a:r>
+                    </a:p>
+                  </a:txBody>
+                  <a:tcPr/>
+                </a:tc>
+                <a:tc>
+                  <a:txBody>
+                    <a:bodyPr/>
+                    <a:lstStyle/>
+                    <a:p>
+                      <a:r>
+                        <a:rPr lang="en-US" dirty="0"/>
+                        <a:t>84.67%</a:t>
+                      </a:r>
+                    </a:p>
+                  </a:txBody>
+                  <a:tcPr/>
+                </a:tc>
+                <a:tc>
+                  <a:txBody>
+                    <a:bodyPr/>
+                    <a:lstStyle/>
+                    <a:p>
+                      <a:r>
+                        <a:rPr lang="en-US" dirty="0"/>
+                        <a:t>0.46 (used)</a:t>
+                      </a:r>
+                    </a:p>
+                  </a:txBody>
+                  <a:tcPr/>
+                </a:tc>
+                <a:tc>
+                  <a:txBody>
+                    <a:bodyPr/>
+                    <a:lstStyle/>
+                    <a:p>
+                      <a:r>
+                        <a:rPr lang="en-US" dirty="0"/>
+                        <a:t>0.47 (used)</a:t>
+                      </a:r>
+                    </a:p>
+                  </a:txBody>
+                  <a:tcPr/>
+                </a:tc>
+                <a:extLst>
+                  <a:ext uri="{0D108BD9-81ED-4DB2-BD59-A6C34878D82A}">
+                    <a16:rowId xmlns:a16="http://schemas.microsoft.com/office/drawing/2014/main" val="1361168703"/>
+                  </a:ext>
+                </a:extLst>
+              </a:tr>
+              <a:tr h="370840">
+                <a:tc>
+                  <a:txBody>
+                    <a:bodyPr/>
+                    <a:lstStyle/>
+                    <a:p>
+                      <a:r>
+                        <a:rPr lang="en-US" dirty="0"/>
+                        <a:t>Pruned Tree</a:t>
+                      </a:r>
+                    </a:p>
+                  </a:txBody>
+                  <a:tcPr/>
+                </a:tc>
+                <a:tc>
+                  <a:txBody>
+                    <a:bodyPr/>
+                    <a:lstStyle/>
+                    <a:p>
+                      <a:r>
+                        <a:rPr lang="en-US" dirty="0"/>
+                        <a:t>87.87%</a:t>
+                      </a:r>
+                    </a:p>
+                  </a:txBody>
+                  <a:tcPr/>
+                </a:tc>
+                <a:tc>
+                  <a:txBody>
+                    <a:bodyPr/>
+                    <a:lstStyle/>
+                    <a:p>
+                      <a:r>
+                        <a:rPr lang="en-US" dirty="0"/>
+                        <a:t>0.64</a:t>
+                      </a:r>
+                    </a:p>
+                  </a:txBody>
+                  <a:tcPr/>
+                </a:tc>
+                <a:tc>
+                  <a:txBody>
+                    <a:bodyPr/>
+                    <a:lstStyle/>
+                    <a:p>
+                      <a:r>
+                        <a:rPr lang="en-US" dirty="0"/>
+                        <a:t>0.32</a:t>
+                      </a:r>
+                    </a:p>
+                  </a:txBody>
+                  <a:tcPr/>
+                </a:tc>
+                <a:extLst>
+                  <a:ext uri="{0D108BD9-81ED-4DB2-BD59-A6C34878D82A}">
+                    <a16:rowId xmlns:a16="http://schemas.microsoft.com/office/drawing/2014/main" val="2566109504"/>
+                  </a:ext>
+                </a:extLst>
+              </a:tr>
+              <a:tr h="370840">
+                <a:tc>
+                  <a:txBody>
+                    <a:bodyPr/>
+                    <a:lstStyle/>
+                    <a:p>
+                      <a:r>
+                        <a:rPr lang="en-US" dirty="0"/>
+                        <a:t>Bagging</a:t>
+                      </a:r>
+                    </a:p>
+                  </a:txBody>
+                  <a:tcPr/>
+                </a:tc>
+                <a:tc>
+                  <a:txBody>
+                    <a:bodyPr/>
+                    <a:lstStyle/>
+                    <a:p>
+                      <a:r>
+                        <a:rPr lang="en-US" dirty="0"/>
+                        <a:t>87.28%</a:t>
+                      </a:r>
+                    </a:p>
+                  </a:txBody>
+                  <a:tcPr/>
+                </a:tc>
+                <a:tc>
+                  <a:txBody>
+                    <a:bodyPr/>
+                    <a:lstStyle/>
+                    <a:p>
+                      <a:r>
+                        <a:rPr lang="en-US" dirty="0"/>
+                        <a:t>0.57</a:t>
+                      </a:r>
+                    </a:p>
+                  </a:txBody>
+                  <a:tcPr/>
+                </a:tc>
+                <a:tc>
+                  <a:txBody>
+                    <a:bodyPr/>
+                    <a:lstStyle/>
+                    <a:p>
+                      <a:r>
+                        <a:rPr lang="en-US" dirty="0"/>
+                        <a:t>0.40</a:t>
+                      </a:r>
+                    </a:p>
+                  </a:txBody>
+                  <a:tcPr/>
+                </a:tc>
+                <a:extLst>
+                  <a:ext uri="{0D108BD9-81ED-4DB2-BD59-A6C34878D82A}">
+                    <a16:rowId xmlns:a16="http://schemas.microsoft.com/office/drawing/2014/main" val="3201662921"/>
+                  </a:ext>
+                </a:extLst>
+              </a:tr>
+              <a:tr h="370840">
+                <a:tc>
+                  <a:txBody>
+                    <a:bodyPr/>
+                    <a:lstStyle/>
+                    <a:p>
+                      <a:r>
+                        <a:rPr lang="en-US" dirty="0"/>
+                        <a:t>Random Forest</a:t>
+                      </a:r>
+                    </a:p>
+                  </a:txBody>
+                  <a:tcPr/>
+                </a:tc>
+                <a:tc>
+                  <a:txBody>
+                    <a:bodyPr/>
+                    <a:lstStyle/>
+                    <a:p>
+                      <a:r>
+                        <a:rPr lang="en-US" dirty="0"/>
+                        <a:t>87.95%</a:t>
+                      </a:r>
+                    </a:p>
+                  </a:txBody>
+                  <a:tcPr/>
+                </a:tc>
+                <a:tc>
+                  <a:txBody>
+                    <a:bodyPr/>
+                    <a:lstStyle/>
+                    <a:p>
+                      <a:r>
+                        <a:rPr lang="en-US" dirty="0"/>
+                        <a:t>0.61</a:t>
+                      </a:r>
+                    </a:p>
+                  </a:txBody>
+                  <a:tcPr/>
+                </a:tc>
+                <a:tc>
+                  <a:txBody>
+                    <a:bodyPr/>
+                    <a:lstStyle/>
+                    <a:p>
+                      <a:r>
+                        <a:rPr lang="en-US" dirty="0"/>
+                        <a:t>0.40</a:t>
+                      </a:r>
+                    </a:p>
+                  </a:txBody>
+                  <a:tcPr/>
+                </a:tc>
+                <a:extLst>
+                  <a:ext uri="{0D108BD9-81ED-4DB2-BD59-A6C34878D82A}">
+                    <a16:rowId xmlns:a16="http://schemas.microsoft.com/office/drawing/2014/main" val="3504250389"/>
+                  </a:ext>
+                </a:extLst>
+              </a:tr>
+              <a:tr h="370840">
+                <a:tc>
+                  <a:txBody>
+                    <a:bodyPr/>
+                    <a:lstStyle/>
+                    <a:p>
+                      <a:r>
+                        <a:rPr lang="en-US" dirty="0"/>
+                        <a:t>Boosting</a:t>
+                      </a:r>
+                    </a:p>
+                  </a:txBody>
+                  <a:tcPr/>
+                </a:tc>
+                <a:tc>
+                  <a:txBody>
+                    <a:bodyPr/>
+                    <a:lstStyle/>
+                    <a:p>
+                      <a:r>
+                        <a:rPr lang="en-US" dirty="0"/>
+                        <a:t>88.29%</a:t>
+                      </a:r>
+                    </a:p>
+                  </a:txBody>
+                  <a:tcPr/>
+                </a:tc>
+                <a:tc>
+                  <a:txBody>
+                    <a:bodyPr/>
+                    <a:lstStyle/>
+                    <a:p>
+                      <a:r>
+                        <a:rPr lang="en-US" dirty="0"/>
+                        <a:t>0.63</a:t>
+                      </a:r>
+                    </a:p>
+                  </a:txBody>
+                  <a:tcPr/>
+                </a:tc>
+                <a:tc>
+                  <a:txBody>
+                    <a:bodyPr/>
+                    <a:lstStyle/>
+                    <a:p>
+                      <a:r>
+                        <a:rPr lang="en-US" dirty="0"/>
+                        <a:t>0.42</a:t>
+                      </a:r>
+                    </a:p>
+                  </a:txBody>
+                  <a:tcPr/>
+                </a:tc>
+                <a:extLst>
+                  <a:ext uri="{0D108BD9-81ED-4DB2-BD59-A6C34878D82A}">
+                    <a16:rowId xmlns:a16="http://schemas.microsoft.com/office/drawing/2014/main" val="3271247045"/>
+                  </a:ext>
+                </a:extLst>
+              </a:tr>
+            </a:tbl>
+          </a:graphicData>
+        </a:graphic>
+      </p:graphicFrame>
+    </p:spTree>
+    <p:extLst>
+      <p:ext uri="{BB962C8B-B14F-4D97-AF65-F5344CB8AC3E}">
+        <p14:creationId xmlns:p14="http://schemas.microsoft.com/office/powerpoint/2010/main" val="2836955639"/>
+      </p:ext>
+    </p:extLst>
+  </p:cSld>
+  <p:clrMapOvr>
+    <a:masterClrMapping/>
+  </p:clrMapOvr>
+</p:sld>
+</file>
+
+<file path=ppt/slides/slide6.xml><?xml version="1.0" encoding="utf-8"?>
+<p:sld xmlns:a="http://schemas.openxmlformats.org/drawingml/2006/main" xmlns:r="http://schemas.openxmlformats.org/officeDocument/2006/relationships" xmlns:p="http://schemas.openxmlformats.org/presentationml/2006/main">
+  <p:cSld>
+    <p:spTree>
+      <p:nvGrpSpPr>
+        <p:cNvPr id="1" name=""/>
+        <p:cNvGrpSpPr/>
+        <p:nvPr/>
+      </p:nvGrpSpPr>
+      <p:grpSpPr>
+        <a:xfrm>
+          <a:off x="0" y="0"/>
+          <a:ext cx="0" cy="0"/>
+          <a:chOff x="0" y="0"/>
+          <a:chExt cx="0" cy="0"/>
+        </a:xfrm>
+      </p:grpSpPr>
+      <p:sp>
+        <p:nvSpPr>
+          <p:cNvPr id="2" name="Title 1">
+            <a:extLst>
+              <a:ext uri="{FF2B5EF4-FFF2-40B4-BE49-F238E27FC236}">
+                <a16:creationId xmlns:a16="http://schemas.microsoft.com/office/drawing/2014/main" id="{8AD760E3-730C-1CF7-9A08-3B55B8E0AC5E}"/>
+              </a:ext>
+            </a:extLst>
+          </p:cNvPr>
+          <p:cNvSpPr>
+            <a:spLocks noGrp="1"/>
+          </p:cNvSpPr>
+          <p:nvPr>
+            <p:ph type="title"/>
+          </p:nvPr>
+        </p:nvSpPr>
+        <p:spPr/>
+        <p:txBody>
+          <a:bodyPr/>
+          <a:lstStyle/>
+          <a:p>
+            <a:r>
+              <a:rPr lang="en-US" sz="2400" dirty="0"/>
+              <a:t>Binary Classification Feature Importance </a:t>
+            </a:r>
+          </a:p>
+        </p:txBody>
+      </p:sp>
+      <p:pic>
+        <p:nvPicPr>
+          <p:cNvPr id="3" name="Picture 2" descr="A graph with blue bars&#10;&#10;Description automatically generated">
+            <a:extLst>
+              <a:ext uri="{FF2B5EF4-FFF2-40B4-BE49-F238E27FC236}">
+                <a16:creationId xmlns:a16="http://schemas.microsoft.com/office/drawing/2014/main" id="{944E9919-1E94-25BB-C07E-DF663B463ED8}"/>
+              </a:ext>
+            </a:extLst>
+          </p:cNvPr>
+          <p:cNvPicPr>
+            <a:picLocks noChangeAspect="1"/>
+          </p:cNvPicPr>
+          <p:nvPr/>
+        </p:nvPicPr>
+        <p:blipFill>
+          <a:blip r:embed="rId2"/>
+          <a:stretch>
+            <a:fillRect/>
+          </a:stretch>
+        </p:blipFill>
+        <p:spPr>
+          <a:xfrm>
+            <a:off x="818612" y="1017725"/>
+            <a:ext cx="6541412" cy="3622926"/>
+          </a:xfrm>
+          <a:prstGeom prst="rect">
+            <a:avLst/>
+          </a:prstGeom>
+        </p:spPr>
+      </p:pic>
+    </p:spTree>
+    <p:extLst>
+      <p:ext uri="{BB962C8B-B14F-4D97-AF65-F5344CB8AC3E}">
+        <p14:creationId xmlns:p14="http://schemas.microsoft.com/office/powerpoint/2010/main" val="244680600"/>
+      </p:ext>
+    </p:extLst>
+  </p:cSld>
+  <p:clrMapOvr>
+    <a:masterClrMapping/>
+  </p:clrMapOvr>
+</p:sld>
+</file>
+
+<file path=ppt/slides/slide7.xml><?xml version="1.0" encoding="utf-8"?>
 <p:sld xmlns:a="http://schemas.openxmlformats.org/drawingml/2006/main" xmlns:r="http://schemas.openxmlformats.org/officeDocument/2006/relationships" xmlns:p="http://schemas.openxmlformats.org/presentationml/2006/main">
   <p:cSld>
     <p:spTree>
@@ -8262,6 +12679,773 @@
     <p:extLst>
       <p:ext uri="{BB962C8B-B14F-4D97-AF65-F5344CB8AC3E}">
         <p14:creationId xmlns:p14="http://schemas.microsoft.com/office/powerpoint/2010/main" val="3317666838"/>
+      </p:ext>
+    </p:extLst>
+  </p:cSld>
+  <p:clrMapOvr>
+    <a:masterClrMapping/>
+  </p:clrMapOvr>
+</p:sld>
+</file>
+
+<file path=ppt/slides/slide8.xml><?xml version="1.0" encoding="utf-8"?>
+<p:sld xmlns:a="http://schemas.openxmlformats.org/drawingml/2006/main" xmlns:r="http://schemas.openxmlformats.org/officeDocument/2006/relationships" xmlns:p="http://schemas.openxmlformats.org/presentationml/2006/main">
+  <p:cSld>
+    <p:spTree>
+      <p:nvGrpSpPr>
+        <p:cNvPr id="1" name="Shape 213">
+          <a:extLst>
+            <a:ext uri="{FF2B5EF4-FFF2-40B4-BE49-F238E27FC236}">
+              <a16:creationId xmlns:a16="http://schemas.microsoft.com/office/drawing/2014/main" id="{25378F9B-E7C8-4C0F-A9EF-BA85EB5C85F2}"/>
+            </a:ext>
+          </a:extLst>
+        </p:cNvPr>
+        <p:cNvGrpSpPr/>
+        <p:nvPr/>
+      </p:nvGrpSpPr>
+      <p:grpSpPr>
+        <a:xfrm>
+          <a:off x="0" y="0"/>
+          <a:ext cx="0" cy="0"/>
+          <a:chOff x="0" y="0"/>
+          <a:chExt cx="0" cy="0"/>
+        </a:xfrm>
+      </p:grpSpPr>
+      <p:sp>
+        <p:nvSpPr>
+          <p:cNvPr id="214" name="Google Shape;214;p29">
+            <a:extLst>
+              <a:ext uri="{FF2B5EF4-FFF2-40B4-BE49-F238E27FC236}">
+                <a16:creationId xmlns:a16="http://schemas.microsoft.com/office/drawing/2014/main" id="{F2418E79-069C-55D3-841B-E74413E6358A}"/>
+              </a:ext>
+            </a:extLst>
+          </p:cNvPr>
+          <p:cNvSpPr txBox="1">
+            <a:spLocks noGrp="1"/>
+          </p:cNvSpPr>
+          <p:nvPr>
+            <p:ph type="title"/>
+          </p:nvPr>
+        </p:nvSpPr>
+        <p:spPr>
+          <a:xfrm>
+            <a:off x="675620" y="318185"/>
+            <a:ext cx="7086906" cy="572700"/>
+          </a:xfrm>
+          <a:prstGeom prst="rect">
+            <a:avLst/>
+          </a:prstGeom>
+        </p:spPr>
+        <p:txBody>
+          <a:bodyPr spcFirstLastPara="1" wrap="square" lIns="91425" tIns="91425" rIns="91425" bIns="91425" anchor="t" anchorCtr="0">
+            <a:noAutofit/>
+          </a:bodyPr>
+          <a:lstStyle/>
+          <a:p>
+            <a:pPr marL="0" lvl="0" indent="0" algn="l" rtl="0">
+              <a:spcBef>
+                <a:spcPts val="0"/>
+              </a:spcBef>
+              <a:spcAft>
+                <a:spcPts val="0"/>
+              </a:spcAft>
+              <a:buNone/>
+            </a:pPr>
+            <a:r>
+              <a:rPr lang="en-US" dirty="0"/>
+              <a:t>Multi-Class Classification</a:t>
+            </a:r>
+            <a:endParaRPr dirty="0"/>
+          </a:p>
+        </p:txBody>
+      </p:sp>
+      <p:sp>
+        <p:nvSpPr>
+          <p:cNvPr id="2" name="TextBox 1">
+            <a:extLst>
+              <a:ext uri="{FF2B5EF4-FFF2-40B4-BE49-F238E27FC236}">
+                <a16:creationId xmlns:a16="http://schemas.microsoft.com/office/drawing/2014/main" id="{62A6415D-5019-D5C0-0DA3-AFF6DA40A5A9}"/>
+              </a:ext>
+            </a:extLst>
+          </p:cNvPr>
+          <p:cNvSpPr txBox="1"/>
+          <p:nvPr/>
+        </p:nvSpPr>
+        <p:spPr>
+          <a:xfrm>
+            <a:off x="487680" y="890885"/>
+            <a:ext cx="7559040" cy="1200329"/>
+          </a:xfrm>
+          <a:prstGeom prst="rect">
+            <a:avLst/>
+          </a:prstGeom>
+          <a:noFill/>
+        </p:spPr>
+        <p:txBody>
+          <a:bodyPr wrap="square" rtlCol="0">
+            <a:spAutoFit/>
+          </a:bodyPr>
+          <a:lstStyle/>
+          <a:p>
+            <a:r>
+              <a:rPr lang="en-US" sz="1200" b="1" i="0" dirty="0">
+                <a:effectLst/>
+                <a:latin typeface="+mn-lt"/>
+              </a:rPr>
+              <a:t>This involves predicting number of days of marijuana use in the past year.</a:t>
+            </a:r>
+          </a:p>
+          <a:p>
+            <a:endParaRPr lang="en-US" sz="1200" b="1" i="0" dirty="0">
+              <a:effectLst/>
+              <a:latin typeface="+mn-lt"/>
+            </a:endParaRPr>
+          </a:p>
+          <a:p>
+            <a:r>
+              <a:rPr lang="en-US" sz="1200" dirty="0">
+                <a:latin typeface="+mn-lt"/>
+              </a:rPr>
+              <a:t>Target variable: '</a:t>
+            </a:r>
+            <a:r>
+              <a:rPr lang="en-US" sz="1200" dirty="0" err="1">
+                <a:latin typeface="+mn-lt"/>
+              </a:rPr>
+              <a:t>mrjydays</a:t>
+            </a:r>
+            <a:r>
+              <a:rPr lang="en-US" sz="1200" dirty="0">
+                <a:latin typeface="+mn-lt"/>
+              </a:rPr>
+              <a:t>’ indicates number of days of marijuana in past year.</a:t>
+            </a:r>
+          </a:p>
+          <a:p>
+            <a:endParaRPr lang="en-US" sz="1200" dirty="0">
+              <a:latin typeface="+mn-lt"/>
+            </a:endParaRPr>
+          </a:p>
+          <a:p>
+            <a:r>
+              <a:rPr lang="en-US" sz="1200" dirty="0"/>
+              <a:t>Based on number of days they’re classified into 6 categories.</a:t>
+            </a:r>
+          </a:p>
+          <a:p>
+            <a:r>
+              <a:rPr lang="en-US" sz="1200" dirty="0"/>
+              <a:t> (1.'Rarely’, 2: 'Occasionally’,  3: 'Sometimes’, 4: 'Frequently’, 5: 'Almost Daily’,  6: 'No Past Year Use’)</a:t>
+            </a:r>
+          </a:p>
+        </p:txBody>
+      </p:sp>
+      <p:graphicFrame>
+        <p:nvGraphicFramePr>
+          <p:cNvPr id="4" name="Table 3">
+            <a:extLst>
+              <a:ext uri="{FF2B5EF4-FFF2-40B4-BE49-F238E27FC236}">
+                <a16:creationId xmlns:a16="http://schemas.microsoft.com/office/drawing/2014/main" id="{67A18DAD-C9C8-929A-3088-B59D89A37564}"/>
+              </a:ext>
+            </a:extLst>
+          </p:cNvPr>
+          <p:cNvGraphicFramePr>
+            <a:graphicFrameLocks noGrp="1"/>
+          </p:cNvGraphicFramePr>
+          <p:nvPr>
+            <p:extLst>
+              <p:ext uri="{D42A27DB-BD31-4B8C-83A1-F6EECF244321}">
+                <p14:modId xmlns:p14="http://schemas.microsoft.com/office/powerpoint/2010/main" val="508893093"/>
+              </p:ext>
+            </p:extLst>
+          </p:nvPr>
+        </p:nvGraphicFramePr>
+        <p:xfrm>
+          <a:off x="824752" y="2214282"/>
+          <a:ext cx="6937772" cy="2270496"/>
+        </p:xfrm>
+        <a:graphic>
+          <a:graphicData uri="http://schemas.openxmlformats.org/drawingml/2006/table">
+            <a:tbl>
+              <a:tblPr firstRow="1" bandRow="1">
+                <a:tableStyleId>{B73E3ED5-8C8D-4E3C-8D4B-FC8B8E9B9FBF}</a:tableStyleId>
+              </a:tblPr>
+              <a:tblGrid>
+                <a:gridCol w="1734443">
+                  <a:extLst>
+                    <a:ext uri="{9D8B030D-6E8A-4147-A177-3AD203B41FA5}">
+                      <a16:colId xmlns:a16="http://schemas.microsoft.com/office/drawing/2014/main" val="602079452"/>
+                    </a:ext>
+                  </a:extLst>
+                </a:gridCol>
+                <a:gridCol w="1734443">
+                  <a:extLst>
+                    <a:ext uri="{9D8B030D-6E8A-4147-A177-3AD203B41FA5}">
+                      <a16:colId xmlns:a16="http://schemas.microsoft.com/office/drawing/2014/main" val="1684263219"/>
+                    </a:ext>
+                  </a:extLst>
+                </a:gridCol>
+                <a:gridCol w="1734443">
+                  <a:extLst>
+                    <a:ext uri="{9D8B030D-6E8A-4147-A177-3AD203B41FA5}">
+                      <a16:colId xmlns:a16="http://schemas.microsoft.com/office/drawing/2014/main" val="496149689"/>
+                    </a:ext>
+                  </a:extLst>
+                </a:gridCol>
+                <a:gridCol w="1734443">
+                  <a:extLst>
+                    <a:ext uri="{9D8B030D-6E8A-4147-A177-3AD203B41FA5}">
+                      <a16:colId xmlns:a16="http://schemas.microsoft.com/office/drawing/2014/main" val="2603956945"/>
+                    </a:ext>
+                  </a:extLst>
+                </a:gridCol>
+              </a:tblGrid>
+              <a:tr h="378416">
+                <a:tc>
+                  <a:txBody>
+                    <a:bodyPr/>
+                    <a:lstStyle/>
+                    <a:p>
+                      <a:r>
+                        <a:rPr lang="en-US" b="1" dirty="0"/>
+                        <a:t>Model</a:t>
+                      </a:r>
+                    </a:p>
+                  </a:txBody>
+                  <a:tcPr/>
+                </a:tc>
+                <a:tc>
+                  <a:txBody>
+                    <a:bodyPr/>
+                    <a:lstStyle/>
+                    <a:p>
+                      <a:r>
+                        <a:rPr lang="en-US" b="1" dirty="0"/>
+                        <a:t>Accuracy</a:t>
+                      </a:r>
+                    </a:p>
+                  </a:txBody>
+                  <a:tcPr/>
+                </a:tc>
+                <a:tc>
+                  <a:txBody>
+                    <a:bodyPr/>
+                    <a:lstStyle/>
+                    <a:p>
+                      <a:r>
+                        <a:rPr lang="en-US" b="1" dirty="0"/>
+                        <a:t>Precision Score</a:t>
+                      </a:r>
+                    </a:p>
+                  </a:txBody>
+                  <a:tcPr/>
+                </a:tc>
+                <a:tc>
+                  <a:txBody>
+                    <a:bodyPr/>
+                    <a:lstStyle/>
+                    <a:p>
+                      <a:r>
+                        <a:rPr lang="en-US" b="1" dirty="0"/>
+                        <a:t>Recall</a:t>
+                      </a:r>
+                    </a:p>
+                  </a:txBody>
+                  <a:tcPr/>
+                </a:tc>
+                <a:extLst>
+                  <a:ext uri="{0D108BD9-81ED-4DB2-BD59-A6C34878D82A}">
+                    <a16:rowId xmlns:a16="http://schemas.microsoft.com/office/drawing/2014/main" val="2837468900"/>
+                  </a:ext>
+                </a:extLst>
+              </a:tr>
+              <a:tr h="378416">
+                <a:tc>
+                  <a:txBody>
+                    <a:bodyPr/>
+                    <a:lstStyle/>
+                    <a:p>
+                      <a:r>
+                        <a:rPr lang="en-US" dirty="0"/>
+                        <a:t>Decision Tree</a:t>
+                      </a:r>
+                    </a:p>
+                  </a:txBody>
+                  <a:tcPr/>
+                </a:tc>
+                <a:tc>
+                  <a:txBody>
+                    <a:bodyPr/>
+                    <a:lstStyle/>
+                    <a:p>
+                      <a:r>
+                        <a:rPr lang="en-US" dirty="0"/>
+                        <a:t>81.07%</a:t>
+                      </a:r>
+                    </a:p>
+                  </a:txBody>
+                  <a:tcPr/>
+                </a:tc>
+                <a:tc>
+                  <a:txBody>
+                    <a:bodyPr/>
+                    <a:lstStyle/>
+                    <a:p>
+                      <a:r>
+                        <a:rPr lang="en-US" dirty="0"/>
+                        <a:t>0.81 </a:t>
+                      </a:r>
+                      <a:r>
+                        <a:rPr lang="en-US" sz="1000" dirty="0"/>
+                        <a:t>('No Past Year Use’)</a:t>
+                      </a:r>
+                      <a:endParaRPr lang="en-US" dirty="0"/>
+                    </a:p>
+                  </a:txBody>
+                  <a:tcPr/>
+                </a:tc>
+                <a:tc>
+                  <a:txBody>
+                    <a:bodyPr/>
+                    <a:lstStyle/>
+                    <a:p>
+                      <a:r>
+                        <a:rPr lang="en-US" dirty="0"/>
+                        <a:t>0.81</a:t>
+                      </a:r>
+                      <a:r>
+                        <a:rPr lang="en-US" sz="1000" dirty="0"/>
+                        <a:t>('No Past Year Use’)</a:t>
+                      </a:r>
+                      <a:endParaRPr lang="en-US" dirty="0"/>
+                    </a:p>
+                  </a:txBody>
+                  <a:tcPr/>
+                </a:tc>
+                <a:extLst>
+                  <a:ext uri="{0D108BD9-81ED-4DB2-BD59-A6C34878D82A}">
+                    <a16:rowId xmlns:a16="http://schemas.microsoft.com/office/drawing/2014/main" val="3891761460"/>
+                  </a:ext>
+                </a:extLst>
+              </a:tr>
+              <a:tr h="378416">
+                <a:tc>
+                  <a:txBody>
+                    <a:bodyPr/>
+                    <a:lstStyle/>
+                    <a:p>
+                      <a:r>
+                        <a:rPr lang="en-US" dirty="0"/>
+                        <a:t>Pruned Tree</a:t>
+                      </a:r>
+                    </a:p>
+                  </a:txBody>
+                  <a:tcPr/>
+                </a:tc>
+                <a:tc>
+                  <a:txBody>
+                    <a:bodyPr/>
+                    <a:lstStyle/>
+                    <a:p>
+                      <a:r>
+                        <a:rPr lang="en-US" dirty="0"/>
+                        <a:t>87.47%</a:t>
+                      </a:r>
+                    </a:p>
+                  </a:txBody>
+                  <a:tcPr/>
+                </a:tc>
+                <a:tc>
+                  <a:txBody>
+                    <a:bodyPr/>
+                    <a:lstStyle/>
+                    <a:p>
+                      <a:r>
+                        <a:rPr lang="en-US" dirty="0"/>
+                        <a:t>0.77</a:t>
+                      </a:r>
+                    </a:p>
+                  </a:txBody>
+                  <a:tcPr/>
+                </a:tc>
+                <a:tc>
+                  <a:txBody>
+                    <a:bodyPr/>
+                    <a:lstStyle/>
+                    <a:p>
+                      <a:r>
+                        <a:rPr lang="en-US" dirty="0"/>
+                        <a:t>0.87</a:t>
+                      </a:r>
+                    </a:p>
+                  </a:txBody>
+                  <a:tcPr/>
+                </a:tc>
+                <a:extLst>
+                  <a:ext uri="{0D108BD9-81ED-4DB2-BD59-A6C34878D82A}">
+                    <a16:rowId xmlns:a16="http://schemas.microsoft.com/office/drawing/2014/main" val="3270039573"/>
+                  </a:ext>
+                </a:extLst>
+              </a:tr>
+              <a:tr h="378416">
+                <a:tc>
+                  <a:txBody>
+                    <a:bodyPr/>
+                    <a:lstStyle/>
+                    <a:p>
+                      <a:r>
+                        <a:rPr lang="en-US" dirty="0"/>
+                        <a:t>Bagging Model</a:t>
+                      </a:r>
+                    </a:p>
+                  </a:txBody>
+                  <a:tcPr/>
+                </a:tc>
+                <a:tc>
+                  <a:txBody>
+                    <a:bodyPr/>
+                    <a:lstStyle/>
+                    <a:p>
+                      <a:r>
+                        <a:rPr lang="en-US" dirty="0"/>
+                        <a:t>86.85%</a:t>
+                      </a:r>
+                    </a:p>
+                  </a:txBody>
+                  <a:tcPr/>
+                </a:tc>
+                <a:tc>
+                  <a:txBody>
+                    <a:bodyPr/>
+                    <a:lstStyle/>
+                    <a:p>
+                      <a:r>
+                        <a:rPr lang="en-US" dirty="0"/>
+                        <a:t>0.79</a:t>
+                      </a:r>
+                    </a:p>
+                  </a:txBody>
+                  <a:tcPr/>
+                </a:tc>
+                <a:tc>
+                  <a:txBody>
+                    <a:bodyPr/>
+                    <a:lstStyle/>
+                    <a:p>
+                      <a:r>
+                        <a:rPr lang="en-US" dirty="0"/>
+                        <a:t>0.87</a:t>
+                      </a:r>
+                    </a:p>
+                  </a:txBody>
+                  <a:tcPr/>
+                </a:tc>
+                <a:extLst>
+                  <a:ext uri="{0D108BD9-81ED-4DB2-BD59-A6C34878D82A}">
+                    <a16:rowId xmlns:a16="http://schemas.microsoft.com/office/drawing/2014/main" val="3250271155"/>
+                  </a:ext>
+                </a:extLst>
+              </a:tr>
+              <a:tr h="378416">
+                <a:tc>
+                  <a:txBody>
+                    <a:bodyPr/>
+                    <a:lstStyle/>
+                    <a:p>
+                      <a:r>
+                        <a:rPr lang="en-US" dirty="0"/>
+                        <a:t>Random Forest</a:t>
+                      </a:r>
+                    </a:p>
+                  </a:txBody>
+                  <a:tcPr/>
+                </a:tc>
+                <a:tc>
+                  <a:txBody>
+                    <a:bodyPr/>
+                    <a:lstStyle/>
+                    <a:p>
+                      <a:r>
+                        <a:rPr lang="en-US" dirty="0"/>
+                        <a:t>87.13%</a:t>
+                      </a:r>
+                    </a:p>
+                  </a:txBody>
+                  <a:tcPr/>
+                </a:tc>
+                <a:tc>
+                  <a:txBody>
+                    <a:bodyPr/>
+                    <a:lstStyle/>
+                    <a:p>
+                      <a:r>
+                        <a:rPr lang="en-US" dirty="0"/>
+                        <a:t>0.80</a:t>
+                      </a:r>
+                    </a:p>
+                  </a:txBody>
+                  <a:tcPr/>
+                </a:tc>
+                <a:tc>
+                  <a:txBody>
+                    <a:bodyPr/>
+                    <a:lstStyle/>
+                    <a:p>
+                      <a:r>
+                        <a:rPr lang="en-US" dirty="0"/>
+                        <a:t>0.87</a:t>
+                      </a:r>
+                    </a:p>
+                  </a:txBody>
+                  <a:tcPr/>
+                </a:tc>
+                <a:extLst>
+                  <a:ext uri="{0D108BD9-81ED-4DB2-BD59-A6C34878D82A}">
+                    <a16:rowId xmlns:a16="http://schemas.microsoft.com/office/drawing/2014/main" val="669347122"/>
+                  </a:ext>
+                </a:extLst>
+              </a:tr>
+              <a:tr h="378416">
+                <a:tc>
+                  <a:txBody>
+                    <a:bodyPr/>
+                    <a:lstStyle/>
+                    <a:p>
+                      <a:r>
+                        <a:rPr lang="en-US" dirty="0"/>
+                        <a:t>Boosting Model</a:t>
+                      </a:r>
+                    </a:p>
+                  </a:txBody>
+                  <a:tcPr/>
+                </a:tc>
+                <a:tc>
+                  <a:txBody>
+                    <a:bodyPr/>
+                    <a:lstStyle/>
+                    <a:p>
+                      <a:r>
+                        <a:rPr lang="en-US" dirty="0"/>
+                        <a:t>87.69%</a:t>
+                      </a:r>
+                    </a:p>
+                  </a:txBody>
+                  <a:tcPr/>
+                </a:tc>
+                <a:tc>
+                  <a:txBody>
+                    <a:bodyPr/>
+                    <a:lstStyle/>
+                    <a:p>
+                      <a:r>
+                        <a:rPr lang="en-US" dirty="0"/>
+                        <a:t>0.82</a:t>
+                      </a:r>
+                    </a:p>
+                  </a:txBody>
+                  <a:tcPr/>
+                </a:tc>
+                <a:tc>
+                  <a:txBody>
+                    <a:bodyPr/>
+                    <a:lstStyle/>
+                    <a:p>
+                      <a:r>
+                        <a:rPr lang="en-US" dirty="0"/>
+                        <a:t>0.88</a:t>
+                      </a:r>
+                    </a:p>
+                  </a:txBody>
+                  <a:tcPr/>
+                </a:tc>
+                <a:extLst>
+                  <a:ext uri="{0D108BD9-81ED-4DB2-BD59-A6C34878D82A}">
+                    <a16:rowId xmlns:a16="http://schemas.microsoft.com/office/drawing/2014/main" val="3188919935"/>
+                  </a:ext>
+                </a:extLst>
+              </a:tr>
+            </a:tbl>
+          </a:graphicData>
+        </a:graphic>
+      </p:graphicFrame>
+    </p:spTree>
+    <p:extLst>
+      <p:ext uri="{BB962C8B-B14F-4D97-AF65-F5344CB8AC3E}">
+        <p14:creationId xmlns:p14="http://schemas.microsoft.com/office/powerpoint/2010/main" val="599454852"/>
+      </p:ext>
+    </p:extLst>
+  </p:cSld>
+  <p:clrMapOvr>
+    <a:masterClrMapping/>
+  </p:clrMapOvr>
+</p:sld>
+</file>
+
+<file path=ppt/slides/slide9.xml><?xml version="1.0" encoding="utf-8"?>
+<p:sld xmlns:a="http://schemas.openxmlformats.org/drawingml/2006/main" xmlns:r="http://schemas.openxmlformats.org/officeDocument/2006/relationships" xmlns:p="http://schemas.openxmlformats.org/presentationml/2006/main">
+  <p:cSld>
+    <p:spTree>
+      <p:nvGrpSpPr>
+        <p:cNvPr id="1" name=""/>
+        <p:cNvGrpSpPr/>
+        <p:nvPr/>
+      </p:nvGrpSpPr>
+      <p:grpSpPr>
+        <a:xfrm>
+          <a:off x="0" y="0"/>
+          <a:ext cx="0" cy="0"/>
+          <a:chOff x="0" y="0"/>
+          <a:chExt cx="0" cy="0"/>
+        </a:xfrm>
+      </p:grpSpPr>
+      <p:sp>
+        <p:nvSpPr>
+          <p:cNvPr id="2" name="Title 1">
+            <a:extLst>
+              <a:ext uri="{FF2B5EF4-FFF2-40B4-BE49-F238E27FC236}">
+                <a16:creationId xmlns:a16="http://schemas.microsoft.com/office/drawing/2014/main" id="{CFFC04DF-F8EF-4BAC-E7B8-A338574FB1E7}"/>
+              </a:ext>
+            </a:extLst>
+          </p:cNvPr>
+          <p:cNvSpPr>
+            <a:spLocks noGrp="1"/>
+          </p:cNvSpPr>
+          <p:nvPr>
+            <p:ph type="title"/>
+          </p:nvPr>
+        </p:nvSpPr>
+        <p:spPr/>
+        <p:txBody>
+          <a:bodyPr/>
+          <a:lstStyle/>
+          <a:p>
+            <a:r>
+              <a:rPr lang="en-US" dirty="0"/>
+              <a:t>Feature Importance</a:t>
+            </a:r>
+          </a:p>
+        </p:txBody>
+      </p:sp>
+      <p:pic>
+        <p:nvPicPr>
+          <p:cNvPr id="3" name="Picture 2" descr="A chart with numbers and a yellow square&#10;&#10;Description automatically generated">
+            <a:extLst>
+              <a:ext uri="{FF2B5EF4-FFF2-40B4-BE49-F238E27FC236}">
+                <a16:creationId xmlns:a16="http://schemas.microsoft.com/office/drawing/2014/main" id="{26A39B6C-9B1C-29FA-8DC5-43ED7C8746D1}"/>
+              </a:ext>
+            </a:extLst>
+          </p:cNvPr>
+          <p:cNvPicPr>
+            <a:picLocks noChangeAspect="1"/>
+          </p:cNvPicPr>
+          <p:nvPr/>
+        </p:nvPicPr>
+        <p:blipFill>
+          <a:blip r:embed="rId2"/>
+          <a:stretch>
+            <a:fillRect/>
+          </a:stretch>
+        </p:blipFill>
+        <p:spPr>
+          <a:xfrm>
+            <a:off x="487680" y="1106562"/>
+            <a:ext cx="3307366" cy="2739926"/>
+          </a:xfrm>
+          <a:prstGeom prst="rect">
+            <a:avLst/>
+          </a:prstGeom>
+        </p:spPr>
+      </p:pic>
+      <p:pic>
+        <p:nvPicPr>
+          <p:cNvPr id="4" name="Picture 3" descr="A graph with blue and white text&#10;&#10;Description automatically generated">
+            <a:extLst>
+              <a:ext uri="{FF2B5EF4-FFF2-40B4-BE49-F238E27FC236}">
+                <a16:creationId xmlns:a16="http://schemas.microsoft.com/office/drawing/2014/main" id="{B1042B88-E71E-EE37-14B3-52356248B6AF}"/>
+              </a:ext>
+            </a:extLst>
+          </p:cNvPr>
+          <p:cNvPicPr>
+            <a:picLocks noChangeAspect="1"/>
+          </p:cNvPicPr>
+          <p:nvPr/>
+        </p:nvPicPr>
+        <p:blipFill>
+          <a:blip r:embed="rId3"/>
+          <a:stretch>
+            <a:fillRect/>
+          </a:stretch>
+        </p:blipFill>
+        <p:spPr>
+          <a:xfrm>
+            <a:off x="3795046" y="890246"/>
+            <a:ext cx="4628954" cy="2704893"/>
+          </a:xfrm>
+          <a:prstGeom prst="rect">
+            <a:avLst/>
+          </a:prstGeom>
+        </p:spPr>
+      </p:pic>
+      <p:sp>
+        <p:nvSpPr>
+          <p:cNvPr id="5" name="TextBox 4">
+            <a:extLst>
+              <a:ext uri="{FF2B5EF4-FFF2-40B4-BE49-F238E27FC236}">
+                <a16:creationId xmlns:a16="http://schemas.microsoft.com/office/drawing/2014/main" id="{0DAE601D-2EFA-5B7D-9C9A-8D8024005CD1}"/>
+              </a:ext>
+            </a:extLst>
+          </p:cNvPr>
+          <p:cNvSpPr txBox="1"/>
+          <p:nvPr/>
+        </p:nvSpPr>
+        <p:spPr>
+          <a:xfrm>
+            <a:off x="487680" y="3935325"/>
+            <a:ext cx="7411911" cy="1046440"/>
+          </a:xfrm>
+          <a:prstGeom prst="rect">
+            <a:avLst/>
+          </a:prstGeom>
+          <a:noFill/>
+        </p:spPr>
+        <p:txBody>
+          <a:bodyPr wrap="square" rtlCol="0">
+            <a:spAutoFit/>
+          </a:bodyPr>
+          <a:lstStyle/>
+          <a:p>
+            <a:pPr marL="285750" indent="-285750">
+              <a:buFontTx/>
+              <a:buChar char="-"/>
+            </a:pPr>
+            <a:r>
+              <a:rPr lang="en-US" sz="1200" dirty="0"/>
+              <a:t>Though pruning gave best results, but the optimal tree size evaluated using cross validation is 2. This is likely due to the imbalance dataset.</a:t>
+            </a:r>
+          </a:p>
+          <a:p>
+            <a:pPr marL="285750" indent="-285750">
+              <a:buFontTx/>
+              <a:buChar char="-"/>
+            </a:pPr>
+            <a:r>
+              <a:rPr lang="en-US" sz="1200" dirty="0"/>
+              <a:t>The class 6 dominates ~87% of the data. Due to which the model by default predict the ‘No Past Year Use’ for boosting the accuracy.</a:t>
+            </a:r>
+          </a:p>
+          <a:p>
+            <a:pPr marL="285750" indent="-285750">
+              <a:buFontTx/>
+              <a:buChar char="-"/>
+            </a:pPr>
+            <a:endParaRPr lang="en-US" dirty="0"/>
+          </a:p>
+        </p:txBody>
+      </p:sp>
+    </p:spTree>
+    <p:extLst>
+      <p:ext uri="{BB962C8B-B14F-4D97-AF65-F5344CB8AC3E}">
+        <p14:creationId xmlns:p14="http://schemas.microsoft.com/office/powerpoint/2010/main" val="3073706497"/>
       </p:ext>
     </p:extLst>
   </p:cSld>

--- a/Youth_marijuana_use_analysis.pptx
+++ b/Youth_marijuana_use_analysis.pptx
@@ -11684,8 +11684,8 @@
         </p:nvSpPr>
         <p:spPr>
           <a:xfrm>
-            <a:off x="595731" y="1017725"/>
-            <a:ext cx="7559040" cy="3924151"/>
+            <a:off x="483933" y="919442"/>
+            <a:ext cx="7559040" cy="3931846"/>
           </a:xfrm>
           <a:prstGeom prst="rect">
             <a:avLst/>
@@ -11698,6 +11698,11 @@
           </a:bodyPr>
           <a:lstStyle/>
           <a:p>
+            <a:pPr>
+              <a:lnSpc>
+                <a:spcPct val="150000"/>
+              </a:lnSpc>
+            </a:pPr>
             <a:r>
               <a:rPr lang="en-US" b="1" dirty="0">
                 <a:latin typeface="Times New Roman" panose="02020603050405020304" pitchFamily="18" charset="0"/>
@@ -11707,58 +11712,49 @@
             </a:r>
           </a:p>
           <a:p>
+            <a:pPr>
+              <a:lnSpc>
+                <a:spcPct val="150000"/>
+              </a:lnSpc>
+            </a:pPr>
             <a:r>
               <a:rPr lang="en-US" sz="1200" dirty="0">
                 <a:latin typeface="Times New Roman" panose="02020603050405020304" pitchFamily="18" charset="0"/>
                 <a:cs typeface="Times New Roman" panose="02020603050405020304" pitchFamily="18" charset="0"/>
               </a:rPr>
-              <a:t>- </a:t>
+              <a:t>-  </a:t>
             </a:r>
             <a:r>
               <a:rPr lang="en-US" sz="1300" dirty="0">
                 <a:latin typeface="Times New Roman" panose="02020603050405020304" pitchFamily="18" charset="0"/>
                 <a:cs typeface="Times New Roman" panose="02020603050405020304" pitchFamily="18" charset="0"/>
               </a:rPr>
-              <a:t>Removed the data with missing values or the column where the response is not known.</a:t>
+              <a:t>Removed the data with missing values and renamed the columns</a:t>
             </a:r>
           </a:p>
           <a:p>
-            <a:pPr marL="171450" indent="-171450">
-              <a:buFontTx/>
-              <a:buChar char="-"/>
-            </a:pPr>
             <a:r>
               <a:rPr lang="en-US" sz="1300" dirty="0">
                 <a:latin typeface="Times New Roman" panose="02020603050405020304" pitchFamily="18" charset="0"/>
                 <a:cs typeface="Times New Roman" panose="02020603050405020304" pitchFamily="18" charset="0"/>
               </a:rPr>
-              <a:t>Renamed the columns</a:t>
+              <a:t>- One hot encoding for categorical variables</a:t>
             </a:r>
           </a:p>
           <a:p>
-            <a:pPr marL="171450" indent="-171450">
-              <a:buFontTx/>
-              <a:buChar char="-"/>
-            </a:pPr>
+            <a:r>
+              <a:rPr lang="en-US" sz="1300">
+                <a:latin typeface="Times New Roman" panose="02020603050405020304" pitchFamily="18" charset="0"/>
+                <a:cs typeface="Times New Roman" panose="02020603050405020304" pitchFamily="18" charset="0"/>
+              </a:rPr>
+              <a:t>- Mapped </a:t>
+            </a:r>
             <a:r>
               <a:rPr lang="en-US" sz="1300" dirty="0">
                 <a:latin typeface="Times New Roman" panose="02020603050405020304" pitchFamily="18" charset="0"/>
                 <a:cs typeface="Times New Roman" panose="02020603050405020304" pitchFamily="18" charset="0"/>
               </a:rPr>
-              <a:t>One hot encoding for categorical variables</a:t>
-            </a:r>
-          </a:p>
-          <a:p>
-            <a:pPr marL="171450" indent="-171450">
-              <a:buFontTx/>
-              <a:buChar char="-"/>
-            </a:pPr>
-            <a:r>
-              <a:rPr lang="en-US" sz="1300" dirty="0">
-                <a:latin typeface="Times New Roman" panose="02020603050405020304" pitchFamily="18" charset="0"/>
-                <a:cs typeface="Times New Roman" panose="02020603050405020304" pitchFamily="18" charset="0"/>
-              </a:rPr>
-              <a:t>Mapped ordinal labels to suitable class names</a:t>
+              <a:t>ordinal labels to suitable class names</a:t>
             </a:r>
           </a:p>
           <a:p>
